--- a/files/Tutorial-9/CSC236 Tutorial Slides.pptx
+++ b/files/Tutorial-9/CSC236 Tutorial Slides.pptx
@@ -1,43 +1,35 @@
 
 <file path=ppt/presentation.xml><?xml version="1.0" encoding="utf-8"?>
-<p:presentation xmlns:a="http://schemas.openxmlformats.org/drawingml/2006/main" xmlns:r="http://schemas.openxmlformats.org/officeDocument/2006/relationships" xmlns:mc="http://schemas.openxmlformats.org/markup-compatibility/2006" xmlns:mv="urn:schemas-microsoft-com:mac:vml" xmlns:p="http://schemas.openxmlformats.org/presentationml/2006/main" xmlns:c="http://schemas.openxmlformats.org/drawingml/2006/chart" xmlns:dgm="http://schemas.openxmlformats.org/drawingml/2006/diagram" xmlns:o="urn:schemas-microsoft-com:office:office" xmlns:v="urn:schemas-microsoft-com:vml" xmlns:pvml="urn:schemas-microsoft-com:office:powerpoint" xmlns:com="http://schemas.openxmlformats.org/drawingml/2006/compatibility" xmlns:p14="http://schemas.microsoft.com/office/powerpoint/2010/main" xmlns:p15="http://schemas.microsoft.com/office/powerpoint/2012/main" autoCompressPictures="0" strictFirstAndLastChars="0" saveSubsetFonts="1">
+<p:presentation xmlns:a="http://schemas.openxmlformats.org/drawingml/2006/main" xmlns:r="http://schemas.openxmlformats.org/officeDocument/2006/relationships" xmlns:p="http://schemas.openxmlformats.org/presentationml/2006/main" strictFirstAndLastChars="0" saveSubsetFonts="1" autoCompressPictures="0">
   <p:sldMasterIdLst>
-    <p:sldMasterId id="2147483659" r:id="rId4"/>
+    <p:sldMasterId id="2147483659" r:id="rId1"/>
   </p:sldMasterIdLst>
   <p:notesMasterIdLst>
-    <p:notesMasterId r:id="rId5"/>
+    <p:notesMasterId r:id="rId19"/>
   </p:notesMasterIdLst>
   <p:sldIdLst>
-    <p:sldId id="256" r:id="rId6"/>
-    <p:sldId id="257" r:id="rId7"/>
-    <p:sldId id="258" r:id="rId8"/>
-    <p:sldId id="259" r:id="rId9"/>
-    <p:sldId id="260" r:id="rId10"/>
-    <p:sldId id="261" r:id="rId11"/>
-    <p:sldId id="262" r:id="rId12"/>
-    <p:sldId id="263" r:id="rId13"/>
-    <p:sldId id="264" r:id="rId14"/>
-    <p:sldId id="265" r:id="rId15"/>
-    <p:sldId id="266" r:id="rId16"/>
-    <p:sldId id="267" r:id="rId17"/>
-    <p:sldId id="268" r:id="rId18"/>
-    <p:sldId id="269" r:id="rId19"/>
-    <p:sldId id="270" r:id="rId20"/>
-    <p:sldId id="271" r:id="rId21"/>
-    <p:sldId id="272" r:id="rId22"/>
-    <p:sldId id="273" r:id="rId23"/>
-    <p:sldId id="274" r:id="rId24"/>
-    <p:sldId id="275" r:id="rId25"/>
-    <p:sldId id="276" r:id="rId26"/>
-    <p:sldId id="277" r:id="rId27"/>
-    <p:sldId id="278" r:id="rId28"/>
-    <p:sldId id="279" r:id="rId29"/>
-    <p:sldId id="280" r:id="rId30"/>
+    <p:sldId id="256" r:id="rId2"/>
+    <p:sldId id="257" r:id="rId3"/>
+    <p:sldId id="258" r:id="rId4"/>
+    <p:sldId id="259" r:id="rId5"/>
+    <p:sldId id="260" r:id="rId6"/>
+    <p:sldId id="261" r:id="rId7"/>
+    <p:sldId id="262" r:id="rId8"/>
+    <p:sldId id="263" r:id="rId9"/>
+    <p:sldId id="264" r:id="rId10"/>
+    <p:sldId id="265" r:id="rId11"/>
+    <p:sldId id="266" r:id="rId12"/>
+    <p:sldId id="267" r:id="rId13"/>
+    <p:sldId id="268" r:id="rId14"/>
+    <p:sldId id="269" r:id="rId15"/>
+    <p:sldId id="270" r:id="rId16"/>
+    <p:sldId id="281" r:id="rId17"/>
+    <p:sldId id="280" r:id="rId18"/>
   </p:sldIdLst>
-  <p:sldSz cy="5143500" cx="9144000"/>
+  <p:sldSz cx="9144000" cy="5143500" type="screen16x9"/>
   <p:notesSz cx="6858000" cy="9144000"/>
   <p:defaultTextStyle>
-    <a:defPPr lvl="0" marR="0" rtl="0" algn="l">
+    <a:defPPr marR="0" lvl="0" algn="l" rtl="0">
       <a:lnSpc>
         <a:spcPct val="100000"/>
       </a:lnSpc>
@@ -48,7 +40,7 @@
         <a:spcPts val="0"/>
       </a:spcAft>
     </a:defPPr>
-    <a:lvl1pPr lvl="0" marR="0" rtl="0" algn="l">
+    <a:lvl1pPr marR="0" lvl="0" algn="l" rtl="0">
       <a:lnSpc>
         <a:spcPct val="100000"/>
       </a:lnSpc>
@@ -62,7 +54,7 @@
         <a:srgbClr val="000000"/>
       </a:buClr>
       <a:buFont typeface="Arial"/>
-      <a:defRPr b="0" i="0" sz="1400" u="none" cap="none" strike="noStrike">
+      <a:defRPr sz="1400" b="0" i="0" u="none" strike="noStrike" cap="none">
         <a:solidFill>
           <a:srgbClr val="000000"/>
         </a:solidFill>
@@ -72,7 +64,7 @@
         <a:sym typeface="Arial"/>
       </a:defRPr>
     </a:lvl1pPr>
-    <a:lvl2pPr lvl="1" marR="0" rtl="0" algn="l">
+    <a:lvl2pPr marR="0" lvl="1" algn="l" rtl="0">
       <a:lnSpc>
         <a:spcPct val="100000"/>
       </a:lnSpc>
@@ -86,7 +78,7 @@
         <a:srgbClr val="000000"/>
       </a:buClr>
       <a:buFont typeface="Arial"/>
-      <a:defRPr b="0" i="0" sz="1400" u="none" cap="none" strike="noStrike">
+      <a:defRPr sz="1400" b="0" i="0" u="none" strike="noStrike" cap="none">
         <a:solidFill>
           <a:srgbClr val="000000"/>
         </a:solidFill>
@@ -96,7 +88,7 @@
         <a:sym typeface="Arial"/>
       </a:defRPr>
     </a:lvl2pPr>
-    <a:lvl3pPr lvl="2" marR="0" rtl="0" algn="l">
+    <a:lvl3pPr marR="0" lvl="2" algn="l" rtl="0">
       <a:lnSpc>
         <a:spcPct val="100000"/>
       </a:lnSpc>
@@ -110,7 +102,7 @@
         <a:srgbClr val="000000"/>
       </a:buClr>
       <a:buFont typeface="Arial"/>
-      <a:defRPr b="0" i="0" sz="1400" u="none" cap="none" strike="noStrike">
+      <a:defRPr sz="1400" b="0" i="0" u="none" strike="noStrike" cap="none">
         <a:solidFill>
           <a:srgbClr val="000000"/>
         </a:solidFill>
@@ -120,7 +112,7 @@
         <a:sym typeface="Arial"/>
       </a:defRPr>
     </a:lvl3pPr>
-    <a:lvl4pPr lvl="3" marR="0" rtl="0" algn="l">
+    <a:lvl4pPr marR="0" lvl="3" algn="l" rtl="0">
       <a:lnSpc>
         <a:spcPct val="100000"/>
       </a:lnSpc>
@@ -134,7 +126,7 @@
         <a:srgbClr val="000000"/>
       </a:buClr>
       <a:buFont typeface="Arial"/>
-      <a:defRPr b="0" i="0" sz="1400" u="none" cap="none" strike="noStrike">
+      <a:defRPr sz="1400" b="0" i="0" u="none" strike="noStrike" cap="none">
         <a:solidFill>
           <a:srgbClr val="000000"/>
         </a:solidFill>
@@ -144,7 +136,7 @@
         <a:sym typeface="Arial"/>
       </a:defRPr>
     </a:lvl4pPr>
-    <a:lvl5pPr lvl="4" marR="0" rtl="0" algn="l">
+    <a:lvl5pPr marR="0" lvl="4" algn="l" rtl="0">
       <a:lnSpc>
         <a:spcPct val="100000"/>
       </a:lnSpc>
@@ -158,7 +150,7 @@
         <a:srgbClr val="000000"/>
       </a:buClr>
       <a:buFont typeface="Arial"/>
-      <a:defRPr b="0" i="0" sz="1400" u="none" cap="none" strike="noStrike">
+      <a:defRPr sz="1400" b="0" i="0" u="none" strike="noStrike" cap="none">
         <a:solidFill>
           <a:srgbClr val="000000"/>
         </a:solidFill>
@@ -168,7 +160,7 @@
         <a:sym typeface="Arial"/>
       </a:defRPr>
     </a:lvl5pPr>
-    <a:lvl6pPr lvl="5" marR="0" rtl="0" algn="l">
+    <a:lvl6pPr marR="0" lvl="5" algn="l" rtl="0">
       <a:lnSpc>
         <a:spcPct val="100000"/>
       </a:lnSpc>
@@ -182,7 +174,7 @@
         <a:srgbClr val="000000"/>
       </a:buClr>
       <a:buFont typeface="Arial"/>
-      <a:defRPr b="0" i="0" sz="1400" u="none" cap="none" strike="noStrike">
+      <a:defRPr sz="1400" b="0" i="0" u="none" strike="noStrike" cap="none">
         <a:solidFill>
           <a:srgbClr val="000000"/>
         </a:solidFill>
@@ -192,7 +184,7 @@
         <a:sym typeface="Arial"/>
       </a:defRPr>
     </a:lvl6pPr>
-    <a:lvl7pPr lvl="6" marR="0" rtl="0" algn="l">
+    <a:lvl7pPr marR="0" lvl="6" algn="l" rtl="0">
       <a:lnSpc>
         <a:spcPct val="100000"/>
       </a:lnSpc>
@@ -206,7 +198,7 @@
         <a:srgbClr val="000000"/>
       </a:buClr>
       <a:buFont typeface="Arial"/>
-      <a:defRPr b="0" i="0" sz="1400" u="none" cap="none" strike="noStrike">
+      <a:defRPr sz="1400" b="0" i="0" u="none" strike="noStrike" cap="none">
         <a:solidFill>
           <a:srgbClr val="000000"/>
         </a:solidFill>
@@ -216,7 +208,7 @@
         <a:sym typeface="Arial"/>
       </a:defRPr>
     </a:lvl7pPr>
-    <a:lvl8pPr lvl="7" marR="0" rtl="0" algn="l">
+    <a:lvl8pPr marR="0" lvl="7" algn="l" rtl="0">
       <a:lnSpc>
         <a:spcPct val="100000"/>
       </a:lnSpc>
@@ -230,7 +222,7 @@
         <a:srgbClr val="000000"/>
       </a:buClr>
       <a:buFont typeface="Arial"/>
-      <a:defRPr b="0" i="0" sz="1400" u="none" cap="none" strike="noStrike">
+      <a:defRPr sz="1400" b="0" i="0" u="none" strike="noStrike" cap="none">
         <a:solidFill>
           <a:srgbClr val="000000"/>
         </a:solidFill>
@@ -240,7 +232,7 @@
         <a:sym typeface="Arial"/>
       </a:defRPr>
     </a:lvl8pPr>
-    <a:lvl9pPr lvl="8" marR="0" rtl="0" algn="l">
+    <a:lvl9pPr marR="0" lvl="8" algn="l" rtl="0">
       <a:lnSpc>
         <a:spcPct val="100000"/>
       </a:lnSpc>
@@ -254,7 +246,7 @@
         <a:srgbClr val="000000"/>
       </a:buClr>
       <a:buFont typeface="Arial"/>
-      <a:defRPr b="0" i="0" sz="1400" u="none" cap="none" strike="noStrike">
+      <a:defRPr sz="1400" b="0" i="0" u="none" strike="noStrike" cap="none">
         <a:solidFill>
           <a:srgbClr val="000000"/>
         </a:solidFill>
@@ -267,7 +259,7 @@
   </p:defaultTextStyle>
   <p:extLst>
     <p:ext uri="{EFAFB233-063F-42B5-8137-9DF3F51BA10A}">
-      <p15:sldGuideLst>
+      <p15:sldGuideLst xmlns:p15="http://schemas.microsoft.com/office/powerpoint/2012/main">
         <p15:guide id="1" orient="horz" pos="1620">
           <p15:clr>
             <a:srgbClr val="A4A3A4"/>
@@ -285,11 +277,16 @@
 </file>
 
 <file path=ppt/notesMasters/notesMaster1.xml><?xml version="1.0" encoding="utf-8"?>
-<p:notesMaster xmlns:a="http://schemas.openxmlformats.org/drawingml/2006/main" xmlns:r="http://schemas.openxmlformats.org/officeDocument/2006/relationships" xmlns:mc="http://schemas.openxmlformats.org/markup-compatibility/2006" xmlns:mv="urn:schemas-microsoft-com:mac:vml" xmlns:p="http://schemas.openxmlformats.org/presentationml/2006/main" xmlns:c="http://schemas.openxmlformats.org/drawingml/2006/chart" xmlns:dgm="http://schemas.openxmlformats.org/drawingml/2006/diagram" xmlns:o="urn:schemas-microsoft-com:office:office" xmlns:v="urn:schemas-microsoft-com:vml" xmlns:pvml="urn:schemas-microsoft-com:office:powerpoint" xmlns:com="http://schemas.openxmlformats.org/drawingml/2006/compatibility" xmlns:p14="http://schemas.microsoft.com/office/powerpoint/2010/main" xmlns:p15="http://schemas.microsoft.com/office/powerpoint/2012/main">
+<p:notesMaster xmlns:a="http://schemas.openxmlformats.org/drawingml/2006/main" xmlns:r="http://schemas.openxmlformats.org/officeDocument/2006/relationships" xmlns:p="http://schemas.openxmlformats.org/presentationml/2006/main">
   <p:cSld>
+    <p:bg>
+      <p:bgRef idx="1001">
+        <a:schemeClr val="bg1"/>
+      </p:bgRef>
+    </p:bg>
     <p:spTree>
       <p:nvGrpSpPr>
-        <p:cNvPr id="2" name="Shape 2"/>
+        <p:cNvPr id="1" name="Shape 2"/>
         <p:cNvGrpSpPr/>
         <p:nvPr/>
       </p:nvGrpSpPr>
@@ -304,9 +301,11 @@
       <p:sp>
         <p:nvSpPr>
           <p:cNvPr id="3" name="Google Shape;3;n"/>
-          <p:cNvSpPr/>
+          <p:cNvSpPr>
+            <a:spLocks noGrp="1" noRot="1" noChangeAspect="1"/>
+          </p:cNvSpPr>
           <p:nvPr>
-            <p:ph idx="2" type="sldImg"/>
+            <p:ph type="sldImg" idx="2"/>
           </p:nvPr>
         </p:nvSpPr>
         <p:spPr>
@@ -315,9 +314,13 @@
             <a:ext cx="6096075" cy="3429000"/>
           </a:xfrm>
           <a:custGeom>
-            <a:rect b="b" l="l" r="r" t="t"/>
+            <a:avLst/>
+            <a:gdLst/>
+            <a:ahLst/>
+            <a:cxnLst/>
+            <a:rect l="l" t="t" r="r" b="b"/>
             <a:pathLst>
-              <a:path extrusionOk="0" h="120000" w="120000">
+              <a:path w="120000" h="120000" extrusionOk="0">
                 <a:moveTo>
                   <a:pt x="0" y="0"/>
                 </a:moveTo>
@@ -335,23 +338,25 @@
             </a:pathLst>
           </a:custGeom>
           <a:noFill/>
-          <a:ln cap="flat" cmpd="sng" w="9525">
+          <a:ln w="9525" cap="flat" cmpd="sng">
             <a:solidFill>
               <a:srgbClr val="000000"/>
             </a:solidFill>
             <a:prstDash val="solid"/>
             <a:round/>
-            <a:headEnd len="sm" w="sm" type="none"/>
-            <a:tailEnd len="sm" w="sm" type="none"/>
+            <a:headEnd type="none" w="sm" len="sm"/>
+            <a:tailEnd type="none" w="sm" len="sm"/>
           </a:ln>
         </p:spPr>
       </p:sp>
       <p:sp>
         <p:nvSpPr>
           <p:cNvPr id="4" name="Google Shape;4;n"/>
-          <p:cNvSpPr txBox="1"/>
+          <p:cNvSpPr txBox="1">
+            <a:spLocks noGrp="1"/>
+          </p:cNvSpPr>
           <p:nvPr>
-            <p:ph idx="1" type="body"/>
+            <p:ph type="body" idx="1"/>
           </p:nvPr>
         </p:nvSpPr>
         <p:spPr>
@@ -368,9 +373,9 @@
           </a:ln>
         </p:spPr>
         <p:txBody>
-          <a:bodyPr anchorCtr="0" anchor="t" bIns="91425" lIns="91425" spcFirstLastPara="1" rIns="91425" wrap="square" tIns="91425"/>
+          <a:bodyPr spcFirstLastPara="1" wrap="square" lIns="91425" tIns="91425" rIns="91425" bIns="91425" anchor="t" anchorCtr="0"/>
           <a:lstStyle>
-            <a:lvl1pPr indent="-298450" lvl="0" marL="457200">
+            <a:lvl1pPr marL="457200" lvl="0" indent="-298450">
               <a:spcBef>
                 <a:spcPts val="0"/>
               </a:spcBef>
@@ -381,7 +386,7 @@
               <a:buChar char="●"/>
               <a:defRPr sz="1100"/>
             </a:lvl1pPr>
-            <a:lvl2pPr indent="-298450" lvl="1" marL="914400">
+            <a:lvl2pPr marL="914400" lvl="1" indent="-298450">
               <a:spcBef>
                 <a:spcPts val="0"/>
               </a:spcBef>
@@ -392,7 +397,7 @@
               <a:buChar char="○"/>
               <a:defRPr sz="1100"/>
             </a:lvl2pPr>
-            <a:lvl3pPr indent="-298450" lvl="2" marL="1371600">
+            <a:lvl3pPr marL="1371600" lvl="2" indent="-298450">
               <a:spcBef>
                 <a:spcPts val="0"/>
               </a:spcBef>
@@ -403,7 +408,7 @@
               <a:buChar char="■"/>
               <a:defRPr sz="1100"/>
             </a:lvl3pPr>
-            <a:lvl4pPr indent="-298450" lvl="3" marL="1828800">
+            <a:lvl4pPr marL="1828800" lvl="3" indent="-298450">
               <a:spcBef>
                 <a:spcPts val="0"/>
               </a:spcBef>
@@ -414,7 +419,7 @@
               <a:buChar char="●"/>
               <a:defRPr sz="1100"/>
             </a:lvl4pPr>
-            <a:lvl5pPr indent="-298450" lvl="4" marL="2286000">
+            <a:lvl5pPr marL="2286000" lvl="4" indent="-298450">
               <a:spcBef>
                 <a:spcPts val="0"/>
               </a:spcBef>
@@ -425,7 +430,7 @@
               <a:buChar char="○"/>
               <a:defRPr sz="1100"/>
             </a:lvl5pPr>
-            <a:lvl6pPr indent="-298450" lvl="5" marL="2743200">
+            <a:lvl6pPr marL="2743200" lvl="5" indent="-298450">
               <a:spcBef>
                 <a:spcPts val="0"/>
               </a:spcBef>
@@ -436,7 +441,7 @@
               <a:buChar char="■"/>
               <a:defRPr sz="1100"/>
             </a:lvl6pPr>
-            <a:lvl7pPr indent="-298450" lvl="6" marL="3200400">
+            <a:lvl7pPr marL="3200400" lvl="6" indent="-298450">
               <a:spcBef>
                 <a:spcPts val="0"/>
               </a:spcBef>
@@ -447,7 +452,7 @@
               <a:buChar char="●"/>
               <a:defRPr sz="1100"/>
             </a:lvl7pPr>
-            <a:lvl8pPr indent="-298450" lvl="7" marL="3657600">
+            <a:lvl8pPr marL="3657600" lvl="7" indent="-298450">
               <a:spcBef>
                 <a:spcPts val="0"/>
               </a:spcBef>
@@ -458,7 +463,7 @@
               <a:buChar char="○"/>
               <a:defRPr sz="1100"/>
             </a:lvl8pPr>
-            <a:lvl9pPr indent="-298450" lvl="8" marL="4114800">
+            <a:lvl9pPr marL="4114800" lvl="8" indent="-298450">
               <a:spcBef>
                 <a:spcPts val="0"/>
               </a:spcBef>
@@ -470,14 +475,16 @@
               <a:defRPr sz="1100"/>
             </a:lvl9pPr>
           </a:lstStyle>
-          <a:p/>
+          <a:p>
+            <a:endParaRPr/>
+          </a:p>
         </p:txBody>
       </p:sp>
     </p:spTree>
   </p:cSld>
-  <p:clrMap accent1="accent1" accent2="accent2" accent3="accent3" accent4="accent4" accent5="accent5" accent6="accent6" bg1="lt1" bg2="dk2" tx1="dk1" tx2="lt2" folHlink="folHlink" hlink="hlink"/>
+  <p:clrMap bg1="lt1" tx1="dk1" bg2="dk2" tx2="lt2" accent1="accent1" accent2="accent2" accent3="accent3" accent4="accent4" accent5="accent5" accent6="accent6" hlink="hlink" folHlink="folHlink"/>
   <p:notesStyle>
-    <a:defPPr lvl="0" marR="0" rtl="0" algn="l">
+    <a:defPPr marR="0" lvl="0" algn="l" rtl="0">
       <a:lnSpc>
         <a:spcPct val="100000"/>
       </a:lnSpc>
@@ -488,7 +495,7 @@
         <a:spcPts val="0"/>
       </a:spcAft>
     </a:defPPr>
-    <a:lvl1pPr lvl="0" marR="0" rtl="0" algn="l">
+    <a:lvl1pPr marR="0" lvl="0" algn="l" rtl="0">
       <a:lnSpc>
         <a:spcPct val="100000"/>
       </a:lnSpc>
@@ -502,7 +509,7 @@
         <a:srgbClr val="000000"/>
       </a:buClr>
       <a:buFont typeface="Arial"/>
-      <a:defRPr b="0" i="0" sz="1400" u="none" cap="none" strike="noStrike">
+      <a:defRPr sz="1400" b="0" i="0" u="none" strike="noStrike" cap="none">
         <a:solidFill>
           <a:srgbClr val="000000"/>
         </a:solidFill>
@@ -512,7 +519,7 @@
         <a:sym typeface="Arial"/>
       </a:defRPr>
     </a:lvl1pPr>
-    <a:lvl2pPr lvl="1" marR="0" rtl="0" algn="l">
+    <a:lvl2pPr marR="0" lvl="1" algn="l" rtl="0">
       <a:lnSpc>
         <a:spcPct val="100000"/>
       </a:lnSpc>
@@ -526,7 +533,7 @@
         <a:srgbClr val="000000"/>
       </a:buClr>
       <a:buFont typeface="Arial"/>
-      <a:defRPr b="0" i="0" sz="1400" u="none" cap="none" strike="noStrike">
+      <a:defRPr sz="1400" b="0" i="0" u="none" strike="noStrike" cap="none">
         <a:solidFill>
           <a:srgbClr val="000000"/>
         </a:solidFill>
@@ -536,7 +543,7 @@
         <a:sym typeface="Arial"/>
       </a:defRPr>
     </a:lvl2pPr>
-    <a:lvl3pPr lvl="2" marR="0" rtl="0" algn="l">
+    <a:lvl3pPr marR="0" lvl="2" algn="l" rtl="0">
       <a:lnSpc>
         <a:spcPct val="100000"/>
       </a:lnSpc>
@@ -550,7 +557,7 @@
         <a:srgbClr val="000000"/>
       </a:buClr>
       <a:buFont typeface="Arial"/>
-      <a:defRPr b="0" i="0" sz="1400" u="none" cap="none" strike="noStrike">
+      <a:defRPr sz="1400" b="0" i="0" u="none" strike="noStrike" cap="none">
         <a:solidFill>
           <a:srgbClr val="000000"/>
         </a:solidFill>
@@ -560,7 +567,7 @@
         <a:sym typeface="Arial"/>
       </a:defRPr>
     </a:lvl3pPr>
-    <a:lvl4pPr lvl="3" marR="0" rtl="0" algn="l">
+    <a:lvl4pPr marR="0" lvl="3" algn="l" rtl="0">
       <a:lnSpc>
         <a:spcPct val="100000"/>
       </a:lnSpc>
@@ -574,7 +581,7 @@
         <a:srgbClr val="000000"/>
       </a:buClr>
       <a:buFont typeface="Arial"/>
-      <a:defRPr b="0" i="0" sz="1400" u="none" cap="none" strike="noStrike">
+      <a:defRPr sz="1400" b="0" i="0" u="none" strike="noStrike" cap="none">
         <a:solidFill>
           <a:srgbClr val="000000"/>
         </a:solidFill>
@@ -584,7 +591,7 @@
         <a:sym typeface="Arial"/>
       </a:defRPr>
     </a:lvl4pPr>
-    <a:lvl5pPr lvl="4" marR="0" rtl="0" algn="l">
+    <a:lvl5pPr marR="0" lvl="4" algn="l" rtl="0">
       <a:lnSpc>
         <a:spcPct val="100000"/>
       </a:lnSpc>
@@ -598,7 +605,7 @@
         <a:srgbClr val="000000"/>
       </a:buClr>
       <a:buFont typeface="Arial"/>
-      <a:defRPr b="0" i="0" sz="1400" u="none" cap="none" strike="noStrike">
+      <a:defRPr sz="1400" b="0" i="0" u="none" strike="noStrike" cap="none">
         <a:solidFill>
           <a:srgbClr val="000000"/>
         </a:solidFill>
@@ -608,7 +615,7 @@
         <a:sym typeface="Arial"/>
       </a:defRPr>
     </a:lvl5pPr>
-    <a:lvl6pPr lvl="5" marR="0" rtl="0" algn="l">
+    <a:lvl6pPr marR="0" lvl="5" algn="l" rtl="0">
       <a:lnSpc>
         <a:spcPct val="100000"/>
       </a:lnSpc>
@@ -622,7 +629,7 @@
         <a:srgbClr val="000000"/>
       </a:buClr>
       <a:buFont typeface="Arial"/>
-      <a:defRPr b="0" i="0" sz="1400" u="none" cap="none" strike="noStrike">
+      <a:defRPr sz="1400" b="0" i="0" u="none" strike="noStrike" cap="none">
         <a:solidFill>
           <a:srgbClr val="000000"/>
         </a:solidFill>
@@ -632,7 +639,7 @@
         <a:sym typeface="Arial"/>
       </a:defRPr>
     </a:lvl6pPr>
-    <a:lvl7pPr lvl="6" marR="0" rtl="0" algn="l">
+    <a:lvl7pPr marR="0" lvl="6" algn="l" rtl="0">
       <a:lnSpc>
         <a:spcPct val="100000"/>
       </a:lnSpc>
@@ -646,7 +653,7 @@
         <a:srgbClr val="000000"/>
       </a:buClr>
       <a:buFont typeface="Arial"/>
-      <a:defRPr b="0" i="0" sz="1400" u="none" cap="none" strike="noStrike">
+      <a:defRPr sz="1400" b="0" i="0" u="none" strike="noStrike" cap="none">
         <a:solidFill>
           <a:srgbClr val="000000"/>
         </a:solidFill>
@@ -656,7 +663,7 @@
         <a:sym typeface="Arial"/>
       </a:defRPr>
     </a:lvl7pPr>
-    <a:lvl8pPr lvl="7" marR="0" rtl="0" algn="l">
+    <a:lvl8pPr marR="0" lvl="7" algn="l" rtl="0">
       <a:lnSpc>
         <a:spcPct val="100000"/>
       </a:lnSpc>
@@ -670,7 +677,7 @@
         <a:srgbClr val="000000"/>
       </a:buClr>
       <a:buFont typeface="Arial"/>
-      <a:defRPr b="0" i="0" sz="1400" u="none" cap="none" strike="noStrike">
+      <a:defRPr sz="1400" b="0" i="0" u="none" strike="noStrike" cap="none">
         <a:solidFill>
           <a:srgbClr val="000000"/>
         </a:solidFill>
@@ -680,7 +687,7 @@
         <a:sym typeface="Arial"/>
       </a:defRPr>
     </a:lvl8pPr>
-    <a:lvl9pPr lvl="8" marR="0" rtl="0" algn="l">
+    <a:lvl9pPr marR="0" lvl="8" algn="l" rtl="0">
       <a:lnSpc>
         <a:spcPct val="100000"/>
       </a:lnSpc>
@@ -694,7 +701,7 @@
         <a:srgbClr val="000000"/>
       </a:buClr>
       <a:buFont typeface="Arial"/>
-      <a:defRPr b="0" i="0" sz="1400" u="none" cap="none" strike="noStrike">
+      <a:defRPr sz="1400" b="0" i="0" u="none" strike="noStrike" cap="none">
         <a:solidFill>
           <a:srgbClr val="000000"/>
         </a:solidFill>
@@ -709,11 +716,11 @@
 </file>
 
 <file path=ppt/notesSlides/notesSlide1.xml><?xml version="1.0" encoding="utf-8"?>
-<p:notes xmlns:a="http://schemas.openxmlformats.org/drawingml/2006/main" xmlns:r="http://schemas.openxmlformats.org/officeDocument/2006/relationships" xmlns:mc="http://schemas.openxmlformats.org/markup-compatibility/2006" xmlns:mv="urn:schemas-microsoft-com:mac:vml" xmlns:p="http://schemas.openxmlformats.org/presentationml/2006/main" xmlns:c="http://schemas.openxmlformats.org/drawingml/2006/chart" xmlns:dgm="http://schemas.openxmlformats.org/drawingml/2006/diagram" xmlns:o="urn:schemas-microsoft-com:office:office" xmlns:v="urn:schemas-microsoft-com:vml" xmlns:pvml="urn:schemas-microsoft-com:office:powerpoint" xmlns:com="http://schemas.openxmlformats.org/drawingml/2006/compatibility" xmlns:p14="http://schemas.microsoft.com/office/powerpoint/2010/main" xmlns:p15="http://schemas.microsoft.com/office/powerpoint/2012/main" showMasterPhAnim="0" showMasterSp="0">
+<p:notes xmlns:a="http://schemas.openxmlformats.org/drawingml/2006/main" xmlns:r="http://schemas.openxmlformats.org/officeDocument/2006/relationships" xmlns:p="http://schemas.openxmlformats.org/presentationml/2006/main" showMasterSp="0" showMasterPhAnim="0">
   <p:cSld>
     <p:spTree>
       <p:nvGrpSpPr>
-        <p:cNvPr id="50" name="Shape 50"/>
+        <p:cNvPr id="1" name="Shape 50"/>
         <p:cNvGrpSpPr/>
         <p:nvPr/>
       </p:nvGrpSpPr>
@@ -728,20 +735,26 @@
       <p:sp>
         <p:nvSpPr>
           <p:cNvPr id="51" name="Google Shape;51;g474746c915_0_0:notes"/>
-          <p:cNvSpPr/>
+          <p:cNvSpPr>
+            <a:spLocks noGrp="1" noRot="1" noChangeAspect="1"/>
+          </p:cNvSpPr>
           <p:nvPr>
-            <p:ph idx="2" type="sldImg"/>
+            <p:ph type="sldImg" idx="2"/>
           </p:nvPr>
         </p:nvSpPr>
         <p:spPr>
           <a:xfrm>
-            <a:off x="381300" y="685800"/>
+            <a:off x="381000" y="685800"/>
             <a:ext cx="6096000" cy="3429000"/>
           </a:xfrm>
           <a:custGeom>
-            <a:rect b="b" l="l" r="r" t="t"/>
+            <a:avLst/>
+            <a:gdLst/>
+            <a:ahLst/>
+            <a:cxnLst/>
+            <a:rect l="l" t="t" r="r" b="b"/>
             <a:pathLst>
-              <a:path extrusionOk="0" h="120000" w="120000">
+              <a:path w="120000" h="120000" extrusionOk="0">
                 <a:moveTo>
                   <a:pt x="0" y="0"/>
                 </a:moveTo>
@@ -763,9 +776,11 @@
       <p:sp>
         <p:nvSpPr>
           <p:cNvPr id="52" name="Google Shape;52;g474746c915_0_0:notes"/>
-          <p:cNvSpPr txBox="1"/>
+          <p:cNvSpPr txBox="1">
+            <a:spLocks noGrp="1"/>
+          </p:cNvSpPr>
           <p:nvPr>
-            <p:ph idx="1" type="body"/>
+            <p:ph type="body" idx="1"/>
           </p:nvPr>
         </p:nvSpPr>
         <p:spPr>
@@ -778,12 +793,12 @@
           </a:prstGeom>
         </p:spPr>
         <p:txBody>
-          <a:bodyPr anchorCtr="0" anchor="t" bIns="91425" lIns="91425" spcFirstLastPara="1" rIns="91425" wrap="square" tIns="91425">
+          <a:bodyPr spcFirstLastPara="1" wrap="square" lIns="91425" tIns="91425" rIns="91425" bIns="91425" anchor="t" anchorCtr="0">
             <a:noAutofit/>
           </a:bodyPr>
           <a:lstStyle/>
           <a:p>
-            <a:pPr indent="0" lvl="0" marL="0" rtl="0" algn="l">
+            <a:pPr marL="0" lvl="0" indent="0" algn="l" rtl="0">
               <a:spcBef>
                 <a:spcPts val="0"/>
               </a:spcBef>
@@ -792,9 +807,6 @@
               </a:spcAft>
               <a:buNone/>
             </a:pPr>
-            <a:r>
-              <a:t/>
-            </a:r>
             <a:endParaRPr/>
           </a:p>
         </p:txBody>
@@ -808,11 +820,11 @@
 </file>
 
 <file path=ppt/notesSlides/notesSlide10.xml><?xml version="1.0" encoding="utf-8"?>
-<p:notes xmlns:a="http://schemas.openxmlformats.org/drawingml/2006/main" xmlns:r="http://schemas.openxmlformats.org/officeDocument/2006/relationships" xmlns:mc="http://schemas.openxmlformats.org/markup-compatibility/2006" xmlns:mv="urn:schemas-microsoft-com:mac:vml" xmlns:p="http://schemas.openxmlformats.org/presentationml/2006/main" xmlns:c="http://schemas.openxmlformats.org/drawingml/2006/chart" xmlns:dgm="http://schemas.openxmlformats.org/drawingml/2006/diagram" xmlns:o="urn:schemas-microsoft-com:office:office" xmlns:v="urn:schemas-microsoft-com:vml" xmlns:pvml="urn:schemas-microsoft-com:office:powerpoint" xmlns:com="http://schemas.openxmlformats.org/drawingml/2006/compatibility" xmlns:p14="http://schemas.microsoft.com/office/powerpoint/2010/main" xmlns:p15="http://schemas.microsoft.com/office/powerpoint/2012/main" showMasterPhAnim="0" showMasterSp="0">
+<p:notes xmlns:a="http://schemas.openxmlformats.org/drawingml/2006/main" xmlns:r="http://schemas.openxmlformats.org/officeDocument/2006/relationships" xmlns:p="http://schemas.openxmlformats.org/presentationml/2006/main" showMasterSp="0" showMasterPhAnim="0">
   <p:cSld>
     <p:spTree>
       <p:nvGrpSpPr>
-        <p:cNvPr id="107" name="Shape 107"/>
+        <p:cNvPr id="1" name="Shape 107"/>
         <p:cNvGrpSpPr/>
         <p:nvPr/>
       </p:nvGrpSpPr>
@@ -827,20 +839,26 @@
       <p:sp>
         <p:nvSpPr>
           <p:cNvPr id="108" name="Google Shape;108;g473a36e031_0_46:notes"/>
-          <p:cNvSpPr/>
+          <p:cNvSpPr>
+            <a:spLocks noGrp="1" noRot="1" noChangeAspect="1"/>
+          </p:cNvSpPr>
           <p:nvPr>
-            <p:ph idx="2" type="sldImg"/>
+            <p:ph type="sldImg" idx="2"/>
           </p:nvPr>
         </p:nvSpPr>
         <p:spPr>
           <a:xfrm>
-            <a:off x="381300" y="685800"/>
+            <a:off x="381000" y="685800"/>
             <a:ext cx="6096000" cy="3429000"/>
           </a:xfrm>
           <a:custGeom>
-            <a:rect b="b" l="l" r="r" t="t"/>
+            <a:avLst/>
+            <a:gdLst/>
+            <a:ahLst/>
+            <a:cxnLst/>
+            <a:rect l="l" t="t" r="r" b="b"/>
             <a:pathLst>
-              <a:path extrusionOk="0" h="120000" w="120000">
+              <a:path w="120000" h="120000" extrusionOk="0">
                 <a:moveTo>
                   <a:pt x="0" y="0"/>
                 </a:moveTo>
@@ -862,9 +880,11 @@
       <p:sp>
         <p:nvSpPr>
           <p:cNvPr id="109" name="Google Shape;109;g473a36e031_0_46:notes"/>
-          <p:cNvSpPr txBox="1"/>
+          <p:cNvSpPr txBox="1">
+            <a:spLocks noGrp="1"/>
+          </p:cNvSpPr>
           <p:nvPr>
-            <p:ph idx="1" type="body"/>
+            <p:ph type="body" idx="1"/>
           </p:nvPr>
         </p:nvSpPr>
         <p:spPr>
@@ -877,12 +897,12 @@
           </a:prstGeom>
         </p:spPr>
         <p:txBody>
-          <a:bodyPr anchorCtr="0" anchor="t" bIns="91425" lIns="91425" spcFirstLastPara="1" rIns="91425" wrap="square" tIns="91425">
+          <a:bodyPr spcFirstLastPara="1" wrap="square" lIns="91425" tIns="91425" rIns="91425" bIns="91425" anchor="t" anchorCtr="0">
             <a:noAutofit/>
           </a:bodyPr>
           <a:lstStyle/>
           <a:p>
-            <a:pPr indent="0" lvl="0" marL="0" rtl="0" algn="l">
+            <a:pPr marL="0" lvl="0" indent="0" algn="l" rtl="0">
               <a:spcBef>
                 <a:spcPts val="0"/>
               </a:spcBef>
@@ -891,9 +911,6 @@
               </a:spcAft>
               <a:buNone/>
             </a:pPr>
-            <a:r>
-              <a:t/>
-            </a:r>
             <a:endParaRPr/>
           </a:p>
         </p:txBody>
@@ -907,11 +924,11 @@
 </file>
 
 <file path=ppt/notesSlides/notesSlide11.xml><?xml version="1.0" encoding="utf-8"?>
-<p:notes xmlns:a="http://schemas.openxmlformats.org/drawingml/2006/main" xmlns:r="http://schemas.openxmlformats.org/officeDocument/2006/relationships" xmlns:mc="http://schemas.openxmlformats.org/markup-compatibility/2006" xmlns:mv="urn:schemas-microsoft-com:mac:vml" xmlns:p="http://schemas.openxmlformats.org/presentationml/2006/main" xmlns:c="http://schemas.openxmlformats.org/drawingml/2006/chart" xmlns:dgm="http://schemas.openxmlformats.org/drawingml/2006/diagram" xmlns:o="urn:schemas-microsoft-com:office:office" xmlns:v="urn:schemas-microsoft-com:vml" xmlns:pvml="urn:schemas-microsoft-com:office:powerpoint" xmlns:com="http://schemas.openxmlformats.org/drawingml/2006/compatibility" xmlns:p14="http://schemas.microsoft.com/office/powerpoint/2010/main" xmlns:p15="http://schemas.microsoft.com/office/powerpoint/2012/main" showMasterPhAnim="0" showMasterSp="0">
+<p:notes xmlns:a="http://schemas.openxmlformats.org/drawingml/2006/main" xmlns:r="http://schemas.openxmlformats.org/officeDocument/2006/relationships" xmlns:p="http://schemas.openxmlformats.org/presentationml/2006/main" showMasterSp="0" showMasterPhAnim="0">
   <p:cSld>
     <p:spTree>
       <p:nvGrpSpPr>
-        <p:cNvPr id="126" name="Shape 126"/>
+        <p:cNvPr id="1" name="Shape 126"/>
         <p:cNvGrpSpPr/>
         <p:nvPr/>
       </p:nvGrpSpPr>
@@ -926,20 +943,26 @@
       <p:sp>
         <p:nvSpPr>
           <p:cNvPr id="127" name="Google Shape;127;g473a36e031_0_27:notes"/>
-          <p:cNvSpPr/>
+          <p:cNvSpPr>
+            <a:spLocks noGrp="1" noRot="1" noChangeAspect="1"/>
+          </p:cNvSpPr>
           <p:nvPr>
-            <p:ph idx="2" type="sldImg"/>
+            <p:ph type="sldImg" idx="2"/>
           </p:nvPr>
         </p:nvSpPr>
         <p:spPr>
           <a:xfrm>
-            <a:off x="381300" y="685800"/>
+            <a:off x="381000" y="685800"/>
             <a:ext cx="6096000" cy="3429000"/>
           </a:xfrm>
           <a:custGeom>
-            <a:rect b="b" l="l" r="r" t="t"/>
+            <a:avLst/>
+            <a:gdLst/>
+            <a:ahLst/>
+            <a:cxnLst/>
+            <a:rect l="l" t="t" r="r" b="b"/>
             <a:pathLst>
-              <a:path extrusionOk="0" h="120000" w="120000">
+              <a:path w="120000" h="120000" extrusionOk="0">
                 <a:moveTo>
                   <a:pt x="0" y="0"/>
                 </a:moveTo>
@@ -961,9 +984,11 @@
       <p:sp>
         <p:nvSpPr>
           <p:cNvPr id="128" name="Google Shape;128;g473a36e031_0_27:notes"/>
-          <p:cNvSpPr txBox="1"/>
+          <p:cNvSpPr txBox="1">
+            <a:spLocks noGrp="1"/>
+          </p:cNvSpPr>
           <p:nvPr>
-            <p:ph idx="1" type="body"/>
+            <p:ph type="body" idx="1"/>
           </p:nvPr>
         </p:nvSpPr>
         <p:spPr>
@@ -976,12 +1001,12 @@
           </a:prstGeom>
         </p:spPr>
         <p:txBody>
-          <a:bodyPr anchorCtr="0" anchor="t" bIns="91425" lIns="91425" spcFirstLastPara="1" rIns="91425" wrap="square" tIns="91425">
+          <a:bodyPr spcFirstLastPara="1" wrap="square" lIns="91425" tIns="91425" rIns="91425" bIns="91425" anchor="t" anchorCtr="0">
             <a:noAutofit/>
           </a:bodyPr>
           <a:lstStyle/>
           <a:p>
-            <a:pPr indent="0" lvl="0" marL="0" rtl="0" algn="l">
+            <a:pPr marL="0" lvl="0" indent="0" algn="l" rtl="0">
               <a:spcBef>
                 <a:spcPts val="0"/>
               </a:spcBef>
@@ -990,9 +1015,6 @@
               </a:spcAft>
               <a:buNone/>
             </a:pPr>
-            <a:r>
-              <a:t/>
-            </a:r>
             <a:endParaRPr/>
           </a:p>
         </p:txBody>
@@ -1006,11 +1028,11 @@
 </file>
 
 <file path=ppt/notesSlides/notesSlide12.xml><?xml version="1.0" encoding="utf-8"?>
-<p:notes xmlns:a="http://schemas.openxmlformats.org/drawingml/2006/main" xmlns:r="http://schemas.openxmlformats.org/officeDocument/2006/relationships" xmlns:mc="http://schemas.openxmlformats.org/markup-compatibility/2006" xmlns:mv="urn:schemas-microsoft-com:mac:vml" xmlns:p="http://schemas.openxmlformats.org/presentationml/2006/main" xmlns:c="http://schemas.openxmlformats.org/drawingml/2006/chart" xmlns:dgm="http://schemas.openxmlformats.org/drawingml/2006/diagram" xmlns:o="urn:schemas-microsoft-com:office:office" xmlns:v="urn:schemas-microsoft-com:vml" xmlns:pvml="urn:schemas-microsoft-com:office:powerpoint" xmlns:com="http://schemas.openxmlformats.org/drawingml/2006/compatibility" xmlns:p14="http://schemas.microsoft.com/office/powerpoint/2010/main" xmlns:p15="http://schemas.microsoft.com/office/powerpoint/2012/main" showMasterPhAnim="0" showMasterSp="0">
+<p:notes xmlns:a="http://schemas.openxmlformats.org/drawingml/2006/main" xmlns:r="http://schemas.openxmlformats.org/officeDocument/2006/relationships" xmlns:p="http://schemas.openxmlformats.org/presentationml/2006/main" showMasterSp="0" showMasterPhAnim="0">
   <p:cSld>
     <p:spTree>
       <p:nvGrpSpPr>
-        <p:cNvPr id="132" name="Shape 132"/>
+        <p:cNvPr id="1" name="Shape 132"/>
         <p:cNvGrpSpPr/>
         <p:nvPr/>
       </p:nvGrpSpPr>
@@ -1025,20 +1047,26 @@
       <p:sp>
         <p:nvSpPr>
           <p:cNvPr id="133" name="Google Shape;133;g473a36e031_0_69:notes"/>
-          <p:cNvSpPr/>
+          <p:cNvSpPr>
+            <a:spLocks noGrp="1" noRot="1" noChangeAspect="1"/>
+          </p:cNvSpPr>
           <p:nvPr>
-            <p:ph idx="2" type="sldImg"/>
+            <p:ph type="sldImg" idx="2"/>
           </p:nvPr>
         </p:nvSpPr>
         <p:spPr>
           <a:xfrm>
-            <a:off x="381300" y="685800"/>
+            <a:off x="381000" y="685800"/>
             <a:ext cx="6096000" cy="3429000"/>
           </a:xfrm>
           <a:custGeom>
-            <a:rect b="b" l="l" r="r" t="t"/>
+            <a:avLst/>
+            <a:gdLst/>
+            <a:ahLst/>
+            <a:cxnLst/>
+            <a:rect l="l" t="t" r="r" b="b"/>
             <a:pathLst>
-              <a:path extrusionOk="0" h="120000" w="120000">
+              <a:path w="120000" h="120000" extrusionOk="0">
                 <a:moveTo>
                   <a:pt x="0" y="0"/>
                 </a:moveTo>
@@ -1060,9 +1088,11 @@
       <p:sp>
         <p:nvSpPr>
           <p:cNvPr id="134" name="Google Shape;134;g473a36e031_0_69:notes"/>
-          <p:cNvSpPr txBox="1"/>
+          <p:cNvSpPr txBox="1">
+            <a:spLocks noGrp="1"/>
+          </p:cNvSpPr>
           <p:nvPr>
-            <p:ph idx="1" type="body"/>
+            <p:ph type="body" idx="1"/>
           </p:nvPr>
         </p:nvSpPr>
         <p:spPr>
@@ -1075,12 +1105,12 @@
           </a:prstGeom>
         </p:spPr>
         <p:txBody>
-          <a:bodyPr anchorCtr="0" anchor="t" bIns="91425" lIns="91425" spcFirstLastPara="1" rIns="91425" wrap="square" tIns="91425">
+          <a:bodyPr spcFirstLastPara="1" wrap="square" lIns="91425" tIns="91425" rIns="91425" bIns="91425" anchor="t" anchorCtr="0">
             <a:noAutofit/>
           </a:bodyPr>
           <a:lstStyle/>
           <a:p>
-            <a:pPr indent="0" lvl="0" marL="0" rtl="0" algn="l">
+            <a:pPr marL="0" lvl="0" indent="0" algn="l" rtl="0">
               <a:spcBef>
                 <a:spcPts val="0"/>
               </a:spcBef>
@@ -1089,9 +1119,6 @@
               </a:spcAft>
               <a:buNone/>
             </a:pPr>
-            <a:r>
-              <a:t/>
-            </a:r>
             <a:endParaRPr/>
           </a:p>
         </p:txBody>
@@ -1105,11 +1132,11 @@
 </file>
 
 <file path=ppt/notesSlides/notesSlide13.xml><?xml version="1.0" encoding="utf-8"?>
-<p:notes xmlns:a="http://schemas.openxmlformats.org/drawingml/2006/main" xmlns:r="http://schemas.openxmlformats.org/officeDocument/2006/relationships" xmlns:mc="http://schemas.openxmlformats.org/markup-compatibility/2006" xmlns:mv="urn:schemas-microsoft-com:mac:vml" xmlns:p="http://schemas.openxmlformats.org/presentationml/2006/main" xmlns:c="http://schemas.openxmlformats.org/drawingml/2006/chart" xmlns:dgm="http://schemas.openxmlformats.org/drawingml/2006/diagram" xmlns:o="urn:schemas-microsoft-com:office:office" xmlns:v="urn:schemas-microsoft-com:vml" xmlns:pvml="urn:schemas-microsoft-com:office:powerpoint" xmlns:com="http://schemas.openxmlformats.org/drawingml/2006/compatibility" xmlns:p14="http://schemas.microsoft.com/office/powerpoint/2010/main" xmlns:p15="http://schemas.microsoft.com/office/powerpoint/2012/main" showMasterPhAnim="0" showMasterSp="0">
+<p:notes xmlns:a="http://schemas.openxmlformats.org/drawingml/2006/main" xmlns:r="http://schemas.openxmlformats.org/officeDocument/2006/relationships" xmlns:p="http://schemas.openxmlformats.org/presentationml/2006/main" showMasterSp="0" showMasterPhAnim="0">
   <p:cSld>
     <p:spTree>
       <p:nvGrpSpPr>
-        <p:cNvPr id="140" name="Shape 140"/>
+        <p:cNvPr id="1" name="Shape 140"/>
         <p:cNvGrpSpPr/>
         <p:nvPr/>
       </p:nvGrpSpPr>
@@ -1124,20 +1151,26 @@
       <p:sp>
         <p:nvSpPr>
           <p:cNvPr id="141" name="Google Shape;141;g474746c915_0_9:notes"/>
-          <p:cNvSpPr/>
+          <p:cNvSpPr>
+            <a:spLocks noGrp="1" noRot="1" noChangeAspect="1"/>
+          </p:cNvSpPr>
           <p:nvPr>
-            <p:ph idx="2" type="sldImg"/>
+            <p:ph type="sldImg" idx="2"/>
           </p:nvPr>
         </p:nvSpPr>
         <p:spPr>
           <a:xfrm>
-            <a:off x="381300" y="685800"/>
+            <a:off x="381000" y="685800"/>
             <a:ext cx="6096000" cy="3429000"/>
           </a:xfrm>
           <a:custGeom>
-            <a:rect b="b" l="l" r="r" t="t"/>
+            <a:avLst/>
+            <a:gdLst/>
+            <a:ahLst/>
+            <a:cxnLst/>
+            <a:rect l="l" t="t" r="r" b="b"/>
             <a:pathLst>
-              <a:path extrusionOk="0" h="120000" w="120000">
+              <a:path w="120000" h="120000" extrusionOk="0">
                 <a:moveTo>
                   <a:pt x="0" y="0"/>
                 </a:moveTo>
@@ -1159,9 +1192,11 @@
       <p:sp>
         <p:nvSpPr>
           <p:cNvPr id="142" name="Google Shape;142;g474746c915_0_9:notes"/>
-          <p:cNvSpPr txBox="1"/>
+          <p:cNvSpPr txBox="1">
+            <a:spLocks noGrp="1"/>
+          </p:cNvSpPr>
           <p:nvPr>
-            <p:ph idx="1" type="body"/>
+            <p:ph type="body" idx="1"/>
           </p:nvPr>
         </p:nvSpPr>
         <p:spPr>
@@ -1174,12 +1209,12 @@
           </a:prstGeom>
         </p:spPr>
         <p:txBody>
-          <a:bodyPr anchorCtr="0" anchor="t" bIns="91425" lIns="91425" spcFirstLastPara="1" rIns="91425" wrap="square" tIns="91425">
+          <a:bodyPr spcFirstLastPara="1" wrap="square" lIns="91425" tIns="91425" rIns="91425" bIns="91425" anchor="t" anchorCtr="0">
             <a:noAutofit/>
           </a:bodyPr>
           <a:lstStyle/>
           <a:p>
-            <a:pPr indent="0" lvl="0" marL="0" rtl="0" algn="l">
+            <a:pPr marL="0" lvl="0" indent="0" algn="l" rtl="0">
               <a:spcBef>
                 <a:spcPts val="0"/>
               </a:spcBef>
@@ -1188,9 +1223,6 @@
               </a:spcAft>
               <a:buNone/>
             </a:pPr>
-            <a:r>
-              <a:t/>
-            </a:r>
             <a:endParaRPr/>
           </a:p>
         </p:txBody>
@@ -1204,11 +1236,11 @@
 </file>
 
 <file path=ppt/notesSlides/notesSlide14.xml><?xml version="1.0" encoding="utf-8"?>
-<p:notes xmlns:a="http://schemas.openxmlformats.org/drawingml/2006/main" xmlns:r="http://schemas.openxmlformats.org/officeDocument/2006/relationships" xmlns:mc="http://schemas.openxmlformats.org/markup-compatibility/2006" xmlns:mv="urn:schemas-microsoft-com:mac:vml" xmlns:p="http://schemas.openxmlformats.org/presentationml/2006/main" xmlns:c="http://schemas.openxmlformats.org/drawingml/2006/chart" xmlns:dgm="http://schemas.openxmlformats.org/drawingml/2006/diagram" xmlns:o="urn:schemas-microsoft-com:office:office" xmlns:v="urn:schemas-microsoft-com:vml" xmlns:pvml="urn:schemas-microsoft-com:office:powerpoint" xmlns:com="http://schemas.openxmlformats.org/drawingml/2006/compatibility" xmlns:p14="http://schemas.microsoft.com/office/powerpoint/2010/main" xmlns:p15="http://schemas.microsoft.com/office/powerpoint/2012/main" showMasterPhAnim="0" showMasterSp="0">
+<p:notes xmlns:a="http://schemas.openxmlformats.org/drawingml/2006/main" xmlns:r="http://schemas.openxmlformats.org/officeDocument/2006/relationships" xmlns:p="http://schemas.openxmlformats.org/presentationml/2006/main" showMasterSp="0" showMasterPhAnim="0">
   <p:cSld>
     <p:spTree>
       <p:nvGrpSpPr>
-        <p:cNvPr id="145" name="Shape 145"/>
+        <p:cNvPr id="1" name="Shape 145"/>
         <p:cNvGrpSpPr/>
         <p:nvPr/>
       </p:nvGrpSpPr>
@@ -1223,20 +1255,26 @@
       <p:sp>
         <p:nvSpPr>
           <p:cNvPr id="146" name="Google Shape;146;g473a36e031_0_3:notes"/>
-          <p:cNvSpPr/>
+          <p:cNvSpPr>
+            <a:spLocks noGrp="1" noRot="1" noChangeAspect="1"/>
+          </p:cNvSpPr>
           <p:nvPr>
-            <p:ph idx="2" type="sldImg"/>
+            <p:ph type="sldImg" idx="2"/>
           </p:nvPr>
         </p:nvSpPr>
         <p:spPr>
           <a:xfrm>
-            <a:off x="381300" y="685800"/>
+            <a:off x="381000" y="685800"/>
             <a:ext cx="6096000" cy="3429000"/>
           </a:xfrm>
           <a:custGeom>
-            <a:rect b="b" l="l" r="r" t="t"/>
+            <a:avLst/>
+            <a:gdLst/>
+            <a:ahLst/>
+            <a:cxnLst/>
+            <a:rect l="l" t="t" r="r" b="b"/>
             <a:pathLst>
-              <a:path extrusionOk="0" h="120000" w="120000">
+              <a:path w="120000" h="120000" extrusionOk="0">
                 <a:moveTo>
                   <a:pt x="0" y="0"/>
                 </a:moveTo>
@@ -1258,9 +1296,11 @@
       <p:sp>
         <p:nvSpPr>
           <p:cNvPr id="147" name="Google Shape;147;g473a36e031_0_3:notes"/>
-          <p:cNvSpPr txBox="1"/>
+          <p:cNvSpPr txBox="1">
+            <a:spLocks noGrp="1"/>
+          </p:cNvSpPr>
           <p:nvPr>
-            <p:ph idx="1" type="body"/>
+            <p:ph type="body" idx="1"/>
           </p:nvPr>
         </p:nvSpPr>
         <p:spPr>
@@ -1273,12 +1313,12 @@
           </a:prstGeom>
         </p:spPr>
         <p:txBody>
-          <a:bodyPr anchorCtr="0" anchor="t" bIns="91425" lIns="91425" spcFirstLastPara="1" rIns="91425" wrap="square" tIns="91425">
+          <a:bodyPr spcFirstLastPara="1" wrap="square" lIns="91425" tIns="91425" rIns="91425" bIns="91425" anchor="t" anchorCtr="0">
             <a:noAutofit/>
           </a:bodyPr>
           <a:lstStyle/>
           <a:p>
-            <a:pPr indent="0" lvl="0" marL="0" rtl="0" algn="l">
+            <a:pPr marL="0" lvl="0" indent="0" algn="l" rtl="0">
               <a:spcBef>
                 <a:spcPts val="0"/>
               </a:spcBef>
@@ -1287,9 +1327,6 @@
               </a:spcAft>
               <a:buNone/>
             </a:pPr>
-            <a:r>
-              <a:t/>
-            </a:r>
             <a:endParaRPr/>
           </a:p>
         </p:txBody>
@@ -1303,11 +1340,11 @@
 </file>
 
 <file path=ppt/notesSlides/notesSlide15.xml><?xml version="1.0" encoding="utf-8"?>
-<p:notes xmlns:a="http://schemas.openxmlformats.org/drawingml/2006/main" xmlns:r="http://schemas.openxmlformats.org/officeDocument/2006/relationships" xmlns:mc="http://schemas.openxmlformats.org/markup-compatibility/2006" xmlns:mv="urn:schemas-microsoft-com:mac:vml" xmlns:p="http://schemas.openxmlformats.org/presentationml/2006/main" xmlns:c="http://schemas.openxmlformats.org/drawingml/2006/chart" xmlns:dgm="http://schemas.openxmlformats.org/drawingml/2006/diagram" xmlns:o="urn:schemas-microsoft-com:office:office" xmlns:v="urn:schemas-microsoft-com:vml" xmlns:pvml="urn:schemas-microsoft-com:office:powerpoint" xmlns:com="http://schemas.openxmlformats.org/drawingml/2006/compatibility" xmlns:p14="http://schemas.microsoft.com/office/powerpoint/2010/main" xmlns:p15="http://schemas.microsoft.com/office/powerpoint/2012/main" showMasterPhAnim="0" showMasterSp="0">
+<p:notes xmlns:a="http://schemas.openxmlformats.org/drawingml/2006/main" xmlns:r="http://schemas.openxmlformats.org/officeDocument/2006/relationships" xmlns:p="http://schemas.openxmlformats.org/presentationml/2006/main" showMasterSp="0" showMasterPhAnim="0">
   <p:cSld>
     <p:spTree>
       <p:nvGrpSpPr>
-        <p:cNvPr id="150" name="Shape 150"/>
+        <p:cNvPr id="1" name="Shape 150"/>
         <p:cNvGrpSpPr/>
         <p:nvPr/>
       </p:nvGrpSpPr>
@@ -1322,20 +1359,26 @@
       <p:sp>
         <p:nvSpPr>
           <p:cNvPr id="151" name="Google Shape;151;g70cc9d9068e7f0aa_0:notes"/>
-          <p:cNvSpPr/>
+          <p:cNvSpPr>
+            <a:spLocks noGrp="1" noRot="1" noChangeAspect="1"/>
+          </p:cNvSpPr>
           <p:nvPr>
-            <p:ph idx="2" type="sldImg"/>
+            <p:ph type="sldImg" idx="2"/>
           </p:nvPr>
         </p:nvSpPr>
         <p:spPr>
           <a:xfrm>
-            <a:off x="381300" y="685800"/>
+            <a:off x="381000" y="685800"/>
             <a:ext cx="6096000" cy="3429000"/>
           </a:xfrm>
           <a:custGeom>
-            <a:rect b="b" l="l" r="r" t="t"/>
+            <a:avLst/>
+            <a:gdLst/>
+            <a:ahLst/>
+            <a:cxnLst/>
+            <a:rect l="l" t="t" r="r" b="b"/>
             <a:pathLst>
-              <a:path extrusionOk="0" h="120000" w="120000">
+              <a:path w="120000" h="120000" extrusionOk="0">
                 <a:moveTo>
                   <a:pt x="0" y="0"/>
                 </a:moveTo>
@@ -1357,9 +1400,11 @@
       <p:sp>
         <p:nvSpPr>
           <p:cNvPr id="152" name="Google Shape;152;g70cc9d9068e7f0aa_0:notes"/>
-          <p:cNvSpPr txBox="1"/>
+          <p:cNvSpPr txBox="1">
+            <a:spLocks noGrp="1"/>
+          </p:cNvSpPr>
           <p:nvPr>
-            <p:ph idx="1" type="body"/>
+            <p:ph type="body" idx="1"/>
           </p:nvPr>
         </p:nvSpPr>
         <p:spPr>
@@ -1372,12 +1417,12 @@
           </a:prstGeom>
         </p:spPr>
         <p:txBody>
-          <a:bodyPr anchorCtr="0" anchor="t" bIns="91425" lIns="91425" spcFirstLastPara="1" rIns="91425" wrap="square" tIns="91425">
+          <a:bodyPr spcFirstLastPara="1" wrap="square" lIns="91425" tIns="91425" rIns="91425" bIns="91425" anchor="t" anchorCtr="0">
             <a:noAutofit/>
           </a:bodyPr>
           <a:lstStyle/>
           <a:p>
-            <a:pPr indent="0" lvl="0" marL="0" rtl="0" algn="l">
+            <a:pPr marL="0" lvl="0" indent="0" algn="l" rtl="0">
               <a:spcBef>
                 <a:spcPts val="0"/>
               </a:spcBef>
@@ -1386,9 +1431,6 @@
               </a:spcAft>
               <a:buNone/>
             </a:pPr>
-            <a:r>
-              <a:t/>
-            </a:r>
             <a:endParaRPr/>
           </a:p>
         </p:txBody>
@@ -1402,11 +1444,11 @@
 </file>
 
 <file path=ppt/notesSlides/notesSlide16.xml><?xml version="1.0" encoding="utf-8"?>
-<p:notes xmlns:a="http://schemas.openxmlformats.org/drawingml/2006/main" xmlns:r="http://schemas.openxmlformats.org/officeDocument/2006/relationships" xmlns:mc="http://schemas.openxmlformats.org/markup-compatibility/2006" xmlns:mv="urn:schemas-microsoft-com:mac:vml" xmlns:p="http://schemas.openxmlformats.org/presentationml/2006/main" xmlns:c="http://schemas.openxmlformats.org/drawingml/2006/chart" xmlns:dgm="http://schemas.openxmlformats.org/drawingml/2006/diagram" xmlns:o="urn:schemas-microsoft-com:office:office" xmlns:v="urn:schemas-microsoft-com:vml" xmlns:pvml="urn:schemas-microsoft-com:office:powerpoint" xmlns:com="http://schemas.openxmlformats.org/drawingml/2006/compatibility" xmlns:p14="http://schemas.microsoft.com/office/powerpoint/2010/main" xmlns:p15="http://schemas.microsoft.com/office/powerpoint/2012/main" showMasterPhAnim="0" showMasterSp="0">
+<p:notes xmlns:a="http://schemas.openxmlformats.org/drawingml/2006/main" xmlns:r="http://schemas.openxmlformats.org/officeDocument/2006/relationships" xmlns:p="http://schemas.openxmlformats.org/presentationml/2006/main" showMasterSp="0" showMasterPhAnim="0">
   <p:cSld>
     <p:spTree>
       <p:nvGrpSpPr>
-        <p:cNvPr id="155" name="Shape 155"/>
+        <p:cNvPr id="1" name="Shape 150"/>
         <p:cNvGrpSpPr/>
         <p:nvPr/>
       </p:nvGrpSpPr>
@@ -1420,21 +1462,27 @@
       </p:grpSpPr>
       <p:sp>
         <p:nvSpPr>
-          <p:cNvPr id="156" name="Google Shape;156;g70cc9d9068e7f0aa_4:notes"/>
-          <p:cNvSpPr/>
+          <p:cNvPr id="151" name="Google Shape;151;g70cc9d9068e7f0aa_0:notes"/>
+          <p:cNvSpPr>
+            <a:spLocks noGrp="1" noRot="1" noChangeAspect="1"/>
+          </p:cNvSpPr>
           <p:nvPr>
-            <p:ph idx="2" type="sldImg"/>
+            <p:ph type="sldImg" idx="2"/>
           </p:nvPr>
         </p:nvSpPr>
         <p:spPr>
           <a:xfrm>
-            <a:off x="381300" y="685800"/>
+            <a:off x="381000" y="685800"/>
             <a:ext cx="6096000" cy="3429000"/>
           </a:xfrm>
           <a:custGeom>
-            <a:rect b="b" l="l" r="r" t="t"/>
+            <a:avLst/>
+            <a:gdLst/>
+            <a:ahLst/>
+            <a:cxnLst/>
+            <a:rect l="l" t="t" r="r" b="b"/>
             <a:pathLst>
-              <a:path extrusionOk="0" h="120000" w="120000">
+              <a:path w="120000" h="120000" extrusionOk="0">
                 <a:moveTo>
                   <a:pt x="0" y="0"/>
                 </a:moveTo>
@@ -1455,10 +1503,12 @@
       </p:sp>
       <p:sp>
         <p:nvSpPr>
-          <p:cNvPr id="157" name="Google Shape;157;g70cc9d9068e7f0aa_4:notes"/>
-          <p:cNvSpPr txBox="1"/>
+          <p:cNvPr id="152" name="Google Shape;152;g70cc9d9068e7f0aa_0:notes"/>
+          <p:cNvSpPr txBox="1">
+            <a:spLocks noGrp="1"/>
+          </p:cNvSpPr>
           <p:nvPr>
-            <p:ph idx="1" type="body"/>
+            <p:ph type="body" idx="1"/>
           </p:nvPr>
         </p:nvSpPr>
         <p:spPr>
@@ -1471,12 +1521,12 @@
           </a:prstGeom>
         </p:spPr>
         <p:txBody>
-          <a:bodyPr anchorCtr="0" anchor="t" bIns="91425" lIns="91425" spcFirstLastPara="1" rIns="91425" wrap="square" tIns="91425">
+          <a:bodyPr spcFirstLastPara="1" wrap="square" lIns="91425" tIns="91425" rIns="91425" bIns="91425" anchor="t" anchorCtr="0">
             <a:noAutofit/>
           </a:bodyPr>
           <a:lstStyle/>
           <a:p>
-            <a:pPr indent="0" lvl="0" marL="0" rtl="0" algn="l">
+            <a:pPr marL="0" lvl="0" indent="0" algn="l" rtl="0">
               <a:spcBef>
                 <a:spcPts val="0"/>
               </a:spcBef>
@@ -1485,14 +1535,16 @@
               </a:spcAft>
               <a:buNone/>
             </a:pPr>
-            <a:r>
-              <a:t/>
-            </a:r>
             <a:endParaRPr/>
           </a:p>
         </p:txBody>
       </p:sp>
     </p:spTree>
+    <p:extLst>
+      <p:ext uri="{BB962C8B-B14F-4D97-AF65-F5344CB8AC3E}">
+        <p14:creationId xmlns:p14="http://schemas.microsoft.com/office/powerpoint/2010/main" val="2214019374"/>
+      </p:ext>
+    </p:extLst>
   </p:cSld>
   <p:clrMapOvr>
     <a:masterClrMapping/>
@@ -1501,11 +1553,11 @@
 </file>
 
 <file path=ppt/notesSlides/notesSlide17.xml><?xml version="1.0" encoding="utf-8"?>
-<p:notes xmlns:a="http://schemas.openxmlformats.org/drawingml/2006/main" xmlns:r="http://schemas.openxmlformats.org/officeDocument/2006/relationships" xmlns:mc="http://schemas.openxmlformats.org/markup-compatibility/2006" xmlns:mv="urn:schemas-microsoft-com:mac:vml" xmlns:p="http://schemas.openxmlformats.org/presentationml/2006/main" xmlns:c="http://schemas.openxmlformats.org/drawingml/2006/chart" xmlns:dgm="http://schemas.openxmlformats.org/drawingml/2006/diagram" xmlns:o="urn:schemas-microsoft-com:office:office" xmlns:v="urn:schemas-microsoft-com:vml" xmlns:pvml="urn:schemas-microsoft-com:office:powerpoint" xmlns:com="http://schemas.openxmlformats.org/drawingml/2006/compatibility" xmlns:p14="http://schemas.microsoft.com/office/powerpoint/2010/main" xmlns:p15="http://schemas.microsoft.com/office/powerpoint/2012/main" showMasterPhAnim="0" showMasterSp="0">
+<p:notes xmlns:a="http://schemas.openxmlformats.org/drawingml/2006/main" xmlns:r="http://schemas.openxmlformats.org/officeDocument/2006/relationships" xmlns:p="http://schemas.openxmlformats.org/presentationml/2006/main" showMasterSp="0" showMasterPhAnim="0">
   <p:cSld>
     <p:spTree>
       <p:nvGrpSpPr>
-        <p:cNvPr id="161" name="Shape 161"/>
+        <p:cNvPr id="1" name="Shape 216"/>
         <p:cNvGrpSpPr/>
         <p:nvPr/>
       </p:nvGrpSpPr>
@@ -1519,21 +1571,27 @@
       </p:grpSpPr>
       <p:sp>
         <p:nvSpPr>
-          <p:cNvPr id="162" name="Google Shape;162;g70cc9d9068e7f0aa_27:notes"/>
-          <p:cNvSpPr/>
+          <p:cNvPr id="217" name="Google Shape;217;g4743c59d72_0_13:notes"/>
+          <p:cNvSpPr>
+            <a:spLocks noGrp="1" noRot="1" noChangeAspect="1"/>
+          </p:cNvSpPr>
           <p:nvPr>
-            <p:ph idx="2" type="sldImg"/>
+            <p:ph type="sldImg" idx="2"/>
           </p:nvPr>
         </p:nvSpPr>
         <p:spPr>
           <a:xfrm>
-            <a:off x="381300" y="685800"/>
+            <a:off x="381000" y="685800"/>
             <a:ext cx="6096000" cy="3429000"/>
           </a:xfrm>
           <a:custGeom>
-            <a:rect b="b" l="l" r="r" t="t"/>
+            <a:avLst/>
+            <a:gdLst/>
+            <a:ahLst/>
+            <a:cxnLst/>
+            <a:rect l="l" t="t" r="r" b="b"/>
             <a:pathLst>
-              <a:path extrusionOk="0" h="120000" w="120000">
+              <a:path w="120000" h="120000" extrusionOk="0">
                 <a:moveTo>
                   <a:pt x="0" y="0"/>
                 </a:moveTo>
@@ -1554,10 +1612,12 @@
       </p:sp>
       <p:sp>
         <p:nvSpPr>
-          <p:cNvPr id="163" name="Google Shape;163;g70cc9d9068e7f0aa_27:notes"/>
-          <p:cNvSpPr txBox="1"/>
+          <p:cNvPr id="218" name="Google Shape;218;g4743c59d72_0_13:notes"/>
+          <p:cNvSpPr txBox="1">
+            <a:spLocks noGrp="1"/>
+          </p:cNvSpPr>
           <p:nvPr>
-            <p:ph idx="1" type="body"/>
+            <p:ph type="body" idx="1"/>
           </p:nvPr>
         </p:nvSpPr>
         <p:spPr>
@@ -1570,12 +1630,12 @@
           </a:prstGeom>
         </p:spPr>
         <p:txBody>
-          <a:bodyPr anchorCtr="0" anchor="t" bIns="91425" lIns="91425" spcFirstLastPara="1" rIns="91425" wrap="square" tIns="91425">
+          <a:bodyPr spcFirstLastPara="1" wrap="square" lIns="91425" tIns="91425" rIns="91425" bIns="91425" anchor="t" anchorCtr="0">
             <a:noAutofit/>
           </a:bodyPr>
           <a:lstStyle/>
           <a:p>
-            <a:pPr indent="0" lvl="0" marL="0" rtl="0" algn="l">
+            <a:pPr marL="0" lvl="0" indent="0" algn="l" rtl="0">
               <a:spcBef>
                 <a:spcPts val="0"/>
               </a:spcBef>
@@ -1584,9 +1644,6 @@
               </a:spcAft>
               <a:buNone/>
             </a:pPr>
-            <a:r>
-              <a:t/>
-            </a:r>
             <a:endParaRPr/>
           </a:p>
         </p:txBody>
@@ -1599,12 +1656,12 @@
 </p:notes>
 </file>
 
-<file path=ppt/notesSlides/notesSlide18.xml><?xml version="1.0" encoding="utf-8"?>
-<p:notes xmlns:a="http://schemas.openxmlformats.org/drawingml/2006/main" xmlns:r="http://schemas.openxmlformats.org/officeDocument/2006/relationships" xmlns:mc="http://schemas.openxmlformats.org/markup-compatibility/2006" xmlns:mv="urn:schemas-microsoft-com:mac:vml" xmlns:p="http://schemas.openxmlformats.org/presentationml/2006/main" xmlns:c="http://schemas.openxmlformats.org/drawingml/2006/chart" xmlns:dgm="http://schemas.openxmlformats.org/drawingml/2006/diagram" xmlns:o="urn:schemas-microsoft-com:office:office" xmlns:v="urn:schemas-microsoft-com:vml" xmlns:pvml="urn:schemas-microsoft-com:office:powerpoint" xmlns:com="http://schemas.openxmlformats.org/drawingml/2006/compatibility" xmlns:p14="http://schemas.microsoft.com/office/powerpoint/2010/main" xmlns:p15="http://schemas.microsoft.com/office/powerpoint/2012/main" showMasterPhAnim="0" showMasterSp="0">
+<file path=ppt/notesSlides/notesSlide2.xml><?xml version="1.0" encoding="utf-8"?>
+<p:notes xmlns:a="http://schemas.openxmlformats.org/drawingml/2006/main" xmlns:r="http://schemas.openxmlformats.org/officeDocument/2006/relationships" xmlns:p="http://schemas.openxmlformats.org/presentationml/2006/main" showMasterSp="0" showMasterPhAnim="0">
   <p:cSld>
     <p:spTree>
       <p:nvGrpSpPr>
-        <p:cNvPr id="167" name="Shape 167"/>
+        <p:cNvPr id="1" name="Shape 55"/>
         <p:cNvGrpSpPr/>
         <p:nvPr/>
       </p:nvGrpSpPr>
@@ -1618,21 +1675,27 @@
       </p:grpSpPr>
       <p:sp>
         <p:nvSpPr>
-          <p:cNvPr id="168" name="Google Shape;168;g70cc9d9068e7f0aa_8:notes"/>
-          <p:cNvSpPr/>
+          <p:cNvPr id="56" name="Google Shape;56;p:notes"/>
+          <p:cNvSpPr>
+            <a:spLocks noGrp="1" noRot="1" noChangeAspect="1"/>
+          </p:cNvSpPr>
           <p:nvPr>
-            <p:ph idx="2" type="sldImg"/>
+            <p:ph type="sldImg" idx="2"/>
           </p:nvPr>
         </p:nvSpPr>
         <p:spPr>
           <a:xfrm>
-            <a:off x="381300" y="685800"/>
+            <a:off x="381000" y="685800"/>
             <a:ext cx="6096000" cy="3429000"/>
           </a:xfrm>
           <a:custGeom>
-            <a:rect b="b" l="l" r="r" t="t"/>
+            <a:avLst/>
+            <a:gdLst/>
+            <a:ahLst/>
+            <a:cxnLst/>
+            <a:rect l="l" t="t" r="r" b="b"/>
             <a:pathLst>
-              <a:path extrusionOk="0" h="120000" w="120000">
+              <a:path w="120000" h="120000" extrusionOk="0">
                 <a:moveTo>
                   <a:pt x="0" y="0"/>
                 </a:moveTo>
@@ -1653,10 +1716,12 @@
       </p:sp>
       <p:sp>
         <p:nvSpPr>
-          <p:cNvPr id="169" name="Google Shape;169;g70cc9d9068e7f0aa_8:notes"/>
-          <p:cNvSpPr txBox="1"/>
+          <p:cNvPr id="57" name="Google Shape;57;p:notes"/>
+          <p:cNvSpPr txBox="1">
+            <a:spLocks noGrp="1"/>
+          </p:cNvSpPr>
           <p:nvPr>
-            <p:ph idx="1" type="body"/>
+            <p:ph type="body" idx="1"/>
           </p:nvPr>
         </p:nvSpPr>
         <p:spPr>
@@ -1669,12 +1734,12 @@
           </a:prstGeom>
         </p:spPr>
         <p:txBody>
-          <a:bodyPr anchorCtr="0" anchor="t" bIns="91425" lIns="91425" spcFirstLastPara="1" rIns="91425" wrap="square" tIns="91425">
+          <a:bodyPr spcFirstLastPara="1" wrap="square" lIns="91425" tIns="91425" rIns="91425" bIns="91425" anchor="t" anchorCtr="0">
             <a:noAutofit/>
           </a:bodyPr>
           <a:lstStyle/>
           <a:p>
-            <a:pPr indent="0" lvl="0" marL="0" rtl="0" algn="l">
+            <a:pPr marL="0" lvl="0" indent="0" algn="l" rtl="0">
               <a:spcBef>
                 <a:spcPts val="0"/>
               </a:spcBef>
@@ -1683,9 +1748,6 @@
               </a:spcAft>
               <a:buNone/>
             </a:pPr>
-            <a:r>
-              <a:t/>
-            </a:r>
             <a:endParaRPr/>
           </a:p>
         </p:txBody>
@@ -1698,12 +1760,12 @@
 </p:notes>
 </file>
 
-<file path=ppt/notesSlides/notesSlide19.xml><?xml version="1.0" encoding="utf-8"?>
-<p:notes xmlns:a="http://schemas.openxmlformats.org/drawingml/2006/main" xmlns:r="http://schemas.openxmlformats.org/officeDocument/2006/relationships" xmlns:mc="http://schemas.openxmlformats.org/markup-compatibility/2006" xmlns:mv="urn:schemas-microsoft-com:mac:vml" xmlns:p="http://schemas.openxmlformats.org/presentationml/2006/main" xmlns:c="http://schemas.openxmlformats.org/drawingml/2006/chart" xmlns:dgm="http://schemas.openxmlformats.org/drawingml/2006/diagram" xmlns:o="urn:schemas-microsoft-com:office:office" xmlns:v="urn:schemas-microsoft-com:vml" xmlns:pvml="urn:schemas-microsoft-com:office:powerpoint" xmlns:com="http://schemas.openxmlformats.org/drawingml/2006/compatibility" xmlns:p14="http://schemas.microsoft.com/office/powerpoint/2010/main" xmlns:p15="http://schemas.microsoft.com/office/powerpoint/2012/main" showMasterPhAnim="0" showMasterSp="0">
+<file path=ppt/notesSlides/notesSlide3.xml><?xml version="1.0" encoding="utf-8"?>
+<p:notes xmlns:a="http://schemas.openxmlformats.org/drawingml/2006/main" xmlns:r="http://schemas.openxmlformats.org/officeDocument/2006/relationships" xmlns:p="http://schemas.openxmlformats.org/presentationml/2006/main" showMasterSp="0" showMasterPhAnim="0">
   <p:cSld>
     <p:spTree>
       <p:nvGrpSpPr>
-        <p:cNvPr id="173" name="Shape 173"/>
+        <p:cNvPr id="1" name="Shape 61"/>
         <p:cNvGrpSpPr/>
         <p:nvPr/>
       </p:nvGrpSpPr>
@@ -1717,21 +1779,27 @@
       </p:grpSpPr>
       <p:sp>
         <p:nvSpPr>
-          <p:cNvPr id="174" name="Google Shape;174;g70cc9d9068e7f0aa_12:notes"/>
-          <p:cNvSpPr/>
+          <p:cNvPr id="62" name="Google Shape;62;g473a36e031_0_7:notes"/>
+          <p:cNvSpPr>
+            <a:spLocks noGrp="1" noRot="1" noChangeAspect="1"/>
+          </p:cNvSpPr>
           <p:nvPr>
-            <p:ph idx="2" type="sldImg"/>
+            <p:ph type="sldImg" idx="2"/>
           </p:nvPr>
         </p:nvSpPr>
         <p:spPr>
           <a:xfrm>
-            <a:off x="381300" y="685800"/>
+            <a:off x="381000" y="685800"/>
             <a:ext cx="6096000" cy="3429000"/>
           </a:xfrm>
           <a:custGeom>
-            <a:rect b="b" l="l" r="r" t="t"/>
+            <a:avLst/>
+            <a:gdLst/>
+            <a:ahLst/>
+            <a:cxnLst/>
+            <a:rect l="l" t="t" r="r" b="b"/>
             <a:pathLst>
-              <a:path extrusionOk="0" h="120000" w="120000">
+              <a:path w="120000" h="120000" extrusionOk="0">
                 <a:moveTo>
                   <a:pt x="0" y="0"/>
                 </a:moveTo>
@@ -1752,10 +1820,12 @@
       </p:sp>
       <p:sp>
         <p:nvSpPr>
-          <p:cNvPr id="175" name="Google Shape;175;g70cc9d9068e7f0aa_12:notes"/>
-          <p:cNvSpPr txBox="1"/>
+          <p:cNvPr id="63" name="Google Shape;63;g473a36e031_0_7:notes"/>
+          <p:cNvSpPr txBox="1">
+            <a:spLocks noGrp="1"/>
+          </p:cNvSpPr>
           <p:nvPr>
-            <p:ph idx="1" type="body"/>
+            <p:ph type="body" idx="1"/>
           </p:nvPr>
         </p:nvSpPr>
         <p:spPr>
@@ -1768,12 +1838,12 @@
           </a:prstGeom>
         </p:spPr>
         <p:txBody>
-          <a:bodyPr anchorCtr="0" anchor="t" bIns="91425" lIns="91425" spcFirstLastPara="1" rIns="91425" wrap="square" tIns="91425">
+          <a:bodyPr spcFirstLastPara="1" wrap="square" lIns="91425" tIns="91425" rIns="91425" bIns="91425" anchor="t" anchorCtr="0">
             <a:noAutofit/>
           </a:bodyPr>
           <a:lstStyle/>
           <a:p>
-            <a:pPr indent="0" lvl="0" marL="0" rtl="0" algn="l">
+            <a:pPr marL="0" lvl="0" indent="0" algn="l" rtl="0">
               <a:spcBef>
                 <a:spcPts val="0"/>
               </a:spcBef>
@@ -1782,9 +1852,6 @@
               </a:spcAft>
               <a:buNone/>
             </a:pPr>
-            <a:r>
-              <a:t/>
-            </a:r>
             <a:endParaRPr/>
           </a:p>
         </p:txBody>
@@ -1797,12 +1864,12 @@
 </p:notes>
 </file>
 
-<file path=ppt/notesSlides/notesSlide2.xml><?xml version="1.0" encoding="utf-8"?>
-<p:notes xmlns:a="http://schemas.openxmlformats.org/drawingml/2006/main" xmlns:r="http://schemas.openxmlformats.org/officeDocument/2006/relationships" xmlns:mc="http://schemas.openxmlformats.org/markup-compatibility/2006" xmlns:mv="urn:schemas-microsoft-com:mac:vml" xmlns:p="http://schemas.openxmlformats.org/presentationml/2006/main" xmlns:c="http://schemas.openxmlformats.org/drawingml/2006/chart" xmlns:dgm="http://schemas.openxmlformats.org/drawingml/2006/diagram" xmlns:o="urn:schemas-microsoft-com:office:office" xmlns:v="urn:schemas-microsoft-com:vml" xmlns:pvml="urn:schemas-microsoft-com:office:powerpoint" xmlns:com="http://schemas.openxmlformats.org/drawingml/2006/compatibility" xmlns:p14="http://schemas.microsoft.com/office/powerpoint/2010/main" xmlns:p15="http://schemas.microsoft.com/office/powerpoint/2012/main" showMasterPhAnim="0" showMasterSp="0">
+<file path=ppt/notesSlides/notesSlide4.xml><?xml version="1.0" encoding="utf-8"?>
+<p:notes xmlns:a="http://schemas.openxmlformats.org/drawingml/2006/main" xmlns:r="http://schemas.openxmlformats.org/officeDocument/2006/relationships" xmlns:p="http://schemas.openxmlformats.org/presentationml/2006/main" showMasterSp="0" showMasterPhAnim="0">
   <p:cSld>
     <p:spTree>
       <p:nvGrpSpPr>
-        <p:cNvPr id="55" name="Shape 55"/>
+        <p:cNvPr id="1" name="Shape 66"/>
         <p:cNvGrpSpPr/>
         <p:nvPr/>
       </p:nvGrpSpPr>
@@ -1816,21 +1883,27 @@
       </p:grpSpPr>
       <p:sp>
         <p:nvSpPr>
-          <p:cNvPr id="56" name="Google Shape;56;p:notes"/>
-          <p:cNvSpPr/>
+          <p:cNvPr id="67" name="Google Shape;67;g473a36e031_0_11:notes"/>
+          <p:cNvSpPr>
+            <a:spLocks noGrp="1" noRot="1" noChangeAspect="1"/>
+          </p:cNvSpPr>
           <p:nvPr>
-            <p:ph idx="2" type="sldImg"/>
+            <p:ph type="sldImg" idx="2"/>
           </p:nvPr>
         </p:nvSpPr>
         <p:spPr>
           <a:xfrm>
-            <a:off x="381300" y="685800"/>
-            <a:ext cx="6096075" cy="3429000"/>
+            <a:off x="381000" y="685800"/>
+            <a:ext cx="6096000" cy="3429000"/>
           </a:xfrm>
           <a:custGeom>
-            <a:rect b="b" l="l" r="r" t="t"/>
+            <a:avLst/>
+            <a:gdLst/>
+            <a:ahLst/>
+            <a:cxnLst/>
+            <a:rect l="l" t="t" r="r" b="b"/>
             <a:pathLst>
-              <a:path extrusionOk="0" h="120000" w="120000">
+              <a:path w="120000" h="120000" extrusionOk="0">
                 <a:moveTo>
                   <a:pt x="0" y="0"/>
                 </a:moveTo>
@@ -1851,10 +1924,12 @@
       </p:sp>
       <p:sp>
         <p:nvSpPr>
-          <p:cNvPr id="57" name="Google Shape;57;p:notes"/>
-          <p:cNvSpPr txBox="1"/>
+          <p:cNvPr id="68" name="Google Shape;68;g473a36e031_0_11:notes"/>
+          <p:cNvSpPr txBox="1">
+            <a:spLocks noGrp="1"/>
+          </p:cNvSpPr>
           <p:nvPr>
-            <p:ph idx="1" type="body"/>
+            <p:ph type="body" idx="1"/>
           </p:nvPr>
         </p:nvSpPr>
         <p:spPr>
@@ -1867,12 +1942,12 @@
           </a:prstGeom>
         </p:spPr>
         <p:txBody>
-          <a:bodyPr anchorCtr="0" anchor="t" bIns="91425" lIns="91425" spcFirstLastPara="1" rIns="91425" wrap="square" tIns="91425">
+          <a:bodyPr spcFirstLastPara="1" wrap="square" lIns="91425" tIns="91425" rIns="91425" bIns="91425" anchor="t" anchorCtr="0">
             <a:noAutofit/>
           </a:bodyPr>
           <a:lstStyle/>
           <a:p>
-            <a:pPr indent="0" lvl="0" marL="0" rtl="0" algn="l">
+            <a:pPr marL="0" lvl="0" indent="0" algn="l" rtl="0">
               <a:spcBef>
                 <a:spcPts val="0"/>
               </a:spcBef>
@@ -1881,9 +1956,6 @@
               </a:spcAft>
               <a:buNone/>
             </a:pPr>
-            <a:r>
-              <a:t/>
-            </a:r>
             <a:endParaRPr/>
           </a:p>
         </p:txBody>
@@ -1896,12 +1968,12 @@
 </p:notes>
 </file>
 
-<file path=ppt/notesSlides/notesSlide20.xml><?xml version="1.0" encoding="utf-8"?>
-<p:notes xmlns:a="http://schemas.openxmlformats.org/drawingml/2006/main" xmlns:r="http://schemas.openxmlformats.org/officeDocument/2006/relationships" xmlns:mc="http://schemas.openxmlformats.org/markup-compatibility/2006" xmlns:mv="urn:schemas-microsoft-com:mac:vml" xmlns:p="http://schemas.openxmlformats.org/presentationml/2006/main" xmlns:c="http://schemas.openxmlformats.org/drawingml/2006/chart" xmlns:dgm="http://schemas.openxmlformats.org/drawingml/2006/diagram" xmlns:o="urn:schemas-microsoft-com:office:office" xmlns:v="urn:schemas-microsoft-com:vml" xmlns:pvml="urn:schemas-microsoft-com:office:powerpoint" xmlns:com="http://schemas.openxmlformats.org/drawingml/2006/compatibility" xmlns:p14="http://schemas.microsoft.com/office/powerpoint/2010/main" xmlns:p15="http://schemas.microsoft.com/office/powerpoint/2012/main" showMasterPhAnim="0" showMasterSp="0">
+<file path=ppt/notesSlides/notesSlide5.xml><?xml version="1.0" encoding="utf-8"?>
+<p:notes xmlns:a="http://schemas.openxmlformats.org/drawingml/2006/main" xmlns:r="http://schemas.openxmlformats.org/officeDocument/2006/relationships" xmlns:p="http://schemas.openxmlformats.org/presentationml/2006/main" showMasterSp="0" showMasterPhAnim="0">
   <p:cSld>
     <p:spTree>
       <p:nvGrpSpPr>
-        <p:cNvPr id="180" name="Shape 180"/>
+        <p:cNvPr id="1" name="Shape 71"/>
         <p:cNvGrpSpPr/>
         <p:nvPr/>
       </p:nvGrpSpPr>
@@ -1915,21 +1987,27 @@
       </p:grpSpPr>
       <p:sp>
         <p:nvSpPr>
-          <p:cNvPr id="181" name="Google Shape;181;g70cc9d9068e7f0aa_16:notes"/>
-          <p:cNvSpPr/>
+          <p:cNvPr id="72" name="Google Shape;72;g473a36e031_0_32:notes"/>
+          <p:cNvSpPr>
+            <a:spLocks noGrp="1" noRot="1" noChangeAspect="1"/>
+          </p:cNvSpPr>
           <p:nvPr>
-            <p:ph idx="2" type="sldImg"/>
+            <p:ph type="sldImg" idx="2"/>
           </p:nvPr>
         </p:nvSpPr>
         <p:spPr>
           <a:xfrm>
-            <a:off x="381300" y="685800"/>
+            <a:off x="381000" y="685800"/>
             <a:ext cx="6096000" cy="3429000"/>
           </a:xfrm>
           <a:custGeom>
-            <a:rect b="b" l="l" r="r" t="t"/>
+            <a:avLst/>
+            <a:gdLst/>
+            <a:ahLst/>
+            <a:cxnLst/>
+            <a:rect l="l" t="t" r="r" b="b"/>
             <a:pathLst>
-              <a:path extrusionOk="0" h="120000" w="120000">
+              <a:path w="120000" h="120000" extrusionOk="0">
                 <a:moveTo>
                   <a:pt x="0" y="0"/>
                 </a:moveTo>
@@ -1950,10 +2028,12 @@
       </p:sp>
       <p:sp>
         <p:nvSpPr>
-          <p:cNvPr id="182" name="Google Shape;182;g70cc9d9068e7f0aa_16:notes"/>
-          <p:cNvSpPr txBox="1"/>
+          <p:cNvPr id="73" name="Google Shape;73;g473a36e031_0_32:notes"/>
+          <p:cNvSpPr txBox="1">
+            <a:spLocks noGrp="1"/>
+          </p:cNvSpPr>
           <p:nvPr>
-            <p:ph idx="1" type="body"/>
+            <p:ph type="body" idx="1"/>
           </p:nvPr>
         </p:nvSpPr>
         <p:spPr>
@@ -1966,12 +2046,12 @@
           </a:prstGeom>
         </p:spPr>
         <p:txBody>
-          <a:bodyPr anchorCtr="0" anchor="t" bIns="91425" lIns="91425" spcFirstLastPara="1" rIns="91425" wrap="square" tIns="91425">
+          <a:bodyPr spcFirstLastPara="1" wrap="square" lIns="91425" tIns="91425" rIns="91425" bIns="91425" anchor="t" anchorCtr="0">
             <a:noAutofit/>
           </a:bodyPr>
           <a:lstStyle/>
           <a:p>
-            <a:pPr indent="0" lvl="0" marL="0" rtl="0" algn="l">
+            <a:pPr marL="0" lvl="0" indent="0" algn="l" rtl="0">
               <a:spcBef>
                 <a:spcPts val="0"/>
               </a:spcBef>
@@ -1980,9 +2060,6 @@
               </a:spcAft>
               <a:buNone/>
             </a:pPr>
-            <a:r>
-              <a:t/>
-            </a:r>
             <a:endParaRPr/>
           </a:p>
         </p:txBody>
@@ -1995,12 +2072,12 @@
 </p:notes>
 </file>
 
-<file path=ppt/notesSlides/notesSlide21.xml><?xml version="1.0" encoding="utf-8"?>
-<p:notes xmlns:a="http://schemas.openxmlformats.org/drawingml/2006/main" xmlns:r="http://schemas.openxmlformats.org/officeDocument/2006/relationships" xmlns:mc="http://schemas.openxmlformats.org/markup-compatibility/2006" xmlns:mv="urn:schemas-microsoft-com:mac:vml" xmlns:p="http://schemas.openxmlformats.org/presentationml/2006/main" xmlns:c="http://schemas.openxmlformats.org/drawingml/2006/chart" xmlns:dgm="http://schemas.openxmlformats.org/drawingml/2006/diagram" xmlns:o="urn:schemas-microsoft-com:office:office" xmlns:v="urn:schemas-microsoft-com:vml" xmlns:pvml="urn:schemas-microsoft-com:office:powerpoint" xmlns:com="http://schemas.openxmlformats.org/drawingml/2006/compatibility" xmlns:p14="http://schemas.microsoft.com/office/powerpoint/2010/main" xmlns:p15="http://schemas.microsoft.com/office/powerpoint/2012/main" showMasterPhAnim="0" showMasterSp="0">
+<file path=ppt/notesSlides/notesSlide6.xml><?xml version="1.0" encoding="utf-8"?>
+<p:notes xmlns:a="http://schemas.openxmlformats.org/drawingml/2006/main" xmlns:r="http://schemas.openxmlformats.org/officeDocument/2006/relationships" xmlns:p="http://schemas.openxmlformats.org/presentationml/2006/main" showMasterSp="0" showMasterPhAnim="0">
   <p:cSld>
     <p:spTree>
       <p:nvGrpSpPr>
-        <p:cNvPr id="186" name="Shape 186"/>
+        <p:cNvPr id="1" name="Shape 79"/>
         <p:cNvGrpSpPr/>
         <p:nvPr/>
       </p:nvGrpSpPr>
@@ -2014,21 +2091,27 @@
       </p:grpSpPr>
       <p:sp>
         <p:nvSpPr>
-          <p:cNvPr id="187" name="Google Shape;187;g70cc9d9068e7f0aa_40:notes"/>
-          <p:cNvSpPr/>
+          <p:cNvPr id="80" name="Google Shape;80;g4743c59d72_0_0:notes"/>
+          <p:cNvSpPr>
+            <a:spLocks noGrp="1" noRot="1" noChangeAspect="1"/>
+          </p:cNvSpPr>
           <p:nvPr>
-            <p:ph idx="2" type="sldImg"/>
+            <p:ph type="sldImg" idx="2"/>
           </p:nvPr>
         </p:nvSpPr>
         <p:spPr>
           <a:xfrm>
-            <a:off x="381300" y="685800"/>
+            <a:off x="381000" y="685800"/>
             <a:ext cx="6096000" cy="3429000"/>
           </a:xfrm>
           <a:custGeom>
-            <a:rect b="b" l="l" r="r" t="t"/>
+            <a:avLst/>
+            <a:gdLst/>
+            <a:ahLst/>
+            <a:cxnLst/>
+            <a:rect l="l" t="t" r="r" b="b"/>
             <a:pathLst>
-              <a:path extrusionOk="0" h="120000" w="120000">
+              <a:path w="120000" h="120000" extrusionOk="0">
                 <a:moveTo>
                   <a:pt x="0" y="0"/>
                 </a:moveTo>
@@ -2049,10 +2132,12 @@
       </p:sp>
       <p:sp>
         <p:nvSpPr>
-          <p:cNvPr id="188" name="Google Shape;188;g70cc9d9068e7f0aa_40:notes"/>
-          <p:cNvSpPr txBox="1"/>
+          <p:cNvPr id="81" name="Google Shape;81;g4743c59d72_0_0:notes"/>
+          <p:cNvSpPr txBox="1">
+            <a:spLocks noGrp="1"/>
+          </p:cNvSpPr>
           <p:nvPr>
-            <p:ph idx="1" type="body"/>
+            <p:ph type="body" idx="1"/>
           </p:nvPr>
         </p:nvSpPr>
         <p:spPr>
@@ -2065,12 +2150,12 @@
           </a:prstGeom>
         </p:spPr>
         <p:txBody>
-          <a:bodyPr anchorCtr="0" anchor="t" bIns="91425" lIns="91425" spcFirstLastPara="1" rIns="91425" wrap="square" tIns="91425">
+          <a:bodyPr spcFirstLastPara="1" wrap="square" lIns="91425" tIns="91425" rIns="91425" bIns="91425" anchor="t" anchorCtr="0">
             <a:noAutofit/>
           </a:bodyPr>
           <a:lstStyle/>
           <a:p>
-            <a:pPr indent="0" lvl="0" marL="0" rtl="0" algn="l">
+            <a:pPr marL="0" lvl="0" indent="0" algn="l" rtl="0">
               <a:spcBef>
                 <a:spcPts val="0"/>
               </a:spcBef>
@@ -2079,9 +2164,6 @@
               </a:spcAft>
               <a:buNone/>
             </a:pPr>
-            <a:r>
-              <a:t/>
-            </a:r>
             <a:endParaRPr/>
           </a:p>
         </p:txBody>
@@ -2094,12 +2176,12 @@
 </p:notes>
 </file>
 
-<file path=ppt/notesSlides/notesSlide22.xml><?xml version="1.0" encoding="utf-8"?>
-<p:notes xmlns:a="http://schemas.openxmlformats.org/drawingml/2006/main" xmlns:r="http://schemas.openxmlformats.org/officeDocument/2006/relationships" xmlns:mc="http://schemas.openxmlformats.org/markup-compatibility/2006" xmlns:mv="urn:schemas-microsoft-com:mac:vml" xmlns:p="http://schemas.openxmlformats.org/presentationml/2006/main" xmlns:c="http://schemas.openxmlformats.org/drawingml/2006/chart" xmlns:dgm="http://schemas.openxmlformats.org/drawingml/2006/diagram" xmlns:o="urn:schemas-microsoft-com:office:office" xmlns:v="urn:schemas-microsoft-com:vml" xmlns:pvml="urn:schemas-microsoft-com:office:powerpoint" xmlns:com="http://schemas.openxmlformats.org/drawingml/2006/compatibility" xmlns:p14="http://schemas.microsoft.com/office/powerpoint/2010/main" xmlns:p15="http://schemas.microsoft.com/office/powerpoint/2012/main" showMasterPhAnim="0" showMasterSp="0">
+<file path=ppt/notesSlides/notesSlide7.xml><?xml version="1.0" encoding="utf-8"?>
+<p:notes xmlns:a="http://schemas.openxmlformats.org/drawingml/2006/main" xmlns:r="http://schemas.openxmlformats.org/officeDocument/2006/relationships" xmlns:p="http://schemas.openxmlformats.org/presentationml/2006/main" showMasterSp="0" showMasterPhAnim="0">
   <p:cSld>
     <p:spTree>
       <p:nvGrpSpPr>
-        <p:cNvPr id="194" name="Shape 194"/>
+        <p:cNvPr id="1" name="Shape 89"/>
         <p:cNvGrpSpPr/>
         <p:nvPr/>
       </p:nvGrpSpPr>
@@ -2113,21 +2195,27 @@
       </p:grpSpPr>
       <p:sp>
         <p:nvSpPr>
-          <p:cNvPr id="195" name="Google Shape;195;g70cc9d9068e7f0aa_48:notes"/>
-          <p:cNvSpPr/>
+          <p:cNvPr id="90" name="Google Shape;90;g473a36e031_0_15:notes"/>
+          <p:cNvSpPr>
+            <a:spLocks noGrp="1" noRot="1" noChangeAspect="1"/>
+          </p:cNvSpPr>
           <p:nvPr>
-            <p:ph idx="2" type="sldImg"/>
+            <p:ph type="sldImg" idx="2"/>
           </p:nvPr>
         </p:nvSpPr>
         <p:spPr>
           <a:xfrm>
-            <a:off x="381300" y="685800"/>
+            <a:off x="381000" y="685800"/>
             <a:ext cx="6096000" cy="3429000"/>
           </a:xfrm>
           <a:custGeom>
-            <a:rect b="b" l="l" r="r" t="t"/>
+            <a:avLst/>
+            <a:gdLst/>
+            <a:ahLst/>
+            <a:cxnLst/>
+            <a:rect l="l" t="t" r="r" b="b"/>
             <a:pathLst>
-              <a:path extrusionOk="0" h="120000" w="120000">
+              <a:path w="120000" h="120000" extrusionOk="0">
                 <a:moveTo>
                   <a:pt x="0" y="0"/>
                 </a:moveTo>
@@ -2148,10 +2236,12 @@
       </p:sp>
       <p:sp>
         <p:nvSpPr>
-          <p:cNvPr id="196" name="Google Shape;196;g70cc9d9068e7f0aa_48:notes"/>
-          <p:cNvSpPr txBox="1"/>
+          <p:cNvPr id="91" name="Google Shape;91;g473a36e031_0_15:notes"/>
+          <p:cNvSpPr txBox="1">
+            <a:spLocks noGrp="1"/>
+          </p:cNvSpPr>
           <p:nvPr>
-            <p:ph idx="1" type="body"/>
+            <p:ph type="body" idx="1"/>
           </p:nvPr>
         </p:nvSpPr>
         <p:spPr>
@@ -2164,12 +2254,12 @@
           </a:prstGeom>
         </p:spPr>
         <p:txBody>
-          <a:bodyPr anchorCtr="0" anchor="t" bIns="91425" lIns="91425" spcFirstLastPara="1" rIns="91425" wrap="square" tIns="91425">
+          <a:bodyPr spcFirstLastPara="1" wrap="square" lIns="91425" tIns="91425" rIns="91425" bIns="91425" anchor="t" anchorCtr="0">
             <a:noAutofit/>
           </a:bodyPr>
           <a:lstStyle/>
           <a:p>
-            <a:pPr indent="0" lvl="0" marL="0" rtl="0" algn="l">
+            <a:pPr marL="0" lvl="0" indent="0" algn="l" rtl="0">
               <a:spcBef>
                 <a:spcPts val="0"/>
               </a:spcBef>
@@ -2178,9 +2268,6 @@
               </a:spcAft>
               <a:buNone/>
             </a:pPr>
-            <a:r>
-              <a:t/>
-            </a:r>
             <a:endParaRPr/>
           </a:p>
         </p:txBody>
@@ -2193,12 +2280,12 @@
 </p:notes>
 </file>
 
-<file path=ppt/notesSlides/notesSlide23.xml><?xml version="1.0" encoding="utf-8"?>
-<p:notes xmlns:a="http://schemas.openxmlformats.org/drawingml/2006/main" xmlns:r="http://schemas.openxmlformats.org/officeDocument/2006/relationships" xmlns:mc="http://schemas.openxmlformats.org/markup-compatibility/2006" xmlns:mv="urn:schemas-microsoft-com:mac:vml" xmlns:p="http://schemas.openxmlformats.org/presentationml/2006/main" xmlns:c="http://schemas.openxmlformats.org/drawingml/2006/chart" xmlns:dgm="http://schemas.openxmlformats.org/drawingml/2006/diagram" xmlns:o="urn:schemas-microsoft-com:office:office" xmlns:v="urn:schemas-microsoft-com:vml" xmlns:pvml="urn:schemas-microsoft-com:office:powerpoint" xmlns:com="http://schemas.openxmlformats.org/drawingml/2006/compatibility" xmlns:p14="http://schemas.microsoft.com/office/powerpoint/2010/main" xmlns:p15="http://schemas.microsoft.com/office/powerpoint/2012/main" showMasterPhAnim="0" showMasterSp="0">
+<file path=ppt/notesSlides/notesSlide8.xml><?xml version="1.0" encoding="utf-8"?>
+<p:notes xmlns:a="http://schemas.openxmlformats.org/drawingml/2006/main" xmlns:r="http://schemas.openxmlformats.org/officeDocument/2006/relationships" xmlns:p="http://schemas.openxmlformats.org/presentationml/2006/main" showMasterSp="0" showMasterPhAnim="0">
   <p:cSld>
     <p:spTree>
       <p:nvGrpSpPr>
-        <p:cNvPr id="202" name="Shape 202"/>
+        <p:cNvPr id="1" name="Shape 94"/>
         <p:cNvGrpSpPr/>
         <p:nvPr/>
       </p:nvGrpSpPr>
@@ -2212,21 +2299,27 @@
       </p:grpSpPr>
       <p:sp>
         <p:nvSpPr>
-          <p:cNvPr id="203" name="Google Shape;203;g70cc9d9068e7f0aa_20:notes"/>
-          <p:cNvSpPr/>
+          <p:cNvPr id="95" name="Google Shape;95;g473a36e031_0_39:notes"/>
+          <p:cNvSpPr>
+            <a:spLocks noGrp="1" noRot="1" noChangeAspect="1"/>
+          </p:cNvSpPr>
           <p:nvPr>
-            <p:ph idx="2" type="sldImg"/>
+            <p:ph type="sldImg" idx="2"/>
           </p:nvPr>
         </p:nvSpPr>
         <p:spPr>
           <a:xfrm>
-            <a:off x="381300" y="685800"/>
+            <a:off x="381000" y="685800"/>
             <a:ext cx="6096000" cy="3429000"/>
           </a:xfrm>
           <a:custGeom>
-            <a:rect b="b" l="l" r="r" t="t"/>
+            <a:avLst/>
+            <a:gdLst/>
+            <a:ahLst/>
+            <a:cxnLst/>
+            <a:rect l="l" t="t" r="r" b="b"/>
             <a:pathLst>
-              <a:path extrusionOk="0" h="120000" w="120000">
+              <a:path w="120000" h="120000" extrusionOk="0">
                 <a:moveTo>
                   <a:pt x="0" y="0"/>
                 </a:moveTo>
@@ -2247,10 +2340,12 @@
       </p:sp>
       <p:sp>
         <p:nvSpPr>
-          <p:cNvPr id="204" name="Google Shape;204;g70cc9d9068e7f0aa_20:notes"/>
-          <p:cNvSpPr txBox="1"/>
+          <p:cNvPr id="96" name="Google Shape;96;g473a36e031_0_39:notes"/>
+          <p:cNvSpPr txBox="1">
+            <a:spLocks noGrp="1"/>
+          </p:cNvSpPr>
           <p:nvPr>
-            <p:ph idx="1" type="body"/>
+            <p:ph type="body" idx="1"/>
           </p:nvPr>
         </p:nvSpPr>
         <p:spPr>
@@ -2263,12 +2358,12 @@
           </a:prstGeom>
         </p:spPr>
         <p:txBody>
-          <a:bodyPr anchorCtr="0" anchor="t" bIns="91425" lIns="91425" spcFirstLastPara="1" rIns="91425" wrap="square" tIns="91425">
+          <a:bodyPr spcFirstLastPara="1" wrap="square" lIns="91425" tIns="91425" rIns="91425" bIns="91425" anchor="t" anchorCtr="0">
             <a:noAutofit/>
           </a:bodyPr>
           <a:lstStyle/>
           <a:p>
-            <a:pPr indent="0" lvl="0" marL="0" rtl="0" algn="l">
+            <a:pPr marL="0" lvl="0" indent="0" algn="l" rtl="0">
               <a:spcBef>
                 <a:spcPts val="0"/>
               </a:spcBef>
@@ -2277,9 +2372,6 @@
               </a:spcAft>
               <a:buNone/>
             </a:pPr>
-            <a:r>
-              <a:t/>
-            </a:r>
             <a:endParaRPr/>
           </a:p>
         </p:txBody>
@@ -2292,12 +2384,12 @@
 </p:notes>
 </file>
 
-<file path=ppt/notesSlides/notesSlide24.xml><?xml version="1.0" encoding="utf-8"?>
-<p:notes xmlns:a="http://schemas.openxmlformats.org/drawingml/2006/main" xmlns:r="http://schemas.openxmlformats.org/officeDocument/2006/relationships" xmlns:mc="http://schemas.openxmlformats.org/markup-compatibility/2006" xmlns:mv="urn:schemas-microsoft-com:mac:vml" xmlns:p="http://schemas.openxmlformats.org/presentationml/2006/main" xmlns:c="http://schemas.openxmlformats.org/drawingml/2006/chart" xmlns:dgm="http://schemas.openxmlformats.org/drawingml/2006/diagram" xmlns:o="urn:schemas-microsoft-com:office:office" xmlns:v="urn:schemas-microsoft-com:vml" xmlns:pvml="urn:schemas-microsoft-com:office:powerpoint" xmlns:com="http://schemas.openxmlformats.org/drawingml/2006/compatibility" xmlns:p14="http://schemas.microsoft.com/office/powerpoint/2010/main" xmlns:p15="http://schemas.microsoft.com/office/powerpoint/2012/main" showMasterPhAnim="0" showMasterSp="0">
+<file path=ppt/notesSlides/notesSlide9.xml><?xml version="1.0" encoding="utf-8"?>
+<p:notes xmlns:a="http://schemas.openxmlformats.org/drawingml/2006/main" xmlns:r="http://schemas.openxmlformats.org/officeDocument/2006/relationships" xmlns:p="http://schemas.openxmlformats.org/presentationml/2006/main" showMasterSp="0" showMasterPhAnim="0">
   <p:cSld>
     <p:spTree>
       <p:nvGrpSpPr>
-        <p:cNvPr id="209" name="Shape 209"/>
+        <p:cNvPr id="1" name="Shape 101"/>
         <p:cNvGrpSpPr/>
         <p:nvPr/>
       </p:nvGrpSpPr>
@@ -2311,21 +2403,27 @@
       </p:grpSpPr>
       <p:sp>
         <p:nvSpPr>
-          <p:cNvPr id="210" name="Google Shape;210;g70cc9d9068e7f0aa_58:notes"/>
-          <p:cNvSpPr/>
+          <p:cNvPr id="102" name="Google Shape;102;g473a36e031_0_22:notes"/>
+          <p:cNvSpPr>
+            <a:spLocks noGrp="1" noRot="1" noChangeAspect="1"/>
+          </p:cNvSpPr>
           <p:nvPr>
-            <p:ph idx="2" type="sldImg"/>
+            <p:ph type="sldImg" idx="2"/>
           </p:nvPr>
         </p:nvSpPr>
         <p:spPr>
           <a:xfrm>
-            <a:off x="381300" y="685800"/>
+            <a:off x="381000" y="685800"/>
             <a:ext cx="6096000" cy="3429000"/>
           </a:xfrm>
           <a:custGeom>
-            <a:rect b="b" l="l" r="r" t="t"/>
+            <a:avLst/>
+            <a:gdLst/>
+            <a:ahLst/>
+            <a:cxnLst/>
+            <a:rect l="l" t="t" r="r" b="b"/>
             <a:pathLst>
-              <a:path extrusionOk="0" h="120000" w="120000">
+              <a:path w="120000" h="120000" extrusionOk="0">
                 <a:moveTo>
                   <a:pt x="0" y="0"/>
                 </a:moveTo>
@@ -2346,10 +2444,12 @@
       </p:sp>
       <p:sp>
         <p:nvSpPr>
-          <p:cNvPr id="211" name="Google Shape;211;g70cc9d9068e7f0aa_58:notes"/>
-          <p:cNvSpPr txBox="1"/>
+          <p:cNvPr id="103" name="Google Shape;103;g473a36e031_0_22:notes"/>
+          <p:cNvSpPr txBox="1">
+            <a:spLocks noGrp="1"/>
+          </p:cNvSpPr>
           <p:nvPr>
-            <p:ph idx="1" type="body"/>
+            <p:ph type="body" idx="1"/>
           </p:nvPr>
         </p:nvSpPr>
         <p:spPr>
@@ -2362,12 +2462,12 @@
           </a:prstGeom>
         </p:spPr>
         <p:txBody>
-          <a:bodyPr anchorCtr="0" anchor="t" bIns="91425" lIns="91425" spcFirstLastPara="1" rIns="91425" wrap="square" tIns="91425">
+          <a:bodyPr spcFirstLastPara="1" wrap="square" lIns="91425" tIns="91425" rIns="91425" bIns="91425" anchor="t" anchorCtr="0">
             <a:noAutofit/>
           </a:bodyPr>
           <a:lstStyle/>
           <a:p>
-            <a:pPr indent="0" lvl="0" marL="0" rtl="0" algn="l">
+            <a:pPr marL="0" lvl="0" indent="0" algn="l" rtl="0">
               <a:spcBef>
                 <a:spcPts val="0"/>
               </a:spcBef>
@@ -2376,801 +2476,6 @@
               </a:spcAft>
               <a:buNone/>
             </a:pPr>
-            <a:r>
-              <a:t/>
-            </a:r>
-            <a:endParaRPr/>
-          </a:p>
-        </p:txBody>
-      </p:sp>
-    </p:spTree>
-  </p:cSld>
-  <p:clrMapOvr>
-    <a:masterClrMapping/>
-  </p:clrMapOvr>
-</p:notes>
-</file>
-
-<file path=ppt/notesSlides/notesSlide25.xml><?xml version="1.0" encoding="utf-8"?>
-<p:notes xmlns:a="http://schemas.openxmlformats.org/drawingml/2006/main" xmlns:r="http://schemas.openxmlformats.org/officeDocument/2006/relationships" xmlns:mc="http://schemas.openxmlformats.org/markup-compatibility/2006" xmlns:mv="urn:schemas-microsoft-com:mac:vml" xmlns:p="http://schemas.openxmlformats.org/presentationml/2006/main" xmlns:c="http://schemas.openxmlformats.org/drawingml/2006/chart" xmlns:dgm="http://schemas.openxmlformats.org/drawingml/2006/diagram" xmlns:o="urn:schemas-microsoft-com:office:office" xmlns:v="urn:schemas-microsoft-com:vml" xmlns:pvml="urn:schemas-microsoft-com:office:powerpoint" xmlns:com="http://schemas.openxmlformats.org/drawingml/2006/compatibility" xmlns:p14="http://schemas.microsoft.com/office/powerpoint/2010/main" xmlns:p15="http://schemas.microsoft.com/office/powerpoint/2012/main" showMasterPhAnim="0" showMasterSp="0">
-  <p:cSld>
-    <p:spTree>
-      <p:nvGrpSpPr>
-        <p:cNvPr id="216" name="Shape 216"/>
-        <p:cNvGrpSpPr/>
-        <p:nvPr/>
-      </p:nvGrpSpPr>
-      <p:grpSpPr>
-        <a:xfrm>
-          <a:off x="0" y="0"/>
-          <a:ext cx="0" cy="0"/>
-          <a:chOff x="0" y="0"/>
-          <a:chExt cx="0" cy="0"/>
-        </a:xfrm>
-      </p:grpSpPr>
-      <p:sp>
-        <p:nvSpPr>
-          <p:cNvPr id="217" name="Google Shape;217;g4743c59d72_0_13:notes"/>
-          <p:cNvSpPr/>
-          <p:nvPr>
-            <p:ph idx="2" type="sldImg"/>
-          </p:nvPr>
-        </p:nvSpPr>
-        <p:spPr>
-          <a:xfrm>
-            <a:off x="381300" y="685800"/>
-            <a:ext cx="6096000" cy="3429000"/>
-          </a:xfrm>
-          <a:custGeom>
-            <a:rect b="b" l="l" r="r" t="t"/>
-            <a:pathLst>
-              <a:path extrusionOk="0" h="120000" w="120000">
-                <a:moveTo>
-                  <a:pt x="0" y="0"/>
-                </a:moveTo>
-                <a:lnTo>
-                  <a:pt x="120000" y="0"/>
-                </a:lnTo>
-                <a:lnTo>
-                  <a:pt x="120000" y="120000"/>
-                </a:lnTo>
-                <a:lnTo>
-                  <a:pt x="0" y="120000"/>
-                </a:lnTo>
-                <a:close/>
-              </a:path>
-            </a:pathLst>
-          </a:custGeom>
-        </p:spPr>
-      </p:sp>
-      <p:sp>
-        <p:nvSpPr>
-          <p:cNvPr id="218" name="Google Shape;218;g4743c59d72_0_13:notes"/>
-          <p:cNvSpPr txBox="1"/>
-          <p:nvPr>
-            <p:ph idx="1" type="body"/>
-          </p:nvPr>
-        </p:nvSpPr>
-        <p:spPr>
-          <a:xfrm>
-            <a:off x="685800" y="4343400"/>
-            <a:ext cx="5486400" cy="4114800"/>
-          </a:xfrm>
-          <a:prstGeom prst="rect">
-            <a:avLst/>
-          </a:prstGeom>
-        </p:spPr>
-        <p:txBody>
-          <a:bodyPr anchorCtr="0" anchor="t" bIns="91425" lIns="91425" spcFirstLastPara="1" rIns="91425" wrap="square" tIns="91425">
-            <a:noAutofit/>
-          </a:bodyPr>
-          <a:lstStyle/>
-          <a:p>
-            <a:pPr indent="0" lvl="0" marL="0" rtl="0" algn="l">
-              <a:spcBef>
-                <a:spcPts val="0"/>
-              </a:spcBef>
-              <a:spcAft>
-                <a:spcPts val="0"/>
-              </a:spcAft>
-              <a:buNone/>
-            </a:pPr>
-            <a:r>
-              <a:t/>
-            </a:r>
-            <a:endParaRPr/>
-          </a:p>
-        </p:txBody>
-      </p:sp>
-    </p:spTree>
-  </p:cSld>
-  <p:clrMapOvr>
-    <a:masterClrMapping/>
-  </p:clrMapOvr>
-</p:notes>
-</file>
-
-<file path=ppt/notesSlides/notesSlide3.xml><?xml version="1.0" encoding="utf-8"?>
-<p:notes xmlns:a="http://schemas.openxmlformats.org/drawingml/2006/main" xmlns:r="http://schemas.openxmlformats.org/officeDocument/2006/relationships" xmlns:mc="http://schemas.openxmlformats.org/markup-compatibility/2006" xmlns:mv="urn:schemas-microsoft-com:mac:vml" xmlns:p="http://schemas.openxmlformats.org/presentationml/2006/main" xmlns:c="http://schemas.openxmlformats.org/drawingml/2006/chart" xmlns:dgm="http://schemas.openxmlformats.org/drawingml/2006/diagram" xmlns:o="urn:schemas-microsoft-com:office:office" xmlns:v="urn:schemas-microsoft-com:vml" xmlns:pvml="urn:schemas-microsoft-com:office:powerpoint" xmlns:com="http://schemas.openxmlformats.org/drawingml/2006/compatibility" xmlns:p14="http://schemas.microsoft.com/office/powerpoint/2010/main" xmlns:p15="http://schemas.microsoft.com/office/powerpoint/2012/main" showMasterPhAnim="0" showMasterSp="0">
-  <p:cSld>
-    <p:spTree>
-      <p:nvGrpSpPr>
-        <p:cNvPr id="61" name="Shape 61"/>
-        <p:cNvGrpSpPr/>
-        <p:nvPr/>
-      </p:nvGrpSpPr>
-      <p:grpSpPr>
-        <a:xfrm>
-          <a:off x="0" y="0"/>
-          <a:ext cx="0" cy="0"/>
-          <a:chOff x="0" y="0"/>
-          <a:chExt cx="0" cy="0"/>
-        </a:xfrm>
-      </p:grpSpPr>
-      <p:sp>
-        <p:nvSpPr>
-          <p:cNvPr id="62" name="Google Shape;62;g473a36e031_0_7:notes"/>
-          <p:cNvSpPr/>
-          <p:nvPr>
-            <p:ph idx="2" type="sldImg"/>
-          </p:nvPr>
-        </p:nvSpPr>
-        <p:spPr>
-          <a:xfrm>
-            <a:off x="381300" y="685800"/>
-            <a:ext cx="6096000" cy="3429000"/>
-          </a:xfrm>
-          <a:custGeom>
-            <a:rect b="b" l="l" r="r" t="t"/>
-            <a:pathLst>
-              <a:path extrusionOk="0" h="120000" w="120000">
-                <a:moveTo>
-                  <a:pt x="0" y="0"/>
-                </a:moveTo>
-                <a:lnTo>
-                  <a:pt x="120000" y="0"/>
-                </a:lnTo>
-                <a:lnTo>
-                  <a:pt x="120000" y="120000"/>
-                </a:lnTo>
-                <a:lnTo>
-                  <a:pt x="0" y="120000"/>
-                </a:lnTo>
-                <a:close/>
-              </a:path>
-            </a:pathLst>
-          </a:custGeom>
-        </p:spPr>
-      </p:sp>
-      <p:sp>
-        <p:nvSpPr>
-          <p:cNvPr id="63" name="Google Shape;63;g473a36e031_0_7:notes"/>
-          <p:cNvSpPr txBox="1"/>
-          <p:nvPr>
-            <p:ph idx="1" type="body"/>
-          </p:nvPr>
-        </p:nvSpPr>
-        <p:spPr>
-          <a:xfrm>
-            <a:off x="685800" y="4343400"/>
-            <a:ext cx="5486400" cy="4114800"/>
-          </a:xfrm>
-          <a:prstGeom prst="rect">
-            <a:avLst/>
-          </a:prstGeom>
-        </p:spPr>
-        <p:txBody>
-          <a:bodyPr anchorCtr="0" anchor="t" bIns="91425" lIns="91425" spcFirstLastPara="1" rIns="91425" wrap="square" tIns="91425">
-            <a:noAutofit/>
-          </a:bodyPr>
-          <a:lstStyle/>
-          <a:p>
-            <a:pPr indent="0" lvl="0" marL="0" rtl="0" algn="l">
-              <a:spcBef>
-                <a:spcPts val="0"/>
-              </a:spcBef>
-              <a:spcAft>
-                <a:spcPts val="0"/>
-              </a:spcAft>
-              <a:buNone/>
-            </a:pPr>
-            <a:r>
-              <a:t/>
-            </a:r>
-            <a:endParaRPr/>
-          </a:p>
-        </p:txBody>
-      </p:sp>
-    </p:spTree>
-  </p:cSld>
-  <p:clrMapOvr>
-    <a:masterClrMapping/>
-  </p:clrMapOvr>
-</p:notes>
-</file>
-
-<file path=ppt/notesSlides/notesSlide4.xml><?xml version="1.0" encoding="utf-8"?>
-<p:notes xmlns:a="http://schemas.openxmlformats.org/drawingml/2006/main" xmlns:r="http://schemas.openxmlformats.org/officeDocument/2006/relationships" xmlns:mc="http://schemas.openxmlformats.org/markup-compatibility/2006" xmlns:mv="urn:schemas-microsoft-com:mac:vml" xmlns:p="http://schemas.openxmlformats.org/presentationml/2006/main" xmlns:c="http://schemas.openxmlformats.org/drawingml/2006/chart" xmlns:dgm="http://schemas.openxmlformats.org/drawingml/2006/diagram" xmlns:o="urn:schemas-microsoft-com:office:office" xmlns:v="urn:schemas-microsoft-com:vml" xmlns:pvml="urn:schemas-microsoft-com:office:powerpoint" xmlns:com="http://schemas.openxmlformats.org/drawingml/2006/compatibility" xmlns:p14="http://schemas.microsoft.com/office/powerpoint/2010/main" xmlns:p15="http://schemas.microsoft.com/office/powerpoint/2012/main" showMasterPhAnim="0" showMasterSp="0">
-  <p:cSld>
-    <p:spTree>
-      <p:nvGrpSpPr>
-        <p:cNvPr id="66" name="Shape 66"/>
-        <p:cNvGrpSpPr/>
-        <p:nvPr/>
-      </p:nvGrpSpPr>
-      <p:grpSpPr>
-        <a:xfrm>
-          <a:off x="0" y="0"/>
-          <a:ext cx="0" cy="0"/>
-          <a:chOff x="0" y="0"/>
-          <a:chExt cx="0" cy="0"/>
-        </a:xfrm>
-      </p:grpSpPr>
-      <p:sp>
-        <p:nvSpPr>
-          <p:cNvPr id="67" name="Google Shape;67;g473a36e031_0_11:notes"/>
-          <p:cNvSpPr/>
-          <p:nvPr>
-            <p:ph idx="2" type="sldImg"/>
-          </p:nvPr>
-        </p:nvSpPr>
-        <p:spPr>
-          <a:xfrm>
-            <a:off x="381300" y="685800"/>
-            <a:ext cx="6096000" cy="3429000"/>
-          </a:xfrm>
-          <a:custGeom>
-            <a:rect b="b" l="l" r="r" t="t"/>
-            <a:pathLst>
-              <a:path extrusionOk="0" h="120000" w="120000">
-                <a:moveTo>
-                  <a:pt x="0" y="0"/>
-                </a:moveTo>
-                <a:lnTo>
-                  <a:pt x="120000" y="0"/>
-                </a:lnTo>
-                <a:lnTo>
-                  <a:pt x="120000" y="120000"/>
-                </a:lnTo>
-                <a:lnTo>
-                  <a:pt x="0" y="120000"/>
-                </a:lnTo>
-                <a:close/>
-              </a:path>
-            </a:pathLst>
-          </a:custGeom>
-        </p:spPr>
-      </p:sp>
-      <p:sp>
-        <p:nvSpPr>
-          <p:cNvPr id="68" name="Google Shape;68;g473a36e031_0_11:notes"/>
-          <p:cNvSpPr txBox="1"/>
-          <p:nvPr>
-            <p:ph idx="1" type="body"/>
-          </p:nvPr>
-        </p:nvSpPr>
-        <p:spPr>
-          <a:xfrm>
-            <a:off x="685800" y="4343400"/>
-            <a:ext cx="5486400" cy="4114800"/>
-          </a:xfrm>
-          <a:prstGeom prst="rect">
-            <a:avLst/>
-          </a:prstGeom>
-        </p:spPr>
-        <p:txBody>
-          <a:bodyPr anchorCtr="0" anchor="t" bIns="91425" lIns="91425" spcFirstLastPara="1" rIns="91425" wrap="square" tIns="91425">
-            <a:noAutofit/>
-          </a:bodyPr>
-          <a:lstStyle/>
-          <a:p>
-            <a:pPr indent="0" lvl="0" marL="0" rtl="0" algn="l">
-              <a:spcBef>
-                <a:spcPts val="0"/>
-              </a:spcBef>
-              <a:spcAft>
-                <a:spcPts val="0"/>
-              </a:spcAft>
-              <a:buNone/>
-            </a:pPr>
-            <a:r>
-              <a:t/>
-            </a:r>
-            <a:endParaRPr/>
-          </a:p>
-        </p:txBody>
-      </p:sp>
-    </p:spTree>
-  </p:cSld>
-  <p:clrMapOvr>
-    <a:masterClrMapping/>
-  </p:clrMapOvr>
-</p:notes>
-</file>
-
-<file path=ppt/notesSlides/notesSlide5.xml><?xml version="1.0" encoding="utf-8"?>
-<p:notes xmlns:a="http://schemas.openxmlformats.org/drawingml/2006/main" xmlns:r="http://schemas.openxmlformats.org/officeDocument/2006/relationships" xmlns:mc="http://schemas.openxmlformats.org/markup-compatibility/2006" xmlns:mv="urn:schemas-microsoft-com:mac:vml" xmlns:p="http://schemas.openxmlformats.org/presentationml/2006/main" xmlns:c="http://schemas.openxmlformats.org/drawingml/2006/chart" xmlns:dgm="http://schemas.openxmlformats.org/drawingml/2006/diagram" xmlns:o="urn:schemas-microsoft-com:office:office" xmlns:v="urn:schemas-microsoft-com:vml" xmlns:pvml="urn:schemas-microsoft-com:office:powerpoint" xmlns:com="http://schemas.openxmlformats.org/drawingml/2006/compatibility" xmlns:p14="http://schemas.microsoft.com/office/powerpoint/2010/main" xmlns:p15="http://schemas.microsoft.com/office/powerpoint/2012/main" showMasterPhAnim="0" showMasterSp="0">
-  <p:cSld>
-    <p:spTree>
-      <p:nvGrpSpPr>
-        <p:cNvPr id="71" name="Shape 71"/>
-        <p:cNvGrpSpPr/>
-        <p:nvPr/>
-      </p:nvGrpSpPr>
-      <p:grpSpPr>
-        <a:xfrm>
-          <a:off x="0" y="0"/>
-          <a:ext cx="0" cy="0"/>
-          <a:chOff x="0" y="0"/>
-          <a:chExt cx="0" cy="0"/>
-        </a:xfrm>
-      </p:grpSpPr>
-      <p:sp>
-        <p:nvSpPr>
-          <p:cNvPr id="72" name="Google Shape;72;g473a36e031_0_32:notes"/>
-          <p:cNvSpPr/>
-          <p:nvPr>
-            <p:ph idx="2" type="sldImg"/>
-          </p:nvPr>
-        </p:nvSpPr>
-        <p:spPr>
-          <a:xfrm>
-            <a:off x="381300" y="685800"/>
-            <a:ext cx="6096000" cy="3429000"/>
-          </a:xfrm>
-          <a:custGeom>
-            <a:rect b="b" l="l" r="r" t="t"/>
-            <a:pathLst>
-              <a:path extrusionOk="0" h="120000" w="120000">
-                <a:moveTo>
-                  <a:pt x="0" y="0"/>
-                </a:moveTo>
-                <a:lnTo>
-                  <a:pt x="120000" y="0"/>
-                </a:lnTo>
-                <a:lnTo>
-                  <a:pt x="120000" y="120000"/>
-                </a:lnTo>
-                <a:lnTo>
-                  <a:pt x="0" y="120000"/>
-                </a:lnTo>
-                <a:close/>
-              </a:path>
-            </a:pathLst>
-          </a:custGeom>
-        </p:spPr>
-      </p:sp>
-      <p:sp>
-        <p:nvSpPr>
-          <p:cNvPr id="73" name="Google Shape;73;g473a36e031_0_32:notes"/>
-          <p:cNvSpPr txBox="1"/>
-          <p:nvPr>
-            <p:ph idx="1" type="body"/>
-          </p:nvPr>
-        </p:nvSpPr>
-        <p:spPr>
-          <a:xfrm>
-            <a:off x="685800" y="4343400"/>
-            <a:ext cx="5486400" cy="4114800"/>
-          </a:xfrm>
-          <a:prstGeom prst="rect">
-            <a:avLst/>
-          </a:prstGeom>
-        </p:spPr>
-        <p:txBody>
-          <a:bodyPr anchorCtr="0" anchor="t" bIns="91425" lIns="91425" spcFirstLastPara="1" rIns="91425" wrap="square" tIns="91425">
-            <a:noAutofit/>
-          </a:bodyPr>
-          <a:lstStyle/>
-          <a:p>
-            <a:pPr indent="0" lvl="0" marL="0" rtl="0" algn="l">
-              <a:spcBef>
-                <a:spcPts val="0"/>
-              </a:spcBef>
-              <a:spcAft>
-                <a:spcPts val="0"/>
-              </a:spcAft>
-              <a:buNone/>
-            </a:pPr>
-            <a:r>
-              <a:t/>
-            </a:r>
-            <a:endParaRPr/>
-          </a:p>
-        </p:txBody>
-      </p:sp>
-    </p:spTree>
-  </p:cSld>
-  <p:clrMapOvr>
-    <a:masterClrMapping/>
-  </p:clrMapOvr>
-</p:notes>
-</file>
-
-<file path=ppt/notesSlides/notesSlide6.xml><?xml version="1.0" encoding="utf-8"?>
-<p:notes xmlns:a="http://schemas.openxmlformats.org/drawingml/2006/main" xmlns:r="http://schemas.openxmlformats.org/officeDocument/2006/relationships" xmlns:mc="http://schemas.openxmlformats.org/markup-compatibility/2006" xmlns:mv="urn:schemas-microsoft-com:mac:vml" xmlns:p="http://schemas.openxmlformats.org/presentationml/2006/main" xmlns:c="http://schemas.openxmlformats.org/drawingml/2006/chart" xmlns:dgm="http://schemas.openxmlformats.org/drawingml/2006/diagram" xmlns:o="urn:schemas-microsoft-com:office:office" xmlns:v="urn:schemas-microsoft-com:vml" xmlns:pvml="urn:schemas-microsoft-com:office:powerpoint" xmlns:com="http://schemas.openxmlformats.org/drawingml/2006/compatibility" xmlns:p14="http://schemas.microsoft.com/office/powerpoint/2010/main" xmlns:p15="http://schemas.microsoft.com/office/powerpoint/2012/main" showMasterPhAnim="0" showMasterSp="0">
-  <p:cSld>
-    <p:spTree>
-      <p:nvGrpSpPr>
-        <p:cNvPr id="79" name="Shape 79"/>
-        <p:cNvGrpSpPr/>
-        <p:nvPr/>
-      </p:nvGrpSpPr>
-      <p:grpSpPr>
-        <a:xfrm>
-          <a:off x="0" y="0"/>
-          <a:ext cx="0" cy="0"/>
-          <a:chOff x="0" y="0"/>
-          <a:chExt cx="0" cy="0"/>
-        </a:xfrm>
-      </p:grpSpPr>
-      <p:sp>
-        <p:nvSpPr>
-          <p:cNvPr id="80" name="Google Shape;80;g4743c59d72_0_0:notes"/>
-          <p:cNvSpPr/>
-          <p:nvPr>
-            <p:ph idx="2" type="sldImg"/>
-          </p:nvPr>
-        </p:nvSpPr>
-        <p:spPr>
-          <a:xfrm>
-            <a:off x="381300" y="685800"/>
-            <a:ext cx="6096000" cy="3429000"/>
-          </a:xfrm>
-          <a:custGeom>
-            <a:rect b="b" l="l" r="r" t="t"/>
-            <a:pathLst>
-              <a:path extrusionOk="0" h="120000" w="120000">
-                <a:moveTo>
-                  <a:pt x="0" y="0"/>
-                </a:moveTo>
-                <a:lnTo>
-                  <a:pt x="120000" y="0"/>
-                </a:lnTo>
-                <a:lnTo>
-                  <a:pt x="120000" y="120000"/>
-                </a:lnTo>
-                <a:lnTo>
-                  <a:pt x="0" y="120000"/>
-                </a:lnTo>
-                <a:close/>
-              </a:path>
-            </a:pathLst>
-          </a:custGeom>
-        </p:spPr>
-      </p:sp>
-      <p:sp>
-        <p:nvSpPr>
-          <p:cNvPr id="81" name="Google Shape;81;g4743c59d72_0_0:notes"/>
-          <p:cNvSpPr txBox="1"/>
-          <p:nvPr>
-            <p:ph idx="1" type="body"/>
-          </p:nvPr>
-        </p:nvSpPr>
-        <p:spPr>
-          <a:xfrm>
-            <a:off x="685800" y="4343400"/>
-            <a:ext cx="5486400" cy="4114800"/>
-          </a:xfrm>
-          <a:prstGeom prst="rect">
-            <a:avLst/>
-          </a:prstGeom>
-        </p:spPr>
-        <p:txBody>
-          <a:bodyPr anchorCtr="0" anchor="t" bIns="91425" lIns="91425" spcFirstLastPara="1" rIns="91425" wrap="square" tIns="91425">
-            <a:noAutofit/>
-          </a:bodyPr>
-          <a:lstStyle/>
-          <a:p>
-            <a:pPr indent="0" lvl="0" marL="0" rtl="0" algn="l">
-              <a:spcBef>
-                <a:spcPts val="0"/>
-              </a:spcBef>
-              <a:spcAft>
-                <a:spcPts val="0"/>
-              </a:spcAft>
-              <a:buNone/>
-            </a:pPr>
-            <a:r>
-              <a:t/>
-            </a:r>
-            <a:endParaRPr/>
-          </a:p>
-        </p:txBody>
-      </p:sp>
-    </p:spTree>
-  </p:cSld>
-  <p:clrMapOvr>
-    <a:masterClrMapping/>
-  </p:clrMapOvr>
-</p:notes>
-</file>
-
-<file path=ppt/notesSlides/notesSlide7.xml><?xml version="1.0" encoding="utf-8"?>
-<p:notes xmlns:a="http://schemas.openxmlformats.org/drawingml/2006/main" xmlns:r="http://schemas.openxmlformats.org/officeDocument/2006/relationships" xmlns:mc="http://schemas.openxmlformats.org/markup-compatibility/2006" xmlns:mv="urn:schemas-microsoft-com:mac:vml" xmlns:p="http://schemas.openxmlformats.org/presentationml/2006/main" xmlns:c="http://schemas.openxmlformats.org/drawingml/2006/chart" xmlns:dgm="http://schemas.openxmlformats.org/drawingml/2006/diagram" xmlns:o="urn:schemas-microsoft-com:office:office" xmlns:v="urn:schemas-microsoft-com:vml" xmlns:pvml="urn:schemas-microsoft-com:office:powerpoint" xmlns:com="http://schemas.openxmlformats.org/drawingml/2006/compatibility" xmlns:p14="http://schemas.microsoft.com/office/powerpoint/2010/main" xmlns:p15="http://schemas.microsoft.com/office/powerpoint/2012/main" showMasterPhAnim="0" showMasterSp="0">
-  <p:cSld>
-    <p:spTree>
-      <p:nvGrpSpPr>
-        <p:cNvPr id="89" name="Shape 89"/>
-        <p:cNvGrpSpPr/>
-        <p:nvPr/>
-      </p:nvGrpSpPr>
-      <p:grpSpPr>
-        <a:xfrm>
-          <a:off x="0" y="0"/>
-          <a:ext cx="0" cy="0"/>
-          <a:chOff x="0" y="0"/>
-          <a:chExt cx="0" cy="0"/>
-        </a:xfrm>
-      </p:grpSpPr>
-      <p:sp>
-        <p:nvSpPr>
-          <p:cNvPr id="90" name="Google Shape;90;g473a36e031_0_15:notes"/>
-          <p:cNvSpPr/>
-          <p:nvPr>
-            <p:ph idx="2" type="sldImg"/>
-          </p:nvPr>
-        </p:nvSpPr>
-        <p:spPr>
-          <a:xfrm>
-            <a:off x="381300" y="685800"/>
-            <a:ext cx="6096000" cy="3429000"/>
-          </a:xfrm>
-          <a:custGeom>
-            <a:rect b="b" l="l" r="r" t="t"/>
-            <a:pathLst>
-              <a:path extrusionOk="0" h="120000" w="120000">
-                <a:moveTo>
-                  <a:pt x="0" y="0"/>
-                </a:moveTo>
-                <a:lnTo>
-                  <a:pt x="120000" y="0"/>
-                </a:lnTo>
-                <a:lnTo>
-                  <a:pt x="120000" y="120000"/>
-                </a:lnTo>
-                <a:lnTo>
-                  <a:pt x="0" y="120000"/>
-                </a:lnTo>
-                <a:close/>
-              </a:path>
-            </a:pathLst>
-          </a:custGeom>
-        </p:spPr>
-      </p:sp>
-      <p:sp>
-        <p:nvSpPr>
-          <p:cNvPr id="91" name="Google Shape;91;g473a36e031_0_15:notes"/>
-          <p:cNvSpPr txBox="1"/>
-          <p:nvPr>
-            <p:ph idx="1" type="body"/>
-          </p:nvPr>
-        </p:nvSpPr>
-        <p:spPr>
-          <a:xfrm>
-            <a:off x="685800" y="4343400"/>
-            <a:ext cx="5486400" cy="4114800"/>
-          </a:xfrm>
-          <a:prstGeom prst="rect">
-            <a:avLst/>
-          </a:prstGeom>
-        </p:spPr>
-        <p:txBody>
-          <a:bodyPr anchorCtr="0" anchor="t" bIns="91425" lIns="91425" spcFirstLastPara="1" rIns="91425" wrap="square" tIns="91425">
-            <a:noAutofit/>
-          </a:bodyPr>
-          <a:lstStyle/>
-          <a:p>
-            <a:pPr indent="0" lvl="0" marL="0" rtl="0" algn="l">
-              <a:spcBef>
-                <a:spcPts val="0"/>
-              </a:spcBef>
-              <a:spcAft>
-                <a:spcPts val="0"/>
-              </a:spcAft>
-              <a:buNone/>
-            </a:pPr>
-            <a:r>
-              <a:t/>
-            </a:r>
-            <a:endParaRPr/>
-          </a:p>
-        </p:txBody>
-      </p:sp>
-    </p:spTree>
-  </p:cSld>
-  <p:clrMapOvr>
-    <a:masterClrMapping/>
-  </p:clrMapOvr>
-</p:notes>
-</file>
-
-<file path=ppt/notesSlides/notesSlide8.xml><?xml version="1.0" encoding="utf-8"?>
-<p:notes xmlns:a="http://schemas.openxmlformats.org/drawingml/2006/main" xmlns:r="http://schemas.openxmlformats.org/officeDocument/2006/relationships" xmlns:mc="http://schemas.openxmlformats.org/markup-compatibility/2006" xmlns:mv="urn:schemas-microsoft-com:mac:vml" xmlns:p="http://schemas.openxmlformats.org/presentationml/2006/main" xmlns:c="http://schemas.openxmlformats.org/drawingml/2006/chart" xmlns:dgm="http://schemas.openxmlformats.org/drawingml/2006/diagram" xmlns:o="urn:schemas-microsoft-com:office:office" xmlns:v="urn:schemas-microsoft-com:vml" xmlns:pvml="urn:schemas-microsoft-com:office:powerpoint" xmlns:com="http://schemas.openxmlformats.org/drawingml/2006/compatibility" xmlns:p14="http://schemas.microsoft.com/office/powerpoint/2010/main" xmlns:p15="http://schemas.microsoft.com/office/powerpoint/2012/main" showMasterPhAnim="0" showMasterSp="0">
-  <p:cSld>
-    <p:spTree>
-      <p:nvGrpSpPr>
-        <p:cNvPr id="94" name="Shape 94"/>
-        <p:cNvGrpSpPr/>
-        <p:nvPr/>
-      </p:nvGrpSpPr>
-      <p:grpSpPr>
-        <a:xfrm>
-          <a:off x="0" y="0"/>
-          <a:ext cx="0" cy="0"/>
-          <a:chOff x="0" y="0"/>
-          <a:chExt cx="0" cy="0"/>
-        </a:xfrm>
-      </p:grpSpPr>
-      <p:sp>
-        <p:nvSpPr>
-          <p:cNvPr id="95" name="Google Shape;95;g473a36e031_0_39:notes"/>
-          <p:cNvSpPr/>
-          <p:nvPr>
-            <p:ph idx="2" type="sldImg"/>
-          </p:nvPr>
-        </p:nvSpPr>
-        <p:spPr>
-          <a:xfrm>
-            <a:off x="381300" y="685800"/>
-            <a:ext cx="6096000" cy="3429000"/>
-          </a:xfrm>
-          <a:custGeom>
-            <a:rect b="b" l="l" r="r" t="t"/>
-            <a:pathLst>
-              <a:path extrusionOk="0" h="120000" w="120000">
-                <a:moveTo>
-                  <a:pt x="0" y="0"/>
-                </a:moveTo>
-                <a:lnTo>
-                  <a:pt x="120000" y="0"/>
-                </a:lnTo>
-                <a:lnTo>
-                  <a:pt x="120000" y="120000"/>
-                </a:lnTo>
-                <a:lnTo>
-                  <a:pt x="0" y="120000"/>
-                </a:lnTo>
-                <a:close/>
-              </a:path>
-            </a:pathLst>
-          </a:custGeom>
-        </p:spPr>
-      </p:sp>
-      <p:sp>
-        <p:nvSpPr>
-          <p:cNvPr id="96" name="Google Shape;96;g473a36e031_0_39:notes"/>
-          <p:cNvSpPr txBox="1"/>
-          <p:nvPr>
-            <p:ph idx="1" type="body"/>
-          </p:nvPr>
-        </p:nvSpPr>
-        <p:spPr>
-          <a:xfrm>
-            <a:off x="685800" y="4343400"/>
-            <a:ext cx="5486400" cy="4114800"/>
-          </a:xfrm>
-          <a:prstGeom prst="rect">
-            <a:avLst/>
-          </a:prstGeom>
-        </p:spPr>
-        <p:txBody>
-          <a:bodyPr anchorCtr="0" anchor="t" bIns="91425" lIns="91425" spcFirstLastPara="1" rIns="91425" wrap="square" tIns="91425">
-            <a:noAutofit/>
-          </a:bodyPr>
-          <a:lstStyle/>
-          <a:p>
-            <a:pPr indent="0" lvl="0" marL="0" rtl="0" algn="l">
-              <a:spcBef>
-                <a:spcPts val="0"/>
-              </a:spcBef>
-              <a:spcAft>
-                <a:spcPts val="0"/>
-              </a:spcAft>
-              <a:buNone/>
-            </a:pPr>
-            <a:r>
-              <a:t/>
-            </a:r>
-            <a:endParaRPr/>
-          </a:p>
-        </p:txBody>
-      </p:sp>
-    </p:spTree>
-  </p:cSld>
-  <p:clrMapOvr>
-    <a:masterClrMapping/>
-  </p:clrMapOvr>
-</p:notes>
-</file>
-
-<file path=ppt/notesSlides/notesSlide9.xml><?xml version="1.0" encoding="utf-8"?>
-<p:notes xmlns:a="http://schemas.openxmlformats.org/drawingml/2006/main" xmlns:r="http://schemas.openxmlformats.org/officeDocument/2006/relationships" xmlns:mc="http://schemas.openxmlformats.org/markup-compatibility/2006" xmlns:mv="urn:schemas-microsoft-com:mac:vml" xmlns:p="http://schemas.openxmlformats.org/presentationml/2006/main" xmlns:c="http://schemas.openxmlformats.org/drawingml/2006/chart" xmlns:dgm="http://schemas.openxmlformats.org/drawingml/2006/diagram" xmlns:o="urn:schemas-microsoft-com:office:office" xmlns:v="urn:schemas-microsoft-com:vml" xmlns:pvml="urn:schemas-microsoft-com:office:powerpoint" xmlns:com="http://schemas.openxmlformats.org/drawingml/2006/compatibility" xmlns:p14="http://schemas.microsoft.com/office/powerpoint/2010/main" xmlns:p15="http://schemas.microsoft.com/office/powerpoint/2012/main" showMasterPhAnim="0" showMasterSp="0">
-  <p:cSld>
-    <p:spTree>
-      <p:nvGrpSpPr>
-        <p:cNvPr id="101" name="Shape 101"/>
-        <p:cNvGrpSpPr/>
-        <p:nvPr/>
-      </p:nvGrpSpPr>
-      <p:grpSpPr>
-        <a:xfrm>
-          <a:off x="0" y="0"/>
-          <a:ext cx="0" cy="0"/>
-          <a:chOff x="0" y="0"/>
-          <a:chExt cx="0" cy="0"/>
-        </a:xfrm>
-      </p:grpSpPr>
-      <p:sp>
-        <p:nvSpPr>
-          <p:cNvPr id="102" name="Google Shape;102;g473a36e031_0_22:notes"/>
-          <p:cNvSpPr/>
-          <p:nvPr>
-            <p:ph idx="2" type="sldImg"/>
-          </p:nvPr>
-        </p:nvSpPr>
-        <p:spPr>
-          <a:xfrm>
-            <a:off x="381300" y="685800"/>
-            <a:ext cx="6096000" cy="3429000"/>
-          </a:xfrm>
-          <a:custGeom>
-            <a:rect b="b" l="l" r="r" t="t"/>
-            <a:pathLst>
-              <a:path extrusionOk="0" h="120000" w="120000">
-                <a:moveTo>
-                  <a:pt x="0" y="0"/>
-                </a:moveTo>
-                <a:lnTo>
-                  <a:pt x="120000" y="0"/>
-                </a:lnTo>
-                <a:lnTo>
-                  <a:pt x="120000" y="120000"/>
-                </a:lnTo>
-                <a:lnTo>
-                  <a:pt x="0" y="120000"/>
-                </a:lnTo>
-                <a:close/>
-              </a:path>
-            </a:pathLst>
-          </a:custGeom>
-        </p:spPr>
-      </p:sp>
-      <p:sp>
-        <p:nvSpPr>
-          <p:cNvPr id="103" name="Google Shape;103;g473a36e031_0_22:notes"/>
-          <p:cNvSpPr txBox="1"/>
-          <p:nvPr>
-            <p:ph idx="1" type="body"/>
-          </p:nvPr>
-        </p:nvSpPr>
-        <p:spPr>
-          <a:xfrm>
-            <a:off x="685800" y="4343400"/>
-            <a:ext cx="5486400" cy="4114800"/>
-          </a:xfrm>
-          <a:prstGeom prst="rect">
-            <a:avLst/>
-          </a:prstGeom>
-        </p:spPr>
-        <p:txBody>
-          <a:bodyPr anchorCtr="0" anchor="t" bIns="91425" lIns="91425" spcFirstLastPara="1" rIns="91425" wrap="square" tIns="91425">
-            <a:noAutofit/>
-          </a:bodyPr>
-          <a:lstStyle/>
-          <a:p>
-            <a:pPr indent="0" lvl="0" marL="0" rtl="0" algn="l">
-              <a:spcBef>
-                <a:spcPts val="0"/>
-              </a:spcBef>
-              <a:spcAft>
-                <a:spcPts val="0"/>
-              </a:spcAft>
-              <a:buNone/>
-            </a:pPr>
-            <a:r>
-              <a:t/>
-            </a:r>
             <a:endParaRPr/>
           </a:p>
         </p:txBody>
@@ -3184,11 +2489,11 @@
 </file>
 
 <file path=ppt/slideLayouts/slideLayout1.xml><?xml version="1.0" encoding="utf-8"?>
-<p:sldLayout xmlns:a="http://schemas.openxmlformats.org/drawingml/2006/main" xmlns:r="http://schemas.openxmlformats.org/officeDocument/2006/relationships" xmlns:mc="http://schemas.openxmlformats.org/markup-compatibility/2006" xmlns:mv="urn:schemas-microsoft-com:mac:vml" xmlns:p="http://schemas.openxmlformats.org/presentationml/2006/main" xmlns:c="http://schemas.openxmlformats.org/drawingml/2006/chart" xmlns:dgm="http://schemas.openxmlformats.org/drawingml/2006/diagram" xmlns:o="urn:schemas-microsoft-com:office:office" xmlns:v="urn:schemas-microsoft-com:vml" xmlns:pvml="urn:schemas-microsoft-com:office:powerpoint" xmlns:com="http://schemas.openxmlformats.org/drawingml/2006/compatibility" xmlns:p14="http://schemas.microsoft.com/office/powerpoint/2010/main" xmlns:p15="http://schemas.microsoft.com/office/powerpoint/2012/main" matchingName="Title slide" type="title">
+<p:sldLayout xmlns:a="http://schemas.openxmlformats.org/drawingml/2006/main" xmlns:r="http://schemas.openxmlformats.org/officeDocument/2006/relationships" xmlns:p="http://schemas.openxmlformats.org/presentationml/2006/main" matchingName="Title slide" type="title">
   <p:cSld name="TITLE">
     <p:spTree>
       <p:nvGrpSpPr>
-        <p:cNvPr id="9" name="Shape 9"/>
+        <p:cNvPr id="1" name="Shape 9"/>
         <p:cNvGrpSpPr/>
         <p:nvPr/>
       </p:nvGrpSpPr>
@@ -3203,7 +2508,9 @@
       <p:sp>
         <p:nvSpPr>
           <p:cNvPr id="10" name="Google Shape;10;p2"/>
-          <p:cNvSpPr txBox="1"/>
+          <p:cNvSpPr txBox="1">
+            <a:spLocks noGrp="1"/>
+          </p:cNvSpPr>
           <p:nvPr>
             <p:ph type="ctrTitle"/>
           </p:nvPr>
@@ -3218,7 +2525,7 @@
           </a:prstGeom>
         </p:spPr>
         <p:txBody>
-          <a:bodyPr anchorCtr="0" anchor="b" bIns="91425" lIns="91425" spcFirstLastPara="1" rIns="91425" wrap="square" tIns="91425"/>
+          <a:bodyPr spcFirstLastPara="1" wrap="square" lIns="91425" tIns="91425" rIns="91425" bIns="91425" anchor="b" anchorCtr="0"/>
           <a:lstStyle>
             <a:lvl1pPr lvl="0" algn="ctr">
               <a:spcBef>
@@ -3320,15 +2627,19 @@
               <a:defRPr sz="5200"/>
             </a:lvl9pPr>
           </a:lstStyle>
-          <a:p/>
+          <a:p>
+            <a:endParaRPr/>
+          </a:p>
         </p:txBody>
       </p:sp>
       <p:sp>
         <p:nvSpPr>
           <p:cNvPr id="11" name="Google Shape;11;p2"/>
-          <p:cNvSpPr txBox="1"/>
+          <p:cNvSpPr txBox="1">
+            <a:spLocks noGrp="1"/>
+          </p:cNvSpPr>
           <p:nvPr>
-            <p:ph idx="1" type="subTitle"/>
+            <p:ph type="subTitle" idx="1"/>
           </p:nvPr>
         </p:nvSpPr>
         <p:spPr>
@@ -3341,7 +2652,7 @@
           </a:prstGeom>
         </p:spPr>
         <p:txBody>
-          <a:bodyPr anchorCtr="0" anchor="t" bIns="91425" lIns="91425" spcFirstLastPara="1" rIns="91425" wrap="square" tIns="91425"/>
+          <a:bodyPr spcFirstLastPara="1" wrap="square" lIns="91425" tIns="91425" rIns="91425" bIns="91425" anchor="t" anchorCtr="0"/>
           <a:lstStyle>
             <a:lvl1pPr lvl="0" algn="ctr">
               <a:lnSpc>
@@ -3470,15 +2781,19 @@
               <a:defRPr sz="2800"/>
             </a:lvl9pPr>
           </a:lstStyle>
-          <a:p/>
+          <a:p>
+            <a:endParaRPr/>
+          </a:p>
         </p:txBody>
       </p:sp>
       <p:sp>
         <p:nvSpPr>
           <p:cNvPr id="12" name="Google Shape;12;p2"/>
-          <p:cNvSpPr txBox="1"/>
+          <p:cNvSpPr txBox="1">
+            <a:spLocks noGrp="1"/>
+          </p:cNvSpPr>
           <p:nvPr>
-            <p:ph idx="12" type="sldNum"/>
+            <p:ph type="sldNum" idx="12"/>
           </p:nvPr>
         </p:nvSpPr>
         <p:spPr>
@@ -3491,7 +2806,7 @@
           </a:prstGeom>
         </p:spPr>
         <p:txBody>
-          <a:bodyPr anchorCtr="0" anchor="ctr" bIns="91425" lIns="91425" spcFirstLastPara="1" rIns="91425" wrap="square" tIns="91425">
+          <a:bodyPr spcFirstLastPara="1" wrap="square" lIns="91425" tIns="91425" rIns="91425" bIns="91425" anchor="ctr" anchorCtr="0">
             <a:noAutofit/>
           </a:bodyPr>
           <a:lstStyle>
@@ -3533,7 +2848,7 @@
             </a:lvl9pPr>
           </a:lstStyle>
           <a:p>
-            <a:pPr indent="0" lvl="0" marL="0" rtl="0" algn="r">
+            <a:pPr marL="0" lvl="0" indent="0" algn="r" rtl="0">
               <a:spcBef>
                 <a:spcPts val="0"/>
               </a:spcBef>
@@ -3559,11 +2874,11 @@
 </file>
 
 <file path=ppt/slideLayouts/slideLayout10.xml><?xml version="1.0" encoding="utf-8"?>
-<p:sldLayout xmlns:a="http://schemas.openxmlformats.org/drawingml/2006/main" xmlns:r="http://schemas.openxmlformats.org/officeDocument/2006/relationships" xmlns:mc="http://schemas.openxmlformats.org/markup-compatibility/2006" xmlns:mv="urn:schemas-microsoft-com:mac:vml" xmlns:p="http://schemas.openxmlformats.org/presentationml/2006/main" xmlns:c="http://schemas.openxmlformats.org/drawingml/2006/chart" xmlns:dgm="http://schemas.openxmlformats.org/drawingml/2006/diagram" xmlns:o="urn:schemas-microsoft-com:office:office" xmlns:v="urn:schemas-microsoft-com:vml" xmlns:pvml="urn:schemas-microsoft-com:office:powerpoint" xmlns:com="http://schemas.openxmlformats.org/drawingml/2006/compatibility" xmlns:p14="http://schemas.microsoft.com/office/powerpoint/2010/main" xmlns:p15="http://schemas.microsoft.com/office/powerpoint/2012/main" matchingName="Big number">
+<p:sldLayout xmlns:a="http://schemas.openxmlformats.org/drawingml/2006/main" xmlns:r="http://schemas.openxmlformats.org/officeDocument/2006/relationships" xmlns:p="http://schemas.openxmlformats.org/presentationml/2006/main" matchingName="Big number">
   <p:cSld name="BIG_NUMBER">
     <p:spTree>
       <p:nvGrpSpPr>
-        <p:cNvPr id="44" name="Shape 44"/>
+        <p:cNvPr id="1" name="Shape 44"/>
         <p:cNvGrpSpPr/>
         <p:nvPr/>
       </p:nvGrpSpPr>
@@ -3578,9 +2893,11 @@
       <p:sp>
         <p:nvSpPr>
           <p:cNvPr id="45" name="Google Shape;45;p11"/>
-          <p:cNvSpPr txBox="1"/>
+          <p:cNvSpPr txBox="1">
+            <a:spLocks noGrp="1"/>
+          </p:cNvSpPr>
           <p:nvPr>
-            <p:ph hasCustomPrompt="1" type="title"/>
+            <p:ph type="title" hasCustomPrompt="1"/>
           </p:nvPr>
         </p:nvSpPr>
         <p:spPr>
@@ -3593,7 +2910,7 @@
           </a:prstGeom>
         </p:spPr>
         <p:txBody>
-          <a:bodyPr anchorCtr="0" anchor="b" bIns="91425" lIns="91425" spcFirstLastPara="1" rIns="91425" wrap="square" tIns="91425"/>
+          <a:bodyPr spcFirstLastPara="1" wrap="square" lIns="91425" tIns="91425" rIns="91425" bIns="91425" anchor="b" anchorCtr="0"/>
           <a:lstStyle>
             <a:lvl1pPr lvl="0" algn="ctr">
               <a:spcBef>
@@ -3705,9 +3022,11 @@
       <p:sp>
         <p:nvSpPr>
           <p:cNvPr id="46" name="Google Shape;46;p11"/>
-          <p:cNvSpPr txBox="1"/>
+          <p:cNvSpPr txBox="1">
+            <a:spLocks noGrp="1"/>
+          </p:cNvSpPr>
           <p:nvPr>
-            <p:ph idx="1" type="body"/>
+            <p:ph type="body" idx="1"/>
           </p:nvPr>
         </p:nvSpPr>
         <p:spPr>
@@ -3720,9 +3039,9 @@
           </a:prstGeom>
         </p:spPr>
         <p:txBody>
-          <a:bodyPr anchorCtr="0" anchor="t" bIns="91425" lIns="91425" spcFirstLastPara="1" rIns="91425" wrap="square" tIns="91425"/>
+          <a:bodyPr spcFirstLastPara="1" wrap="square" lIns="91425" tIns="91425" rIns="91425" bIns="91425" anchor="t" anchorCtr="0"/>
           <a:lstStyle>
-            <a:lvl1pPr indent="-342900" lvl="0" marL="457200" algn="ctr">
+            <a:lvl1pPr marL="457200" lvl="0" indent="-342900" algn="ctr">
               <a:spcBef>
                 <a:spcPts val="0"/>
               </a:spcBef>
@@ -3733,7 +3052,7 @@
               <a:buChar char="●"/>
               <a:defRPr/>
             </a:lvl1pPr>
-            <a:lvl2pPr indent="-317500" lvl="1" marL="914400" algn="ctr">
+            <a:lvl2pPr marL="914400" lvl="1" indent="-317500" algn="ctr">
               <a:spcBef>
                 <a:spcPts val="1600"/>
               </a:spcBef>
@@ -3744,7 +3063,7 @@
               <a:buChar char="○"/>
               <a:defRPr/>
             </a:lvl2pPr>
-            <a:lvl3pPr indent="-317500" lvl="2" marL="1371600" algn="ctr">
+            <a:lvl3pPr marL="1371600" lvl="2" indent="-317500" algn="ctr">
               <a:spcBef>
                 <a:spcPts val="1600"/>
               </a:spcBef>
@@ -3755,7 +3074,7 @@
               <a:buChar char="■"/>
               <a:defRPr/>
             </a:lvl3pPr>
-            <a:lvl4pPr indent="-317500" lvl="3" marL="1828800" algn="ctr">
+            <a:lvl4pPr marL="1828800" lvl="3" indent="-317500" algn="ctr">
               <a:spcBef>
                 <a:spcPts val="1600"/>
               </a:spcBef>
@@ -3766,7 +3085,7 @@
               <a:buChar char="●"/>
               <a:defRPr/>
             </a:lvl4pPr>
-            <a:lvl5pPr indent="-317500" lvl="4" marL="2286000" algn="ctr">
+            <a:lvl5pPr marL="2286000" lvl="4" indent="-317500" algn="ctr">
               <a:spcBef>
                 <a:spcPts val="1600"/>
               </a:spcBef>
@@ -3777,7 +3096,7 @@
               <a:buChar char="○"/>
               <a:defRPr/>
             </a:lvl5pPr>
-            <a:lvl6pPr indent="-317500" lvl="5" marL="2743200" algn="ctr">
+            <a:lvl6pPr marL="2743200" lvl="5" indent="-317500" algn="ctr">
               <a:spcBef>
                 <a:spcPts val="1600"/>
               </a:spcBef>
@@ -3788,7 +3107,7 @@
               <a:buChar char="■"/>
               <a:defRPr/>
             </a:lvl6pPr>
-            <a:lvl7pPr indent="-317500" lvl="6" marL="3200400" algn="ctr">
+            <a:lvl7pPr marL="3200400" lvl="6" indent="-317500" algn="ctr">
               <a:spcBef>
                 <a:spcPts val="1600"/>
               </a:spcBef>
@@ -3799,7 +3118,7 @@
               <a:buChar char="●"/>
               <a:defRPr/>
             </a:lvl7pPr>
-            <a:lvl8pPr indent="-317500" lvl="7" marL="3657600" algn="ctr">
+            <a:lvl8pPr marL="3657600" lvl="7" indent="-317500" algn="ctr">
               <a:spcBef>
                 <a:spcPts val="1600"/>
               </a:spcBef>
@@ -3810,7 +3129,7 @@
               <a:buChar char="○"/>
               <a:defRPr/>
             </a:lvl8pPr>
-            <a:lvl9pPr indent="-317500" lvl="8" marL="4114800" algn="ctr">
+            <a:lvl9pPr marL="4114800" lvl="8" indent="-317500" algn="ctr">
               <a:spcBef>
                 <a:spcPts val="1600"/>
               </a:spcBef>
@@ -3822,15 +3141,19 @@
               <a:defRPr/>
             </a:lvl9pPr>
           </a:lstStyle>
-          <a:p/>
+          <a:p>
+            <a:endParaRPr/>
+          </a:p>
         </p:txBody>
       </p:sp>
       <p:sp>
         <p:nvSpPr>
           <p:cNvPr id="47" name="Google Shape;47;p11"/>
-          <p:cNvSpPr txBox="1"/>
+          <p:cNvSpPr txBox="1">
+            <a:spLocks noGrp="1"/>
+          </p:cNvSpPr>
           <p:nvPr>
-            <p:ph idx="12" type="sldNum"/>
+            <p:ph type="sldNum" idx="12"/>
           </p:nvPr>
         </p:nvSpPr>
         <p:spPr>
@@ -3843,7 +3166,7 @@
           </a:prstGeom>
         </p:spPr>
         <p:txBody>
-          <a:bodyPr anchorCtr="0" anchor="ctr" bIns="91425" lIns="91425" spcFirstLastPara="1" rIns="91425" wrap="square" tIns="91425">
+          <a:bodyPr spcFirstLastPara="1" wrap="square" lIns="91425" tIns="91425" rIns="91425" bIns="91425" anchor="ctr" anchorCtr="0">
             <a:noAutofit/>
           </a:bodyPr>
           <a:lstStyle>
@@ -3885,7 +3208,7 @@
             </a:lvl9pPr>
           </a:lstStyle>
           <a:p>
-            <a:pPr indent="0" lvl="0" marL="0" rtl="0" algn="r">
+            <a:pPr marL="0" lvl="0" indent="0" algn="r" rtl="0">
               <a:spcBef>
                 <a:spcPts val="0"/>
               </a:spcBef>
@@ -3911,11 +3234,11 @@
 </file>
 
 <file path=ppt/slideLayouts/slideLayout11.xml><?xml version="1.0" encoding="utf-8"?>
-<p:sldLayout xmlns:a="http://schemas.openxmlformats.org/drawingml/2006/main" xmlns:r="http://schemas.openxmlformats.org/officeDocument/2006/relationships" xmlns:mc="http://schemas.openxmlformats.org/markup-compatibility/2006" xmlns:mv="urn:schemas-microsoft-com:mac:vml" xmlns:p="http://schemas.openxmlformats.org/presentationml/2006/main" xmlns:c="http://schemas.openxmlformats.org/drawingml/2006/chart" xmlns:dgm="http://schemas.openxmlformats.org/drawingml/2006/diagram" xmlns:o="urn:schemas-microsoft-com:office:office" xmlns:v="urn:schemas-microsoft-com:vml" xmlns:pvml="urn:schemas-microsoft-com:office:powerpoint" xmlns:com="http://schemas.openxmlformats.org/drawingml/2006/compatibility" xmlns:p14="http://schemas.microsoft.com/office/powerpoint/2010/main" xmlns:p15="http://schemas.microsoft.com/office/powerpoint/2012/main" matchingName="Blank" type="blank">
+<p:sldLayout xmlns:a="http://schemas.openxmlformats.org/drawingml/2006/main" xmlns:r="http://schemas.openxmlformats.org/officeDocument/2006/relationships" xmlns:p="http://schemas.openxmlformats.org/presentationml/2006/main" matchingName="Blank" type="blank">
   <p:cSld name="BLANK">
     <p:spTree>
       <p:nvGrpSpPr>
-        <p:cNvPr id="48" name="Shape 48"/>
+        <p:cNvPr id="1" name="Shape 48"/>
         <p:cNvGrpSpPr/>
         <p:nvPr/>
       </p:nvGrpSpPr>
@@ -3930,9 +3253,11 @@
       <p:sp>
         <p:nvSpPr>
           <p:cNvPr id="49" name="Google Shape;49;p12"/>
-          <p:cNvSpPr txBox="1"/>
+          <p:cNvSpPr txBox="1">
+            <a:spLocks noGrp="1"/>
+          </p:cNvSpPr>
           <p:nvPr>
-            <p:ph idx="12" type="sldNum"/>
+            <p:ph type="sldNum" idx="12"/>
           </p:nvPr>
         </p:nvSpPr>
         <p:spPr>
@@ -3945,7 +3270,7 @@
           </a:prstGeom>
         </p:spPr>
         <p:txBody>
-          <a:bodyPr anchorCtr="0" anchor="ctr" bIns="91425" lIns="91425" spcFirstLastPara="1" rIns="91425" wrap="square" tIns="91425">
+          <a:bodyPr spcFirstLastPara="1" wrap="square" lIns="91425" tIns="91425" rIns="91425" bIns="91425" anchor="ctr" anchorCtr="0">
             <a:noAutofit/>
           </a:bodyPr>
           <a:lstStyle>
@@ -3987,7 +3312,7 @@
             </a:lvl9pPr>
           </a:lstStyle>
           <a:p>
-            <a:pPr indent="0" lvl="0" marL="0" rtl="0" algn="r">
+            <a:pPr marL="0" lvl="0" indent="0" algn="r" rtl="0">
               <a:spcBef>
                 <a:spcPts val="0"/>
               </a:spcBef>
@@ -4013,11 +3338,11 @@
 </file>
 
 <file path=ppt/slideLayouts/slideLayout2.xml><?xml version="1.0" encoding="utf-8"?>
-<p:sldLayout xmlns:a="http://schemas.openxmlformats.org/drawingml/2006/main" xmlns:r="http://schemas.openxmlformats.org/officeDocument/2006/relationships" xmlns:mc="http://schemas.openxmlformats.org/markup-compatibility/2006" xmlns:mv="urn:schemas-microsoft-com:mac:vml" xmlns:p="http://schemas.openxmlformats.org/presentationml/2006/main" xmlns:c="http://schemas.openxmlformats.org/drawingml/2006/chart" xmlns:dgm="http://schemas.openxmlformats.org/drawingml/2006/diagram" xmlns:o="urn:schemas-microsoft-com:office:office" xmlns:v="urn:schemas-microsoft-com:vml" xmlns:pvml="urn:schemas-microsoft-com:office:powerpoint" xmlns:com="http://schemas.openxmlformats.org/drawingml/2006/compatibility" xmlns:p14="http://schemas.microsoft.com/office/powerpoint/2010/main" xmlns:p15="http://schemas.microsoft.com/office/powerpoint/2012/main" matchingName="Section header" type="secHead">
+<p:sldLayout xmlns:a="http://schemas.openxmlformats.org/drawingml/2006/main" xmlns:r="http://schemas.openxmlformats.org/officeDocument/2006/relationships" xmlns:p="http://schemas.openxmlformats.org/presentationml/2006/main" matchingName="Section header" type="secHead">
   <p:cSld name="SECTION_HEADER">
     <p:spTree>
       <p:nvGrpSpPr>
-        <p:cNvPr id="13" name="Shape 13"/>
+        <p:cNvPr id="1" name="Shape 13"/>
         <p:cNvGrpSpPr/>
         <p:nvPr/>
       </p:nvGrpSpPr>
@@ -4032,7 +3357,9 @@
       <p:sp>
         <p:nvSpPr>
           <p:cNvPr id="14" name="Google Shape;14;p3"/>
-          <p:cNvSpPr txBox="1"/>
+          <p:cNvSpPr txBox="1">
+            <a:spLocks noGrp="1"/>
+          </p:cNvSpPr>
           <p:nvPr>
             <p:ph type="title"/>
           </p:nvPr>
@@ -4047,7 +3374,7 @@
           </a:prstGeom>
         </p:spPr>
         <p:txBody>
-          <a:bodyPr anchorCtr="0" anchor="ctr" bIns="91425" lIns="91425" spcFirstLastPara="1" rIns="91425" wrap="square" tIns="91425"/>
+          <a:bodyPr spcFirstLastPara="1" wrap="square" lIns="91425" tIns="91425" rIns="91425" bIns="91425" anchor="ctr" anchorCtr="0"/>
           <a:lstStyle>
             <a:lvl1pPr lvl="0" algn="ctr">
               <a:spcBef>
@@ -4149,15 +3476,19 @@
               <a:defRPr sz="3600"/>
             </a:lvl9pPr>
           </a:lstStyle>
-          <a:p/>
+          <a:p>
+            <a:endParaRPr/>
+          </a:p>
         </p:txBody>
       </p:sp>
       <p:sp>
         <p:nvSpPr>
           <p:cNvPr id="15" name="Google Shape;15;p3"/>
-          <p:cNvSpPr txBox="1"/>
+          <p:cNvSpPr txBox="1">
+            <a:spLocks noGrp="1"/>
+          </p:cNvSpPr>
           <p:nvPr>
-            <p:ph idx="12" type="sldNum"/>
+            <p:ph type="sldNum" idx="12"/>
           </p:nvPr>
         </p:nvSpPr>
         <p:spPr>
@@ -4170,7 +3501,7 @@
           </a:prstGeom>
         </p:spPr>
         <p:txBody>
-          <a:bodyPr anchorCtr="0" anchor="ctr" bIns="91425" lIns="91425" spcFirstLastPara="1" rIns="91425" wrap="square" tIns="91425">
+          <a:bodyPr spcFirstLastPara="1" wrap="square" lIns="91425" tIns="91425" rIns="91425" bIns="91425" anchor="ctr" anchorCtr="0">
             <a:noAutofit/>
           </a:bodyPr>
           <a:lstStyle>
@@ -4212,7 +3543,7 @@
             </a:lvl9pPr>
           </a:lstStyle>
           <a:p>
-            <a:pPr indent="0" lvl="0" marL="0" rtl="0" algn="r">
+            <a:pPr marL="0" lvl="0" indent="0" algn="r" rtl="0">
               <a:spcBef>
                 <a:spcPts val="0"/>
               </a:spcBef>
@@ -4238,11 +3569,11 @@
 </file>
 
 <file path=ppt/slideLayouts/slideLayout3.xml><?xml version="1.0" encoding="utf-8"?>
-<p:sldLayout xmlns:a="http://schemas.openxmlformats.org/drawingml/2006/main" xmlns:r="http://schemas.openxmlformats.org/officeDocument/2006/relationships" xmlns:mc="http://schemas.openxmlformats.org/markup-compatibility/2006" xmlns:mv="urn:schemas-microsoft-com:mac:vml" xmlns:p="http://schemas.openxmlformats.org/presentationml/2006/main" xmlns:c="http://schemas.openxmlformats.org/drawingml/2006/chart" xmlns:dgm="http://schemas.openxmlformats.org/drawingml/2006/diagram" xmlns:o="urn:schemas-microsoft-com:office:office" xmlns:v="urn:schemas-microsoft-com:vml" xmlns:pvml="urn:schemas-microsoft-com:office:powerpoint" xmlns:com="http://schemas.openxmlformats.org/drawingml/2006/compatibility" xmlns:p14="http://schemas.microsoft.com/office/powerpoint/2010/main" xmlns:p15="http://schemas.microsoft.com/office/powerpoint/2012/main" matchingName="Title and body" type="tx">
+<p:sldLayout xmlns:a="http://schemas.openxmlformats.org/drawingml/2006/main" xmlns:r="http://schemas.openxmlformats.org/officeDocument/2006/relationships" xmlns:p="http://schemas.openxmlformats.org/presentationml/2006/main" matchingName="Title and body" type="tx">
   <p:cSld name="TITLE_AND_BODY">
     <p:spTree>
       <p:nvGrpSpPr>
-        <p:cNvPr id="16" name="Shape 16"/>
+        <p:cNvPr id="1" name="Shape 16"/>
         <p:cNvGrpSpPr/>
         <p:nvPr/>
       </p:nvGrpSpPr>
@@ -4257,7 +3588,9 @@
       <p:sp>
         <p:nvSpPr>
           <p:cNvPr id="17" name="Google Shape;17;p4"/>
-          <p:cNvSpPr txBox="1"/>
+          <p:cNvSpPr txBox="1">
+            <a:spLocks noGrp="1"/>
+          </p:cNvSpPr>
           <p:nvPr>
             <p:ph type="title"/>
           </p:nvPr>
@@ -4272,7 +3605,7 @@
           </a:prstGeom>
         </p:spPr>
         <p:txBody>
-          <a:bodyPr anchorCtr="0" anchor="t" bIns="91425" lIns="91425" spcFirstLastPara="1" rIns="91425" wrap="square" tIns="91425"/>
+          <a:bodyPr spcFirstLastPara="1" wrap="square" lIns="91425" tIns="91425" rIns="91425" bIns="91425" anchor="t" anchorCtr="0"/>
           <a:lstStyle>
             <a:lvl1pPr lvl="0">
               <a:spcBef>
@@ -4374,15 +3707,19 @@
               <a:defRPr/>
             </a:lvl9pPr>
           </a:lstStyle>
-          <a:p/>
+          <a:p>
+            <a:endParaRPr/>
+          </a:p>
         </p:txBody>
       </p:sp>
       <p:sp>
         <p:nvSpPr>
           <p:cNvPr id="18" name="Google Shape;18;p4"/>
-          <p:cNvSpPr txBox="1"/>
+          <p:cNvSpPr txBox="1">
+            <a:spLocks noGrp="1"/>
+          </p:cNvSpPr>
           <p:nvPr>
-            <p:ph idx="1" type="body"/>
+            <p:ph type="body" idx="1"/>
           </p:nvPr>
         </p:nvSpPr>
         <p:spPr>
@@ -4395,9 +3732,9 @@
           </a:prstGeom>
         </p:spPr>
         <p:txBody>
-          <a:bodyPr anchorCtr="0" anchor="t" bIns="91425" lIns="91425" spcFirstLastPara="1" rIns="91425" wrap="square" tIns="91425"/>
+          <a:bodyPr spcFirstLastPara="1" wrap="square" lIns="91425" tIns="91425" rIns="91425" bIns="91425" anchor="t" anchorCtr="0"/>
           <a:lstStyle>
-            <a:lvl1pPr indent="-342900" lvl="0" marL="457200">
+            <a:lvl1pPr marL="457200" lvl="0" indent="-342900">
               <a:spcBef>
                 <a:spcPts val="0"/>
               </a:spcBef>
@@ -4408,7 +3745,7 @@
               <a:buChar char="●"/>
               <a:defRPr/>
             </a:lvl1pPr>
-            <a:lvl2pPr indent="-317500" lvl="1" marL="914400">
+            <a:lvl2pPr marL="914400" lvl="1" indent="-317500">
               <a:spcBef>
                 <a:spcPts val="1600"/>
               </a:spcBef>
@@ -4419,7 +3756,7 @@
               <a:buChar char="○"/>
               <a:defRPr/>
             </a:lvl2pPr>
-            <a:lvl3pPr indent="-317500" lvl="2" marL="1371600">
+            <a:lvl3pPr marL="1371600" lvl="2" indent="-317500">
               <a:spcBef>
                 <a:spcPts val="1600"/>
               </a:spcBef>
@@ -4430,7 +3767,7 @@
               <a:buChar char="■"/>
               <a:defRPr/>
             </a:lvl3pPr>
-            <a:lvl4pPr indent="-317500" lvl="3" marL="1828800">
+            <a:lvl4pPr marL="1828800" lvl="3" indent="-317500">
               <a:spcBef>
                 <a:spcPts val="1600"/>
               </a:spcBef>
@@ -4441,7 +3778,7 @@
               <a:buChar char="●"/>
               <a:defRPr/>
             </a:lvl4pPr>
-            <a:lvl5pPr indent="-317500" lvl="4" marL="2286000">
+            <a:lvl5pPr marL="2286000" lvl="4" indent="-317500">
               <a:spcBef>
                 <a:spcPts val="1600"/>
               </a:spcBef>
@@ -4452,7 +3789,7 @@
               <a:buChar char="○"/>
               <a:defRPr/>
             </a:lvl5pPr>
-            <a:lvl6pPr indent="-317500" lvl="5" marL="2743200">
+            <a:lvl6pPr marL="2743200" lvl="5" indent="-317500">
               <a:spcBef>
                 <a:spcPts val="1600"/>
               </a:spcBef>
@@ -4463,7 +3800,7 @@
               <a:buChar char="■"/>
               <a:defRPr/>
             </a:lvl6pPr>
-            <a:lvl7pPr indent="-317500" lvl="6" marL="3200400">
+            <a:lvl7pPr marL="3200400" lvl="6" indent="-317500">
               <a:spcBef>
                 <a:spcPts val="1600"/>
               </a:spcBef>
@@ -4474,7 +3811,7 @@
               <a:buChar char="●"/>
               <a:defRPr/>
             </a:lvl7pPr>
-            <a:lvl8pPr indent="-317500" lvl="7" marL="3657600">
+            <a:lvl8pPr marL="3657600" lvl="7" indent="-317500">
               <a:spcBef>
                 <a:spcPts val="1600"/>
               </a:spcBef>
@@ -4485,7 +3822,7 @@
               <a:buChar char="○"/>
               <a:defRPr/>
             </a:lvl8pPr>
-            <a:lvl9pPr indent="-317500" lvl="8" marL="4114800">
+            <a:lvl9pPr marL="4114800" lvl="8" indent="-317500">
               <a:spcBef>
                 <a:spcPts val="1600"/>
               </a:spcBef>
@@ -4497,15 +3834,19 @@
               <a:defRPr/>
             </a:lvl9pPr>
           </a:lstStyle>
-          <a:p/>
+          <a:p>
+            <a:endParaRPr/>
+          </a:p>
         </p:txBody>
       </p:sp>
       <p:sp>
         <p:nvSpPr>
           <p:cNvPr id="19" name="Google Shape;19;p4"/>
-          <p:cNvSpPr txBox="1"/>
+          <p:cNvSpPr txBox="1">
+            <a:spLocks noGrp="1"/>
+          </p:cNvSpPr>
           <p:nvPr>
-            <p:ph idx="12" type="sldNum"/>
+            <p:ph type="sldNum" idx="12"/>
           </p:nvPr>
         </p:nvSpPr>
         <p:spPr>
@@ -4518,7 +3859,7 @@
           </a:prstGeom>
         </p:spPr>
         <p:txBody>
-          <a:bodyPr anchorCtr="0" anchor="ctr" bIns="91425" lIns="91425" spcFirstLastPara="1" rIns="91425" wrap="square" tIns="91425">
+          <a:bodyPr spcFirstLastPara="1" wrap="square" lIns="91425" tIns="91425" rIns="91425" bIns="91425" anchor="ctr" anchorCtr="0">
             <a:noAutofit/>
           </a:bodyPr>
           <a:lstStyle>
@@ -4560,7 +3901,7 @@
             </a:lvl9pPr>
           </a:lstStyle>
           <a:p>
-            <a:pPr indent="0" lvl="0" marL="0" rtl="0" algn="r">
+            <a:pPr marL="0" lvl="0" indent="0" algn="r" rtl="0">
               <a:spcBef>
                 <a:spcPts val="0"/>
               </a:spcBef>
@@ -4586,11 +3927,11 @@
 </file>
 
 <file path=ppt/slideLayouts/slideLayout4.xml><?xml version="1.0" encoding="utf-8"?>
-<p:sldLayout xmlns:a="http://schemas.openxmlformats.org/drawingml/2006/main" xmlns:r="http://schemas.openxmlformats.org/officeDocument/2006/relationships" xmlns:mc="http://schemas.openxmlformats.org/markup-compatibility/2006" xmlns:mv="urn:schemas-microsoft-com:mac:vml" xmlns:p="http://schemas.openxmlformats.org/presentationml/2006/main" xmlns:c="http://schemas.openxmlformats.org/drawingml/2006/chart" xmlns:dgm="http://schemas.openxmlformats.org/drawingml/2006/diagram" xmlns:o="urn:schemas-microsoft-com:office:office" xmlns:v="urn:schemas-microsoft-com:vml" xmlns:pvml="urn:schemas-microsoft-com:office:powerpoint" xmlns:com="http://schemas.openxmlformats.org/drawingml/2006/compatibility" xmlns:p14="http://schemas.microsoft.com/office/powerpoint/2010/main" xmlns:p15="http://schemas.microsoft.com/office/powerpoint/2012/main" matchingName="Title and two columns" type="twoColTx">
+<p:sldLayout xmlns:a="http://schemas.openxmlformats.org/drawingml/2006/main" xmlns:r="http://schemas.openxmlformats.org/officeDocument/2006/relationships" xmlns:p="http://schemas.openxmlformats.org/presentationml/2006/main" matchingName="Title and two columns" type="twoColTx">
   <p:cSld name="TITLE_AND_TWO_COLUMNS">
     <p:spTree>
       <p:nvGrpSpPr>
-        <p:cNvPr id="20" name="Shape 20"/>
+        <p:cNvPr id="1" name="Shape 20"/>
         <p:cNvGrpSpPr/>
         <p:nvPr/>
       </p:nvGrpSpPr>
@@ -4605,7 +3946,9 @@
       <p:sp>
         <p:nvSpPr>
           <p:cNvPr id="21" name="Google Shape;21;p5"/>
-          <p:cNvSpPr txBox="1"/>
+          <p:cNvSpPr txBox="1">
+            <a:spLocks noGrp="1"/>
+          </p:cNvSpPr>
           <p:nvPr>
             <p:ph type="title"/>
           </p:nvPr>
@@ -4620,7 +3963,7 @@
           </a:prstGeom>
         </p:spPr>
         <p:txBody>
-          <a:bodyPr anchorCtr="0" anchor="t" bIns="91425" lIns="91425" spcFirstLastPara="1" rIns="91425" wrap="square" tIns="91425"/>
+          <a:bodyPr spcFirstLastPara="1" wrap="square" lIns="91425" tIns="91425" rIns="91425" bIns="91425" anchor="t" anchorCtr="0"/>
           <a:lstStyle>
             <a:lvl1pPr lvl="0">
               <a:spcBef>
@@ -4722,15 +4065,19 @@
               <a:defRPr/>
             </a:lvl9pPr>
           </a:lstStyle>
-          <a:p/>
+          <a:p>
+            <a:endParaRPr/>
+          </a:p>
         </p:txBody>
       </p:sp>
       <p:sp>
         <p:nvSpPr>
           <p:cNvPr id="22" name="Google Shape;22;p5"/>
-          <p:cNvSpPr txBox="1"/>
+          <p:cNvSpPr txBox="1">
+            <a:spLocks noGrp="1"/>
+          </p:cNvSpPr>
           <p:nvPr>
-            <p:ph idx="1" type="body"/>
+            <p:ph type="body" idx="1"/>
           </p:nvPr>
         </p:nvSpPr>
         <p:spPr>
@@ -4743,9 +4090,9 @@
           </a:prstGeom>
         </p:spPr>
         <p:txBody>
-          <a:bodyPr anchorCtr="0" anchor="t" bIns="91425" lIns="91425" spcFirstLastPara="1" rIns="91425" wrap="square" tIns="91425"/>
+          <a:bodyPr spcFirstLastPara="1" wrap="square" lIns="91425" tIns="91425" rIns="91425" bIns="91425" anchor="t" anchorCtr="0"/>
           <a:lstStyle>
-            <a:lvl1pPr indent="-317500" lvl="0" marL="457200">
+            <a:lvl1pPr marL="457200" lvl="0" indent="-317500">
               <a:spcBef>
                 <a:spcPts val="0"/>
               </a:spcBef>
@@ -4756,7 +4103,7 @@
               <a:buChar char="●"/>
               <a:defRPr sz="1400"/>
             </a:lvl1pPr>
-            <a:lvl2pPr indent="-304800" lvl="1" marL="914400">
+            <a:lvl2pPr marL="914400" lvl="1" indent="-304800">
               <a:spcBef>
                 <a:spcPts val="1600"/>
               </a:spcBef>
@@ -4767,7 +4114,7 @@
               <a:buChar char="○"/>
               <a:defRPr sz="1200"/>
             </a:lvl2pPr>
-            <a:lvl3pPr indent="-304800" lvl="2" marL="1371600">
+            <a:lvl3pPr marL="1371600" lvl="2" indent="-304800">
               <a:spcBef>
                 <a:spcPts val="1600"/>
               </a:spcBef>
@@ -4778,7 +4125,7 @@
               <a:buChar char="■"/>
               <a:defRPr sz="1200"/>
             </a:lvl3pPr>
-            <a:lvl4pPr indent="-304800" lvl="3" marL="1828800">
+            <a:lvl4pPr marL="1828800" lvl="3" indent="-304800">
               <a:spcBef>
                 <a:spcPts val="1600"/>
               </a:spcBef>
@@ -4789,7 +4136,7 @@
               <a:buChar char="●"/>
               <a:defRPr sz="1200"/>
             </a:lvl4pPr>
-            <a:lvl5pPr indent="-304800" lvl="4" marL="2286000">
+            <a:lvl5pPr marL="2286000" lvl="4" indent="-304800">
               <a:spcBef>
                 <a:spcPts val="1600"/>
               </a:spcBef>
@@ -4800,7 +4147,7 @@
               <a:buChar char="○"/>
               <a:defRPr sz="1200"/>
             </a:lvl5pPr>
-            <a:lvl6pPr indent="-304800" lvl="5" marL="2743200">
+            <a:lvl6pPr marL="2743200" lvl="5" indent="-304800">
               <a:spcBef>
                 <a:spcPts val="1600"/>
               </a:spcBef>
@@ -4811,7 +4158,7 @@
               <a:buChar char="■"/>
               <a:defRPr sz="1200"/>
             </a:lvl6pPr>
-            <a:lvl7pPr indent="-304800" lvl="6" marL="3200400">
+            <a:lvl7pPr marL="3200400" lvl="6" indent="-304800">
               <a:spcBef>
                 <a:spcPts val="1600"/>
               </a:spcBef>
@@ -4822,7 +4169,7 @@
               <a:buChar char="●"/>
               <a:defRPr sz="1200"/>
             </a:lvl7pPr>
-            <a:lvl8pPr indent="-304800" lvl="7" marL="3657600">
+            <a:lvl8pPr marL="3657600" lvl="7" indent="-304800">
               <a:spcBef>
                 <a:spcPts val="1600"/>
               </a:spcBef>
@@ -4833,7 +4180,7 @@
               <a:buChar char="○"/>
               <a:defRPr sz="1200"/>
             </a:lvl8pPr>
-            <a:lvl9pPr indent="-304800" lvl="8" marL="4114800">
+            <a:lvl9pPr marL="4114800" lvl="8" indent="-304800">
               <a:spcBef>
                 <a:spcPts val="1600"/>
               </a:spcBef>
@@ -4845,15 +4192,19 @@
               <a:defRPr sz="1200"/>
             </a:lvl9pPr>
           </a:lstStyle>
-          <a:p/>
+          <a:p>
+            <a:endParaRPr/>
+          </a:p>
         </p:txBody>
       </p:sp>
       <p:sp>
         <p:nvSpPr>
           <p:cNvPr id="23" name="Google Shape;23;p5"/>
-          <p:cNvSpPr txBox="1"/>
+          <p:cNvSpPr txBox="1">
+            <a:spLocks noGrp="1"/>
+          </p:cNvSpPr>
           <p:nvPr>
-            <p:ph idx="2" type="body"/>
+            <p:ph type="body" idx="2"/>
           </p:nvPr>
         </p:nvSpPr>
         <p:spPr>
@@ -4866,9 +4217,9 @@
           </a:prstGeom>
         </p:spPr>
         <p:txBody>
-          <a:bodyPr anchorCtr="0" anchor="t" bIns="91425" lIns="91425" spcFirstLastPara="1" rIns="91425" wrap="square" tIns="91425"/>
+          <a:bodyPr spcFirstLastPara="1" wrap="square" lIns="91425" tIns="91425" rIns="91425" bIns="91425" anchor="t" anchorCtr="0"/>
           <a:lstStyle>
-            <a:lvl1pPr indent="-317500" lvl="0" marL="457200">
+            <a:lvl1pPr marL="457200" lvl="0" indent="-317500">
               <a:spcBef>
                 <a:spcPts val="0"/>
               </a:spcBef>
@@ -4879,7 +4230,7 @@
               <a:buChar char="●"/>
               <a:defRPr sz="1400"/>
             </a:lvl1pPr>
-            <a:lvl2pPr indent="-304800" lvl="1" marL="914400">
+            <a:lvl2pPr marL="914400" lvl="1" indent="-304800">
               <a:spcBef>
                 <a:spcPts val="1600"/>
               </a:spcBef>
@@ -4890,7 +4241,7 @@
               <a:buChar char="○"/>
               <a:defRPr sz="1200"/>
             </a:lvl2pPr>
-            <a:lvl3pPr indent="-304800" lvl="2" marL="1371600">
+            <a:lvl3pPr marL="1371600" lvl="2" indent="-304800">
               <a:spcBef>
                 <a:spcPts val="1600"/>
               </a:spcBef>
@@ -4901,7 +4252,7 @@
               <a:buChar char="■"/>
               <a:defRPr sz="1200"/>
             </a:lvl3pPr>
-            <a:lvl4pPr indent="-304800" lvl="3" marL="1828800">
+            <a:lvl4pPr marL="1828800" lvl="3" indent="-304800">
               <a:spcBef>
                 <a:spcPts val="1600"/>
               </a:spcBef>
@@ -4912,7 +4263,7 @@
               <a:buChar char="●"/>
               <a:defRPr sz="1200"/>
             </a:lvl4pPr>
-            <a:lvl5pPr indent="-304800" lvl="4" marL="2286000">
+            <a:lvl5pPr marL="2286000" lvl="4" indent="-304800">
               <a:spcBef>
                 <a:spcPts val="1600"/>
               </a:spcBef>
@@ -4923,7 +4274,7 @@
               <a:buChar char="○"/>
               <a:defRPr sz="1200"/>
             </a:lvl5pPr>
-            <a:lvl6pPr indent="-304800" lvl="5" marL="2743200">
+            <a:lvl6pPr marL="2743200" lvl="5" indent="-304800">
               <a:spcBef>
                 <a:spcPts val="1600"/>
               </a:spcBef>
@@ -4934,7 +4285,7 @@
               <a:buChar char="■"/>
               <a:defRPr sz="1200"/>
             </a:lvl6pPr>
-            <a:lvl7pPr indent="-304800" lvl="6" marL="3200400">
+            <a:lvl7pPr marL="3200400" lvl="6" indent="-304800">
               <a:spcBef>
                 <a:spcPts val="1600"/>
               </a:spcBef>
@@ -4945,7 +4296,7 @@
               <a:buChar char="●"/>
               <a:defRPr sz="1200"/>
             </a:lvl7pPr>
-            <a:lvl8pPr indent="-304800" lvl="7" marL="3657600">
+            <a:lvl8pPr marL="3657600" lvl="7" indent="-304800">
               <a:spcBef>
                 <a:spcPts val="1600"/>
               </a:spcBef>
@@ -4956,7 +4307,7 @@
               <a:buChar char="○"/>
               <a:defRPr sz="1200"/>
             </a:lvl8pPr>
-            <a:lvl9pPr indent="-304800" lvl="8" marL="4114800">
+            <a:lvl9pPr marL="4114800" lvl="8" indent="-304800">
               <a:spcBef>
                 <a:spcPts val="1600"/>
               </a:spcBef>
@@ -4968,15 +4319,19 @@
               <a:defRPr sz="1200"/>
             </a:lvl9pPr>
           </a:lstStyle>
-          <a:p/>
+          <a:p>
+            <a:endParaRPr/>
+          </a:p>
         </p:txBody>
       </p:sp>
       <p:sp>
         <p:nvSpPr>
           <p:cNvPr id="24" name="Google Shape;24;p5"/>
-          <p:cNvSpPr txBox="1"/>
+          <p:cNvSpPr txBox="1">
+            <a:spLocks noGrp="1"/>
+          </p:cNvSpPr>
           <p:nvPr>
-            <p:ph idx="12" type="sldNum"/>
+            <p:ph type="sldNum" idx="12"/>
           </p:nvPr>
         </p:nvSpPr>
         <p:spPr>
@@ -4989,7 +4344,7 @@
           </a:prstGeom>
         </p:spPr>
         <p:txBody>
-          <a:bodyPr anchorCtr="0" anchor="ctr" bIns="91425" lIns="91425" spcFirstLastPara="1" rIns="91425" wrap="square" tIns="91425">
+          <a:bodyPr spcFirstLastPara="1" wrap="square" lIns="91425" tIns="91425" rIns="91425" bIns="91425" anchor="ctr" anchorCtr="0">
             <a:noAutofit/>
           </a:bodyPr>
           <a:lstStyle>
@@ -5031,7 +4386,7 @@
             </a:lvl9pPr>
           </a:lstStyle>
           <a:p>
-            <a:pPr indent="0" lvl="0" marL="0" rtl="0" algn="r">
+            <a:pPr marL="0" lvl="0" indent="0" algn="r" rtl="0">
               <a:spcBef>
                 <a:spcPts val="0"/>
               </a:spcBef>
@@ -5057,11 +4412,11 @@
 </file>
 
 <file path=ppt/slideLayouts/slideLayout5.xml><?xml version="1.0" encoding="utf-8"?>
-<p:sldLayout xmlns:a="http://schemas.openxmlformats.org/drawingml/2006/main" xmlns:r="http://schemas.openxmlformats.org/officeDocument/2006/relationships" xmlns:mc="http://schemas.openxmlformats.org/markup-compatibility/2006" xmlns:mv="urn:schemas-microsoft-com:mac:vml" xmlns:p="http://schemas.openxmlformats.org/presentationml/2006/main" xmlns:c="http://schemas.openxmlformats.org/drawingml/2006/chart" xmlns:dgm="http://schemas.openxmlformats.org/drawingml/2006/diagram" xmlns:o="urn:schemas-microsoft-com:office:office" xmlns:v="urn:schemas-microsoft-com:vml" xmlns:pvml="urn:schemas-microsoft-com:office:powerpoint" xmlns:com="http://schemas.openxmlformats.org/drawingml/2006/compatibility" xmlns:p14="http://schemas.microsoft.com/office/powerpoint/2010/main" xmlns:p15="http://schemas.microsoft.com/office/powerpoint/2012/main" matchingName="Title only" type="titleOnly">
+<p:sldLayout xmlns:a="http://schemas.openxmlformats.org/drawingml/2006/main" xmlns:r="http://schemas.openxmlformats.org/officeDocument/2006/relationships" xmlns:p="http://schemas.openxmlformats.org/presentationml/2006/main" matchingName="Title only" type="titleOnly">
   <p:cSld name="TITLE_ONLY">
     <p:spTree>
       <p:nvGrpSpPr>
-        <p:cNvPr id="25" name="Shape 25"/>
+        <p:cNvPr id="1" name="Shape 25"/>
         <p:cNvGrpSpPr/>
         <p:nvPr/>
       </p:nvGrpSpPr>
@@ -5076,7 +4431,9 @@
       <p:sp>
         <p:nvSpPr>
           <p:cNvPr id="26" name="Google Shape;26;p6"/>
-          <p:cNvSpPr txBox="1"/>
+          <p:cNvSpPr txBox="1">
+            <a:spLocks noGrp="1"/>
+          </p:cNvSpPr>
           <p:nvPr>
             <p:ph type="title"/>
           </p:nvPr>
@@ -5091,7 +4448,7 @@
           </a:prstGeom>
         </p:spPr>
         <p:txBody>
-          <a:bodyPr anchorCtr="0" anchor="t" bIns="91425" lIns="91425" spcFirstLastPara="1" rIns="91425" wrap="square" tIns="91425"/>
+          <a:bodyPr spcFirstLastPara="1" wrap="square" lIns="91425" tIns="91425" rIns="91425" bIns="91425" anchor="t" anchorCtr="0"/>
           <a:lstStyle>
             <a:lvl1pPr lvl="0">
               <a:spcBef>
@@ -5193,15 +4550,19 @@
               <a:defRPr/>
             </a:lvl9pPr>
           </a:lstStyle>
-          <a:p/>
+          <a:p>
+            <a:endParaRPr/>
+          </a:p>
         </p:txBody>
       </p:sp>
       <p:sp>
         <p:nvSpPr>
           <p:cNvPr id="27" name="Google Shape;27;p6"/>
-          <p:cNvSpPr txBox="1"/>
+          <p:cNvSpPr txBox="1">
+            <a:spLocks noGrp="1"/>
+          </p:cNvSpPr>
           <p:nvPr>
-            <p:ph idx="12" type="sldNum"/>
+            <p:ph type="sldNum" idx="12"/>
           </p:nvPr>
         </p:nvSpPr>
         <p:spPr>
@@ -5214,7 +4575,7 @@
           </a:prstGeom>
         </p:spPr>
         <p:txBody>
-          <a:bodyPr anchorCtr="0" anchor="ctr" bIns="91425" lIns="91425" spcFirstLastPara="1" rIns="91425" wrap="square" tIns="91425">
+          <a:bodyPr spcFirstLastPara="1" wrap="square" lIns="91425" tIns="91425" rIns="91425" bIns="91425" anchor="ctr" anchorCtr="0">
             <a:noAutofit/>
           </a:bodyPr>
           <a:lstStyle>
@@ -5256,7 +4617,7 @@
             </a:lvl9pPr>
           </a:lstStyle>
           <a:p>
-            <a:pPr indent="0" lvl="0" marL="0" rtl="0" algn="r">
+            <a:pPr marL="0" lvl="0" indent="0" algn="r" rtl="0">
               <a:spcBef>
                 <a:spcPts val="0"/>
               </a:spcBef>
@@ -5282,11 +4643,11 @@
 </file>
 
 <file path=ppt/slideLayouts/slideLayout6.xml><?xml version="1.0" encoding="utf-8"?>
-<p:sldLayout xmlns:a="http://schemas.openxmlformats.org/drawingml/2006/main" xmlns:r="http://schemas.openxmlformats.org/officeDocument/2006/relationships" xmlns:mc="http://schemas.openxmlformats.org/markup-compatibility/2006" xmlns:mv="urn:schemas-microsoft-com:mac:vml" xmlns:p="http://schemas.openxmlformats.org/presentationml/2006/main" xmlns:c="http://schemas.openxmlformats.org/drawingml/2006/chart" xmlns:dgm="http://schemas.openxmlformats.org/drawingml/2006/diagram" xmlns:o="urn:schemas-microsoft-com:office:office" xmlns:v="urn:schemas-microsoft-com:vml" xmlns:pvml="urn:schemas-microsoft-com:office:powerpoint" xmlns:com="http://schemas.openxmlformats.org/drawingml/2006/compatibility" xmlns:p14="http://schemas.microsoft.com/office/powerpoint/2010/main" xmlns:p15="http://schemas.microsoft.com/office/powerpoint/2012/main" matchingName="One column text">
+<p:sldLayout xmlns:a="http://schemas.openxmlformats.org/drawingml/2006/main" xmlns:r="http://schemas.openxmlformats.org/officeDocument/2006/relationships" xmlns:p="http://schemas.openxmlformats.org/presentationml/2006/main" matchingName="One column text">
   <p:cSld name="ONE_COLUMN_TEXT">
     <p:spTree>
       <p:nvGrpSpPr>
-        <p:cNvPr id="28" name="Shape 28"/>
+        <p:cNvPr id="1" name="Shape 28"/>
         <p:cNvGrpSpPr/>
         <p:nvPr/>
       </p:nvGrpSpPr>
@@ -5301,7 +4662,9 @@
       <p:sp>
         <p:nvSpPr>
           <p:cNvPr id="29" name="Google Shape;29;p7"/>
-          <p:cNvSpPr txBox="1"/>
+          <p:cNvSpPr txBox="1">
+            <a:spLocks noGrp="1"/>
+          </p:cNvSpPr>
           <p:nvPr>
             <p:ph type="title"/>
           </p:nvPr>
@@ -5316,7 +4679,7 @@
           </a:prstGeom>
         </p:spPr>
         <p:txBody>
-          <a:bodyPr anchorCtr="0" anchor="b" bIns="91425" lIns="91425" spcFirstLastPara="1" rIns="91425" wrap="square" tIns="91425"/>
+          <a:bodyPr spcFirstLastPara="1" wrap="square" lIns="91425" tIns="91425" rIns="91425" bIns="91425" anchor="b" anchorCtr="0"/>
           <a:lstStyle>
             <a:lvl1pPr lvl="0">
               <a:spcBef>
@@ -5418,15 +4781,19 @@
               <a:defRPr sz="2400"/>
             </a:lvl9pPr>
           </a:lstStyle>
-          <a:p/>
+          <a:p>
+            <a:endParaRPr/>
+          </a:p>
         </p:txBody>
       </p:sp>
       <p:sp>
         <p:nvSpPr>
           <p:cNvPr id="30" name="Google Shape;30;p7"/>
-          <p:cNvSpPr txBox="1"/>
+          <p:cNvSpPr txBox="1">
+            <a:spLocks noGrp="1"/>
+          </p:cNvSpPr>
           <p:nvPr>
-            <p:ph idx="1" type="body"/>
+            <p:ph type="body" idx="1"/>
           </p:nvPr>
         </p:nvSpPr>
         <p:spPr>
@@ -5439,9 +4806,9 @@
           </a:prstGeom>
         </p:spPr>
         <p:txBody>
-          <a:bodyPr anchorCtr="0" anchor="t" bIns="91425" lIns="91425" spcFirstLastPara="1" rIns="91425" wrap="square" tIns="91425"/>
+          <a:bodyPr spcFirstLastPara="1" wrap="square" lIns="91425" tIns="91425" rIns="91425" bIns="91425" anchor="t" anchorCtr="0"/>
           <a:lstStyle>
-            <a:lvl1pPr indent="-304800" lvl="0" marL="457200">
+            <a:lvl1pPr marL="457200" lvl="0" indent="-304800">
               <a:spcBef>
                 <a:spcPts val="0"/>
               </a:spcBef>
@@ -5452,7 +4819,7 @@
               <a:buChar char="●"/>
               <a:defRPr sz="1200"/>
             </a:lvl1pPr>
-            <a:lvl2pPr indent="-304800" lvl="1" marL="914400">
+            <a:lvl2pPr marL="914400" lvl="1" indent="-304800">
               <a:spcBef>
                 <a:spcPts val="1600"/>
               </a:spcBef>
@@ -5463,7 +4830,7 @@
               <a:buChar char="○"/>
               <a:defRPr sz="1200"/>
             </a:lvl2pPr>
-            <a:lvl3pPr indent="-304800" lvl="2" marL="1371600">
+            <a:lvl3pPr marL="1371600" lvl="2" indent="-304800">
               <a:spcBef>
                 <a:spcPts val="1600"/>
               </a:spcBef>
@@ -5474,7 +4841,7 @@
               <a:buChar char="■"/>
               <a:defRPr sz="1200"/>
             </a:lvl3pPr>
-            <a:lvl4pPr indent="-304800" lvl="3" marL="1828800">
+            <a:lvl4pPr marL="1828800" lvl="3" indent="-304800">
               <a:spcBef>
                 <a:spcPts val="1600"/>
               </a:spcBef>
@@ -5485,7 +4852,7 @@
               <a:buChar char="●"/>
               <a:defRPr sz="1200"/>
             </a:lvl4pPr>
-            <a:lvl5pPr indent="-304800" lvl="4" marL="2286000">
+            <a:lvl5pPr marL="2286000" lvl="4" indent="-304800">
               <a:spcBef>
                 <a:spcPts val="1600"/>
               </a:spcBef>
@@ -5496,7 +4863,7 @@
               <a:buChar char="○"/>
               <a:defRPr sz="1200"/>
             </a:lvl5pPr>
-            <a:lvl6pPr indent="-304800" lvl="5" marL="2743200">
+            <a:lvl6pPr marL="2743200" lvl="5" indent="-304800">
               <a:spcBef>
                 <a:spcPts val="1600"/>
               </a:spcBef>
@@ -5507,7 +4874,7 @@
               <a:buChar char="■"/>
               <a:defRPr sz="1200"/>
             </a:lvl6pPr>
-            <a:lvl7pPr indent="-304800" lvl="6" marL="3200400">
+            <a:lvl7pPr marL="3200400" lvl="6" indent="-304800">
               <a:spcBef>
                 <a:spcPts val="1600"/>
               </a:spcBef>
@@ -5518,7 +4885,7 @@
               <a:buChar char="●"/>
               <a:defRPr sz="1200"/>
             </a:lvl7pPr>
-            <a:lvl8pPr indent="-304800" lvl="7" marL="3657600">
+            <a:lvl8pPr marL="3657600" lvl="7" indent="-304800">
               <a:spcBef>
                 <a:spcPts val="1600"/>
               </a:spcBef>
@@ -5529,7 +4896,7 @@
               <a:buChar char="○"/>
               <a:defRPr sz="1200"/>
             </a:lvl8pPr>
-            <a:lvl9pPr indent="-304800" lvl="8" marL="4114800">
+            <a:lvl9pPr marL="4114800" lvl="8" indent="-304800">
               <a:spcBef>
                 <a:spcPts val="1600"/>
               </a:spcBef>
@@ -5541,15 +4908,19 @@
               <a:defRPr sz="1200"/>
             </a:lvl9pPr>
           </a:lstStyle>
-          <a:p/>
+          <a:p>
+            <a:endParaRPr/>
+          </a:p>
         </p:txBody>
       </p:sp>
       <p:sp>
         <p:nvSpPr>
           <p:cNvPr id="31" name="Google Shape;31;p7"/>
-          <p:cNvSpPr txBox="1"/>
+          <p:cNvSpPr txBox="1">
+            <a:spLocks noGrp="1"/>
+          </p:cNvSpPr>
           <p:nvPr>
-            <p:ph idx="12" type="sldNum"/>
+            <p:ph type="sldNum" idx="12"/>
           </p:nvPr>
         </p:nvSpPr>
         <p:spPr>
@@ -5562,7 +4933,7 @@
           </a:prstGeom>
         </p:spPr>
         <p:txBody>
-          <a:bodyPr anchorCtr="0" anchor="ctr" bIns="91425" lIns="91425" spcFirstLastPara="1" rIns="91425" wrap="square" tIns="91425">
+          <a:bodyPr spcFirstLastPara="1" wrap="square" lIns="91425" tIns="91425" rIns="91425" bIns="91425" anchor="ctr" anchorCtr="0">
             <a:noAutofit/>
           </a:bodyPr>
           <a:lstStyle>
@@ -5604,7 +4975,7 @@
             </a:lvl9pPr>
           </a:lstStyle>
           <a:p>
-            <a:pPr indent="0" lvl="0" marL="0" rtl="0" algn="r">
+            <a:pPr marL="0" lvl="0" indent="0" algn="r" rtl="0">
               <a:spcBef>
                 <a:spcPts val="0"/>
               </a:spcBef>
@@ -5630,11 +5001,11 @@
 </file>
 
 <file path=ppt/slideLayouts/slideLayout7.xml><?xml version="1.0" encoding="utf-8"?>
-<p:sldLayout xmlns:a="http://schemas.openxmlformats.org/drawingml/2006/main" xmlns:r="http://schemas.openxmlformats.org/officeDocument/2006/relationships" xmlns:mc="http://schemas.openxmlformats.org/markup-compatibility/2006" xmlns:mv="urn:schemas-microsoft-com:mac:vml" xmlns:p="http://schemas.openxmlformats.org/presentationml/2006/main" xmlns:c="http://schemas.openxmlformats.org/drawingml/2006/chart" xmlns:dgm="http://schemas.openxmlformats.org/drawingml/2006/diagram" xmlns:o="urn:schemas-microsoft-com:office:office" xmlns:v="urn:schemas-microsoft-com:vml" xmlns:pvml="urn:schemas-microsoft-com:office:powerpoint" xmlns:com="http://schemas.openxmlformats.org/drawingml/2006/compatibility" xmlns:p14="http://schemas.microsoft.com/office/powerpoint/2010/main" xmlns:p15="http://schemas.microsoft.com/office/powerpoint/2012/main" matchingName="Main point">
+<p:sldLayout xmlns:a="http://schemas.openxmlformats.org/drawingml/2006/main" xmlns:r="http://schemas.openxmlformats.org/officeDocument/2006/relationships" xmlns:p="http://schemas.openxmlformats.org/presentationml/2006/main" matchingName="Main point">
   <p:cSld name="MAIN_POINT">
     <p:spTree>
       <p:nvGrpSpPr>
-        <p:cNvPr id="32" name="Shape 32"/>
+        <p:cNvPr id="1" name="Shape 32"/>
         <p:cNvGrpSpPr/>
         <p:nvPr/>
       </p:nvGrpSpPr>
@@ -5649,7 +5020,9 @@
       <p:sp>
         <p:nvSpPr>
           <p:cNvPr id="33" name="Google Shape;33;p8"/>
-          <p:cNvSpPr txBox="1"/>
+          <p:cNvSpPr txBox="1">
+            <a:spLocks noGrp="1"/>
+          </p:cNvSpPr>
           <p:nvPr>
             <p:ph type="title"/>
           </p:nvPr>
@@ -5664,7 +5037,7 @@
           </a:prstGeom>
         </p:spPr>
         <p:txBody>
-          <a:bodyPr anchorCtr="0" anchor="ctr" bIns="91425" lIns="91425" spcFirstLastPara="1" rIns="91425" wrap="square" tIns="91425"/>
+          <a:bodyPr spcFirstLastPara="1" wrap="square" lIns="91425" tIns="91425" rIns="91425" bIns="91425" anchor="ctr" anchorCtr="0"/>
           <a:lstStyle>
             <a:lvl1pPr lvl="0">
               <a:spcBef>
@@ -5766,15 +5139,19 @@
               <a:defRPr sz="4800"/>
             </a:lvl9pPr>
           </a:lstStyle>
-          <a:p/>
+          <a:p>
+            <a:endParaRPr/>
+          </a:p>
         </p:txBody>
       </p:sp>
       <p:sp>
         <p:nvSpPr>
           <p:cNvPr id="34" name="Google Shape;34;p8"/>
-          <p:cNvSpPr txBox="1"/>
+          <p:cNvSpPr txBox="1">
+            <a:spLocks noGrp="1"/>
+          </p:cNvSpPr>
           <p:nvPr>
-            <p:ph idx="12" type="sldNum"/>
+            <p:ph type="sldNum" idx="12"/>
           </p:nvPr>
         </p:nvSpPr>
         <p:spPr>
@@ -5787,7 +5164,7 @@
           </a:prstGeom>
         </p:spPr>
         <p:txBody>
-          <a:bodyPr anchorCtr="0" anchor="ctr" bIns="91425" lIns="91425" spcFirstLastPara="1" rIns="91425" wrap="square" tIns="91425">
+          <a:bodyPr spcFirstLastPara="1" wrap="square" lIns="91425" tIns="91425" rIns="91425" bIns="91425" anchor="ctr" anchorCtr="0">
             <a:noAutofit/>
           </a:bodyPr>
           <a:lstStyle>
@@ -5829,7 +5206,7 @@
             </a:lvl9pPr>
           </a:lstStyle>
           <a:p>
-            <a:pPr indent="0" lvl="0" marL="0" rtl="0" algn="r">
+            <a:pPr marL="0" lvl="0" indent="0" algn="r" rtl="0">
               <a:spcBef>
                 <a:spcPts val="0"/>
               </a:spcBef>
@@ -5855,11 +5232,11 @@
 </file>
 
 <file path=ppt/slideLayouts/slideLayout8.xml><?xml version="1.0" encoding="utf-8"?>
-<p:sldLayout xmlns:a="http://schemas.openxmlformats.org/drawingml/2006/main" xmlns:r="http://schemas.openxmlformats.org/officeDocument/2006/relationships" xmlns:mc="http://schemas.openxmlformats.org/markup-compatibility/2006" xmlns:mv="urn:schemas-microsoft-com:mac:vml" xmlns:p="http://schemas.openxmlformats.org/presentationml/2006/main" xmlns:c="http://schemas.openxmlformats.org/drawingml/2006/chart" xmlns:dgm="http://schemas.openxmlformats.org/drawingml/2006/diagram" xmlns:o="urn:schemas-microsoft-com:office:office" xmlns:v="urn:schemas-microsoft-com:vml" xmlns:pvml="urn:schemas-microsoft-com:office:powerpoint" xmlns:com="http://schemas.openxmlformats.org/drawingml/2006/compatibility" xmlns:p14="http://schemas.microsoft.com/office/powerpoint/2010/main" xmlns:p15="http://schemas.microsoft.com/office/powerpoint/2012/main" matchingName="Section title and description">
+<p:sldLayout xmlns:a="http://schemas.openxmlformats.org/drawingml/2006/main" xmlns:r="http://schemas.openxmlformats.org/officeDocument/2006/relationships" xmlns:p="http://schemas.openxmlformats.org/presentationml/2006/main" matchingName="Section title and description">
   <p:cSld name="SECTION_TITLE_AND_DESCRIPTION">
     <p:spTree>
       <p:nvGrpSpPr>
-        <p:cNvPr id="35" name="Shape 35"/>
+        <p:cNvPr id="1" name="Shape 35"/>
         <p:cNvGrpSpPr/>
         <p:nvPr/>
       </p:nvGrpSpPr>
@@ -5893,12 +5270,12 @@
           </a:ln>
         </p:spPr>
         <p:txBody>
-          <a:bodyPr anchorCtr="0" anchor="ctr" bIns="91425" lIns="91425" spcFirstLastPara="1" rIns="91425" wrap="square" tIns="91425">
+          <a:bodyPr spcFirstLastPara="1" wrap="square" lIns="91425" tIns="91425" rIns="91425" bIns="91425" anchor="ctr" anchorCtr="0">
             <a:noAutofit/>
           </a:bodyPr>
           <a:lstStyle/>
           <a:p>
-            <a:pPr indent="0" lvl="0" marL="0" rtl="0" algn="l">
+            <a:pPr marL="0" lvl="0" indent="0" algn="l" rtl="0">
               <a:spcBef>
                 <a:spcPts val="0"/>
               </a:spcBef>
@@ -5907,9 +5284,6 @@
               </a:spcAft>
               <a:buNone/>
             </a:pPr>
-            <a:r>
-              <a:t/>
-            </a:r>
             <a:endParaRPr/>
           </a:p>
         </p:txBody>
@@ -5917,7 +5291,9 @@
       <p:sp>
         <p:nvSpPr>
           <p:cNvPr id="37" name="Google Shape;37;p9"/>
-          <p:cNvSpPr txBox="1"/>
+          <p:cNvSpPr txBox="1">
+            <a:spLocks noGrp="1"/>
+          </p:cNvSpPr>
           <p:nvPr>
             <p:ph type="title"/>
           </p:nvPr>
@@ -5932,7 +5308,7 @@
           </a:prstGeom>
         </p:spPr>
         <p:txBody>
-          <a:bodyPr anchorCtr="0" anchor="b" bIns="91425" lIns="91425" spcFirstLastPara="1" rIns="91425" wrap="square" tIns="91425"/>
+          <a:bodyPr spcFirstLastPara="1" wrap="square" lIns="91425" tIns="91425" rIns="91425" bIns="91425" anchor="b" anchorCtr="0"/>
           <a:lstStyle>
             <a:lvl1pPr lvl="0" algn="ctr">
               <a:spcBef>
@@ -6034,15 +5410,19 @@
               <a:defRPr sz="4200"/>
             </a:lvl9pPr>
           </a:lstStyle>
-          <a:p/>
+          <a:p>
+            <a:endParaRPr/>
+          </a:p>
         </p:txBody>
       </p:sp>
       <p:sp>
         <p:nvSpPr>
           <p:cNvPr id="38" name="Google Shape;38;p9"/>
-          <p:cNvSpPr txBox="1"/>
+          <p:cNvSpPr txBox="1">
+            <a:spLocks noGrp="1"/>
+          </p:cNvSpPr>
           <p:nvPr>
-            <p:ph idx="1" type="subTitle"/>
+            <p:ph type="subTitle" idx="1"/>
           </p:nvPr>
         </p:nvSpPr>
         <p:spPr>
@@ -6055,7 +5435,7 @@
           </a:prstGeom>
         </p:spPr>
         <p:txBody>
-          <a:bodyPr anchorCtr="0" anchor="t" bIns="91425" lIns="91425" spcFirstLastPara="1" rIns="91425" wrap="square" tIns="91425"/>
+          <a:bodyPr spcFirstLastPara="1" wrap="square" lIns="91425" tIns="91425" rIns="91425" bIns="91425" anchor="t" anchorCtr="0"/>
           <a:lstStyle>
             <a:lvl1pPr lvl="0" algn="ctr">
               <a:lnSpc>
@@ -6184,15 +5564,19 @@
               <a:defRPr sz="2100"/>
             </a:lvl9pPr>
           </a:lstStyle>
-          <a:p/>
+          <a:p>
+            <a:endParaRPr/>
+          </a:p>
         </p:txBody>
       </p:sp>
       <p:sp>
         <p:nvSpPr>
           <p:cNvPr id="39" name="Google Shape;39;p9"/>
-          <p:cNvSpPr txBox="1"/>
+          <p:cNvSpPr txBox="1">
+            <a:spLocks noGrp="1"/>
+          </p:cNvSpPr>
           <p:nvPr>
-            <p:ph idx="2" type="body"/>
+            <p:ph type="body" idx="2"/>
           </p:nvPr>
         </p:nvSpPr>
         <p:spPr>
@@ -6205,9 +5589,9 @@
           </a:prstGeom>
         </p:spPr>
         <p:txBody>
-          <a:bodyPr anchorCtr="0" anchor="ctr" bIns="91425" lIns="91425" spcFirstLastPara="1" rIns="91425" wrap="square" tIns="91425"/>
+          <a:bodyPr spcFirstLastPara="1" wrap="square" lIns="91425" tIns="91425" rIns="91425" bIns="91425" anchor="ctr" anchorCtr="0"/>
           <a:lstStyle>
-            <a:lvl1pPr indent="-342900" lvl="0" marL="457200">
+            <a:lvl1pPr marL="457200" lvl="0" indent="-342900">
               <a:spcBef>
                 <a:spcPts val="0"/>
               </a:spcBef>
@@ -6218,7 +5602,7 @@
               <a:buChar char="●"/>
               <a:defRPr/>
             </a:lvl1pPr>
-            <a:lvl2pPr indent="-317500" lvl="1" marL="914400">
+            <a:lvl2pPr marL="914400" lvl="1" indent="-317500">
               <a:spcBef>
                 <a:spcPts val="1600"/>
               </a:spcBef>
@@ -6229,7 +5613,7 @@
               <a:buChar char="○"/>
               <a:defRPr/>
             </a:lvl2pPr>
-            <a:lvl3pPr indent="-317500" lvl="2" marL="1371600">
+            <a:lvl3pPr marL="1371600" lvl="2" indent="-317500">
               <a:spcBef>
                 <a:spcPts val="1600"/>
               </a:spcBef>
@@ -6240,7 +5624,7 @@
               <a:buChar char="■"/>
               <a:defRPr/>
             </a:lvl3pPr>
-            <a:lvl4pPr indent="-317500" lvl="3" marL="1828800">
+            <a:lvl4pPr marL="1828800" lvl="3" indent="-317500">
               <a:spcBef>
                 <a:spcPts val="1600"/>
               </a:spcBef>
@@ -6251,7 +5635,7 @@
               <a:buChar char="●"/>
               <a:defRPr/>
             </a:lvl4pPr>
-            <a:lvl5pPr indent="-317500" lvl="4" marL="2286000">
+            <a:lvl5pPr marL="2286000" lvl="4" indent="-317500">
               <a:spcBef>
                 <a:spcPts val="1600"/>
               </a:spcBef>
@@ -6262,7 +5646,7 @@
               <a:buChar char="○"/>
               <a:defRPr/>
             </a:lvl5pPr>
-            <a:lvl6pPr indent="-317500" lvl="5" marL="2743200">
+            <a:lvl6pPr marL="2743200" lvl="5" indent="-317500">
               <a:spcBef>
                 <a:spcPts val="1600"/>
               </a:spcBef>
@@ -6273,7 +5657,7 @@
               <a:buChar char="■"/>
               <a:defRPr/>
             </a:lvl6pPr>
-            <a:lvl7pPr indent="-317500" lvl="6" marL="3200400">
+            <a:lvl7pPr marL="3200400" lvl="6" indent="-317500">
               <a:spcBef>
                 <a:spcPts val="1600"/>
               </a:spcBef>
@@ -6284,7 +5668,7 @@
               <a:buChar char="●"/>
               <a:defRPr/>
             </a:lvl7pPr>
-            <a:lvl8pPr indent="-317500" lvl="7" marL="3657600">
+            <a:lvl8pPr marL="3657600" lvl="7" indent="-317500">
               <a:spcBef>
                 <a:spcPts val="1600"/>
               </a:spcBef>
@@ -6295,7 +5679,7 @@
               <a:buChar char="○"/>
               <a:defRPr/>
             </a:lvl8pPr>
-            <a:lvl9pPr indent="-317500" lvl="8" marL="4114800">
+            <a:lvl9pPr marL="4114800" lvl="8" indent="-317500">
               <a:spcBef>
                 <a:spcPts val="1600"/>
               </a:spcBef>
@@ -6307,15 +5691,19 @@
               <a:defRPr/>
             </a:lvl9pPr>
           </a:lstStyle>
-          <a:p/>
+          <a:p>
+            <a:endParaRPr/>
+          </a:p>
         </p:txBody>
       </p:sp>
       <p:sp>
         <p:nvSpPr>
           <p:cNvPr id="40" name="Google Shape;40;p9"/>
-          <p:cNvSpPr txBox="1"/>
+          <p:cNvSpPr txBox="1">
+            <a:spLocks noGrp="1"/>
+          </p:cNvSpPr>
           <p:nvPr>
-            <p:ph idx="12" type="sldNum"/>
+            <p:ph type="sldNum" idx="12"/>
           </p:nvPr>
         </p:nvSpPr>
         <p:spPr>
@@ -6328,7 +5716,7 @@
           </a:prstGeom>
         </p:spPr>
         <p:txBody>
-          <a:bodyPr anchorCtr="0" anchor="ctr" bIns="91425" lIns="91425" spcFirstLastPara="1" rIns="91425" wrap="square" tIns="91425">
+          <a:bodyPr spcFirstLastPara="1" wrap="square" lIns="91425" tIns="91425" rIns="91425" bIns="91425" anchor="ctr" anchorCtr="0">
             <a:noAutofit/>
           </a:bodyPr>
           <a:lstStyle>
@@ -6370,7 +5758,7 @@
             </a:lvl9pPr>
           </a:lstStyle>
           <a:p>
-            <a:pPr indent="0" lvl="0" marL="0" rtl="0" algn="r">
+            <a:pPr marL="0" lvl="0" indent="0" algn="r" rtl="0">
               <a:spcBef>
                 <a:spcPts val="0"/>
               </a:spcBef>
@@ -6396,11 +5784,11 @@
 </file>
 
 <file path=ppt/slideLayouts/slideLayout9.xml><?xml version="1.0" encoding="utf-8"?>
-<p:sldLayout xmlns:a="http://schemas.openxmlformats.org/drawingml/2006/main" xmlns:r="http://schemas.openxmlformats.org/officeDocument/2006/relationships" xmlns:mc="http://schemas.openxmlformats.org/markup-compatibility/2006" xmlns:mv="urn:schemas-microsoft-com:mac:vml" xmlns:p="http://schemas.openxmlformats.org/presentationml/2006/main" xmlns:c="http://schemas.openxmlformats.org/drawingml/2006/chart" xmlns:dgm="http://schemas.openxmlformats.org/drawingml/2006/diagram" xmlns:o="urn:schemas-microsoft-com:office:office" xmlns:v="urn:schemas-microsoft-com:vml" xmlns:pvml="urn:schemas-microsoft-com:office:powerpoint" xmlns:com="http://schemas.openxmlformats.org/drawingml/2006/compatibility" xmlns:p14="http://schemas.microsoft.com/office/powerpoint/2010/main" xmlns:p15="http://schemas.microsoft.com/office/powerpoint/2012/main" matchingName="Caption">
+<p:sldLayout xmlns:a="http://schemas.openxmlformats.org/drawingml/2006/main" xmlns:r="http://schemas.openxmlformats.org/officeDocument/2006/relationships" xmlns:p="http://schemas.openxmlformats.org/presentationml/2006/main" matchingName="Caption">
   <p:cSld name="CAPTION_ONLY">
     <p:spTree>
       <p:nvGrpSpPr>
-        <p:cNvPr id="41" name="Shape 41"/>
+        <p:cNvPr id="1" name="Shape 41"/>
         <p:cNvGrpSpPr/>
         <p:nvPr/>
       </p:nvGrpSpPr>
@@ -6415,9 +5803,11 @@
       <p:sp>
         <p:nvSpPr>
           <p:cNvPr id="42" name="Google Shape;42;p10"/>
-          <p:cNvSpPr txBox="1"/>
+          <p:cNvSpPr txBox="1">
+            <a:spLocks noGrp="1"/>
+          </p:cNvSpPr>
           <p:nvPr>
-            <p:ph idx="1" type="body"/>
+            <p:ph type="body" idx="1"/>
           </p:nvPr>
         </p:nvSpPr>
         <p:spPr>
@@ -6430,9 +5820,9 @@
           </a:prstGeom>
         </p:spPr>
         <p:txBody>
-          <a:bodyPr anchorCtr="0" anchor="ctr" bIns="91425" lIns="91425" spcFirstLastPara="1" rIns="91425" wrap="square" tIns="91425"/>
+          <a:bodyPr spcFirstLastPara="1" wrap="square" lIns="91425" tIns="91425" rIns="91425" bIns="91425" anchor="ctr" anchorCtr="0"/>
           <a:lstStyle>
-            <a:lvl1pPr indent="-228600" lvl="0" marL="457200">
+            <a:lvl1pPr marL="457200" lvl="0" indent="-228600">
               <a:lnSpc>
                 <a:spcPct val="100000"/>
               </a:lnSpc>
@@ -6447,15 +5837,19 @@
               <a:defRPr/>
             </a:lvl1pPr>
           </a:lstStyle>
-          <a:p/>
+          <a:p>
+            <a:endParaRPr/>
+          </a:p>
         </p:txBody>
       </p:sp>
       <p:sp>
         <p:nvSpPr>
           <p:cNvPr id="43" name="Google Shape;43;p10"/>
-          <p:cNvSpPr txBox="1"/>
+          <p:cNvSpPr txBox="1">
+            <a:spLocks noGrp="1"/>
+          </p:cNvSpPr>
           <p:nvPr>
-            <p:ph idx="12" type="sldNum"/>
+            <p:ph type="sldNum" idx="12"/>
           </p:nvPr>
         </p:nvSpPr>
         <p:spPr>
@@ -6468,7 +5862,7 @@
           </a:prstGeom>
         </p:spPr>
         <p:txBody>
-          <a:bodyPr anchorCtr="0" anchor="ctr" bIns="91425" lIns="91425" spcFirstLastPara="1" rIns="91425" wrap="square" tIns="91425">
+          <a:bodyPr spcFirstLastPara="1" wrap="square" lIns="91425" tIns="91425" rIns="91425" bIns="91425" anchor="ctr" anchorCtr="0">
             <a:noAutofit/>
           </a:bodyPr>
           <a:lstStyle>
@@ -6510,7 +5904,7 @@
             </a:lvl9pPr>
           </a:lstStyle>
           <a:p>
-            <a:pPr indent="0" lvl="0" marL="0" rtl="0" algn="r">
+            <a:pPr marL="0" lvl="0" indent="0" algn="r" rtl="0">
               <a:spcBef>
                 <a:spcPts val="0"/>
               </a:spcBef>
@@ -6536,18 +5930,19 @@
 </file>
 
 <file path=ppt/slideMasters/slideMaster1.xml><?xml version="1.0" encoding="utf-8"?>
-<p:sldMaster xmlns:a="http://schemas.openxmlformats.org/drawingml/2006/main" xmlns:r="http://schemas.openxmlformats.org/officeDocument/2006/relationships" xmlns:mc="http://schemas.openxmlformats.org/markup-compatibility/2006" xmlns:mv="urn:schemas-microsoft-com:mac:vml" xmlns:p="http://schemas.openxmlformats.org/presentationml/2006/main" xmlns:c="http://schemas.openxmlformats.org/drawingml/2006/chart" xmlns:dgm="http://schemas.openxmlformats.org/drawingml/2006/diagram" xmlns:o="urn:schemas-microsoft-com:office:office" xmlns:v="urn:schemas-microsoft-com:vml" xmlns:pvml="urn:schemas-microsoft-com:office:powerpoint" xmlns:com="http://schemas.openxmlformats.org/drawingml/2006/compatibility" xmlns:p14="http://schemas.microsoft.com/office/powerpoint/2010/main" xmlns:p15="http://schemas.microsoft.com/office/powerpoint/2012/main">
+<p:sldMaster xmlns:a="http://schemas.openxmlformats.org/drawingml/2006/main" xmlns:r="http://schemas.openxmlformats.org/officeDocument/2006/relationships" xmlns:p="http://schemas.openxmlformats.org/presentationml/2006/main">
   <p:cSld name="simple-light-2">
     <p:bg>
       <p:bgPr>
         <a:solidFill>
           <a:schemeClr val="lt1"/>
         </a:solidFill>
+        <a:effectLst/>
       </p:bgPr>
     </p:bg>
     <p:spTree>
       <p:nvGrpSpPr>
-        <p:cNvPr id="5" name="Shape 5"/>
+        <p:cNvPr id="1" name="Shape 5"/>
         <p:cNvGrpSpPr/>
         <p:nvPr/>
       </p:nvGrpSpPr>
@@ -6562,7 +5957,9 @@
       <p:sp>
         <p:nvSpPr>
           <p:cNvPr id="6" name="Google Shape;6;p1"/>
-          <p:cNvSpPr txBox="1"/>
+          <p:cNvSpPr txBox="1">
+            <a:spLocks noGrp="1"/>
+          </p:cNvSpPr>
           <p:nvPr>
             <p:ph type="title"/>
           </p:nvPr>
@@ -6581,7 +5978,7 @@
           </a:ln>
         </p:spPr>
         <p:txBody>
-          <a:bodyPr anchorCtr="0" anchor="t" bIns="91425" lIns="91425" spcFirstLastPara="1" rIns="91425" wrap="square" tIns="91425"/>
+          <a:bodyPr spcFirstLastPara="1" wrap="square" lIns="91425" tIns="91425" rIns="91425" bIns="91425" anchor="t" anchorCtr="0"/>
           <a:lstStyle>
             <a:lvl1pPr lvl="0">
               <a:spcBef>
@@ -6746,15 +6143,19 @@
               </a:defRPr>
             </a:lvl9pPr>
           </a:lstStyle>
-          <a:p/>
+          <a:p>
+            <a:endParaRPr/>
+          </a:p>
         </p:txBody>
       </p:sp>
       <p:sp>
         <p:nvSpPr>
           <p:cNvPr id="7" name="Google Shape;7;p1"/>
-          <p:cNvSpPr txBox="1"/>
+          <p:cNvSpPr txBox="1">
+            <a:spLocks noGrp="1"/>
+          </p:cNvSpPr>
           <p:nvPr>
-            <p:ph idx="1" type="body"/>
+            <p:ph type="body" idx="1"/>
           </p:nvPr>
         </p:nvSpPr>
         <p:spPr>
@@ -6771,9 +6172,9 @@
           </a:ln>
         </p:spPr>
         <p:txBody>
-          <a:bodyPr anchorCtr="0" anchor="t" bIns="91425" lIns="91425" spcFirstLastPara="1" rIns="91425" wrap="square" tIns="91425"/>
+          <a:bodyPr spcFirstLastPara="1" wrap="square" lIns="91425" tIns="91425" rIns="91425" bIns="91425" anchor="t" anchorCtr="0"/>
           <a:lstStyle>
-            <a:lvl1pPr indent="-342900" lvl="0" marL="457200">
+            <a:lvl1pPr marL="457200" lvl="0" indent="-342900">
               <a:lnSpc>
                 <a:spcPct val="115000"/>
               </a:lnSpc>
@@ -6794,7 +6195,7 @@
                 </a:solidFill>
               </a:defRPr>
             </a:lvl1pPr>
-            <a:lvl2pPr indent="-317500" lvl="1" marL="914400">
+            <a:lvl2pPr marL="914400" lvl="1" indent="-317500">
               <a:lnSpc>
                 <a:spcPct val="115000"/>
               </a:lnSpc>
@@ -6815,7 +6216,7 @@
                 </a:solidFill>
               </a:defRPr>
             </a:lvl2pPr>
-            <a:lvl3pPr indent="-317500" lvl="2" marL="1371600">
+            <a:lvl3pPr marL="1371600" lvl="2" indent="-317500">
               <a:lnSpc>
                 <a:spcPct val="115000"/>
               </a:lnSpc>
@@ -6836,7 +6237,7 @@
                 </a:solidFill>
               </a:defRPr>
             </a:lvl3pPr>
-            <a:lvl4pPr indent="-317500" lvl="3" marL="1828800">
+            <a:lvl4pPr marL="1828800" lvl="3" indent="-317500">
               <a:lnSpc>
                 <a:spcPct val="115000"/>
               </a:lnSpc>
@@ -6857,7 +6258,7 @@
                 </a:solidFill>
               </a:defRPr>
             </a:lvl4pPr>
-            <a:lvl5pPr indent="-317500" lvl="4" marL="2286000">
+            <a:lvl5pPr marL="2286000" lvl="4" indent="-317500">
               <a:lnSpc>
                 <a:spcPct val="115000"/>
               </a:lnSpc>
@@ -6878,7 +6279,7 @@
                 </a:solidFill>
               </a:defRPr>
             </a:lvl5pPr>
-            <a:lvl6pPr indent="-317500" lvl="5" marL="2743200">
+            <a:lvl6pPr marL="2743200" lvl="5" indent="-317500">
               <a:lnSpc>
                 <a:spcPct val="115000"/>
               </a:lnSpc>
@@ -6899,7 +6300,7 @@
                 </a:solidFill>
               </a:defRPr>
             </a:lvl6pPr>
-            <a:lvl7pPr indent="-317500" lvl="6" marL="3200400">
+            <a:lvl7pPr marL="3200400" lvl="6" indent="-317500">
               <a:lnSpc>
                 <a:spcPct val="115000"/>
               </a:lnSpc>
@@ -6920,7 +6321,7 @@
                 </a:solidFill>
               </a:defRPr>
             </a:lvl7pPr>
-            <a:lvl8pPr indent="-317500" lvl="7" marL="3657600">
+            <a:lvl8pPr marL="3657600" lvl="7" indent="-317500">
               <a:lnSpc>
                 <a:spcPct val="115000"/>
               </a:lnSpc>
@@ -6941,7 +6342,7 @@
                 </a:solidFill>
               </a:defRPr>
             </a:lvl8pPr>
-            <a:lvl9pPr indent="-317500" lvl="8" marL="4114800">
+            <a:lvl9pPr marL="4114800" lvl="8" indent="-317500">
               <a:lnSpc>
                 <a:spcPct val="115000"/>
               </a:lnSpc>
@@ -6963,15 +6364,19 @@
               </a:defRPr>
             </a:lvl9pPr>
           </a:lstStyle>
-          <a:p/>
+          <a:p>
+            <a:endParaRPr/>
+          </a:p>
         </p:txBody>
       </p:sp>
       <p:sp>
         <p:nvSpPr>
           <p:cNvPr id="8" name="Google Shape;8;p1"/>
-          <p:cNvSpPr txBox="1"/>
+          <p:cNvSpPr txBox="1">
+            <a:spLocks noGrp="1"/>
+          </p:cNvSpPr>
           <p:nvPr>
-            <p:ph idx="12" type="sldNum"/>
+            <p:ph type="sldNum" idx="12"/>
           </p:nvPr>
         </p:nvSpPr>
         <p:spPr>
@@ -6988,7 +6393,7 @@
           </a:ln>
         </p:spPr>
         <p:txBody>
-          <a:bodyPr anchorCtr="0" anchor="ctr" bIns="91425" lIns="91425" spcFirstLastPara="1" rIns="91425" wrap="square" tIns="91425">
+          <a:bodyPr spcFirstLastPara="1" wrap="square" lIns="91425" tIns="91425" rIns="91425" bIns="91425" anchor="ctr" anchorCtr="0">
             <a:noAutofit/>
           </a:bodyPr>
           <a:lstStyle>
@@ -7066,7 +6471,7 @@
             </a:lvl9pPr>
           </a:lstStyle>
           <a:p>
-            <a:pPr indent="0" lvl="0" marL="0" rtl="0" algn="r">
+            <a:pPr marL="0" lvl="0" indent="0" algn="r" rtl="0">
               <a:spcBef>
                 <a:spcPts val="0"/>
               </a:spcBef>
@@ -7085,7 +6490,7 @@
       </p:sp>
     </p:spTree>
   </p:cSld>
-  <p:clrMap accent1="accent1" accent2="accent2" accent3="accent3" accent4="accent4" accent5="accent5" accent6="accent6" bg1="lt1" bg2="dk2" tx1="dk1" tx2="lt2" folHlink="folHlink" hlink="hlink"/>
+  <p:clrMap bg1="lt1" tx1="dk1" bg2="dk2" tx2="lt2" accent1="accent1" accent2="accent2" accent3="accent3" accent4="accent4" accent5="accent5" accent6="accent6" hlink="hlink" folHlink="folHlink"/>
   <p:sldLayoutIdLst>
     <p:sldLayoutId id="2147483648" r:id="rId1"/>
     <p:sldLayoutId id="2147483649" r:id="rId2"/>
@@ -7099,10 +6504,10 @@
     <p:sldLayoutId id="2147483657" r:id="rId10"/>
     <p:sldLayoutId id="2147483658" r:id="rId11"/>
   </p:sldLayoutIdLst>
-  <p:hf dt="0" ftr="0" hdr="0" sldNum="0"/>
+  <p:hf sldNum="0" hdr="0" ftr="0" dt="0"/>
   <p:txStyles>
     <p:titleStyle>
-      <a:defPPr lvl="0" marR="0" rtl="0" algn="l">
+      <a:defPPr marR="0" lvl="0" algn="l" rtl="0">
         <a:lnSpc>
           <a:spcPct val="100000"/>
         </a:lnSpc>
@@ -7113,7 +6518,7 @@
           <a:spcPts val="0"/>
         </a:spcAft>
       </a:defPPr>
-      <a:lvl1pPr lvl="0" marR="0" rtl="0" algn="l">
+      <a:lvl1pPr marR="0" lvl="0" algn="l" rtl="0">
         <a:lnSpc>
           <a:spcPct val="100000"/>
         </a:lnSpc>
@@ -7127,7 +6532,7 @@
           <a:srgbClr val="000000"/>
         </a:buClr>
         <a:buFont typeface="Arial"/>
-        <a:defRPr b="0" i="0" sz="1400" u="none" cap="none" strike="noStrike">
+        <a:defRPr sz="1400" b="0" i="0" u="none" strike="noStrike" cap="none">
           <a:solidFill>
             <a:srgbClr val="000000"/>
           </a:solidFill>
@@ -7137,7 +6542,7 @@
           <a:sym typeface="Arial"/>
         </a:defRPr>
       </a:lvl1pPr>
-      <a:lvl2pPr lvl="1" marR="0" rtl="0" algn="l">
+      <a:lvl2pPr marR="0" lvl="1" algn="l" rtl="0">
         <a:lnSpc>
           <a:spcPct val="100000"/>
         </a:lnSpc>
@@ -7151,7 +6556,7 @@
           <a:srgbClr val="000000"/>
         </a:buClr>
         <a:buFont typeface="Arial"/>
-        <a:defRPr b="0" i="0" sz="1400" u="none" cap="none" strike="noStrike">
+        <a:defRPr sz="1400" b="0" i="0" u="none" strike="noStrike" cap="none">
           <a:solidFill>
             <a:srgbClr val="000000"/>
           </a:solidFill>
@@ -7161,7 +6566,7 @@
           <a:sym typeface="Arial"/>
         </a:defRPr>
       </a:lvl2pPr>
-      <a:lvl3pPr lvl="2" marR="0" rtl="0" algn="l">
+      <a:lvl3pPr marR="0" lvl="2" algn="l" rtl="0">
         <a:lnSpc>
           <a:spcPct val="100000"/>
         </a:lnSpc>
@@ -7175,7 +6580,7 @@
           <a:srgbClr val="000000"/>
         </a:buClr>
         <a:buFont typeface="Arial"/>
-        <a:defRPr b="0" i="0" sz="1400" u="none" cap="none" strike="noStrike">
+        <a:defRPr sz="1400" b="0" i="0" u="none" strike="noStrike" cap="none">
           <a:solidFill>
             <a:srgbClr val="000000"/>
           </a:solidFill>
@@ -7185,7 +6590,7 @@
           <a:sym typeface="Arial"/>
         </a:defRPr>
       </a:lvl3pPr>
-      <a:lvl4pPr lvl="3" marR="0" rtl="0" algn="l">
+      <a:lvl4pPr marR="0" lvl="3" algn="l" rtl="0">
         <a:lnSpc>
           <a:spcPct val="100000"/>
         </a:lnSpc>
@@ -7199,7 +6604,7 @@
           <a:srgbClr val="000000"/>
         </a:buClr>
         <a:buFont typeface="Arial"/>
-        <a:defRPr b="0" i="0" sz="1400" u="none" cap="none" strike="noStrike">
+        <a:defRPr sz="1400" b="0" i="0" u="none" strike="noStrike" cap="none">
           <a:solidFill>
             <a:srgbClr val="000000"/>
           </a:solidFill>
@@ -7209,7 +6614,7 @@
           <a:sym typeface="Arial"/>
         </a:defRPr>
       </a:lvl4pPr>
-      <a:lvl5pPr lvl="4" marR="0" rtl="0" algn="l">
+      <a:lvl5pPr marR="0" lvl="4" algn="l" rtl="0">
         <a:lnSpc>
           <a:spcPct val="100000"/>
         </a:lnSpc>
@@ -7223,7 +6628,7 @@
           <a:srgbClr val="000000"/>
         </a:buClr>
         <a:buFont typeface="Arial"/>
-        <a:defRPr b="0" i="0" sz="1400" u="none" cap="none" strike="noStrike">
+        <a:defRPr sz="1400" b="0" i="0" u="none" strike="noStrike" cap="none">
           <a:solidFill>
             <a:srgbClr val="000000"/>
           </a:solidFill>
@@ -7233,7 +6638,7 @@
           <a:sym typeface="Arial"/>
         </a:defRPr>
       </a:lvl5pPr>
-      <a:lvl6pPr lvl="5" marR="0" rtl="0" algn="l">
+      <a:lvl6pPr marR="0" lvl="5" algn="l" rtl="0">
         <a:lnSpc>
           <a:spcPct val="100000"/>
         </a:lnSpc>
@@ -7247,7 +6652,7 @@
           <a:srgbClr val="000000"/>
         </a:buClr>
         <a:buFont typeface="Arial"/>
-        <a:defRPr b="0" i="0" sz="1400" u="none" cap="none" strike="noStrike">
+        <a:defRPr sz="1400" b="0" i="0" u="none" strike="noStrike" cap="none">
           <a:solidFill>
             <a:srgbClr val="000000"/>
           </a:solidFill>
@@ -7257,7 +6662,7 @@
           <a:sym typeface="Arial"/>
         </a:defRPr>
       </a:lvl6pPr>
-      <a:lvl7pPr lvl="6" marR="0" rtl="0" algn="l">
+      <a:lvl7pPr marR="0" lvl="6" algn="l" rtl="0">
         <a:lnSpc>
           <a:spcPct val="100000"/>
         </a:lnSpc>
@@ -7271,7 +6676,7 @@
           <a:srgbClr val="000000"/>
         </a:buClr>
         <a:buFont typeface="Arial"/>
-        <a:defRPr b="0" i="0" sz="1400" u="none" cap="none" strike="noStrike">
+        <a:defRPr sz="1400" b="0" i="0" u="none" strike="noStrike" cap="none">
           <a:solidFill>
             <a:srgbClr val="000000"/>
           </a:solidFill>
@@ -7281,7 +6686,7 @@
           <a:sym typeface="Arial"/>
         </a:defRPr>
       </a:lvl7pPr>
-      <a:lvl8pPr lvl="7" marR="0" rtl="0" algn="l">
+      <a:lvl8pPr marR="0" lvl="7" algn="l" rtl="0">
         <a:lnSpc>
           <a:spcPct val="100000"/>
         </a:lnSpc>
@@ -7295,7 +6700,7 @@
           <a:srgbClr val="000000"/>
         </a:buClr>
         <a:buFont typeface="Arial"/>
-        <a:defRPr b="0" i="0" sz="1400" u="none" cap="none" strike="noStrike">
+        <a:defRPr sz="1400" b="0" i="0" u="none" strike="noStrike" cap="none">
           <a:solidFill>
             <a:srgbClr val="000000"/>
           </a:solidFill>
@@ -7305,7 +6710,7 @@
           <a:sym typeface="Arial"/>
         </a:defRPr>
       </a:lvl8pPr>
-      <a:lvl9pPr lvl="8" marR="0" rtl="0" algn="l">
+      <a:lvl9pPr marR="0" lvl="8" algn="l" rtl="0">
         <a:lnSpc>
           <a:spcPct val="100000"/>
         </a:lnSpc>
@@ -7319,7 +6724,7 @@
           <a:srgbClr val="000000"/>
         </a:buClr>
         <a:buFont typeface="Arial"/>
-        <a:defRPr b="0" i="0" sz="1400" u="none" cap="none" strike="noStrike">
+        <a:defRPr sz="1400" b="0" i="0" u="none" strike="noStrike" cap="none">
           <a:solidFill>
             <a:srgbClr val="000000"/>
           </a:solidFill>
@@ -7331,7 +6736,7 @@
       </a:lvl9pPr>
     </p:titleStyle>
     <p:bodyStyle>
-      <a:defPPr lvl="0" marR="0" rtl="0" algn="l">
+      <a:defPPr marR="0" lvl="0" algn="l" rtl="0">
         <a:lnSpc>
           <a:spcPct val="100000"/>
         </a:lnSpc>
@@ -7342,7 +6747,7 @@
           <a:spcPts val="0"/>
         </a:spcAft>
       </a:defPPr>
-      <a:lvl1pPr lvl="0" marR="0" rtl="0" algn="l">
+      <a:lvl1pPr marR="0" lvl="0" algn="l" rtl="0">
         <a:lnSpc>
           <a:spcPct val="100000"/>
         </a:lnSpc>
@@ -7356,7 +6761,7 @@
           <a:srgbClr val="000000"/>
         </a:buClr>
         <a:buFont typeface="Arial"/>
-        <a:defRPr b="0" i="0" sz="1400" u="none" cap="none" strike="noStrike">
+        <a:defRPr sz="1400" b="0" i="0" u="none" strike="noStrike" cap="none">
           <a:solidFill>
             <a:srgbClr val="000000"/>
           </a:solidFill>
@@ -7366,7 +6771,7 @@
           <a:sym typeface="Arial"/>
         </a:defRPr>
       </a:lvl1pPr>
-      <a:lvl2pPr lvl="1" marR="0" rtl="0" algn="l">
+      <a:lvl2pPr marR="0" lvl="1" algn="l" rtl="0">
         <a:lnSpc>
           <a:spcPct val="100000"/>
         </a:lnSpc>
@@ -7380,7 +6785,7 @@
           <a:srgbClr val="000000"/>
         </a:buClr>
         <a:buFont typeface="Arial"/>
-        <a:defRPr b="0" i="0" sz="1400" u="none" cap="none" strike="noStrike">
+        <a:defRPr sz="1400" b="0" i="0" u="none" strike="noStrike" cap="none">
           <a:solidFill>
             <a:srgbClr val="000000"/>
           </a:solidFill>
@@ -7390,7 +6795,7 @@
           <a:sym typeface="Arial"/>
         </a:defRPr>
       </a:lvl2pPr>
-      <a:lvl3pPr lvl="2" marR="0" rtl="0" algn="l">
+      <a:lvl3pPr marR="0" lvl="2" algn="l" rtl="0">
         <a:lnSpc>
           <a:spcPct val="100000"/>
         </a:lnSpc>
@@ -7404,7 +6809,7 @@
           <a:srgbClr val="000000"/>
         </a:buClr>
         <a:buFont typeface="Arial"/>
-        <a:defRPr b="0" i="0" sz="1400" u="none" cap="none" strike="noStrike">
+        <a:defRPr sz="1400" b="0" i="0" u="none" strike="noStrike" cap="none">
           <a:solidFill>
             <a:srgbClr val="000000"/>
           </a:solidFill>
@@ -7414,7 +6819,7 @@
           <a:sym typeface="Arial"/>
         </a:defRPr>
       </a:lvl3pPr>
-      <a:lvl4pPr lvl="3" marR="0" rtl="0" algn="l">
+      <a:lvl4pPr marR="0" lvl="3" algn="l" rtl="0">
         <a:lnSpc>
           <a:spcPct val="100000"/>
         </a:lnSpc>
@@ -7428,7 +6833,7 @@
           <a:srgbClr val="000000"/>
         </a:buClr>
         <a:buFont typeface="Arial"/>
-        <a:defRPr b="0" i="0" sz="1400" u="none" cap="none" strike="noStrike">
+        <a:defRPr sz="1400" b="0" i="0" u="none" strike="noStrike" cap="none">
           <a:solidFill>
             <a:srgbClr val="000000"/>
           </a:solidFill>
@@ -7438,7 +6843,7 @@
           <a:sym typeface="Arial"/>
         </a:defRPr>
       </a:lvl4pPr>
-      <a:lvl5pPr lvl="4" marR="0" rtl="0" algn="l">
+      <a:lvl5pPr marR="0" lvl="4" algn="l" rtl="0">
         <a:lnSpc>
           <a:spcPct val="100000"/>
         </a:lnSpc>
@@ -7452,7 +6857,7 @@
           <a:srgbClr val="000000"/>
         </a:buClr>
         <a:buFont typeface="Arial"/>
-        <a:defRPr b="0" i="0" sz="1400" u="none" cap="none" strike="noStrike">
+        <a:defRPr sz="1400" b="0" i="0" u="none" strike="noStrike" cap="none">
           <a:solidFill>
             <a:srgbClr val="000000"/>
           </a:solidFill>
@@ -7462,7 +6867,7 @@
           <a:sym typeface="Arial"/>
         </a:defRPr>
       </a:lvl5pPr>
-      <a:lvl6pPr lvl="5" marR="0" rtl="0" algn="l">
+      <a:lvl6pPr marR="0" lvl="5" algn="l" rtl="0">
         <a:lnSpc>
           <a:spcPct val="100000"/>
         </a:lnSpc>
@@ -7476,7 +6881,7 @@
           <a:srgbClr val="000000"/>
         </a:buClr>
         <a:buFont typeface="Arial"/>
-        <a:defRPr b="0" i="0" sz="1400" u="none" cap="none" strike="noStrike">
+        <a:defRPr sz="1400" b="0" i="0" u="none" strike="noStrike" cap="none">
           <a:solidFill>
             <a:srgbClr val="000000"/>
           </a:solidFill>
@@ -7486,7 +6891,7 @@
           <a:sym typeface="Arial"/>
         </a:defRPr>
       </a:lvl6pPr>
-      <a:lvl7pPr lvl="6" marR="0" rtl="0" algn="l">
+      <a:lvl7pPr marR="0" lvl="6" algn="l" rtl="0">
         <a:lnSpc>
           <a:spcPct val="100000"/>
         </a:lnSpc>
@@ -7500,7 +6905,7 @@
           <a:srgbClr val="000000"/>
         </a:buClr>
         <a:buFont typeface="Arial"/>
-        <a:defRPr b="0" i="0" sz="1400" u="none" cap="none" strike="noStrike">
+        <a:defRPr sz="1400" b="0" i="0" u="none" strike="noStrike" cap="none">
           <a:solidFill>
             <a:srgbClr val="000000"/>
           </a:solidFill>
@@ -7510,7 +6915,7 @@
           <a:sym typeface="Arial"/>
         </a:defRPr>
       </a:lvl7pPr>
-      <a:lvl8pPr lvl="7" marR="0" rtl="0" algn="l">
+      <a:lvl8pPr marR="0" lvl="7" algn="l" rtl="0">
         <a:lnSpc>
           <a:spcPct val="100000"/>
         </a:lnSpc>
@@ -7524,7 +6929,7 @@
           <a:srgbClr val="000000"/>
         </a:buClr>
         <a:buFont typeface="Arial"/>
-        <a:defRPr b="0" i="0" sz="1400" u="none" cap="none" strike="noStrike">
+        <a:defRPr sz="1400" b="0" i="0" u="none" strike="noStrike" cap="none">
           <a:solidFill>
             <a:srgbClr val="000000"/>
           </a:solidFill>
@@ -7534,7 +6939,7 @@
           <a:sym typeface="Arial"/>
         </a:defRPr>
       </a:lvl8pPr>
-      <a:lvl9pPr lvl="8" marR="0" rtl="0" algn="l">
+      <a:lvl9pPr marR="0" lvl="8" algn="l" rtl="0">
         <a:lnSpc>
           <a:spcPct val="100000"/>
         </a:lnSpc>
@@ -7548,7 +6953,7 @@
           <a:srgbClr val="000000"/>
         </a:buClr>
         <a:buFont typeface="Arial"/>
-        <a:defRPr b="0" i="0" sz="1400" u="none" cap="none" strike="noStrike">
+        <a:defRPr sz="1400" b="0" i="0" u="none" strike="noStrike" cap="none">
           <a:solidFill>
             <a:srgbClr val="000000"/>
           </a:solidFill>
@@ -7560,7 +6965,7 @@
       </a:lvl9pPr>
     </p:bodyStyle>
     <p:otherStyle>
-      <a:defPPr lvl="0" marR="0" rtl="0" algn="l">
+      <a:defPPr marR="0" lvl="0" algn="l" rtl="0">
         <a:lnSpc>
           <a:spcPct val="100000"/>
         </a:lnSpc>
@@ -7571,7 +6976,7 @@
           <a:spcPts val="0"/>
         </a:spcAft>
       </a:defPPr>
-      <a:lvl1pPr lvl="0" marR="0" rtl="0" algn="l">
+      <a:lvl1pPr marR="0" lvl="0" algn="l" rtl="0">
         <a:lnSpc>
           <a:spcPct val="100000"/>
         </a:lnSpc>
@@ -7585,7 +6990,7 @@
           <a:srgbClr val="000000"/>
         </a:buClr>
         <a:buFont typeface="Arial"/>
-        <a:defRPr b="0" i="0" sz="1400" u="none" cap="none" strike="noStrike">
+        <a:defRPr sz="1400" b="0" i="0" u="none" strike="noStrike" cap="none">
           <a:solidFill>
             <a:srgbClr val="000000"/>
           </a:solidFill>
@@ -7595,7 +7000,7 @@
           <a:sym typeface="Arial"/>
         </a:defRPr>
       </a:lvl1pPr>
-      <a:lvl2pPr lvl="1" marR="0" rtl="0" algn="l">
+      <a:lvl2pPr marR="0" lvl="1" algn="l" rtl="0">
         <a:lnSpc>
           <a:spcPct val="100000"/>
         </a:lnSpc>
@@ -7609,7 +7014,7 @@
           <a:srgbClr val="000000"/>
         </a:buClr>
         <a:buFont typeface="Arial"/>
-        <a:defRPr b="0" i="0" sz="1400" u="none" cap="none" strike="noStrike">
+        <a:defRPr sz="1400" b="0" i="0" u="none" strike="noStrike" cap="none">
           <a:solidFill>
             <a:srgbClr val="000000"/>
           </a:solidFill>
@@ -7619,7 +7024,7 @@
           <a:sym typeface="Arial"/>
         </a:defRPr>
       </a:lvl2pPr>
-      <a:lvl3pPr lvl="2" marR="0" rtl="0" algn="l">
+      <a:lvl3pPr marR="0" lvl="2" algn="l" rtl="0">
         <a:lnSpc>
           <a:spcPct val="100000"/>
         </a:lnSpc>
@@ -7633,7 +7038,7 @@
           <a:srgbClr val="000000"/>
         </a:buClr>
         <a:buFont typeface="Arial"/>
-        <a:defRPr b="0" i="0" sz="1400" u="none" cap="none" strike="noStrike">
+        <a:defRPr sz="1400" b="0" i="0" u="none" strike="noStrike" cap="none">
           <a:solidFill>
             <a:srgbClr val="000000"/>
           </a:solidFill>
@@ -7643,7 +7048,7 @@
           <a:sym typeface="Arial"/>
         </a:defRPr>
       </a:lvl3pPr>
-      <a:lvl4pPr lvl="3" marR="0" rtl="0" algn="l">
+      <a:lvl4pPr marR="0" lvl="3" algn="l" rtl="0">
         <a:lnSpc>
           <a:spcPct val="100000"/>
         </a:lnSpc>
@@ -7657,7 +7062,7 @@
           <a:srgbClr val="000000"/>
         </a:buClr>
         <a:buFont typeface="Arial"/>
-        <a:defRPr b="0" i="0" sz="1400" u="none" cap="none" strike="noStrike">
+        <a:defRPr sz="1400" b="0" i="0" u="none" strike="noStrike" cap="none">
           <a:solidFill>
             <a:srgbClr val="000000"/>
           </a:solidFill>
@@ -7667,7 +7072,7 @@
           <a:sym typeface="Arial"/>
         </a:defRPr>
       </a:lvl4pPr>
-      <a:lvl5pPr lvl="4" marR="0" rtl="0" algn="l">
+      <a:lvl5pPr marR="0" lvl="4" algn="l" rtl="0">
         <a:lnSpc>
           <a:spcPct val="100000"/>
         </a:lnSpc>
@@ -7681,7 +7086,7 @@
           <a:srgbClr val="000000"/>
         </a:buClr>
         <a:buFont typeface="Arial"/>
-        <a:defRPr b="0" i="0" sz="1400" u="none" cap="none" strike="noStrike">
+        <a:defRPr sz="1400" b="0" i="0" u="none" strike="noStrike" cap="none">
           <a:solidFill>
             <a:srgbClr val="000000"/>
           </a:solidFill>
@@ -7691,7 +7096,7 @@
           <a:sym typeface="Arial"/>
         </a:defRPr>
       </a:lvl5pPr>
-      <a:lvl6pPr lvl="5" marR="0" rtl="0" algn="l">
+      <a:lvl6pPr marR="0" lvl="5" algn="l" rtl="0">
         <a:lnSpc>
           <a:spcPct val="100000"/>
         </a:lnSpc>
@@ -7705,7 +7110,7 @@
           <a:srgbClr val="000000"/>
         </a:buClr>
         <a:buFont typeface="Arial"/>
-        <a:defRPr b="0" i="0" sz="1400" u="none" cap="none" strike="noStrike">
+        <a:defRPr sz="1400" b="0" i="0" u="none" strike="noStrike" cap="none">
           <a:solidFill>
             <a:srgbClr val="000000"/>
           </a:solidFill>
@@ -7715,7 +7120,7 @@
           <a:sym typeface="Arial"/>
         </a:defRPr>
       </a:lvl6pPr>
-      <a:lvl7pPr lvl="6" marR="0" rtl="0" algn="l">
+      <a:lvl7pPr marR="0" lvl="6" algn="l" rtl="0">
         <a:lnSpc>
           <a:spcPct val="100000"/>
         </a:lnSpc>
@@ -7729,7 +7134,7 @@
           <a:srgbClr val="000000"/>
         </a:buClr>
         <a:buFont typeface="Arial"/>
-        <a:defRPr b="0" i="0" sz="1400" u="none" cap="none" strike="noStrike">
+        <a:defRPr sz="1400" b="0" i="0" u="none" strike="noStrike" cap="none">
           <a:solidFill>
             <a:srgbClr val="000000"/>
           </a:solidFill>
@@ -7739,7 +7144,7 @@
           <a:sym typeface="Arial"/>
         </a:defRPr>
       </a:lvl7pPr>
-      <a:lvl8pPr lvl="7" marR="0" rtl="0" algn="l">
+      <a:lvl8pPr marR="0" lvl="7" algn="l" rtl="0">
         <a:lnSpc>
           <a:spcPct val="100000"/>
         </a:lnSpc>
@@ -7753,7 +7158,7 @@
           <a:srgbClr val="000000"/>
         </a:buClr>
         <a:buFont typeface="Arial"/>
-        <a:defRPr b="0" i="0" sz="1400" u="none" cap="none" strike="noStrike">
+        <a:defRPr sz="1400" b="0" i="0" u="none" strike="noStrike" cap="none">
           <a:solidFill>
             <a:srgbClr val="000000"/>
           </a:solidFill>
@@ -7763,7 +7168,7 @@
           <a:sym typeface="Arial"/>
         </a:defRPr>
       </a:lvl8pPr>
-      <a:lvl9pPr lvl="8" marR="0" rtl="0" algn="l">
+      <a:lvl9pPr marR="0" lvl="8" algn="l" rtl="0">
         <a:lnSpc>
           <a:spcPct val="100000"/>
         </a:lnSpc>
@@ -7777,7 +7182,7 @@
           <a:srgbClr val="000000"/>
         </a:buClr>
         <a:buFont typeface="Arial"/>
-        <a:defRPr b="0" i="0" sz="1400" u="none" cap="none" strike="noStrike">
+        <a:defRPr sz="1400" b="0" i="0" u="none" strike="noStrike" cap="none">
           <a:solidFill>
             <a:srgbClr val="000000"/>
           </a:solidFill>
@@ -7793,11 +7198,11 @@
 </file>
 
 <file path=ppt/slides/slide1.xml><?xml version="1.0" encoding="utf-8"?>
-<p:sld xmlns:a="http://schemas.openxmlformats.org/drawingml/2006/main" xmlns:r="http://schemas.openxmlformats.org/officeDocument/2006/relationships" xmlns:mc="http://schemas.openxmlformats.org/markup-compatibility/2006" xmlns:mv="urn:schemas-microsoft-com:mac:vml" xmlns:p="http://schemas.openxmlformats.org/presentationml/2006/main" xmlns:c="http://schemas.openxmlformats.org/drawingml/2006/chart" xmlns:dgm="http://schemas.openxmlformats.org/drawingml/2006/diagram" xmlns:o="urn:schemas-microsoft-com:office:office" xmlns:v="urn:schemas-microsoft-com:vml" xmlns:pvml="urn:schemas-microsoft-com:office:powerpoint" xmlns:com="http://schemas.openxmlformats.org/drawingml/2006/compatibility" xmlns:p14="http://schemas.microsoft.com/office/powerpoint/2010/main" xmlns:p15="http://schemas.microsoft.com/office/powerpoint/2012/main">
+<p:sld xmlns:a="http://schemas.openxmlformats.org/drawingml/2006/main" xmlns:r="http://schemas.openxmlformats.org/officeDocument/2006/relationships" xmlns:p="http://schemas.openxmlformats.org/presentationml/2006/main">
   <p:cSld>
     <p:spTree>
       <p:nvGrpSpPr>
-        <p:cNvPr id="53" name="Shape 53"/>
+        <p:cNvPr id="1" name="Shape 53"/>
         <p:cNvGrpSpPr/>
         <p:nvPr/>
       </p:nvGrpSpPr>
@@ -7811,7 +7216,7 @@
       </p:grpSpPr>
       <p:pic>
         <p:nvPicPr>
-          <p:cNvPr descr="SUBSCRIBE to join the #AFVFAM : http://afv.tv/afvofficial&#10;&#10;We're back! Everybody loves a good water fail and summer 2018 is a good year for funny fails! I think it makes us feel better that maybe, just maybe, it won't hurt as bad because...well, it's water! So we're returning to give you another water fails compilation! Some may say that it's the best water fails compilation. There's so many ways to fail in water...the pools, the water parks, the boats (don't ever forget about the boat fails!). So today, we're giving you the thing we love most on AFV and that's FAILS! FAILS! and more hilarious FAILS! That's why we at AFV present to you our newest FUNNY FAIL COMPILATION, Best Water Fails 2 ! These are some AFV Funniest Videos! Give it a view and be sure to SHARE THIS VIDEO WITH ALL OF YOUR FRIENDS!&#10;&#10;Give this video a like if you're so ready for summer! Comment your favorite lake fail down below. Mine has to be the clip at 4:13 because I love the wave pool. #afvfails #waterfails&#10;&#10;Want a chance to be on AFV?&#10;UPLOAD YOUR VIDEO NOW: http://www.afv.com/upload&#10;&#10;About America's Funniest Home Videos:&#10;AFV is America's longest running funny video television program. We've been collecting funny viral videos since 1989. Here you'll find funny videos, viral videos, prank videos, funny animal videos, funny baby videos, classic videos, and the best compilations and music montages of some of the funniest videos you've ever seen. Check out our different sections to find some of the best viral, funny, videos around. &#10;&#10;Connect with AFV Online:&#10;Visit the AFV WEBSITE: http://afv.com/&#10;Like AFV on FACEBOOK: http://bit.ly/afvFacebook&#10;Follow AFV on TWITTER: http://bit.ly/afvTwitter&#10;Follow AFV on Instagram: http://bit.ly/afvInstagram&#10;Follow AFV on Musical.ly: @AFVOfficial&#10;&#10;&#10;http://www.youtube.com/user/AFVOfficial" id="54" name="Google Shape;54;p13" title="Best Water Fails 2! | AFV Funniest Videos">
+          <p:cNvPr id="54" name="Google Shape;54;p13" descr="SUBSCRIBE to join the #AFVFAM : http://afv.tv/afvofficial&#10;&#10;We're back! Everybody loves a good water fail and summer 2018 is a good year for funny fails! I think it makes us feel better that maybe, just maybe, it won't hurt as bad because...well, it's water! So we're returning to give you another water fails compilation! Some may say that it's the best water fails compilation. There's so many ways to fail in water...the pools, the water parks, the boats (don't ever forget about the boat fails!). So today, we're giving you the thing we love most on AFV and that's FAILS! FAILS! and more hilarious FAILS! That's why we at AFV present to you our newest FUNNY FAIL COMPILATION, Best Water Fails 2 ! These are some AFV Funniest Videos! Give it a view and be sure to SHARE THIS VIDEO WITH ALL OF YOUR FRIENDS!&#10;&#10;Give this video a like if you're so ready for summer! Comment your favorite lake fail down below. Mine has to be the clip at 4:13 because I love the wave pool. #afvfails #waterfails&#10;&#10;Want a chance to be on AFV?&#10;UPLOAD YOUR VIDEO NOW: http://www.afv.com/upload&#10;&#10;About America's Funniest Home Videos:&#10;AFV is America's longest running funny video television program. We've been collecting funny viral videos since 1989. Here you'll find funny videos, viral videos, prank videos, funny animal videos, funny baby videos, classic videos, and the best compilations and music montages of some of the funniest videos you've ever seen. Check out our different sections to find some of the best viral, funny, videos around. &#10;&#10;Connect with AFV Online:&#10;Visit the AFV WEBSITE: http://afv.com/&#10;Like AFV on FACEBOOK: http://bit.ly/afvFacebook&#10;Follow AFV on TWITTER: http://bit.ly/afvTwitter&#10;Follow AFV on Instagram: http://bit.ly/afvInstagram&#10;Follow AFV on Musical.ly: @AFVOfficial&#10;&#10;&#10;http://www.youtube.com/user/AFVOfficial" title="Best Water Fails 2! | AFV Funniest Videos">
             <a:hlinkClick r:id="rId3"/>
           </p:cNvPr>
           <p:cNvPicPr preferRelativeResize="0"/>
@@ -7848,11 +7253,11 @@
 </file>
 
 <file path=ppt/slides/slide10.xml><?xml version="1.0" encoding="utf-8"?>
-<p:sld xmlns:a="http://schemas.openxmlformats.org/drawingml/2006/main" xmlns:r="http://schemas.openxmlformats.org/officeDocument/2006/relationships" xmlns:mc="http://schemas.openxmlformats.org/markup-compatibility/2006" xmlns:mv="urn:schemas-microsoft-com:mac:vml" xmlns:p="http://schemas.openxmlformats.org/presentationml/2006/main" xmlns:c="http://schemas.openxmlformats.org/drawingml/2006/chart" xmlns:dgm="http://schemas.openxmlformats.org/drawingml/2006/diagram" xmlns:o="urn:schemas-microsoft-com:office:office" xmlns:v="urn:schemas-microsoft-com:vml" xmlns:pvml="urn:schemas-microsoft-com:office:powerpoint" xmlns:com="http://schemas.openxmlformats.org/drawingml/2006/compatibility" xmlns:p14="http://schemas.microsoft.com/office/powerpoint/2010/main" xmlns:p15="http://schemas.microsoft.com/office/powerpoint/2012/main">
+<p:sld xmlns:a="http://schemas.openxmlformats.org/drawingml/2006/main" xmlns:r="http://schemas.openxmlformats.org/officeDocument/2006/relationships" xmlns:p="http://schemas.openxmlformats.org/presentationml/2006/main">
   <p:cSld>
     <p:spTree>
       <p:nvGrpSpPr>
-        <p:cNvPr id="110" name="Shape 110"/>
+        <p:cNvPr id="1" name="Shape 110"/>
         <p:cNvGrpSpPr/>
         <p:nvPr/>
       </p:nvGrpSpPr>
@@ -7874,7 +7279,7 @@
           <a:blip r:embed="rId3">
             <a:alphaModFix/>
           </a:blip>
-          <a:srcRect b="27166" l="0" r="0" t="0"/>
+          <a:srcRect b="27166"/>
           <a:stretch/>
         </p:blipFill>
         <p:spPr>
@@ -7901,7 +7306,7 @@
           <a:blip r:embed="rId4">
             <a:alphaModFix/>
           </a:blip>
-          <a:srcRect b="88036" l="0" r="0" t="3640"/>
+          <a:srcRect t="3640" b="88036"/>
           <a:stretch/>
         </p:blipFill>
         <p:spPr>
@@ -7938,12 +7343,12 @@
           </a:ln>
         </p:spPr>
         <p:txBody>
-          <a:bodyPr anchorCtr="0" anchor="ctr" bIns="91425" lIns="91425" spcFirstLastPara="1" rIns="91425" wrap="square" tIns="91425">
+          <a:bodyPr spcFirstLastPara="1" wrap="square" lIns="91425" tIns="91425" rIns="91425" bIns="91425" anchor="ctr" anchorCtr="0">
             <a:noAutofit/>
           </a:bodyPr>
           <a:lstStyle/>
           <a:p>
-            <a:pPr indent="0" lvl="0" marL="0" rtl="0" algn="l">
+            <a:pPr marL="0" lvl="0" indent="0" algn="l" rtl="0">
               <a:spcBef>
                 <a:spcPts val="0"/>
               </a:spcBef>
@@ -7959,7 +7364,7 @@
             <a:endParaRPr/>
           </a:p>
           <a:p>
-            <a:pPr indent="0" lvl="0" marL="0" rtl="0" algn="l">
+            <a:pPr marL="0" lvl="0" indent="0" algn="l" rtl="0">
               <a:spcBef>
                 <a:spcPts val="0"/>
               </a:spcBef>
@@ -7968,13 +7373,10 @@
               </a:spcAft>
               <a:buNone/>
             </a:pPr>
-            <a:r>
-              <a:t/>
-            </a:r>
             <a:endParaRPr/>
           </a:p>
           <a:p>
-            <a:pPr indent="0" lvl="0" marL="0" rtl="0" algn="l">
+            <a:pPr marL="0" lvl="0" indent="0" algn="l" rtl="0">
               <a:spcBef>
                 <a:spcPts val="0"/>
               </a:spcBef>
@@ -7989,15 +7391,7 @@
                   <a:srgbClr val="FFFF00"/>
                 </a:highlight>
               </a:rPr>
-              <a:t>(</a:t>
-            </a:r>
-            <a:r>
-              <a:rPr lang="en-GB">
-                <a:highlight>
-                  <a:srgbClr val="FFFF00"/>
-                </a:highlight>
-              </a:rPr>
-              <a:t>0(0|1)*0) | (1(0|1)*1) | 0 |1 | ε</a:t>
+              <a:t>(0(0|1)*0) | (1(0|1)*1) | 0 |1 | ε</a:t>
             </a:r>
             <a:endParaRPr>
               <a:highlight>
@@ -8006,7 +7400,7 @@
             </a:endParaRPr>
           </a:p>
           <a:p>
-            <a:pPr indent="0" lvl="0" marL="0" rtl="0" algn="l">
+            <a:pPr marL="0" lvl="0" indent="0" algn="l" rtl="0">
               <a:spcBef>
                 <a:spcPts val="0"/>
               </a:spcBef>
@@ -8015,13 +7409,10 @@
               </a:spcAft>
               <a:buNone/>
             </a:pPr>
-            <a:r>
-              <a:t/>
-            </a:r>
             <a:endParaRPr/>
           </a:p>
           <a:p>
-            <a:pPr indent="0" lvl="0" marL="0" rtl="0" algn="l">
+            <a:pPr marL="0" lvl="0" indent="0" algn="l" rtl="0">
               <a:spcBef>
                 <a:spcPts val="0"/>
               </a:spcBef>
@@ -8035,13 +7426,10 @@
               <a:buFont typeface="Arial"/>
               <a:buNone/>
             </a:pPr>
-            <a:r>
-              <a:t/>
-            </a:r>
             <a:endParaRPr/>
           </a:p>
           <a:p>
-            <a:pPr indent="0" lvl="0" marL="0" rtl="0" algn="l">
+            <a:pPr marL="0" lvl="0" indent="0" algn="l" rtl="0">
               <a:spcBef>
                 <a:spcPts val="0"/>
               </a:spcBef>
@@ -8050,13 +7438,10 @@
               </a:spcAft>
               <a:buNone/>
             </a:pPr>
-            <a:r>
-              <a:t/>
-            </a:r>
             <a:endParaRPr/>
           </a:p>
           <a:p>
-            <a:pPr indent="0" lvl="0" marL="0" rtl="0" algn="l">
+            <a:pPr marL="0" lvl="0" indent="0" algn="l" rtl="0">
               <a:spcBef>
                 <a:spcPts val="0"/>
               </a:spcBef>
@@ -8065,9 +7450,6 @@
               </a:spcAft>
               <a:buNone/>
             </a:pPr>
-            <a:r>
-              <a:t/>
-            </a:r>
             <a:endParaRPr/>
           </a:p>
         </p:txBody>
@@ -8089,23 +7471,23 @@
           <a:solidFill>
             <a:srgbClr val="F9CB9C"/>
           </a:solidFill>
-          <a:ln cap="flat" cmpd="sng" w="28575">
+          <a:ln w="28575" cap="flat" cmpd="sng">
             <a:solidFill>
               <a:srgbClr val="FF9900"/>
             </a:solidFill>
             <a:prstDash val="solid"/>
             <a:round/>
-            <a:headEnd len="sm" w="sm" type="none"/>
-            <a:tailEnd len="sm" w="sm" type="none"/>
+            <a:headEnd type="none" w="sm" len="sm"/>
+            <a:tailEnd type="none" w="sm" len="sm"/>
           </a:ln>
         </p:spPr>
         <p:txBody>
-          <a:bodyPr anchorCtr="0" anchor="ctr" bIns="91425" lIns="91425" spcFirstLastPara="1" rIns="91425" wrap="square" tIns="91425">
+          <a:bodyPr spcFirstLastPara="1" wrap="square" lIns="91425" tIns="91425" rIns="91425" bIns="91425" anchor="ctr" anchorCtr="0">
             <a:noAutofit/>
           </a:bodyPr>
           <a:lstStyle/>
           <a:p>
-            <a:pPr indent="0" lvl="0" marL="0" rtl="0" algn="l">
+            <a:pPr marL="0" lvl="0" indent="0" algn="l" rtl="0">
               <a:spcBef>
                 <a:spcPts val="0"/>
               </a:spcBef>
@@ -8143,23 +7525,23 @@
           <a:solidFill>
             <a:srgbClr val="FFF2CC"/>
           </a:solidFill>
-          <a:ln cap="flat" cmpd="sng" w="28575">
+          <a:ln w="28575" cap="flat" cmpd="sng">
             <a:solidFill>
               <a:srgbClr val="F1C232"/>
             </a:solidFill>
             <a:prstDash val="solid"/>
             <a:round/>
-            <a:headEnd len="sm" w="sm" type="none"/>
-            <a:tailEnd len="sm" w="sm" type="none"/>
+            <a:headEnd type="none" w="sm" len="sm"/>
+            <a:tailEnd type="none" w="sm" len="sm"/>
           </a:ln>
         </p:spPr>
         <p:txBody>
-          <a:bodyPr anchorCtr="0" anchor="ctr" bIns="91425" lIns="91425" spcFirstLastPara="1" rIns="91425" wrap="square" tIns="91425">
+          <a:bodyPr spcFirstLastPara="1" wrap="square" lIns="91425" tIns="91425" rIns="91425" bIns="91425" anchor="ctr" anchorCtr="0">
             <a:noAutofit/>
           </a:bodyPr>
           <a:lstStyle/>
           <a:p>
-            <a:pPr indent="0" lvl="0" marL="0" rtl="0" algn="l">
+            <a:pPr marL="0" lvl="0" indent="0" algn="l" rtl="0">
               <a:spcBef>
                 <a:spcPts val="0"/>
               </a:spcBef>
@@ -8197,23 +7579,23 @@
           <a:solidFill>
             <a:srgbClr val="B6D7A8"/>
           </a:solidFill>
-          <a:ln cap="flat" cmpd="sng" w="28575">
+          <a:ln w="28575" cap="flat" cmpd="sng">
             <a:solidFill>
               <a:srgbClr val="00FF00"/>
             </a:solidFill>
             <a:prstDash val="solid"/>
             <a:round/>
-            <a:headEnd len="sm" w="sm" type="none"/>
-            <a:tailEnd len="sm" w="sm" type="none"/>
+            <a:headEnd type="none" w="sm" len="sm"/>
+            <a:tailEnd type="none" w="sm" len="sm"/>
           </a:ln>
         </p:spPr>
         <p:txBody>
-          <a:bodyPr anchorCtr="0" anchor="ctr" bIns="91425" lIns="91425" spcFirstLastPara="1" rIns="91425" wrap="square" tIns="91425">
+          <a:bodyPr spcFirstLastPara="1" wrap="square" lIns="91425" tIns="91425" rIns="91425" bIns="91425" anchor="ctr" anchorCtr="0">
             <a:noAutofit/>
           </a:bodyPr>
           <a:lstStyle/>
           <a:p>
-            <a:pPr indent="0" lvl="0" marL="0" rtl="0" algn="l">
+            <a:pPr marL="0" lvl="0" indent="0" algn="l" rtl="0">
               <a:spcBef>
                 <a:spcPts val="0"/>
               </a:spcBef>
@@ -8251,23 +7633,23 @@
           <a:solidFill>
             <a:srgbClr val="EA9999"/>
           </a:solidFill>
-          <a:ln cap="flat" cmpd="sng" w="28575">
+          <a:ln w="28575" cap="flat" cmpd="sng">
             <a:solidFill>
               <a:srgbClr val="FF0000"/>
             </a:solidFill>
             <a:prstDash val="solid"/>
             <a:round/>
-            <a:headEnd len="sm" w="sm" type="none"/>
-            <a:tailEnd len="sm" w="sm" type="none"/>
+            <a:headEnd type="none" w="sm" len="sm"/>
+            <a:tailEnd type="none" w="sm" len="sm"/>
           </a:ln>
         </p:spPr>
         <p:txBody>
-          <a:bodyPr anchorCtr="0" anchor="ctr" bIns="91425" lIns="91425" spcFirstLastPara="1" rIns="91425" wrap="square" tIns="91425">
+          <a:bodyPr spcFirstLastPara="1" wrap="square" lIns="91425" tIns="91425" rIns="91425" bIns="91425" anchor="ctr" anchorCtr="0">
             <a:noAutofit/>
           </a:bodyPr>
           <a:lstStyle/>
           <a:p>
-            <a:pPr indent="0" lvl="0" marL="0" rtl="0" algn="l">
+            <a:pPr marL="0" lvl="0" indent="0" algn="l" rtl="0">
               <a:spcBef>
                 <a:spcPts val="0"/>
               </a:spcBef>
@@ -8307,14 +7689,14 @@
             <a:avLst/>
           </a:prstGeom>
           <a:noFill/>
-          <a:ln cap="flat" cmpd="sng" w="28575">
+          <a:ln w="28575" cap="flat" cmpd="sng">
             <a:solidFill>
               <a:srgbClr val="FF9900"/>
             </a:solidFill>
             <a:prstDash val="solid"/>
             <a:round/>
-            <a:headEnd len="med" w="med" type="none"/>
-            <a:tailEnd len="med" w="med" type="none"/>
+            <a:headEnd type="none" w="med" len="med"/>
+            <a:tailEnd type="none" w="med" len="med"/>
           </a:ln>
         </p:spPr>
       </p:cxnSp>
@@ -8333,14 +7715,14 @@
             <a:avLst/>
           </a:prstGeom>
           <a:noFill/>
-          <a:ln cap="flat" cmpd="sng" w="28575">
+          <a:ln w="28575" cap="flat" cmpd="sng">
             <a:solidFill>
               <a:srgbClr val="BF9000"/>
             </a:solidFill>
             <a:prstDash val="solid"/>
             <a:round/>
-            <a:headEnd len="med" w="med" type="none"/>
-            <a:tailEnd len="med" w="med" type="none"/>
+            <a:headEnd type="none" w="med" len="med"/>
+            <a:tailEnd type="none" w="med" len="med"/>
           </a:ln>
         </p:spPr>
       </p:cxnSp>
@@ -8359,14 +7741,14 @@
             <a:avLst/>
           </a:prstGeom>
           <a:noFill/>
-          <a:ln cap="flat" cmpd="sng" w="28575">
+          <a:ln w="28575" cap="flat" cmpd="sng">
             <a:solidFill>
               <a:srgbClr val="00FF00"/>
             </a:solidFill>
             <a:prstDash val="solid"/>
             <a:round/>
-            <a:headEnd len="med" w="med" type="none"/>
-            <a:tailEnd len="med" w="med" type="none"/>
+            <a:headEnd type="none" w="med" len="med"/>
+            <a:tailEnd type="none" w="med" len="med"/>
           </a:ln>
         </p:spPr>
       </p:cxnSp>
@@ -8388,14 +7770,14 @@
             <a:avLst/>
           </a:prstGeom>
           <a:noFill/>
-          <a:ln cap="flat" cmpd="sng" w="28575">
+          <a:ln w="28575" cap="flat" cmpd="sng">
             <a:solidFill>
               <a:srgbClr val="FF9900"/>
             </a:solidFill>
             <a:prstDash val="solid"/>
             <a:round/>
-            <a:headEnd len="med" w="med" type="triangle"/>
-            <a:tailEnd len="med" w="med" type="none"/>
+            <a:headEnd type="triangle" w="med" len="med"/>
+            <a:tailEnd type="none" w="med" len="med"/>
           </a:ln>
         </p:spPr>
       </p:cxnSp>
@@ -8414,18 +7796,18 @@
           </a:xfrm>
           <a:prstGeom prst="bentConnector3">
             <a:avLst>
-              <a:gd fmla="val 50000" name="adj1"/>
+              <a:gd name="adj1" fmla="val 50000"/>
             </a:avLst>
           </a:prstGeom>
           <a:noFill/>
-          <a:ln cap="flat" cmpd="sng" w="28575">
+          <a:ln w="28575" cap="flat" cmpd="sng">
             <a:solidFill>
               <a:srgbClr val="BF9000"/>
             </a:solidFill>
             <a:prstDash val="solid"/>
             <a:round/>
-            <a:headEnd len="med" w="med" type="triangle"/>
-            <a:tailEnd len="med" w="med" type="none"/>
+            <a:headEnd type="triangle" w="med" len="med"/>
+            <a:tailEnd type="none" w="med" len="med"/>
           </a:ln>
         </p:spPr>
       </p:cxnSp>
@@ -8438,7 +7820,7 @@
           <p:nvPr/>
         </p:nvCxnSpPr>
         <p:spPr>
-          <a:xfrm flipH="1" rot="-5400000">
+          <a:xfrm rot="-5400000" flipH="1">
             <a:off x="4134975" y="2821175"/>
             <a:ext cx="1403700" cy="810000"/>
           </a:xfrm>
@@ -8446,14 +7828,14 @@
             <a:avLst/>
           </a:prstGeom>
           <a:noFill/>
-          <a:ln cap="flat" cmpd="sng" w="28575">
+          <a:ln w="28575" cap="flat" cmpd="sng">
             <a:solidFill>
               <a:srgbClr val="00FF00"/>
             </a:solidFill>
             <a:prstDash val="solid"/>
             <a:round/>
-            <a:headEnd len="med" w="med" type="triangle"/>
-            <a:tailEnd len="med" w="med" type="none"/>
+            <a:headEnd type="triangle" w="med" len="med"/>
+            <a:tailEnd type="none" w="med" len="med"/>
           </a:ln>
         </p:spPr>
       </p:cxnSp>
@@ -8472,25 +7854,25 @@
           </a:xfrm>
           <a:prstGeom prst="bentConnector4">
             <a:avLst>
-              <a:gd fmla="val 23328" name="adj1"/>
-              <a:gd fmla="val 131916" name="adj2"/>
+              <a:gd name="adj1" fmla="val 23328"/>
+              <a:gd name="adj2" fmla="val 131916"/>
             </a:avLst>
           </a:prstGeom>
           <a:noFill/>
-          <a:ln cap="flat" cmpd="sng" w="28575">
+          <a:ln w="28575" cap="flat" cmpd="sng">
             <a:solidFill>
               <a:srgbClr val="FF0000"/>
             </a:solidFill>
             <a:prstDash val="solid"/>
             <a:round/>
-            <a:headEnd len="med" w="med" type="triangle"/>
-            <a:tailEnd len="med" w="med" type="none"/>
+            <a:headEnd type="triangle" w="med" len="med"/>
+            <a:tailEnd type="none" w="med" len="med"/>
           </a:ln>
         </p:spPr>
       </p:cxnSp>
       <p:pic>
         <p:nvPicPr>
-          <p:cNvPr descr="fini" id="125" name="Google Shape;125;p22" title="MathEquation,#000000"/>
+          <p:cNvPr id="125" name="Google Shape;125;p22" descr="fini" title="MathEquation,#000000"/>
           <p:cNvPicPr preferRelativeResize="0"/>
           <p:nvPr/>
         </p:nvPicPr>
@@ -8525,11 +7907,11 @@
 </file>
 
 <file path=ppt/slides/slide11.xml><?xml version="1.0" encoding="utf-8"?>
-<p:sld xmlns:a="http://schemas.openxmlformats.org/drawingml/2006/main" xmlns:r="http://schemas.openxmlformats.org/officeDocument/2006/relationships" xmlns:mc="http://schemas.openxmlformats.org/markup-compatibility/2006" xmlns:mv="urn:schemas-microsoft-com:mac:vml" xmlns:p="http://schemas.openxmlformats.org/presentationml/2006/main" xmlns:c="http://schemas.openxmlformats.org/drawingml/2006/chart" xmlns:dgm="http://schemas.openxmlformats.org/drawingml/2006/diagram" xmlns:o="urn:schemas-microsoft-com:office:office" xmlns:v="urn:schemas-microsoft-com:vml" xmlns:pvml="urn:schemas-microsoft-com:office:powerpoint" xmlns:com="http://schemas.openxmlformats.org/drawingml/2006/compatibility" xmlns:p14="http://schemas.microsoft.com/office/powerpoint/2010/main" xmlns:p15="http://schemas.microsoft.com/office/powerpoint/2012/main">
+<p:sld xmlns:a="http://schemas.openxmlformats.org/drawingml/2006/main" xmlns:r="http://schemas.openxmlformats.org/officeDocument/2006/relationships" xmlns:p="http://schemas.openxmlformats.org/presentationml/2006/main">
   <p:cSld>
     <p:spTree>
       <p:nvGrpSpPr>
-        <p:cNvPr id="129" name="Shape 129"/>
+        <p:cNvPr id="1" name="Shape 129"/>
         <p:cNvGrpSpPr/>
         <p:nvPr/>
       </p:nvGrpSpPr>
@@ -8551,7 +7933,7 @@
           <a:blip r:embed="rId3">
             <a:alphaModFix/>
           </a:blip>
-          <a:srcRect b="27166" l="0" r="0" t="0"/>
+          <a:srcRect b="27166"/>
           <a:stretch/>
         </p:blipFill>
         <p:spPr>
@@ -8578,7 +7960,7 @@
           <a:blip r:embed="rId4">
             <a:alphaModFix/>
           </a:blip>
-          <a:srcRect b="1958" l="0" r="0" t="89718"/>
+          <a:srcRect t="89718" b="1958"/>
           <a:stretch/>
         </p:blipFill>
         <p:spPr>
@@ -8604,11 +7986,11 @@
 </file>
 
 <file path=ppt/slides/slide12.xml><?xml version="1.0" encoding="utf-8"?>
-<p:sld xmlns:a="http://schemas.openxmlformats.org/drawingml/2006/main" xmlns:r="http://schemas.openxmlformats.org/officeDocument/2006/relationships" xmlns:mc="http://schemas.openxmlformats.org/markup-compatibility/2006" xmlns:mv="urn:schemas-microsoft-com:mac:vml" xmlns:p="http://schemas.openxmlformats.org/presentationml/2006/main" xmlns:c="http://schemas.openxmlformats.org/drawingml/2006/chart" xmlns:dgm="http://schemas.openxmlformats.org/drawingml/2006/diagram" xmlns:o="urn:schemas-microsoft-com:office:office" xmlns:v="urn:schemas-microsoft-com:vml" xmlns:pvml="urn:schemas-microsoft-com:office:powerpoint" xmlns:com="http://schemas.openxmlformats.org/drawingml/2006/compatibility" xmlns:p14="http://schemas.microsoft.com/office/powerpoint/2010/main" xmlns:p15="http://schemas.microsoft.com/office/powerpoint/2012/main">
+<p:sld xmlns:a="http://schemas.openxmlformats.org/drawingml/2006/main" xmlns:r="http://schemas.openxmlformats.org/officeDocument/2006/relationships" xmlns:p="http://schemas.openxmlformats.org/presentationml/2006/main">
   <p:cSld>
     <p:spTree>
       <p:nvGrpSpPr>
-        <p:cNvPr id="135" name="Shape 135"/>
+        <p:cNvPr id="1" name="Shape 135"/>
         <p:cNvGrpSpPr/>
         <p:nvPr/>
       </p:nvGrpSpPr>
@@ -8630,7 +8012,7 @@
           <a:blip r:embed="rId3">
             <a:alphaModFix/>
           </a:blip>
-          <a:srcRect b="27166" l="0" r="0" t="0"/>
+          <a:srcRect b="27166"/>
           <a:stretch/>
         </p:blipFill>
         <p:spPr>
@@ -8657,7 +8039,7 @@
           <a:blip r:embed="rId4">
             <a:alphaModFix/>
           </a:blip>
-          <a:srcRect b="1958" l="0" r="0" t="89718"/>
+          <a:srcRect t="89718" b="1958"/>
           <a:stretch/>
         </p:blipFill>
         <p:spPr>
@@ -8694,12 +8076,12 @@
           </a:ln>
         </p:spPr>
         <p:txBody>
-          <a:bodyPr anchorCtr="0" anchor="ctr" bIns="91425" lIns="91425" spcFirstLastPara="1" rIns="91425" wrap="square" tIns="91425">
+          <a:bodyPr spcFirstLastPara="1" wrap="square" lIns="91425" tIns="91425" rIns="91425" bIns="91425" anchor="ctr" anchorCtr="0">
             <a:noAutofit/>
           </a:bodyPr>
           <a:lstStyle/>
           <a:p>
-            <a:pPr indent="0" lvl="0" marL="0" rtl="0" algn="l">
+            <a:pPr marL="0" lvl="0" indent="0" algn="l" rtl="0">
               <a:spcBef>
                 <a:spcPts val="0"/>
               </a:spcBef>
@@ -8715,7 +8097,7 @@
             <a:endParaRPr/>
           </a:p>
           <a:p>
-            <a:pPr indent="0" lvl="0" marL="0" rtl="0" algn="l">
+            <a:pPr marL="0" lvl="0" indent="0" algn="l" rtl="0">
               <a:spcBef>
                 <a:spcPts val="0"/>
               </a:spcBef>
@@ -8724,13 +8106,10 @@
               </a:spcAft>
               <a:buNone/>
             </a:pPr>
-            <a:r>
-              <a:t/>
-            </a:r>
             <a:endParaRPr/>
           </a:p>
           <a:p>
-            <a:pPr indent="0" lvl="0" marL="0" rtl="0" algn="l">
+            <a:pPr marL="0" lvl="0" indent="0" algn="l" rtl="0">
               <a:spcBef>
                 <a:spcPts val="0"/>
               </a:spcBef>
@@ -8754,7 +8133,7 @@
             </a:endParaRPr>
           </a:p>
           <a:p>
-            <a:pPr indent="0" lvl="0" marL="0" rtl="0" algn="l">
+            <a:pPr marL="0" lvl="0" indent="0" algn="l" rtl="0">
               <a:spcBef>
                 <a:spcPts val="0"/>
               </a:spcBef>
@@ -8763,13 +8142,10 @@
               </a:spcAft>
               <a:buNone/>
             </a:pPr>
-            <a:r>
-              <a:t/>
-            </a:r>
             <a:endParaRPr/>
           </a:p>
           <a:p>
-            <a:pPr indent="0" lvl="0" marL="0" rtl="0" algn="l">
+            <a:pPr marL="0" lvl="0" indent="0" algn="l" rtl="0">
               <a:spcBef>
                 <a:spcPts val="0"/>
               </a:spcBef>
@@ -8778,16 +8154,13 @@
               </a:spcAft>
               <a:buNone/>
             </a:pPr>
-            <a:r>
-              <a:t/>
-            </a:r>
             <a:endParaRPr/>
           </a:p>
         </p:txBody>
       </p:sp>
       <p:pic>
         <p:nvPicPr>
-          <p:cNvPr descr="fini" id="139" name="Google Shape;139;p24" title="MathEquation,#000000"/>
+          <p:cNvPr id="139" name="Google Shape;139;p24" descr="fini" title="MathEquation,#000000"/>
           <p:cNvPicPr preferRelativeResize="0"/>
           <p:nvPr/>
         </p:nvPicPr>
@@ -8822,11 +8195,11 @@
 </file>
 
 <file path=ppt/slides/slide13.xml><?xml version="1.0" encoding="utf-8"?>
-<p:sld xmlns:a="http://schemas.openxmlformats.org/drawingml/2006/main" xmlns:r="http://schemas.openxmlformats.org/officeDocument/2006/relationships" xmlns:mc="http://schemas.openxmlformats.org/markup-compatibility/2006" xmlns:mv="urn:schemas-microsoft-com:mac:vml" xmlns:p="http://schemas.openxmlformats.org/presentationml/2006/main" xmlns:c="http://schemas.openxmlformats.org/drawingml/2006/chart" xmlns:dgm="http://schemas.openxmlformats.org/drawingml/2006/diagram" xmlns:o="urn:schemas-microsoft-com:office:office" xmlns:v="urn:schemas-microsoft-com:vml" xmlns:pvml="urn:schemas-microsoft-com:office:powerpoint" xmlns:com="http://schemas.openxmlformats.org/drawingml/2006/compatibility" xmlns:p14="http://schemas.microsoft.com/office/powerpoint/2010/main" xmlns:p15="http://schemas.microsoft.com/office/powerpoint/2012/main">
+<p:sld xmlns:a="http://schemas.openxmlformats.org/drawingml/2006/main" xmlns:r="http://schemas.openxmlformats.org/officeDocument/2006/relationships" xmlns:p="http://schemas.openxmlformats.org/presentationml/2006/main">
   <p:cSld>
     <p:spTree>
       <p:nvGrpSpPr>
-        <p:cNvPr id="143" name="Shape 143"/>
+        <p:cNvPr id="1" name="Shape 143"/>
         <p:cNvGrpSpPr/>
         <p:nvPr/>
       </p:nvGrpSpPr>
@@ -8841,7 +8214,9 @@
       <p:sp>
         <p:nvSpPr>
           <p:cNvPr id="144" name="Google Shape;144;p25"/>
-          <p:cNvSpPr txBox="1"/>
+          <p:cNvSpPr txBox="1">
+            <a:spLocks noGrp="1"/>
+          </p:cNvSpPr>
           <p:nvPr>
             <p:ph type="title"/>
           </p:nvPr>
@@ -8856,12 +8231,12 @@
           </a:prstGeom>
         </p:spPr>
         <p:txBody>
-          <a:bodyPr anchorCtr="0" anchor="ctr" bIns="91425" lIns="91425" spcFirstLastPara="1" rIns="91425" wrap="square" tIns="91425">
+          <a:bodyPr spcFirstLastPara="1" wrap="square" lIns="91425" tIns="91425" rIns="91425" bIns="91425" anchor="ctr" anchorCtr="0">
             <a:noAutofit/>
           </a:bodyPr>
           <a:lstStyle/>
           <a:p>
-            <a:pPr indent="0" lvl="0" marL="0" rtl="0" algn="ctr">
+            <a:pPr marL="0" lvl="0" indent="0" algn="ctr" rtl="0">
               <a:spcBef>
                 <a:spcPts val="0"/>
               </a:spcBef>
@@ -8887,11 +8262,11 @@
 </file>
 
 <file path=ppt/slides/slide14.xml><?xml version="1.0" encoding="utf-8"?>
-<p:sld xmlns:a="http://schemas.openxmlformats.org/drawingml/2006/main" xmlns:r="http://schemas.openxmlformats.org/officeDocument/2006/relationships" xmlns:mc="http://schemas.openxmlformats.org/markup-compatibility/2006" xmlns:mv="urn:schemas-microsoft-com:mac:vml" xmlns:p="http://schemas.openxmlformats.org/presentationml/2006/main" xmlns:c="http://schemas.openxmlformats.org/drawingml/2006/chart" xmlns:dgm="http://schemas.openxmlformats.org/drawingml/2006/diagram" xmlns:o="urn:schemas-microsoft-com:office:office" xmlns:v="urn:schemas-microsoft-com:vml" xmlns:pvml="urn:schemas-microsoft-com:office:powerpoint" xmlns:com="http://schemas.openxmlformats.org/drawingml/2006/compatibility" xmlns:p14="http://schemas.microsoft.com/office/powerpoint/2010/main" xmlns:p15="http://schemas.microsoft.com/office/powerpoint/2012/main">
+<p:sld xmlns:a="http://schemas.openxmlformats.org/drawingml/2006/main" xmlns:r="http://schemas.openxmlformats.org/officeDocument/2006/relationships" xmlns:p="http://schemas.openxmlformats.org/presentationml/2006/main">
   <p:cSld>
     <p:spTree>
       <p:nvGrpSpPr>
-        <p:cNvPr id="148" name="Shape 148"/>
+        <p:cNvPr id="1" name="Shape 148"/>
         <p:cNvGrpSpPr/>
         <p:nvPr/>
       </p:nvGrpSpPr>
@@ -8906,7 +8281,9 @@
       <p:sp>
         <p:nvSpPr>
           <p:cNvPr id="149" name="Google Shape;149;p26"/>
-          <p:cNvSpPr txBox="1"/>
+          <p:cNvSpPr txBox="1">
+            <a:spLocks noGrp="1"/>
+          </p:cNvSpPr>
           <p:nvPr>
             <p:ph type="title"/>
           </p:nvPr>
@@ -8921,12 +8298,12 @@
           </a:prstGeom>
         </p:spPr>
         <p:txBody>
-          <a:bodyPr anchorCtr="0" anchor="ctr" bIns="91425" lIns="91425" spcFirstLastPara="1" rIns="91425" wrap="square" tIns="91425">
+          <a:bodyPr spcFirstLastPara="1" wrap="square" lIns="91425" tIns="91425" rIns="91425" bIns="91425" anchor="ctr" anchorCtr="0">
             <a:noAutofit/>
           </a:bodyPr>
           <a:lstStyle/>
           <a:p>
-            <a:pPr indent="0" lvl="0" marL="0" rtl="0" algn="ctr">
+            <a:pPr marL="0" lvl="0" indent="0" algn="ctr" rtl="0">
               <a:spcBef>
                 <a:spcPts val="0"/>
               </a:spcBef>
@@ -8942,7 +8319,7 @@
             <a:endParaRPr/>
           </a:p>
           <a:p>
-            <a:pPr indent="0" lvl="0" marL="0" rtl="0" algn="ctr">
+            <a:pPr marL="0" lvl="0" indent="0" algn="ctr" rtl="0">
               <a:spcBef>
                 <a:spcPts val="0"/>
               </a:spcBef>
@@ -8968,11 +8345,11 @@
 </file>
 
 <file path=ppt/slides/slide15.xml><?xml version="1.0" encoding="utf-8"?>
-<p:sld xmlns:a="http://schemas.openxmlformats.org/drawingml/2006/main" xmlns:r="http://schemas.openxmlformats.org/officeDocument/2006/relationships" xmlns:mc="http://schemas.openxmlformats.org/markup-compatibility/2006" xmlns:mv="urn:schemas-microsoft-com:mac:vml" xmlns:p="http://schemas.openxmlformats.org/presentationml/2006/main" xmlns:c="http://schemas.openxmlformats.org/drawingml/2006/chart" xmlns:dgm="http://schemas.openxmlformats.org/drawingml/2006/diagram" xmlns:o="urn:schemas-microsoft-com:office:office" xmlns:v="urn:schemas-microsoft-com:vml" xmlns:pvml="urn:schemas-microsoft-com:office:powerpoint" xmlns:com="http://schemas.openxmlformats.org/drawingml/2006/compatibility" xmlns:p14="http://schemas.microsoft.com/office/powerpoint/2010/main" xmlns:p15="http://schemas.microsoft.com/office/powerpoint/2012/main">
+<p:sld xmlns:a="http://schemas.openxmlformats.org/drawingml/2006/main" xmlns:r="http://schemas.openxmlformats.org/officeDocument/2006/relationships" xmlns:p="http://schemas.openxmlformats.org/presentationml/2006/main">
   <p:cSld>
     <p:spTree>
       <p:nvGrpSpPr>
-        <p:cNvPr id="153" name="Shape 153"/>
+        <p:cNvPr id="1" name="Shape 153"/>
         <p:cNvGrpSpPr/>
         <p:nvPr/>
       </p:nvGrpSpPr>
@@ -8987,7 +8364,9 @@
       <p:sp>
         <p:nvSpPr>
           <p:cNvPr id="154" name="Google Shape;154;p27"/>
-          <p:cNvSpPr txBox="1"/>
+          <p:cNvSpPr txBox="1">
+            <a:spLocks noGrp="1"/>
+          </p:cNvSpPr>
           <p:nvPr>
             <p:ph type="title"/>
           </p:nvPr>
@@ -9002,12 +8381,12 @@
           </a:prstGeom>
         </p:spPr>
         <p:txBody>
-          <a:bodyPr anchorCtr="0" anchor="ctr" bIns="91425" lIns="91425" spcFirstLastPara="1" rIns="91425" wrap="square" tIns="91425">
+          <a:bodyPr spcFirstLastPara="1" wrap="square" lIns="91425" tIns="91425" rIns="91425" bIns="91425" anchor="ctr" anchorCtr="0">
             <a:noAutofit/>
           </a:bodyPr>
           <a:lstStyle/>
           <a:p>
-            <a:pPr indent="0" lvl="0" marL="0" rtl="0" algn="ctr">
+            <a:pPr marL="0" lvl="0" indent="0" algn="ctr" rtl="0">
               <a:spcBef>
                 <a:spcPts val="0"/>
               </a:spcBef>
@@ -9033,464 +8412,11 @@
 </file>
 
 <file path=ppt/slides/slide16.xml><?xml version="1.0" encoding="utf-8"?>
-<p:sld xmlns:a="http://schemas.openxmlformats.org/drawingml/2006/main" xmlns:r="http://schemas.openxmlformats.org/officeDocument/2006/relationships" xmlns:mc="http://schemas.openxmlformats.org/markup-compatibility/2006" xmlns:mv="urn:schemas-microsoft-com:mac:vml" xmlns:p="http://schemas.openxmlformats.org/presentationml/2006/main" xmlns:c="http://schemas.openxmlformats.org/drawingml/2006/chart" xmlns:dgm="http://schemas.openxmlformats.org/drawingml/2006/diagram" xmlns:o="urn:schemas-microsoft-com:office:office" xmlns:v="urn:schemas-microsoft-com:vml" xmlns:pvml="urn:schemas-microsoft-com:office:powerpoint" xmlns:com="http://schemas.openxmlformats.org/drawingml/2006/compatibility" xmlns:p14="http://schemas.microsoft.com/office/powerpoint/2010/main" xmlns:p15="http://schemas.microsoft.com/office/powerpoint/2012/main">
+<p:sld xmlns:a="http://schemas.openxmlformats.org/drawingml/2006/main" xmlns:r="http://schemas.openxmlformats.org/officeDocument/2006/relationships" xmlns:p="http://schemas.openxmlformats.org/presentationml/2006/main">
   <p:cSld>
     <p:spTree>
       <p:nvGrpSpPr>
-        <p:cNvPr id="158" name="Shape 158"/>
-        <p:cNvGrpSpPr/>
-        <p:nvPr/>
-      </p:nvGrpSpPr>
-      <p:grpSpPr>
-        <a:xfrm>
-          <a:off x="0" y="0"/>
-          <a:ext cx="0" cy="0"/>
-          <a:chOff x="0" y="0"/>
-          <a:chExt cx="0" cy="0"/>
-        </a:xfrm>
-      </p:grpSpPr>
-      <p:pic>
-        <p:nvPicPr>
-          <p:cNvPr id="159" name="Google Shape;159;p28"/>
-          <p:cNvPicPr preferRelativeResize="0"/>
-          <p:nvPr/>
-        </p:nvPicPr>
-        <p:blipFill rotWithShape="1">
-          <a:blip r:embed="rId3">
-            <a:alphaModFix/>
-          </a:blip>
-          <a:srcRect b="33229" l="0" r="0" t="5720"/>
-          <a:stretch/>
-        </p:blipFill>
-        <p:spPr>
-          <a:xfrm>
-            <a:off x="1965325" y="383612"/>
-            <a:ext cx="5213350" cy="4376275"/>
-          </a:xfrm>
-          <a:prstGeom prst="rect">
-            <a:avLst/>
-          </a:prstGeom>
-          <a:noFill/>
-          <a:ln>
-            <a:noFill/>
-          </a:ln>
-        </p:spPr>
-      </p:pic>
-      <p:sp>
-        <p:nvSpPr>
-          <p:cNvPr id="160" name="Google Shape;160;p28"/>
-          <p:cNvSpPr/>
-          <p:nvPr/>
-        </p:nvSpPr>
-        <p:spPr>
-          <a:xfrm>
-            <a:off x="1965325" y="3744075"/>
-            <a:ext cx="3176400" cy="1015800"/>
-          </a:xfrm>
-          <a:prstGeom prst="roundRect">
-            <a:avLst>
-              <a:gd fmla="val 16667" name="adj"/>
-            </a:avLst>
-          </a:prstGeom>
-          <a:noFill/>
-          <a:ln cap="flat" cmpd="sng" w="28575">
-            <a:solidFill>
-              <a:srgbClr val="FF0000"/>
-            </a:solidFill>
-            <a:prstDash val="solid"/>
-            <a:round/>
-            <a:headEnd len="sm" w="sm" type="none"/>
-            <a:tailEnd len="sm" w="sm" type="none"/>
-          </a:ln>
-        </p:spPr>
-        <p:txBody>
-          <a:bodyPr anchorCtr="0" anchor="ctr" bIns="91425" lIns="91425" spcFirstLastPara="1" rIns="91425" wrap="square" tIns="91425">
-            <a:noAutofit/>
-          </a:bodyPr>
-          <a:lstStyle/>
-          <a:p>
-            <a:pPr indent="0" lvl="0" marL="0" rtl="0" algn="l">
-              <a:spcBef>
-                <a:spcPts val="0"/>
-              </a:spcBef>
-              <a:spcAft>
-                <a:spcPts val="0"/>
-              </a:spcAft>
-              <a:buNone/>
-            </a:pPr>
-            <a:r>
-              <a:t/>
-            </a:r>
-            <a:endParaRPr/>
-          </a:p>
-        </p:txBody>
-      </p:sp>
-    </p:spTree>
-  </p:cSld>
-  <p:clrMapOvr>
-    <a:masterClrMapping/>
-  </p:clrMapOvr>
-</p:sld>
-</file>
-
-<file path=ppt/slides/slide17.xml><?xml version="1.0" encoding="utf-8"?>
-<p:sld xmlns:a="http://schemas.openxmlformats.org/drawingml/2006/main" xmlns:r="http://schemas.openxmlformats.org/officeDocument/2006/relationships" xmlns:mc="http://schemas.openxmlformats.org/markup-compatibility/2006" xmlns:mv="urn:schemas-microsoft-com:mac:vml" xmlns:p="http://schemas.openxmlformats.org/presentationml/2006/main" xmlns:c="http://schemas.openxmlformats.org/drawingml/2006/chart" xmlns:dgm="http://schemas.openxmlformats.org/drawingml/2006/diagram" xmlns:o="urn:schemas-microsoft-com:office:office" xmlns:v="urn:schemas-microsoft-com:vml" xmlns:pvml="urn:schemas-microsoft-com:office:powerpoint" xmlns:com="http://schemas.openxmlformats.org/drawingml/2006/compatibility" xmlns:p14="http://schemas.microsoft.com/office/powerpoint/2010/main" xmlns:p15="http://schemas.microsoft.com/office/powerpoint/2012/main">
-  <p:cSld>
-    <p:spTree>
-      <p:nvGrpSpPr>
-        <p:cNvPr id="164" name="Shape 164"/>
-        <p:cNvGrpSpPr/>
-        <p:nvPr/>
-      </p:nvGrpSpPr>
-      <p:grpSpPr>
-        <a:xfrm>
-          <a:off x="0" y="0"/>
-          <a:ext cx="0" cy="0"/>
-          <a:chOff x="0" y="0"/>
-          <a:chExt cx="0" cy="0"/>
-        </a:xfrm>
-      </p:grpSpPr>
-      <p:pic>
-        <p:nvPicPr>
-          <p:cNvPr id="165" name="Google Shape;165;p29"/>
-          <p:cNvPicPr preferRelativeResize="0"/>
-          <p:nvPr/>
-        </p:nvPicPr>
-        <p:blipFill rotWithShape="1">
-          <a:blip r:embed="rId3">
-            <a:alphaModFix/>
-          </a:blip>
-          <a:srcRect b="5884" l="0" r="0" t="66616"/>
-          <a:stretch/>
-        </p:blipFill>
-        <p:spPr>
-          <a:xfrm>
-            <a:off x="732675" y="1120050"/>
-            <a:ext cx="7678650" cy="2903400"/>
-          </a:xfrm>
-          <a:prstGeom prst="rect">
-            <a:avLst/>
-          </a:prstGeom>
-          <a:noFill/>
-          <a:ln>
-            <a:noFill/>
-          </a:ln>
-        </p:spPr>
-      </p:pic>
-      <p:sp>
-        <p:nvSpPr>
-          <p:cNvPr id="166" name="Google Shape;166;p29"/>
-          <p:cNvSpPr/>
-          <p:nvPr/>
-        </p:nvSpPr>
-        <p:spPr>
-          <a:xfrm>
-            <a:off x="732675" y="3258900"/>
-            <a:ext cx="1051500" cy="397500"/>
-          </a:xfrm>
-          <a:prstGeom prst="roundRect">
-            <a:avLst>
-              <a:gd fmla="val 16667" name="adj"/>
-            </a:avLst>
-          </a:prstGeom>
-          <a:noFill/>
-          <a:ln cap="flat" cmpd="sng" w="28575">
-            <a:solidFill>
-              <a:srgbClr val="FF0000"/>
-            </a:solidFill>
-            <a:prstDash val="solid"/>
-            <a:round/>
-            <a:headEnd len="sm" w="sm" type="none"/>
-            <a:tailEnd len="sm" w="sm" type="none"/>
-          </a:ln>
-        </p:spPr>
-        <p:txBody>
-          <a:bodyPr anchorCtr="0" anchor="ctr" bIns="91425" lIns="91425" spcFirstLastPara="1" rIns="91425" wrap="square" tIns="91425">
-            <a:noAutofit/>
-          </a:bodyPr>
-          <a:lstStyle/>
-          <a:p>
-            <a:pPr indent="0" lvl="0" marL="0" rtl="0" algn="l">
-              <a:spcBef>
-                <a:spcPts val="0"/>
-              </a:spcBef>
-              <a:spcAft>
-                <a:spcPts val="0"/>
-              </a:spcAft>
-              <a:buNone/>
-            </a:pPr>
-            <a:r>
-              <a:t/>
-            </a:r>
-            <a:endParaRPr/>
-          </a:p>
-        </p:txBody>
-      </p:sp>
-    </p:spTree>
-  </p:cSld>
-  <p:clrMapOvr>
-    <a:masterClrMapping/>
-  </p:clrMapOvr>
-</p:sld>
-</file>
-
-<file path=ppt/slides/slide18.xml><?xml version="1.0" encoding="utf-8"?>
-<p:sld xmlns:a="http://schemas.openxmlformats.org/drawingml/2006/main" xmlns:r="http://schemas.openxmlformats.org/officeDocument/2006/relationships" xmlns:mc="http://schemas.openxmlformats.org/markup-compatibility/2006" xmlns:mv="urn:schemas-microsoft-com:mac:vml" xmlns:p="http://schemas.openxmlformats.org/presentationml/2006/main" xmlns:c="http://schemas.openxmlformats.org/drawingml/2006/chart" xmlns:dgm="http://schemas.openxmlformats.org/drawingml/2006/diagram" xmlns:o="urn:schemas-microsoft-com:office:office" xmlns:v="urn:schemas-microsoft-com:vml" xmlns:pvml="urn:schemas-microsoft-com:office:powerpoint" xmlns:com="http://schemas.openxmlformats.org/drawingml/2006/compatibility" xmlns:p14="http://schemas.microsoft.com/office/powerpoint/2010/main" xmlns:p15="http://schemas.microsoft.com/office/powerpoint/2012/main">
-  <p:cSld>
-    <p:spTree>
-      <p:nvGrpSpPr>
-        <p:cNvPr id="170" name="Shape 170"/>
-        <p:cNvGrpSpPr/>
-        <p:nvPr/>
-      </p:nvGrpSpPr>
-      <p:grpSpPr>
-        <a:xfrm>
-          <a:off x="0" y="0"/>
-          <a:ext cx="0" cy="0"/>
-          <a:chOff x="0" y="0"/>
-          <a:chExt cx="0" cy="0"/>
-        </a:xfrm>
-      </p:grpSpPr>
-      <p:pic>
-        <p:nvPicPr>
-          <p:cNvPr id="171" name="Google Shape;171;p30"/>
-          <p:cNvPicPr preferRelativeResize="0"/>
-          <p:nvPr/>
-        </p:nvPicPr>
-        <p:blipFill rotWithShape="1">
-          <a:blip r:embed="rId3">
-            <a:alphaModFix/>
-          </a:blip>
-          <a:srcRect b="18398" l="0" r="0" t="5827"/>
-          <a:stretch/>
-        </p:blipFill>
-        <p:spPr>
-          <a:xfrm>
-            <a:off x="2353750" y="262812"/>
-            <a:ext cx="4436501" cy="4617876"/>
-          </a:xfrm>
-          <a:prstGeom prst="rect">
-            <a:avLst/>
-          </a:prstGeom>
-          <a:noFill/>
-          <a:ln>
-            <a:noFill/>
-          </a:ln>
-        </p:spPr>
-      </p:pic>
-      <p:sp>
-        <p:nvSpPr>
-          <p:cNvPr id="172" name="Google Shape;172;p30"/>
-          <p:cNvSpPr/>
-          <p:nvPr/>
-        </p:nvSpPr>
-        <p:spPr>
-          <a:xfrm>
-            <a:off x="2353750" y="4085050"/>
-            <a:ext cx="2931000" cy="795600"/>
-          </a:xfrm>
-          <a:prstGeom prst="roundRect">
-            <a:avLst>
-              <a:gd fmla="val 16667" name="adj"/>
-            </a:avLst>
-          </a:prstGeom>
-          <a:noFill/>
-          <a:ln cap="flat" cmpd="sng" w="28575">
-            <a:solidFill>
-              <a:srgbClr val="FF0000"/>
-            </a:solidFill>
-            <a:prstDash val="solid"/>
-            <a:round/>
-            <a:headEnd len="sm" w="sm" type="none"/>
-            <a:tailEnd len="sm" w="sm" type="none"/>
-          </a:ln>
-        </p:spPr>
-        <p:txBody>
-          <a:bodyPr anchorCtr="0" anchor="ctr" bIns="91425" lIns="91425" spcFirstLastPara="1" rIns="91425" wrap="square" tIns="91425">
-            <a:noAutofit/>
-          </a:bodyPr>
-          <a:lstStyle/>
-          <a:p>
-            <a:pPr indent="0" lvl="0" marL="0" rtl="0" algn="l">
-              <a:spcBef>
-                <a:spcPts val="0"/>
-              </a:spcBef>
-              <a:spcAft>
-                <a:spcPts val="0"/>
-              </a:spcAft>
-              <a:buNone/>
-            </a:pPr>
-            <a:r>
-              <a:t/>
-            </a:r>
-            <a:endParaRPr/>
-          </a:p>
-        </p:txBody>
-      </p:sp>
-    </p:spTree>
-  </p:cSld>
-  <p:clrMapOvr>
-    <a:masterClrMapping/>
-  </p:clrMapOvr>
-</p:sld>
-</file>
-
-<file path=ppt/slides/slide19.xml><?xml version="1.0" encoding="utf-8"?>
-<p:sld xmlns:a="http://schemas.openxmlformats.org/drawingml/2006/main" xmlns:r="http://schemas.openxmlformats.org/officeDocument/2006/relationships" xmlns:mc="http://schemas.openxmlformats.org/markup-compatibility/2006" xmlns:mv="urn:schemas-microsoft-com:mac:vml" xmlns:p="http://schemas.openxmlformats.org/presentationml/2006/main" xmlns:c="http://schemas.openxmlformats.org/drawingml/2006/chart" xmlns:dgm="http://schemas.openxmlformats.org/drawingml/2006/diagram" xmlns:o="urn:schemas-microsoft-com:office:office" xmlns:v="urn:schemas-microsoft-com:vml" xmlns:pvml="urn:schemas-microsoft-com:office:powerpoint" xmlns:com="http://schemas.openxmlformats.org/drawingml/2006/compatibility" xmlns:p14="http://schemas.microsoft.com/office/powerpoint/2010/main" xmlns:p15="http://schemas.microsoft.com/office/powerpoint/2012/main">
-  <p:cSld>
-    <p:spTree>
-      <p:nvGrpSpPr>
-        <p:cNvPr id="176" name="Shape 176"/>
-        <p:cNvGrpSpPr/>
-        <p:nvPr/>
-      </p:nvGrpSpPr>
-      <p:grpSpPr>
-        <a:xfrm>
-          <a:off x="0" y="0"/>
-          <a:ext cx="0" cy="0"/>
-          <a:chOff x="0" y="0"/>
-          <a:chExt cx="0" cy="0"/>
-        </a:xfrm>
-      </p:grpSpPr>
-      <p:pic>
-        <p:nvPicPr>
-          <p:cNvPr id="177" name="Google Shape;177;p31"/>
-          <p:cNvPicPr preferRelativeResize="0"/>
-          <p:nvPr/>
-        </p:nvPicPr>
-        <p:blipFill rotWithShape="1">
-          <a:blip r:embed="rId3">
-            <a:alphaModFix/>
-          </a:blip>
-          <a:srcRect b="16362" l="0" r="0" t="6962"/>
-          <a:stretch/>
-        </p:blipFill>
-        <p:spPr>
-          <a:xfrm>
-            <a:off x="2394650" y="300300"/>
-            <a:ext cx="4354699" cy="4542875"/>
-          </a:xfrm>
-          <a:prstGeom prst="rect">
-            <a:avLst/>
-          </a:prstGeom>
-          <a:noFill/>
-          <a:ln>
-            <a:noFill/>
-          </a:ln>
-        </p:spPr>
-      </p:pic>
-      <p:sp>
-        <p:nvSpPr>
-          <p:cNvPr id="178" name="Google Shape;178;p31"/>
-          <p:cNvSpPr/>
-          <p:nvPr/>
-        </p:nvSpPr>
-        <p:spPr>
-          <a:xfrm>
-            <a:off x="2549700" y="3891650"/>
-            <a:ext cx="4199700" cy="840600"/>
-          </a:xfrm>
-          <a:prstGeom prst="roundRect">
-            <a:avLst>
-              <a:gd fmla="val 16667" name="adj"/>
-            </a:avLst>
-          </a:prstGeom>
-          <a:noFill/>
-          <a:ln cap="flat" cmpd="sng" w="28575">
-            <a:solidFill>
-              <a:srgbClr val="FF0000"/>
-            </a:solidFill>
-            <a:prstDash val="solid"/>
-            <a:round/>
-            <a:headEnd len="sm" w="sm" type="none"/>
-            <a:tailEnd len="sm" w="sm" type="none"/>
-          </a:ln>
-        </p:spPr>
-        <p:txBody>
-          <a:bodyPr anchorCtr="0" anchor="ctr" bIns="91425" lIns="91425" spcFirstLastPara="1" rIns="91425" wrap="square" tIns="91425">
-            <a:noAutofit/>
-          </a:bodyPr>
-          <a:lstStyle/>
-          <a:p>
-            <a:pPr indent="0" lvl="0" marL="0" rtl="0" algn="l">
-              <a:spcBef>
-                <a:spcPts val="0"/>
-              </a:spcBef>
-              <a:spcAft>
-                <a:spcPts val="0"/>
-              </a:spcAft>
-              <a:buNone/>
-            </a:pPr>
-            <a:r>
-              <a:t/>
-            </a:r>
-            <a:endParaRPr/>
-          </a:p>
-        </p:txBody>
-      </p:sp>
-      <p:sp>
-        <p:nvSpPr>
-          <p:cNvPr id="179" name="Google Shape;179;p31"/>
-          <p:cNvSpPr/>
-          <p:nvPr/>
-        </p:nvSpPr>
-        <p:spPr>
-          <a:xfrm>
-            <a:off x="2549700" y="2984550"/>
-            <a:ext cx="4199700" cy="556200"/>
-          </a:xfrm>
-          <a:prstGeom prst="roundRect">
-            <a:avLst>
-              <a:gd fmla="val 16667" name="adj"/>
-            </a:avLst>
-          </a:prstGeom>
-          <a:noFill/>
-          <a:ln cap="flat" cmpd="sng" w="28575">
-            <a:solidFill>
-              <a:srgbClr val="FF0000"/>
-            </a:solidFill>
-            <a:prstDash val="solid"/>
-            <a:round/>
-            <a:headEnd len="sm" w="sm" type="none"/>
-            <a:tailEnd len="sm" w="sm" type="none"/>
-          </a:ln>
-        </p:spPr>
-        <p:txBody>
-          <a:bodyPr anchorCtr="0" anchor="ctr" bIns="91425" lIns="91425" spcFirstLastPara="1" rIns="91425" wrap="square" tIns="91425">
-            <a:noAutofit/>
-          </a:bodyPr>
-          <a:lstStyle/>
-          <a:p>
-            <a:pPr indent="0" lvl="0" marL="0" rtl="0" algn="l">
-              <a:spcBef>
-                <a:spcPts val="0"/>
-              </a:spcBef>
-              <a:spcAft>
-                <a:spcPts val="0"/>
-              </a:spcAft>
-              <a:buNone/>
-            </a:pPr>
-            <a:r>
-              <a:t/>
-            </a:r>
-            <a:endParaRPr/>
-          </a:p>
-        </p:txBody>
-      </p:sp>
-    </p:spTree>
-  </p:cSld>
-  <p:clrMapOvr>
-    <a:masterClrMapping/>
-  </p:clrMapOvr>
-</p:sld>
-</file>
-
-<file path=ppt/slides/slide2.xml><?xml version="1.0" encoding="utf-8"?>
-<p:sld xmlns:a="http://schemas.openxmlformats.org/drawingml/2006/main" xmlns:r="http://schemas.openxmlformats.org/officeDocument/2006/relationships" xmlns:mc="http://schemas.openxmlformats.org/markup-compatibility/2006" xmlns:mv="urn:schemas-microsoft-com:mac:vml" xmlns:p="http://schemas.openxmlformats.org/presentationml/2006/main" xmlns:c="http://schemas.openxmlformats.org/drawingml/2006/chart" xmlns:dgm="http://schemas.openxmlformats.org/drawingml/2006/diagram" xmlns:o="urn:schemas-microsoft-com:office:office" xmlns:v="urn:schemas-microsoft-com:vml" xmlns:pvml="urn:schemas-microsoft-com:office:powerpoint" xmlns:com="http://schemas.openxmlformats.org/drawingml/2006/compatibility" xmlns:p14="http://schemas.microsoft.com/office/powerpoint/2010/main" xmlns:p15="http://schemas.microsoft.com/office/powerpoint/2012/main">
-  <p:cSld>
-    <p:spTree>
-      <p:nvGrpSpPr>
-        <p:cNvPr id="58" name="Shape 58"/>
+        <p:cNvPr id="1" name="Shape 153"/>
         <p:cNvGrpSpPr/>
         <p:nvPr/>
       </p:nvGrpSpPr>
@@ -9504,8 +8430,86 @@
       </p:grpSpPr>
       <p:sp>
         <p:nvSpPr>
-          <p:cNvPr id="59" name="Google Shape;59;p14"/>
-          <p:cNvSpPr txBox="1"/>
+          <p:cNvPr id="154" name="Google Shape;154;p27"/>
+          <p:cNvSpPr txBox="1">
+            <a:spLocks noGrp="1"/>
+          </p:cNvSpPr>
+          <p:nvPr>
+            <p:ph type="title"/>
+          </p:nvPr>
+        </p:nvSpPr>
+        <p:spPr>
+          <a:xfrm>
+            <a:off x="311700" y="2150850"/>
+            <a:ext cx="8520600" cy="841800"/>
+          </a:xfrm>
+          <a:prstGeom prst="rect">
+            <a:avLst/>
+          </a:prstGeom>
+        </p:spPr>
+        <p:txBody>
+          <a:bodyPr spcFirstLastPara="1" wrap="square" lIns="91425" tIns="91425" rIns="91425" bIns="91425" anchor="ctr" anchorCtr="0">
+            <a:noAutofit/>
+          </a:bodyPr>
+          <a:lstStyle/>
+          <a:p>
+            <a:pPr marL="0" lvl="0" indent="0" algn="ctr" rtl="0">
+              <a:spcBef>
+                <a:spcPts val="0"/>
+              </a:spcBef>
+              <a:spcAft>
+                <a:spcPts val="0"/>
+              </a:spcAft>
+              <a:buNone/>
+            </a:pPr>
+            <a:r>
+              <a:rPr lang="en-GB" dirty="0"/>
+              <a:t>I HAVE CURRENTLY TAKEN DOWN THE TEST SINCE APPERENTLY I HAD THE WRONG MARKING SCHEME. </a:t>
+            </a:r>
+            <a:r>
+              <a:rPr lang="en-GB"/>
+              <a:t>I WILL PUT UP THE CORRECT ONE ASAP.</a:t>
+            </a:r>
+            <a:endParaRPr dirty="0"/>
+          </a:p>
+        </p:txBody>
+      </p:sp>
+    </p:spTree>
+    <p:extLst>
+      <p:ext uri="{BB962C8B-B14F-4D97-AF65-F5344CB8AC3E}">
+        <p14:creationId xmlns:p14="http://schemas.microsoft.com/office/powerpoint/2010/main" val="2297976598"/>
+      </p:ext>
+    </p:extLst>
+  </p:cSld>
+  <p:clrMapOvr>
+    <a:masterClrMapping/>
+  </p:clrMapOvr>
+</p:sld>
+</file>
+
+<file path=ppt/slides/slide17.xml><?xml version="1.0" encoding="utf-8"?>
+<p:sld xmlns:a="http://schemas.openxmlformats.org/drawingml/2006/main" xmlns:r="http://schemas.openxmlformats.org/officeDocument/2006/relationships" xmlns:p="http://schemas.openxmlformats.org/presentationml/2006/main">
+  <p:cSld>
+    <p:spTree>
+      <p:nvGrpSpPr>
+        <p:cNvPr id="1" name="Shape 219"/>
+        <p:cNvGrpSpPr/>
+        <p:nvPr/>
+      </p:nvGrpSpPr>
+      <p:grpSpPr>
+        <a:xfrm>
+          <a:off x="0" y="0"/>
+          <a:ext cx="0" cy="0"/>
+          <a:chOff x="0" y="0"/>
+          <a:chExt cx="0" cy="0"/>
+        </a:xfrm>
+      </p:grpSpPr>
+      <p:sp>
+        <p:nvSpPr>
+          <p:cNvPr id="220" name="Google Shape;220;p37"/>
+          <p:cNvSpPr txBox="1">
+            <a:spLocks noGrp="1"/>
+          </p:cNvSpPr>
           <p:nvPr>
             <p:ph type="ctrTitle"/>
           </p:nvPr>
@@ -9520,12 +8524,12 @@
           </a:prstGeom>
         </p:spPr>
         <p:txBody>
-          <a:bodyPr anchorCtr="0" anchor="b" bIns="91425" lIns="91425" spcFirstLastPara="1" rIns="91425" wrap="square" tIns="91425">
+          <a:bodyPr spcFirstLastPara="1" wrap="square" lIns="91425" tIns="91425" rIns="91425" bIns="91425" anchor="b" anchorCtr="0">
             <a:noAutofit/>
           </a:bodyPr>
           <a:lstStyle/>
           <a:p>
-            <a:pPr indent="0" lvl="0" marL="0" rtl="0" algn="ctr">
+            <a:pPr marL="0" lvl="0" indent="0" algn="ctr" rtl="0">
               <a:spcBef>
                 <a:spcPts val="0"/>
               </a:spcBef>
@@ -9544,10 +8548,12 @@
       </p:sp>
       <p:sp>
         <p:nvSpPr>
-          <p:cNvPr id="60" name="Google Shape;60;p14"/>
-          <p:cNvSpPr txBox="1"/>
+          <p:cNvPr id="221" name="Google Shape;221;p37"/>
+          <p:cNvSpPr txBox="1">
+            <a:spLocks noGrp="1"/>
+          </p:cNvSpPr>
           <p:nvPr>
-            <p:ph idx="1" type="subTitle"/>
+            <p:ph type="subTitle" idx="1"/>
           </p:nvPr>
         </p:nvSpPr>
         <p:spPr>
@@ -9560,12 +8566,12 @@
           </a:prstGeom>
         </p:spPr>
         <p:txBody>
-          <a:bodyPr anchorCtr="0" anchor="t" bIns="91425" lIns="91425" spcFirstLastPara="1" rIns="91425" wrap="square" tIns="91425">
+          <a:bodyPr spcFirstLastPara="1" wrap="square" lIns="91425" tIns="91425" rIns="91425" bIns="91425" anchor="t" anchorCtr="0">
             <a:noAutofit/>
           </a:bodyPr>
           <a:lstStyle/>
           <a:p>
-            <a:pPr indent="0" lvl="0" marL="0" rtl="0" algn="ctr">
+            <a:pPr marL="0" lvl="0" indent="0" algn="ctr" rtl="0">
               <a:spcBef>
                 <a:spcPts val="0"/>
               </a:spcBef>
@@ -9590,679 +8596,12 @@
 </p:sld>
 </file>
 
-<file path=ppt/slides/slide20.xml><?xml version="1.0" encoding="utf-8"?>
-<p:sld xmlns:a="http://schemas.openxmlformats.org/drawingml/2006/main" xmlns:r="http://schemas.openxmlformats.org/officeDocument/2006/relationships" xmlns:mc="http://schemas.openxmlformats.org/markup-compatibility/2006" xmlns:mv="urn:schemas-microsoft-com:mac:vml" xmlns:p="http://schemas.openxmlformats.org/presentationml/2006/main" xmlns:c="http://schemas.openxmlformats.org/drawingml/2006/chart" xmlns:dgm="http://schemas.openxmlformats.org/drawingml/2006/diagram" xmlns:o="urn:schemas-microsoft-com:office:office" xmlns:v="urn:schemas-microsoft-com:vml" xmlns:pvml="urn:schemas-microsoft-com:office:powerpoint" xmlns:com="http://schemas.openxmlformats.org/drawingml/2006/compatibility" xmlns:p14="http://schemas.microsoft.com/office/powerpoint/2010/main" xmlns:p15="http://schemas.microsoft.com/office/powerpoint/2012/main">
+<file path=ppt/slides/slide2.xml><?xml version="1.0" encoding="utf-8"?>
+<p:sld xmlns:a="http://schemas.openxmlformats.org/drawingml/2006/main" xmlns:r="http://schemas.openxmlformats.org/officeDocument/2006/relationships" xmlns:p="http://schemas.openxmlformats.org/presentationml/2006/main">
   <p:cSld>
     <p:spTree>
       <p:nvGrpSpPr>
-        <p:cNvPr id="183" name="Shape 183"/>
-        <p:cNvGrpSpPr/>
-        <p:nvPr/>
-      </p:nvGrpSpPr>
-      <p:grpSpPr>
-        <a:xfrm>
-          <a:off x="0" y="0"/>
-          <a:ext cx="0" cy="0"/>
-          <a:chOff x="0" y="0"/>
-          <a:chExt cx="0" cy="0"/>
-        </a:xfrm>
-      </p:grpSpPr>
-      <p:pic>
-        <p:nvPicPr>
-          <p:cNvPr id="184" name="Google Shape;184;p32"/>
-          <p:cNvPicPr preferRelativeResize="0"/>
-          <p:nvPr/>
-        </p:nvPicPr>
-        <p:blipFill rotWithShape="1">
-          <a:blip r:embed="rId3">
-            <a:alphaModFix/>
-          </a:blip>
-          <a:srcRect b="56409" l="0" r="50114" t="6476"/>
-          <a:stretch/>
-        </p:blipFill>
-        <p:spPr>
-          <a:xfrm>
-            <a:off x="2668099" y="667363"/>
-            <a:ext cx="3807800" cy="3808776"/>
-          </a:xfrm>
-          <a:prstGeom prst="rect">
-            <a:avLst/>
-          </a:prstGeom>
-          <a:noFill/>
-          <a:ln>
-            <a:noFill/>
-          </a:ln>
-        </p:spPr>
-      </p:pic>
-      <p:sp>
-        <p:nvSpPr>
-          <p:cNvPr id="185" name="Google Shape;185;p32"/>
-          <p:cNvSpPr/>
-          <p:nvPr/>
-        </p:nvSpPr>
-        <p:spPr>
-          <a:xfrm>
-            <a:off x="2983800" y="3807500"/>
-            <a:ext cx="1015200" cy="531300"/>
-          </a:xfrm>
-          <a:prstGeom prst="roundRect">
-            <a:avLst>
-              <a:gd fmla="val 16667" name="adj"/>
-            </a:avLst>
-          </a:prstGeom>
-          <a:noFill/>
-          <a:ln cap="flat" cmpd="sng" w="28575">
-            <a:solidFill>
-              <a:srgbClr val="FF0000"/>
-            </a:solidFill>
-            <a:prstDash val="solid"/>
-            <a:round/>
-            <a:headEnd len="sm" w="sm" type="none"/>
-            <a:tailEnd len="sm" w="sm" type="none"/>
-          </a:ln>
-        </p:spPr>
-        <p:txBody>
-          <a:bodyPr anchorCtr="0" anchor="ctr" bIns="91425" lIns="91425" spcFirstLastPara="1" rIns="91425" wrap="square" tIns="91425">
-            <a:noAutofit/>
-          </a:bodyPr>
-          <a:lstStyle/>
-          <a:p>
-            <a:pPr indent="0" lvl="0" marL="0" rtl="0" algn="l">
-              <a:spcBef>
-                <a:spcPts val="0"/>
-              </a:spcBef>
-              <a:spcAft>
-                <a:spcPts val="0"/>
-              </a:spcAft>
-              <a:buNone/>
-            </a:pPr>
-            <a:r>
-              <a:t/>
-            </a:r>
-            <a:endParaRPr/>
-          </a:p>
-        </p:txBody>
-      </p:sp>
-    </p:spTree>
-  </p:cSld>
-  <p:clrMapOvr>
-    <a:masterClrMapping/>
-  </p:clrMapOvr>
-</p:sld>
-</file>
-
-<file path=ppt/slides/slide21.xml><?xml version="1.0" encoding="utf-8"?>
-<p:sld xmlns:a="http://schemas.openxmlformats.org/drawingml/2006/main" xmlns:r="http://schemas.openxmlformats.org/officeDocument/2006/relationships" xmlns:mc="http://schemas.openxmlformats.org/markup-compatibility/2006" xmlns:mv="urn:schemas-microsoft-com:mac:vml" xmlns:p="http://schemas.openxmlformats.org/presentationml/2006/main" xmlns:c="http://schemas.openxmlformats.org/drawingml/2006/chart" xmlns:dgm="http://schemas.openxmlformats.org/drawingml/2006/diagram" xmlns:o="urn:schemas-microsoft-com:office:office" xmlns:v="urn:schemas-microsoft-com:vml" xmlns:pvml="urn:schemas-microsoft-com:office:powerpoint" xmlns:com="http://schemas.openxmlformats.org/drawingml/2006/compatibility" xmlns:p14="http://schemas.microsoft.com/office/powerpoint/2010/main" xmlns:p15="http://schemas.microsoft.com/office/powerpoint/2012/main">
-  <p:cSld>
-    <p:spTree>
-      <p:nvGrpSpPr>
-        <p:cNvPr id="189" name="Shape 189"/>
-        <p:cNvGrpSpPr/>
-        <p:nvPr/>
-      </p:nvGrpSpPr>
-      <p:grpSpPr>
-        <a:xfrm>
-          <a:off x="0" y="0"/>
-          <a:ext cx="0" cy="0"/>
-          <a:chOff x="0" y="0"/>
-          <a:chExt cx="0" cy="0"/>
-        </a:xfrm>
-      </p:grpSpPr>
-      <p:pic>
-        <p:nvPicPr>
-          <p:cNvPr id="190" name="Google Shape;190;p33"/>
-          <p:cNvPicPr preferRelativeResize="0"/>
-          <p:nvPr/>
-        </p:nvPicPr>
-        <p:blipFill rotWithShape="1">
-          <a:blip r:embed="rId3">
-            <a:alphaModFix/>
-          </a:blip>
-          <a:srcRect b="68649" l="0" r="50114" t="6477"/>
-          <a:stretch/>
-        </p:blipFill>
-        <p:spPr>
-          <a:xfrm>
-            <a:off x="2668100" y="667371"/>
-            <a:ext cx="3807800" cy="2552625"/>
-          </a:xfrm>
-          <a:prstGeom prst="rect">
-            <a:avLst/>
-          </a:prstGeom>
-          <a:noFill/>
-          <a:ln>
-            <a:noFill/>
-          </a:ln>
-        </p:spPr>
-      </p:pic>
-      <p:pic>
-        <p:nvPicPr>
-          <p:cNvPr id="191" name="Google Shape;191;p33"/>
-          <p:cNvPicPr preferRelativeResize="0"/>
-          <p:nvPr/>
-        </p:nvPicPr>
-        <p:blipFill rotWithShape="1">
-          <a:blip r:embed="rId3">
-            <a:alphaModFix/>
-          </a:blip>
-          <a:srcRect b="37302" l="0" r="50114" t="55704"/>
-          <a:stretch/>
-        </p:blipFill>
-        <p:spPr>
-          <a:xfrm>
-            <a:off x="2668100" y="3220000"/>
-            <a:ext cx="3807800" cy="717649"/>
-          </a:xfrm>
-          <a:prstGeom prst="rect">
-            <a:avLst/>
-          </a:prstGeom>
-          <a:noFill/>
-          <a:ln>
-            <a:noFill/>
-          </a:ln>
-        </p:spPr>
-      </p:pic>
-      <p:pic>
-        <p:nvPicPr>
-          <p:cNvPr id="192" name="Google Shape;192;p33"/>
-          <p:cNvPicPr preferRelativeResize="0"/>
-          <p:nvPr/>
-        </p:nvPicPr>
-        <p:blipFill rotWithShape="1">
-          <a:blip r:embed="rId3">
-            <a:alphaModFix/>
-          </a:blip>
-          <a:srcRect b="24645" l="0" r="10546" t="68362"/>
-          <a:stretch/>
-        </p:blipFill>
-        <p:spPr>
-          <a:xfrm>
-            <a:off x="1486996" y="3937650"/>
-            <a:ext cx="6169999" cy="648450"/>
-          </a:xfrm>
-          <a:prstGeom prst="rect">
-            <a:avLst/>
-          </a:prstGeom>
-          <a:noFill/>
-          <a:ln>
-            <a:noFill/>
-          </a:ln>
-        </p:spPr>
-      </p:pic>
-      <p:sp>
-        <p:nvSpPr>
-          <p:cNvPr id="193" name="Google Shape;193;p33"/>
-          <p:cNvSpPr/>
-          <p:nvPr/>
-        </p:nvSpPr>
-        <p:spPr>
-          <a:xfrm>
-            <a:off x="1486900" y="3937650"/>
-            <a:ext cx="6439800" cy="648600"/>
-          </a:xfrm>
-          <a:prstGeom prst="roundRect">
-            <a:avLst>
-              <a:gd fmla="val 16667" name="adj"/>
-            </a:avLst>
-          </a:prstGeom>
-          <a:noFill/>
-          <a:ln cap="flat" cmpd="sng" w="28575">
-            <a:solidFill>
-              <a:srgbClr val="FF0000"/>
-            </a:solidFill>
-            <a:prstDash val="solid"/>
-            <a:round/>
-            <a:headEnd len="sm" w="sm" type="none"/>
-            <a:tailEnd len="sm" w="sm" type="none"/>
-          </a:ln>
-        </p:spPr>
-        <p:txBody>
-          <a:bodyPr anchorCtr="0" anchor="ctr" bIns="91425" lIns="91425" spcFirstLastPara="1" rIns="91425" wrap="square" tIns="91425">
-            <a:noAutofit/>
-          </a:bodyPr>
-          <a:lstStyle/>
-          <a:p>
-            <a:pPr indent="0" lvl="0" marL="0" rtl="0" algn="l">
-              <a:spcBef>
-                <a:spcPts val="0"/>
-              </a:spcBef>
-              <a:spcAft>
-                <a:spcPts val="0"/>
-              </a:spcAft>
-              <a:buNone/>
-            </a:pPr>
-            <a:r>
-              <a:t/>
-            </a:r>
-            <a:endParaRPr/>
-          </a:p>
-        </p:txBody>
-      </p:sp>
-    </p:spTree>
-  </p:cSld>
-  <p:clrMapOvr>
-    <a:masterClrMapping/>
-  </p:clrMapOvr>
-</p:sld>
-</file>
-
-<file path=ppt/slides/slide22.xml><?xml version="1.0" encoding="utf-8"?>
-<p:sld xmlns:a="http://schemas.openxmlformats.org/drawingml/2006/main" xmlns:r="http://schemas.openxmlformats.org/officeDocument/2006/relationships" xmlns:mc="http://schemas.openxmlformats.org/markup-compatibility/2006" xmlns:mv="urn:schemas-microsoft-com:mac:vml" xmlns:p="http://schemas.openxmlformats.org/presentationml/2006/main" xmlns:c="http://schemas.openxmlformats.org/drawingml/2006/chart" xmlns:dgm="http://schemas.openxmlformats.org/drawingml/2006/diagram" xmlns:o="urn:schemas-microsoft-com:office:office" xmlns:v="urn:schemas-microsoft-com:vml" xmlns:pvml="urn:schemas-microsoft-com:office:powerpoint" xmlns:com="http://schemas.openxmlformats.org/drawingml/2006/compatibility" xmlns:p14="http://schemas.microsoft.com/office/powerpoint/2010/main" xmlns:p15="http://schemas.microsoft.com/office/powerpoint/2012/main">
-  <p:cSld>
-    <p:spTree>
-      <p:nvGrpSpPr>
-        <p:cNvPr id="197" name="Shape 197"/>
-        <p:cNvGrpSpPr/>
-        <p:nvPr/>
-      </p:nvGrpSpPr>
-      <p:grpSpPr>
-        <a:xfrm>
-          <a:off x="0" y="0"/>
-          <a:ext cx="0" cy="0"/>
-          <a:chOff x="0" y="0"/>
-          <a:chExt cx="0" cy="0"/>
-        </a:xfrm>
-      </p:grpSpPr>
-      <p:pic>
-        <p:nvPicPr>
-          <p:cNvPr id="198" name="Google Shape;198;p34"/>
-          <p:cNvPicPr preferRelativeResize="0"/>
-          <p:nvPr/>
-        </p:nvPicPr>
-        <p:blipFill rotWithShape="1">
-          <a:blip r:embed="rId3">
-            <a:alphaModFix/>
-          </a:blip>
-          <a:srcRect b="68649" l="0" r="50114" t="6477"/>
-          <a:stretch/>
-        </p:blipFill>
-        <p:spPr>
-          <a:xfrm>
-            <a:off x="2668100" y="667371"/>
-            <a:ext cx="3807800" cy="2552625"/>
-          </a:xfrm>
-          <a:prstGeom prst="rect">
-            <a:avLst/>
-          </a:prstGeom>
-          <a:noFill/>
-          <a:ln>
-            <a:noFill/>
-          </a:ln>
-        </p:spPr>
-      </p:pic>
-      <p:pic>
-        <p:nvPicPr>
-          <p:cNvPr id="199" name="Google Shape;199;p34"/>
-          <p:cNvPicPr preferRelativeResize="0"/>
-          <p:nvPr/>
-        </p:nvPicPr>
-        <p:blipFill rotWithShape="1">
-          <a:blip r:embed="rId3">
-            <a:alphaModFix/>
-          </a:blip>
-          <a:srcRect b="17414" l="0" r="57652" t="75592"/>
-          <a:stretch/>
-        </p:blipFill>
-        <p:spPr>
-          <a:xfrm>
-            <a:off x="2668100" y="3220000"/>
-            <a:ext cx="3232449" cy="717649"/>
-          </a:xfrm>
-          <a:prstGeom prst="rect">
-            <a:avLst/>
-          </a:prstGeom>
-          <a:noFill/>
-          <a:ln>
-            <a:noFill/>
-          </a:ln>
-        </p:spPr>
-      </p:pic>
-      <p:pic>
-        <p:nvPicPr>
-          <p:cNvPr id="200" name="Google Shape;200;p34"/>
-          <p:cNvPicPr preferRelativeResize="0"/>
-          <p:nvPr/>
-        </p:nvPicPr>
-        <p:blipFill rotWithShape="1">
-          <a:blip r:embed="rId3">
-            <a:alphaModFix/>
-          </a:blip>
-          <a:srcRect b="10291" l="0" r="10546" t="81970"/>
-          <a:stretch/>
-        </p:blipFill>
-        <p:spPr>
-          <a:xfrm>
-            <a:off x="1487000" y="3937650"/>
-            <a:ext cx="6169999" cy="717649"/>
-          </a:xfrm>
-          <a:prstGeom prst="rect">
-            <a:avLst/>
-          </a:prstGeom>
-          <a:noFill/>
-          <a:ln>
-            <a:noFill/>
-          </a:ln>
-        </p:spPr>
-      </p:pic>
-      <p:sp>
-        <p:nvSpPr>
-          <p:cNvPr id="201" name="Google Shape;201;p34"/>
-          <p:cNvSpPr/>
-          <p:nvPr/>
-        </p:nvSpPr>
-        <p:spPr>
-          <a:xfrm>
-            <a:off x="1486900" y="3937600"/>
-            <a:ext cx="6439800" cy="717600"/>
-          </a:xfrm>
-          <a:prstGeom prst="roundRect">
-            <a:avLst>
-              <a:gd fmla="val 16667" name="adj"/>
-            </a:avLst>
-          </a:prstGeom>
-          <a:noFill/>
-          <a:ln cap="flat" cmpd="sng" w="28575">
-            <a:solidFill>
-              <a:srgbClr val="FF0000"/>
-            </a:solidFill>
-            <a:prstDash val="solid"/>
-            <a:round/>
-            <a:headEnd len="sm" w="sm" type="none"/>
-            <a:tailEnd len="sm" w="sm" type="none"/>
-          </a:ln>
-        </p:spPr>
-        <p:txBody>
-          <a:bodyPr anchorCtr="0" anchor="ctr" bIns="91425" lIns="91425" spcFirstLastPara="1" rIns="91425" wrap="square" tIns="91425">
-            <a:noAutofit/>
-          </a:bodyPr>
-          <a:lstStyle/>
-          <a:p>
-            <a:pPr indent="0" lvl="0" marL="0" rtl="0" algn="l">
-              <a:spcBef>
-                <a:spcPts val="0"/>
-              </a:spcBef>
-              <a:spcAft>
-                <a:spcPts val="0"/>
-              </a:spcAft>
-              <a:buNone/>
-            </a:pPr>
-            <a:r>
-              <a:t/>
-            </a:r>
-            <a:endParaRPr/>
-          </a:p>
-        </p:txBody>
-      </p:sp>
-    </p:spTree>
-  </p:cSld>
-  <p:clrMapOvr>
-    <a:masterClrMapping/>
-  </p:clrMapOvr>
-</p:sld>
-</file>
-
-<file path=ppt/slides/slide23.xml><?xml version="1.0" encoding="utf-8"?>
-<p:sld xmlns:a="http://schemas.openxmlformats.org/drawingml/2006/main" xmlns:r="http://schemas.openxmlformats.org/officeDocument/2006/relationships" xmlns:mc="http://schemas.openxmlformats.org/markup-compatibility/2006" xmlns:mv="urn:schemas-microsoft-com:mac:vml" xmlns:p="http://schemas.openxmlformats.org/presentationml/2006/main" xmlns:c="http://schemas.openxmlformats.org/drawingml/2006/chart" xmlns:dgm="http://schemas.openxmlformats.org/drawingml/2006/diagram" xmlns:o="urn:schemas-microsoft-com:office:office" xmlns:v="urn:schemas-microsoft-com:vml" xmlns:pvml="urn:schemas-microsoft-com:office:powerpoint" xmlns:com="http://schemas.openxmlformats.org/drawingml/2006/compatibility" xmlns:p14="http://schemas.microsoft.com/office/powerpoint/2010/main" xmlns:p15="http://schemas.microsoft.com/office/powerpoint/2012/main">
-  <p:cSld>
-    <p:spTree>
-      <p:nvGrpSpPr>
-        <p:cNvPr id="205" name="Shape 205"/>
-        <p:cNvGrpSpPr/>
-        <p:nvPr/>
-      </p:nvGrpSpPr>
-      <p:grpSpPr>
-        <a:xfrm>
-          <a:off x="0" y="0"/>
-          <a:ext cx="0" cy="0"/>
-          <a:chOff x="0" y="0"/>
-          <a:chExt cx="0" cy="0"/>
-        </a:xfrm>
-      </p:grpSpPr>
-      <p:pic>
-        <p:nvPicPr>
-          <p:cNvPr id="206" name="Google Shape;206;p35"/>
-          <p:cNvPicPr preferRelativeResize="0"/>
-          <p:nvPr/>
-        </p:nvPicPr>
-        <p:blipFill rotWithShape="1">
-          <a:blip r:embed="rId3">
-            <a:alphaModFix/>
-          </a:blip>
-          <a:srcRect b="79797" l="0" r="0" t="5854"/>
-          <a:stretch/>
-        </p:blipFill>
-        <p:spPr>
-          <a:xfrm>
-            <a:off x="1590529" y="3848051"/>
-            <a:ext cx="5962951" cy="1134376"/>
-          </a:xfrm>
-          <a:prstGeom prst="rect">
-            <a:avLst/>
-          </a:prstGeom>
-          <a:noFill/>
-          <a:ln>
-            <a:noFill/>
-          </a:ln>
-        </p:spPr>
-      </p:pic>
-      <p:pic>
-        <p:nvPicPr>
-          <p:cNvPr id="207" name="Google Shape;207;p35"/>
-          <p:cNvPicPr preferRelativeResize="0"/>
-          <p:nvPr/>
-        </p:nvPicPr>
-        <p:blipFill rotWithShape="1">
-          <a:blip r:embed="rId4">
-            <a:alphaModFix/>
-          </a:blip>
-          <a:srcRect b="68649" l="0" r="50114" t="6477"/>
-          <a:stretch/>
-        </p:blipFill>
-        <p:spPr>
-          <a:xfrm>
-            <a:off x="2668100" y="1295433"/>
-            <a:ext cx="3807800" cy="2552625"/>
-          </a:xfrm>
-          <a:prstGeom prst="rect">
-            <a:avLst/>
-          </a:prstGeom>
-          <a:noFill/>
-          <a:ln>
-            <a:noFill/>
-          </a:ln>
-        </p:spPr>
-      </p:pic>
-      <p:sp>
-        <p:nvSpPr>
-          <p:cNvPr id="208" name="Google Shape;208;p35"/>
-          <p:cNvSpPr/>
-          <p:nvPr/>
-        </p:nvSpPr>
-        <p:spPr>
-          <a:xfrm>
-            <a:off x="1486900" y="4451875"/>
-            <a:ext cx="6439800" cy="360600"/>
-          </a:xfrm>
-          <a:prstGeom prst="roundRect">
-            <a:avLst>
-              <a:gd fmla="val 16667" name="adj"/>
-            </a:avLst>
-          </a:prstGeom>
-          <a:noFill/>
-          <a:ln cap="flat" cmpd="sng" w="28575">
-            <a:solidFill>
-              <a:srgbClr val="FF0000"/>
-            </a:solidFill>
-            <a:prstDash val="solid"/>
-            <a:round/>
-            <a:headEnd len="sm" w="sm" type="none"/>
-            <a:tailEnd len="sm" w="sm" type="none"/>
-          </a:ln>
-        </p:spPr>
-        <p:txBody>
-          <a:bodyPr anchorCtr="0" anchor="ctr" bIns="91425" lIns="91425" spcFirstLastPara="1" rIns="91425" wrap="square" tIns="91425">
-            <a:noAutofit/>
-          </a:bodyPr>
-          <a:lstStyle/>
-          <a:p>
-            <a:pPr indent="0" lvl="0" marL="0" rtl="0" algn="l">
-              <a:spcBef>
-                <a:spcPts val="0"/>
-              </a:spcBef>
-              <a:spcAft>
-                <a:spcPts val="0"/>
-              </a:spcAft>
-              <a:buNone/>
-            </a:pPr>
-            <a:r>
-              <a:t/>
-            </a:r>
-            <a:endParaRPr/>
-          </a:p>
-        </p:txBody>
-      </p:sp>
-    </p:spTree>
-  </p:cSld>
-  <p:clrMapOvr>
-    <a:masterClrMapping/>
-  </p:clrMapOvr>
-</p:sld>
-</file>
-
-<file path=ppt/slides/slide24.xml><?xml version="1.0" encoding="utf-8"?>
-<p:sld xmlns:a="http://schemas.openxmlformats.org/drawingml/2006/main" xmlns:r="http://schemas.openxmlformats.org/officeDocument/2006/relationships" xmlns:mc="http://schemas.openxmlformats.org/markup-compatibility/2006" xmlns:mv="urn:schemas-microsoft-com:mac:vml" xmlns:p="http://schemas.openxmlformats.org/presentationml/2006/main" xmlns:c="http://schemas.openxmlformats.org/drawingml/2006/chart" xmlns:dgm="http://schemas.openxmlformats.org/drawingml/2006/diagram" xmlns:o="urn:schemas-microsoft-com:office:office" xmlns:v="urn:schemas-microsoft-com:vml" xmlns:pvml="urn:schemas-microsoft-com:office:powerpoint" xmlns:com="http://schemas.openxmlformats.org/drawingml/2006/compatibility" xmlns:p14="http://schemas.microsoft.com/office/powerpoint/2010/main" xmlns:p15="http://schemas.microsoft.com/office/powerpoint/2012/main">
-  <p:cSld>
-    <p:spTree>
-      <p:nvGrpSpPr>
-        <p:cNvPr id="212" name="Shape 212"/>
-        <p:cNvGrpSpPr/>
-        <p:nvPr/>
-      </p:nvGrpSpPr>
-      <p:grpSpPr>
-        <a:xfrm>
-          <a:off x="0" y="0"/>
-          <a:ext cx="0" cy="0"/>
-          <a:chOff x="0" y="0"/>
-          <a:chExt cx="0" cy="0"/>
-        </a:xfrm>
-      </p:grpSpPr>
-      <p:pic>
-        <p:nvPicPr>
-          <p:cNvPr id="213" name="Google Shape;213;p36"/>
-          <p:cNvPicPr preferRelativeResize="0"/>
-          <p:nvPr/>
-        </p:nvPicPr>
-        <p:blipFill rotWithShape="1">
-          <a:blip r:embed="rId3">
-            <a:alphaModFix/>
-          </a:blip>
-          <a:srcRect b="31070" l="0" r="0" t="54581"/>
-          <a:stretch/>
-        </p:blipFill>
-        <p:spPr>
-          <a:xfrm>
-            <a:off x="1590525" y="3848050"/>
-            <a:ext cx="5962951" cy="1134376"/>
-          </a:xfrm>
-          <a:prstGeom prst="rect">
-            <a:avLst/>
-          </a:prstGeom>
-          <a:noFill/>
-          <a:ln>
-            <a:noFill/>
-          </a:ln>
-        </p:spPr>
-      </p:pic>
-      <p:pic>
-        <p:nvPicPr>
-          <p:cNvPr id="214" name="Google Shape;214;p36"/>
-          <p:cNvPicPr preferRelativeResize="0"/>
-          <p:nvPr/>
-        </p:nvPicPr>
-        <p:blipFill rotWithShape="1">
-          <a:blip r:embed="rId4">
-            <a:alphaModFix/>
-          </a:blip>
-          <a:srcRect b="68649" l="0" r="50114" t="6477"/>
-          <a:stretch/>
-        </p:blipFill>
-        <p:spPr>
-          <a:xfrm>
-            <a:off x="2668100" y="1295433"/>
-            <a:ext cx="3807800" cy="2552625"/>
-          </a:xfrm>
-          <a:prstGeom prst="rect">
-            <a:avLst/>
-          </a:prstGeom>
-          <a:noFill/>
-          <a:ln>
-            <a:noFill/>
-          </a:ln>
-        </p:spPr>
-      </p:pic>
-      <p:sp>
-        <p:nvSpPr>
-          <p:cNvPr id="215" name="Google Shape;215;p36"/>
-          <p:cNvSpPr/>
-          <p:nvPr/>
-        </p:nvSpPr>
-        <p:spPr>
-          <a:xfrm>
-            <a:off x="1763550" y="4194300"/>
-            <a:ext cx="5625600" cy="618300"/>
-          </a:xfrm>
-          <a:prstGeom prst="roundRect">
-            <a:avLst>
-              <a:gd fmla="val 16667" name="adj"/>
-            </a:avLst>
-          </a:prstGeom>
-          <a:noFill/>
-          <a:ln cap="flat" cmpd="sng" w="28575">
-            <a:solidFill>
-              <a:srgbClr val="FF0000"/>
-            </a:solidFill>
-            <a:prstDash val="solid"/>
-            <a:round/>
-            <a:headEnd len="sm" w="sm" type="none"/>
-            <a:tailEnd len="sm" w="sm" type="none"/>
-          </a:ln>
-        </p:spPr>
-        <p:txBody>
-          <a:bodyPr anchorCtr="0" anchor="ctr" bIns="91425" lIns="91425" spcFirstLastPara="1" rIns="91425" wrap="square" tIns="91425">
-            <a:noAutofit/>
-          </a:bodyPr>
-          <a:lstStyle/>
-          <a:p>
-            <a:pPr indent="0" lvl="0" marL="0" rtl="0" algn="l">
-              <a:spcBef>
-                <a:spcPts val="0"/>
-              </a:spcBef>
-              <a:spcAft>
-                <a:spcPts val="0"/>
-              </a:spcAft>
-              <a:buNone/>
-            </a:pPr>
-            <a:r>
-              <a:t/>
-            </a:r>
-            <a:endParaRPr/>
-          </a:p>
-        </p:txBody>
-      </p:sp>
-    </p:spTree>
-  </p:cSld>
-  <p:clrMapOvr>
-    <a:masterClrMapping/>
-  </p:clrMapOvr>
-</p:sld>
-</file>
-
-<file path=ppt/slides/slide25.xml><?xml version="1.0" encoding="utf-8"?>
-<p:sld xmlns:a="http://schemas.openxmlformats.org/drawingml/2006/main" xmlns:r="http://schemas.openxmlformats.org/officeDocument/2006/relationships" xmlns:mc="http://schemas.openxmlformats.org/markup-compatibility/2006" xmlns:mv="urn:schemas-microsoft-com:mac:vml" xmlns:p="http://schemas.openxmlformats.org/presentationml/2006/main" xmlns:c="http://schemas.openxmlformats.org/drawingml/2006/chart" xmlns:dgm="http://schemas.openxmlformats.org/drawingml/2006/diagram" xmlns:o="urn:schemas-microsoft-com:office:office" xmlns:v="urn:schemas-microsoft-com:vml" xmlns:pvml="urn:schemas-microsoft-com:office:powerpoint" xmlns:com="http://schemas.openxmlformats.org/drawingml/2006/compatibility" xmlns:p14="http://schemas.microsoft.com/office/powerpoint/2010/main" xmlns:p15="http://schemas.microsoft.com/office/powerpoint/2012/main">
-  <p:cSld>
-    <p:spTree>
-      <p:nvGrpSpPr>
-        <p:cNvPr id="219" name="Shape 219"/>
+        <p:cNvPr id="1" name="Shape 58"/>
         <p:cNvGrpSpPr/>
         <p:nvPr/>
       </p:nvGrpSpPr>
@@ -10276,8 +8615,10 @@
       </p:grpSpPr>
       <p:sp>
         <p:nvSpPr>
-          <p:cNvPr id="220" name="Google Shape;220;p37"/>
-          <p:cNvSpPr txBox="1"/>
+          <p:cNvPr id="59" name="Google Shape;59;p14"/>
+          <p:cNvSpPr txBox="1">
+            <a:spLocks noGrp="1"/>
+          </p:cNvSpPr>
           <p:nvPr>
             <p:ph type="ctrTitle"/>
           </p:nvPr>
@@ -10292,12 +8633,12 @@
           </a:prstGeom>
         </p:spPr>
         <p:txBody>
-          <a:bodyPr anchorCtr="0" anchor="b" bIns="91425" lIns="91425" spcFirstLastPara="1" rIns="91425" wrap="square" tIns="91425">
+          <a:bodyPr spcFirstLastPara="1" wrap="square" lIns="91425" tIns="91425" rIns="91425" bIns="91425" anchor="b" anchorCtr="0">
             <a:noAutofit/>
           </a:bodyPr>
           <a:lstStyle/>
           <a:p>
-            <a:pPr indent="0" lvl="0" marL="0" rtl="0" algn="ctr">
+            <a:pPr marL="0" lvl="0" indent="0" algn="ctr" rtl="0">
               <a:spcBef>
                 <a:spcPts val="0"/>
               </a:spcBef>
@@ -10316,10 +8657,12 @@
       </p:sp>
       <p:sp>
         <p:nvSpPr>
-          <p:cNvPr id="221" name="Google Shape;221;p37"/>
-          <p:cNvSpPr txBox="1"/>
+          <p:cNvPr id="60" name="Google Shape;60;p14"/>
+          <p:cNvSpPr txBox="1">
+            <a:spLocks noGrp="1"/>
+          </p:cNvSpPr>
           <p:nvPr>
-            <p:ph idx="1" type="subTitle"/>
+            <p:ph type="subTitle" idx="1"/>
           </p:nvPr>
         </p:nvSpPr>
         <p:spPr>
@@ -10332,12 +8675,12 @@
           </a:prstGeom>
         </p:spPr>
         <p:txBody>
-          <a:bodyPr anchorCtr="0" anchor="t" bIns="91425" lIns="91425" spcFirstLastPara="1" rIns="91425" wrap="square" tIns="91425">
+          <a:bodyPr spcFirstLastPara="1" wrap="square" lIns="91425" tIns="91425" rIns="91425" bIns="91425" anchor="t" anchorCtr="0">
             <a:noAutofit/>
           </a:bodyPr>
           <a:lstStyle/>
           <a:p>
-            <a:pPr indent="0" lvl="0" marL="0" rtl="0" algn="ctr">
+            <a:pPr marL="0" lvl="0" indent="0" algn="ctr" rtl="0">
               <a:spcBef>
                 <a:spcPts val="0"/>
               </a:spcBef>
@@ -10363,11 +8706,11 @@
 </file>
 
 <file path=ppt/slides/slide3.xml><?xml version="1.0" encoding="utf-8"?>
-<p:sld xmlns:a="http://schemas.openxmlformats.org/drawingml/2006/main" xmlns:r="http://schemas.openxmlformats.org/officeDocument/2006/relationships" xmlns:mc="http://schemas.openxmlformats.org/markup-compatibility/2006" xmlns:mv="urn:schemas-microsoft-com:mac:vml" xmlns:p="http://schemas.openxmlformats.org/presentationml/2006/main" xmlns:c="http://schemas.openxmlformats.org/drawingml/2006/chart" xmlns:dgm="http://schemas.openxmlformats.org/drawingml/2006/diagram" xmlns:o="urn:schemas-microsoft-com:office:office" xmlns:v="urn:schemas-microsoft-com:vml" xmlns:pvml="urn:schemas-microsoft-com:office:powerpoint" xmlns:com="http://schemas.openxmlformats.org/drawingml/2006/compatibility" xmlns:p14="http://schemas.microsoft.com/office/powerpoint/2010/main" xmlns:p15="http://schemas.microsoft.com/office/powerpoint/2012/main">
+<p:sld xmlns:a="http://schemas.openxmlformats.org/drawingml/2006/main" xmlns:r="http://schemas.openxmlformats.org/officeDocument/2006/relationships" xmlns:p="http://schemas.openxmlformats.org/presentationml/2006/main">
   <p:cSld>
     <p:spTree>
       <p:nvGrpSpPr>
-        <p:cNvPr id="64" name="Shape 64"/>
+        <p:cNvPr id="1" name="Shape 64"/>
         <p:cNvGrpSpPr/>
         <p:nvPr/>
       </p:nvGrpSpPr>
@@ -10382,7 +8725,9 @@
       <p:sp>
         <p:nvSpPr>
           <p:cNvPr id="65" name="Google Shape;65;p15"/>
-          <p:cNvSpPr txBox="1"/>
+          <p:cNvSpPr txBox="1">
+            <a:spLocks noGrp="1"/>
+          </p:cNvSpPr>
           <p:nvPr>
             <p:ph type="title"/>
           </p:nvPr>
@@ -10397,12 +8742,12 @@
           </a:prstGeom>
         </p:spPr>
         <p:txBody>
-          <a:bodyPr anchorCtr="0" anchor="ctr" bIns="91425" lIns="91425" spcFirstLastPara="1" rIns="91425" wrap="square" tIns="91425">
+          <a:bodyPr spcFirstLastPara="1" wrap="square" lIns="91425" tIns="91425" rIns="91425" bIns="91425" anchor="ctr" anchorCtr="0">
             <a:noAutofit/>
           </a:bodyPr>
           <a:lstStyle/>
           <a:p>
-            <a:pPr indent="0" lvl="0" marL="0" rtl="0" algn="ctr">
+            <a:pPr marL="0" lvl="0" indent="0" algn="ctr" rtl="0">
               <a:spcBef>
                 <a:spcPts val="0"/>
               </a:spcBef>
@@ -10428,11 +8773,11 @@
 </file>
 
 <file path=ppt/slides/slide4.xml><?xml version="1.0" encoding="utf-8"?>
-<p:sld xmlns:a="http://schemas.openxmlformats.org/drawingml/2006/main" xmlns:r="http://schemas.openxmlformats.org/officeDocument/2006/relationships" xmlns:mc="http://schemas.openxmlformats.org/markup-compatibility/2006" xmlns:mv="urn:schemas-microsoft-com:mac:vml" xmlns:p="http://schemas.openxmlformats.org/presentationml/2006/main" xmlns:c="http://schemas.openxmlformats.org/drawingml/2006/chart" xmlns:dgm="http://schemas.openxmlformats.org/drawingml/2006/diagram" xmlns:o="urn:schemas-microsoft-com:office:office" xmlns:v="urn:schemas-microsoft-com:vml" xmlns:pvml="urn:schemas-microsoft-com:office:powerpoint" xmlns:com="http://schemas.openxmlformats.org/drawingml/2006/compatibility" xmlns:p14="http://schemas.microsoft.com/office/powerpoint/2010/main" xmlns:p15="http://schemas.microsoft.com/office/powerpoint/2012/main">
+<p:sld xmlns:a="http://schemas.openxmlformats.org/drawingml/2006/main" xmlns:r="http://schemas.openxmlformats.org/officeDocument/2006/relationships" xmlns:p="http://schemas.openxmlformats.org/presentationml/2006/main">
   <p:cSld>
     <p:spTree>
       <p:nvGrpSpPr>
-        <p:cNvPr id="69" name="Shape 69"/>
+        <p:cNvPr id="1" name="Shape 69"/>
         <p:cNvGrpSpPr/>
         <p:nvPr/>
       </p:nvGrpSpPr>
@@ -10481,11 +8826,11 @@
 </file>
 
 <file path=ppt/slides/slide5.xml><?xml version="1.0" encoding="utf-8"?>
-<p:sld xmlns:a="http://schemas.openxmlformats.org/drawingml/2006/main" xmlns:r="http://schemas.openxmlformats.org/officeDocument/2006/relationships" xmlns:mc="http://schemas.openxmlformats.org/markup-compatibility/2006" xmlns:mv="urn:schemas-microsoft-com:mac:vml" xmlns:p="http://schemas.openxmlformats.org/presentationml/2006/main" xmlns:c="http://schemas.openxmlformats.org/drawingml/2006/chart" xmlns:dgm="http://schemas.openxmlformats.org/drawingml/2006/diagram" xmlns:o="urn:schemas-microsoft-com:office:office" xmlns:v="urn:schemas-microsoft-com:vml" xmlns:pvml="urn:schemas-microsoft-com:office:powerpoint" xmlns:com="http://schemas.openxmlformats.org/drawingml/2006/compatibility" xmlns:p14="http://schemas.microsoft.com/office/powerpoint/2010/main" xmlns:p15="http://schemas.microsoft.com/office/powerpoint/2012/main">
+<p:sld xmlns:a="http://schemas.openxmlformats.org/drawingml/2006/main" xmlns:r="http://schemas.openxmlformats.org/officeDocument/2006/relationships" xmlns:p="http://schemas.openxmlformats.org/presentationml/2006/main">
   <p:cSld>
     <p:spTree>
       <p:nvGrpSpPr>
-        <p:cNvPr id="74" name="Shape 74"/>
+        <p:cNvPr id="1" name="Shape 74"/>
         <p:cNvGrpSpPr/>
         <p:nvPr/>
       </p:nvGrpSpPr>
@@ -10548,14 +8893,14 @@
             <a:avLst/>
           </a:prstGeom>
           <a:noFill/>
-          <a:ln cap="flat" cmpd="sng" w="28575">
+          <a:ln w="28575" cap="flat" cmpd="sng">
             <a:solidFill>
               <a:srgbClr val="FF0000"/>
             </a:solidFill>
             <a:prstDash val="solid"/>
             <a:round/>
-            <a:headEnd len="sm" w="sm" type="none"/>
-            <a:tailEnd len="sm" w="sm" type="none"/>
+            <a:headEnd type="none" w="sm" len="sm"/>
+            <a:tailEnd type="none" w="sm" len="sm"/>
           </a:ln>
         </p:spPr>
       </p:pic>
@@ -10579,12 +8924,12 @@
           </a:ln>
         </p:spPr>
         <p:txBody>
-          <a:bodyPr anchorCtr="0" anchor="ctr" bIns="91425" lIns="91425" spcFirstLastPara="1" rIns="91425" wrap="square" tIns="91425">
+          <a:bodyPr spcFirstLastPara="1" wrap="square" lIns="91425" tIns="91425" rIns="91425" bIns="91425" anchor="ctr" anchorCtr="0">
             <a:noAutofit/>
           </a:bodyPr>
           <a:lstStyle/>
           <a:p>
-            <a:pPr indent="0" lvl="0" marL="0" rtl="0" algn="ctr">
+            <a:pPr marL="0" lvl="0" indent="0" algn="ctr" rtl="0">
               <a:spcBef>
                 <a:spcPts val="0"/>
               </a:spcBef>
@@ -10621,12 +8966,12 @@
           </a:ln>
         </p:spPr>
         <p:txBody>
-          <a:bodyPr anchorCtr="0" anchor="ctr" bIns="91425" lIns="91425" spcFirstLastPara="1" rIns="91425" wrap="square" tIns="91425">
+          <a:bodyPr spcFirstLastPara="1" wrap="square" lIns="91425" tIns="91425" rIns="91425" bIns="91425" anchor="ctr" anchorCtr="0">
             <a:noAutofit/>
           </a:bodyPr>
           <a:lstStyle/>
           <a:p>
-            <a:pPr indent="0" lvl="0" marL="0" rtl="0" algn="ctr">
+            <a:pPr marL="0" lvl="0" indent="0" algn="ctr" rtl="0">
               <a:spcBef>
                 <a:spcPts val="0"/>
               </a:spcBef>
@@ -10652,11 +8997,11 @@
 </file>
 
 <file path=ppt/slides/slide6.xml><?xml version="1.0" encoding="utf-8"?>
-<p:sld xmlns:a="http://schemas.openxmlformats.org/drawingml/2006/main" xmlns:r="http://schemas.openxmlformats.org/officeDocument/2006/relationships" xmlns:mc="http://schemas.openxmlformats.org/markup-compatibility/2006" xmlns:mv="urn:schemas-microsoft-com:mac:vml" xmlns:p="http://schemas.openxmlformats.org/presentationml/2006/main" xmlns:c="http://schemas.openxmlformats.org/drawingml/2006/chart" xmlns:dgm="http://schemas.openxmlformats.org/drawingml/2006/diagram" xmlns:o="urn:schemas-microsoft-com:office:office" xmlns:v="urn:schemas-microsoft-com:vml" xmlns:pvml="urn:schemas-microsoft-com:office:powerpoint" xmlns:com="http://schemas.openxmlformats.org/drawingml/2006/compatibility" xmlns:p14="http://schemas.microsoft.com/office/powerpoint/2010/main" xmlns:p15="http://schemas.microsoft.com/office/powerpoint/2012/main">
+<p:sld xmlns:a="http://schemas.openxmlformats.org/drawingml/2006/main" xmlns:r="http://schemas.openxmlformats.org/officeDocument/2006/relationships" xmlns:p="http://schemas.openxmlformats.org/presentationml/2006/main">
   <p:cSld>
     <p:spTree>
       <p:nvGrpSpPr>
-        <p:cNvPr id="82" name="Shape 82"/>
+        <p:cNvPr id="1" name="Shape 82"/>
         <p:cNvGrpSpPr/>
         <p:nvPr/>
       </p:nvGrpSpPr>
@@ -10716,12 +9061,12 @@
           </a:ln>
         </p:spPr>
         <p:txBody>
-          <a:bodyPr anchorCtr="0" anchor="ctr" bIns="91425" lIns="91425" spcFirstLastPara="1" rIns="91425" wrap="square" tIns="91425">
+          <a:bodyPr spcFirstLastPara="1" wrap="square" lIns="91425" tIns="91425" rIns="91425" bIns="91425" anchor="ctr" anchorCtr="0">
             <a:noAutofit/>
           </a:bodyPr>
           <a:lstStyle/>
           <a:p>
-            <a:pPr indent="0" lvl="0" marL="0" rtl="0" algn="l">
+            <a:pPr marL="0" lvl="0" indent="0" algn="l" rtl="0">
               <a:spcBef>
                 <a:spcPts val="0"/>
               </a:spcBef>
@@ -10737,7 +9082,19 @@
             <a:endParaRPr/>
           </a:p>
           <a:p>
-            <a:pPr indent="0" lvl="0" marL="0" rtl="0" algn="l">
+            <a:pPr marL="0" lvl="0" indent="0" algn="l" rtl="0">
+              <a:spcBef>
+                <a:spcPts val="0"/>
+              </a:spcBef>
+              <a:spcAft>
+                <a:spcPts val="0"/>
+              </a:spcAft>
+              <a:buNone/>
+            </a:pPr>
+            <a:endParaRPr/>
+          </a:p>
+          <a:p>
+            <a:pPr marL="0" lvl="0" indent="0" algn="l" rtl="0">
               <a:spcBef>
                 <a:spcPts val="0"/>
               </a:spcBef>
@@ -10747,12 +9104,13 @@
               <a:buNone/>
             </a:pPr>
             <a:r>
-              <a:t/>
+              <a:rPr lang="en-GB"/>
+              <a:t>We can say that the language that satisfies this property: </a:t>
             </a:r>
             <a:endParaRPr/>
           </a:p>
           <a:p>
-            <a:pPr indent="0" lvl="0" marL="0" rtl="0" algn="l">
+            <a:pPr marL="0" lvl="0" indent="0" algn="l" rtl="0">
               <a:spcBef>
                 <a:spcPts val="0"/>
               </a:spcBef>
@@ -10761,33 +9119,10 @@
               </a:spcAft>
               <a:buNone/>
             </a:pPr>
-            <a:r>
-              <a:rPr lang="en-GB"/>
-              <a:t>We can say that the </a:t>
-            </a:r>
-            <a:r>
-              <a:rPr lang="en-GB"/>
-              <a:t>language that satisfies this property: </a:t>
-            </a:r>
             <a:endParaRPr/>
           </a:p>
           <a:p>
-            <a:pPr indent="0" lvl="0" marL="0" rtl="0" algn="l">
-              <a:spcBef>
-                <a:spcPts val="0"/>
-              </a:spcBef>
-              <a:spcAft>
-                <a:spcPts val="0"/>
-              </a:spcAft>
-              <a:buNone/>
-            </a:pPr>
-            <a:r>
-              <a:t/>
-            </a:r>
-            <a:endParaRPr/>
-          </a:p>
-          <a:p>
-            <a:pPr indent="0" lvl="0" marL="0" rtl="0" algn="l">
+            <a:pPr marL="0" lvl="0" indent="0" algn="l" rtl="0">
               <a:spcBef>
                 <a:spcPts val="0"/>
               </a:spcBef>
@@ -10814,7 +9149,7 @@
             <a:endParaRPr/>
           </a:p>
           <a:p>
-            <a:pPr indent="0" lvl="0" marL="0" rtl="0" algn="l">
+            <a:pPr marL="0" lvl="0" indent="0" algn="l" rtl="0">
               <a:spcBef>
                 <a:spcPts val="0"/>
               </a:spcBef>
@@ -10830,7 +9165,7 @@
             <a:endParaRPr/>
           </a:p>
           <a:p>
-            <a:pPr indent="0" lvl="0" marL="0" rtl="0" algn="l">
+            <a:pPr marL="0" lvl="0" indent="0" algn="l" rtl="0">
               <a:spcBef>
                 <a:spcPts val="0"/>
               </a:spcBef>
@@ -10839,13 +9174,10 @@
               </a:spcAft>
               <a:buNone/>
             </a:pPr>
-            <a:r>
-              <a:t/>
-            </a:r>
             <a:endParaRPr/>
           </a:p>
           <a:p>
-            <a:pPr indent="0" lvl="0" marL="0" rtl="0" algn="l">
+            <a:pPr marL="0" lvl="0" indent="0" algn="l" rtl="0">
               <a:spcBef>
                 <a:spcPts val="0"/>
               </a:spcBef>
@@ -10869,7 +9201,7 @@
             </a:endParaRPr>
           </a:p>
           <a:p>
-            <a:pPr indent="0" lvl="0" marL="0" rtl="0" algn="l">
+            <a:pPr marL="0" lvl="0" indent="0" algn="l" rtl="0">
               <a:spcBef>
                 <a:spcPts val="0"/>
               </a:spcBef>
@@ -10878,13 +9210,10 @@
               </a:spcAft>
               <a:buNone/>
             </a:pPr>
-            <a:r>
-              <a:t/>
-            </a:r>
             <a:endParaRPr/>
           </a:p>
           <a:p>
-            <a:pPr indent="0" lvl="0" marL="0" rtl="0" algn="l">
+            <a:pPr marL="0" lvl="0" indent="0" algn="l" rtl="0">
               <a:spcBef>
                 <a:spcPts val="0"/>
               </a:spcBef>
@@ -10893,13 +9222,10 @@
               </a:spcAft>
               <a:buNone/>
             </a:pPr>
-            <a:r>
-              <a:t/>
-            </a:r>
             <a:endParaRPr/>
           </a:p>
           <a:p>
-            <a:pPr indent="0" lvl="0" marL="0" rtl="0" algn="l">
+            <a:pPr marL="0" lvl="0" indent="0" algn="l" rtl="0">
               <a:spcBef>
                 <a:spcPts val="0"/>
               </a:spcBef>
@@ -10926,7 +9252,7 @@
           <a:blip r:embed="rId4">
             <a:alphaModFix/>
           </a:blip>
-          <a:srcRect b="65385" l="0" r="0" t="22762"/>
+          <a:srcRect t="22762" b="65385"/>
           <a:stretch/>
         </p:blipFill>
         <p:spPr>
@@ -10938,14 +9264,14 @@
             <a:avLst/>
           </a:prstGeom>
           <a:noFill/>
-          <a:ln cap="flat" cmpd="sng" w="28575">
+          <a:ln w="28575" cap="flat" cmpd="sng">
             <a:solidFill>
               <a:srgbClr val="FF0000"/>
             </a:solidFill>
             <a:prstDash val="solid"/>
             <a:round/>
-            <a:headEnd len="sm" w="sm" type="none"/>
-            <a:tailEnd len="sm" w="sm" type="none"/>
+            <a:headEnd type="none" w="sm" len="sm"/>
+            <a:tailEnd type="none" w="sm" len="sm"/>
           </a:ln>
         </p:spPr>
       </p:pic>
@@ -10964,14 +9290,14 @@
             <a:avLst/>
           </a:prstGeom>
           <a:noFill/>
-          <a:ln cap="flat" cmpd="sng" w="9525">
+          <a:ln w="9525" cap="flat" cmpd="sng">
             <a:solidFill>
               <a:srgbClr val="FF0000"/>
             </a:solidFill>
             <a:prstDash val="solid"/>
             <a:round/>
-            <a:headEnd len="med" w="med" type="none"/>
-            <a:tailEnd len="med" w="med" type="none"/>
+            <a:headEnd type="none" w="med" len="med"/>
+            <a:tailEnd type="none" w="med" len="med"/>
           </a:ln>
         </p:spPr>
       </p:cxnSp>
@@ -10990,20 +9316,20 @@
             <a:avLst/>
           </a:prstGeom>
           <a:noFill/>
-          <a:ln cap="flat" cmpd="sng" w="9525">
+          <a:ln w="9525" cap="flat" cmpd="sng">
             <a:solidFill>
               <a:srgbClr val="FF0000"/>
             </a:solidFill>
             <a:prstDash val="solid"/>
             <a:round/>
-            <a:headEnd len="med" w="med" type="none"/>
-            <a:tailEnd len="med" w="med" type="none"/>
+            <a:headEnd type="none" w="med" len="med"/>
+            <a:tailEnd type="none" w="med" len="med"/>
           </a:ln>
         </p:spPr>
       </p:cxnSp>
       <p:pic>
         <p:nvPicPr>
-          <p:cNvPr descr="fini" id="88" name="Google Shape;88;p18" title="MathEquation,#000000"/>
+          <p:cNvPr id="88" name="Google Shape;88;p18" descr="fini" title="MathEquation,#000000"/>
           <p:cNvPicPr preferRelativeResize="0"/>
           <p:nvPr/>
         </p:nvPicPr>
@@ -11038,11 +9364,11 @@
 </file>
 
 <file path=ppt/slides/slide7.xml><?xml version="1.0" encoding="utf-8"?>
-<p:sld xmlns:a="http://schemas.openxmlformats.org/drawingml/2006/main" xmlns:r="http://schemas.openxmlformats.org/officeDocument/2006/relationships" xmlns:mc="http://schemas.openxmlformats.org/markup-compatibility/2006" xmlns:mv="urn:schemas-microsoft-com:mac:vml" xmlns:p="http://schemas.openxmlformats.org/presentationml/2006/main" xmlns:c="http://schemas.openxmlformats.org/drawingml/2006/chart" xmlns:dgm="http://schemas.openxmlformats.org/drawingml/2006/diagram" xmlns:o="urn:schemas-microsoft-com:office:office" xmlns:v="urn:schemas-microsoft-com:vml" xmlns:pvml="urn:schemas-microsoft-com:office:powerpoint" xmlns:com="http://schemas.openxmlformats.org/drawingml/2006/compatibility" xmlns:p14="http://schemas.microsoft.com/office/powerpoint/2010/main" xmlns:p15="http://schemas.microsoft.com/office/powerpoint/2012/main">
+<p:sld xmlns:a="http://schemas.openxmlformats.org/drawingml/2006/main" xmlns:r="http://schemas.openxmlformats.org/officeDocument/2006/relationships" xmlns:p="http://schemas.openxmlformats.org/presentationml/2006/main">
   <p:cSld>
     <p:spTree>
       <p:nvGrpSpPr>
-        <p:cNvPr id="92" name="Shape 92"/>
+        <p:cNvPr id="1" name="Shape 92"/>
         <p:cNvGrpSpPr/>
         <p:nvPr/>
       </p:nvGrpSpPr>
@@ -11091,11 +9417,11 @@
 </file>
 
 <file path=ppt/slides/slide8.xml><?xml version="1.0" encoding="utf-8"?>
-<p:sld xmlns:a="http://schemas.openxmlformats.org/drawingml/2006/main" xmlns:r="http://schemas.openxmlformats.org/officeDocument/2006/relationships" xmlns:mc="http://schemas.openxmlformats.org/markup-compatibility/2006" xmlns:mv="urn:schemas-microsoft-com:mac:vml" xmlns:p="http://schemas.openxmlformats.org/presentationml/2006/main" xmlns:c="http://schemas.openxmlformats.org/drawingml/2006/chart" xmlns:dgm="http://schemas.openxmlformats.org/drawingml/2006/diagram" xmlns:o="urn:schemas-microsoft-com:office:office" xmlns:v="urn:schemas-microsoft-com:vml" xmlns:pvml="urn:schemas-microsoft-com:office:powerpoint" xmlns:com="http://schemas.openxmlformats.org/drawingml/2006/compatibility" xmlns:p14="http://schemas.microsoft.com/office/powerpoint/2010/main" xmlns:p15="http://schemas.microsoft.com/office/powerpoint/2012/main">
+<p:sld xmlns:a="http://schemas.openxmlformats.org/drawingml/2006/main" xmlns:r="http://schemas.openxmlformats.org/officeDocument/2006/relationships" xmlns:p="http://schemas.openxmlformats.org/presentationml/2006/main">
   <p:cSld>
     <p:spTree>
       <p:nvGrpSpPr>
-        <p:cNvPr id="97" name="Shape 97"/>
+        <p:cNvPr id="1" name="Shape 97"/>
         <p:cNvGrpSpPr/>
         <p:nvPr/>
       </p:nvGrpSpPr>
@@ -11155,12 +9481,12 @@
           </a:ln>
         </p:spPr>
         <p:txBody>
-          <a:bodyPr anchorCtr="0" anchor="ctr" bIns="91425" lIns="91425" spcFirstLastPara="1" rIns="91425" wrap="square" tIns="91425">
+          <a:bodyPr spcFirstLastPara="1" wrap="square" lIns="91425" tIns="91425" rIns="91425" bIns="91425" anchor="ctr" anchorCtr="0">
             <a:noAutofit/>
           </a:bodyPr>
           <a:lstStyle/>
           <a:p>
-            <a:pPr indent="0" lvl="0" marL="0" rtl="0" algn="l">
+            <a:pPr marL="0" lvl="0" indent="0" algn="l" rtl="0">
               <a:spcBef>
                 <a:spcPts val="0"/>
               </a:spcBef>
@@ -11176,7 +9502,7 @@
             <a:endParaRPr/>
           </a:p>
           <a:p>
-            <a:pPr indent="0" lvl="0" marL="0" rtl="0" algn="l">
+            <a:pPr marL="0" lvl="0" indent="0" algn="l" rtl="0">
               <a:spcBef>
                 <a:spcPts val="0"/>
               </a:spcBef>
@@ -11185,13 +9511,10 @@
               </a:spcAft>
               <a:buNone/>
             </a:pPr>
-            <a:r>
-              <a:t/>
-            </a:r>
             <a:endParaRPr/>
           </a:p>
           <a:p>
-            <a:pPr indent="0" lvl="0" marL="0" rtl="0" algn="l">
+            <a:pPr marL="0" lvl="0" indent="0" algn="l" rtl="0">
               <a:spcBef>
                 <a:spcPts val="0"/>
               </a:spcBef>
@@ -11207,7 +9530,7 @@
             <a:endParaRPr/>
           </a:p>
           <a:p>
-            <a:pPr indent="0" lvl="0" marL="0" rtl="0" algn="l">
+            <a:pPr marL="0" lvl="0" indent="0" algn="l" rtl="0">
               <a:spcBef>
                 <a:spcPts val="0"/>
               </a:spcBef>
@@ -11216,13 +9539,10 @@
               </a:spcAft>
               <a:buNone/>
             </a:pPr>
-            <a:r>
-              <a:t/>
-            </a:r>
             <a:endParaRPr/>
           </a:p>
           <a:p>
-            <a:pPr indent="0" lvl="0" marL="0" rtl="0" algn="l">
+            <a:pPr marL="0" lvl="0" indent="0" algn="l" rtl="0">
               <a:spcBef>
                 <a:spcPts val="0"/>
               </a:spcBef>
@@ -11249,7 +9569,7 @@
       </p:sp>
       <p:pic>
         <p:nvPicPr>
-          <p:cNvPr descr="fini" id="100" name="Google Shape;100;p20" title="MathEquation,#000000"/>
+          <p:cNvPr id="100" name="Google Shape;100;p20" descr="fini" title="MathEquation,#000000"/>
           <p:cNvPicPr preferRelativeResize="0"/>
           <p:nvPr/>
         </p:nvPicPr>
@@ -11284,11 +9604,11 @@
 </file>
 
 <file path=ppt/slides/slide9.xml><?xml version="1.0" encoding="utf-8"?>
-<p:sld xmlns:a="http://schemas.openxmlformats.org/drawingml/2006/main" xmlns:r="http://schemas.openxmlformats.org/officeDocument/2006/relationships" xmlns:mc="http://schemas.openxmlformats.org/markup-compatibility/2006" xmlns:mv="urn:schemas-microsoft-com:mac:vml" xmlns:p="http://schemas.openxmlformats.org/presentationml/2006/main" xmlns:c="http://schemas.openxmlformats.org/drawingml/2006/chart" xmlns:dgm="http://schemas.openxmlformats.org/drawingml/2006/diagram" xmlns:o="urn:schemas-microsoft-com:office:office" xmlns:v="urn:schemas-microsoft-com:vml" xmlns:pvml="urn:schemas-microsoft-com:office:powerpoint" xmlns:com="http://schemas.openxmlformats.org/drawingml/2006/compatibility" xmlns:p14="http://schemas.microsoft.com/office/powerpoint/2010/main" xmlns:p15="http://schemas.microsoft.com/office/powerpoint/2012/main">
+<p:sld xmlns:a="http://schemas.openxmlformats.org/drawingml/2006/main" xmlns:r="http://schemas.openxmlformats.org/officeDocument/2006/relationships" xmlns:p="http://schemas.openxmlformats.org/presentationml/2006/main">
   <p:cSld>
     <p:spTree>
       <p:nvGrpSpPr>
-        <p:cNvPr id="104" name="Shape 104"/>
+        <p:cNvPr id="1" name="Shape 104"/>
         <p:cNvGrpSpPr/>
         <p:nvPr/>
       </p:nvGrpSpPr>
@@ -11310,7 +9630,7 @@
           <a:blip r:embed="rId3">
             <a:alphaModFix/>
           </a:blip>
-          <a:srcRect b="27166" l="0" r="0" t="0"/>
+          <a:srcRect b="27166"/>
           <a:stretch/>
         </p:blipFill>
         <p:spPr>
@@ -11337,7 +9657,7 @@
           <a:blip r:embed="rId4">
             <a:alphaModFix/>
           </a:blip>
-          <a:srcRect b="88036" l="0" r="0" t="3640"/>
+          <a:srcRect t="3640" b="88036"/>
           <a:stretch/>
         </p:blipFill>
         <p:spPr>
@@ -11363,7 +9683,7 @@
 </file>
 
 <file path=ppt/theme/theme1.xml><?xml version="1.0" encoding="utf-8"?>
-<a:theme xmlns:a="http://schemas.openxmlformats.org/drawingml/2006/main" xmlns:r="http://schemas.openxmlformats.org/officeDocument/2006/relationships" name="Simple Light">
+<a:theme xmlns:a="http://schemas.openxmlformats.org/drawingml/2006/main" name="Simple Light">
   <a:themeElements>
     <a:clrScheme name="Simple Light">
       <a:dk1>
@@ -11638,11 +9958,13 @@
       </a:bgFillStyleLst>
     </a:fmtScheme>
   </a:themeElements>
+  <a:objectDefaults/>
+  <a:extraClrSchemeLst/>
 </a:theme>
 </file>
 
 <file path=ppt/theme/theme2.xml><?xml version="1.0" encoding="utf-8"?>
-<a:theme xmlns:a="http://schemas.openxmlformats.org/drawingml/2006/main" xmlns:r="http://schemas.openxmlformats.org/officeDocument/2006/relationships">
+<a:theme xmlns:a="http://schemas.openxmlformats.org/drawingml/2006/main">
   <a:themeElements>
     <a:clrScheme name="Default">
       <a:dk1>
@@ -11917,5 +10239,7 @@
       </a:bgFillStyleLst>
     </a:fmtScheme>
   </a:themeElements>
+  <a:objectDefaults/>
+  <a:extraClrSchemeLst/>
 </a:theme>
 </file>
--- a/files/Tutorial-9/CSC236 Tutorial Slides.pptx
+++ b/files/Tutorial-9/CSC236 Tutorial Slides.pptx
@@ -5,7 +5,7 @@
     <p:sldMasterId id="2147483659" r:id="rId1"/>
   </p:sldMasterIdLst>
   <p:notesMasterIdLst>
-    <p:notesMasterId r:id="rId19"/>
+    <p:notesMasterId r:id="rId17"/>
   </p:notesMasterIdLst>
   <p:sldIdLst>
     <p:sldId id="256" r:id="rId2"/>
@@ -22,9 +22,7 @@
     <p:sldId id="267" r:id="rId13"/>
     <p:sldId id="268" r:id="rId14"/>
     <p:sldId id="269" r:id="rId15"/>
-    <p:sldId id="270" r:id="rId16"/>
-    <p:sldId id="281" r:id="rId17"/>
-    <p:sldId id="280" r:id="rId18"/>
+    <p:sldId id="280" r:id="rId16"/>
   </p:sldIdLst>
   <p:sldSz cx="9144000" cy="5143500" type="screen16x9"/>
   <p:notesSz cx="6858000" cy="9144000"/>
@@ -1340,219 +1338,6 @@
 </file>
 
 <file path=ppt/notesSlides/notesSlide15.xml><?xml version="1.0" encoding="utf-8"?>
-<p:notes xmlns:a="http://schemas.openxmlformats.org/drawingml/2006/main" xmlns:r="http://schemas.openxmlformats.org/officeDocument/2006/relationships" xmlns:p="http://schemas.openxmlformats.org/presentationml/2006/main" showMasterSp="0" showMasterPhAnim="0">
-  <p:cSld>
-    <p:spTree>
-      <p:nvGrpSpPr>
-        <p:cNvPr id="1" name="Shape 150"/>
-        <p:cNvGrpSpPr/>
-        <p:nvPr/>
-      </p:nvGrpSpPr>
-      <p:grpSpPr>
-        <a:xfrm>
-          <a:off x="0" y="0"/>
-          <a:ext cx="0" cy="0"/>
-          <a:chOff x="0" y="0"/>
-          <a:chExt cx="0" cy="0"/>
-        </a:xfrm>
-      </p:grpSpPr>
-      <p:sp>
-        <p:nvSpPr>
-          <p:cNvPr id="151" name="Google Shape;151;g70cc9d9068e7f0aa_0:notes"/>
-          <p:cNvSpPr>
-            <a:spLocks noGrp="1" noRot="1" noChangeAspect="1"/>
-          </p:cNvSpPr>
-          <p:nvPr>
-            <p:ph type="sldImg" idx="2"/>
-          </p:nvPr>
-        </p:nvSpPr>
-        <p:spPr>
-          <a:xfrm>
-            <a:off x="381000" y="685800"/>
-            <a:ext cx="6096000" cy="3429000"/>
-          </a:xfrm>
-          <a:custGeom>
-            <a:avLst/>
-            <a:gdLst/>
-            <a:ahLst/>
-            <a:cxnLst/>
-            <a:rect l="l" t="t" r="r" b="b"/>
-            <a:pathLst>
-              <a:path w="120000" h="120000" extrusionOk="0">
-                <a:moveTo>
-                  <a:pt x="0" y="0"/>
-                </a:moveTo>
-                <a:lnTo>
-                  <a:pt x="120000" y="0"/>
-                </a:lnTo>
-                <a:lnTo>
-                  <a:pt x="120000" y="120000"/>
-                </a:lnTo>
-                <a:lnTo>
-                  <a:pt x="0" y="120000"/>
-                </a:lnTo>
-                <a:close/>
-              </a:path>
-            </a:pathLst>
-          </a:custGeom>
-        </p:spPr>
-      </p:sp>
-      <p:sp>
-        <p:nvSpPr>
-          <p:cNvPr id="152" name="Google Shape;152;g70cc9d9068e7f0aa_0:notes"/>
-          <p:cNvSpPr txBox="1">
-            <a:spLocks noGrp="1"/>
-          </p:cNvSpPr>
-          <p:nvPr>
-            <p:ph type="body" idx="1"/>
-          </p:nvPr>
-        </p:nvSpPr>
-        <p:spPr>
-          <a:xfrm>
-            <a:off x="685800" y="4343400"/>
-            <a:ext cx="5486400" cy="4114800"/>
-          </a:xfrm>
-          <a:prstGeom prst="rect">
-            <a:avLst/>
-          </a:prstGeom>
-        </p:spPr>
-        <p:txBody>
-          <a:bodyPr spcFirstLastPara="1" wrap="square" lIns="91425" tIns="91425" rIns="91425" bIns="91425" anchor="t" anchorCtr="0">
-            <a:noAutofit/>
-          </a:bodyPr>
-          <a:lstStyle/>
-          <a:p>
-            <a:pPr marL="0" lvl="0" indent="0" algn="l" rtl="0">
-              <a:spcBef>
-                <a:spcPts val="0"/>
-              </a:spcBef>
-              <a:spcAft>
-                <a:spcPts val="0"/>
-              </a:spcAft>
-              <a:buNone/>
-            </a:pPr>
-            <a:endParaRPr/>
-          </a:p>
-        </p:txBody>
-      </p:sp>
-    </p:spTree>
-  </p:cSld>
-  <p:clrMapOvr>
-    <a:masterClrMapping/>
-  </p:clrMapOvr>
-</p:notes>
-</file>
-
-<file path=ppt/notesSlides/notesSlide16.xml><?xml version="1.0" encoding="utf-8"?>
-<p:notes xmlns:a="http://schemas.openxmlformats.org/drawingml/2006/main" xmlns:r="http://schemas.openxmlformats.org/officeDocument/2006/relationships" xmlns:p="http://schemas.openxmlformats.org/presentationml/2006/main" showMasterSp="0" showMasterPhAnim="0">
-  <p:cSld>
-    <p:spTree>
-      <p:nvGrpSpPr>
-        <p:cNvPr id="1" name="Shape 150"/>
-        <p:cNvGrpSpPr/>
-        <p:nvPr/>
-      </p:nvGrpSpPr>
-      <p:grpSpPr>
-        <a:xfrm>
-          <a:off x="0" y="0"/>
-          <a:ext cx="0" cy="0"/>
-          <a:chOff x="0" y="0"/>
-          <a:chExt cx="0" cy="0"/>
-        </a:xfrm>
-      </p:grpSpPr>
-      <p:sp>
-        <p:nvSpPr>
-          <p:cNvPr id="151" name="Google Shape;151;g70cc9d9068e7f0aa_0:notes"/>
-          <p:cNvSpPr>
-            <a:spLocks noGrp="1" noRot="1" noChangeAspect="1"/>
-          </p:cNvSpPr>
-          <p:nvPr>
-            <p:ph type="sldImg" idx="2"/>
-          </p:nvPr>
-        </p:nvSpPr>
-        <p:spPr>
-          <a:xfrm>
-            <a:off x="381000" y="685800"/>
-            <a:ext cx="6096000" cy="3429000"/>
-          </a:xfrm>
-          <a:custGeom>
-            <a:avLst/>
-            <a:gdLst/>
-            <a:ahLst/>
-            <a:cxnLst/>
-            <a:rect l="l" t="t" r="r" b="b"/>
-            <a:pathLst>
-              <a:path w="120000" h="120000" extrusionOk="0">
-                <a:moveTo>
-                  <a:pt x="0" y="0"/>
-                </a:moveTo>
-                <a:lnTo>
-                  <a:pt x="120000" y="0"/>
-                </a:lnTo>
-                <a:lnTo>
-                  <a:pt x="120000" y="120000"/>
-                </a:lnTo>
-                <a:lnTo>
-                  <a:pt x="0" y="120000"/>
-                </a:lnTo>
-                <a:close/>
-              </a:path>
-            </a:pathLst>
-          </a:custGeom>
-        </p:spPr>
-      </p:sp>
-      <p:sp>
-        <p:nvSpPr>
-          <p:cNvPr id="152" name="Google Shape;152;g70cc9d9068e7f0aa_0:notes"/>
-          <p:cNvSpPr txBox="1">
-            <a:spLocks noGrp="1"/>
-          </p:cNvSpPr>
-          <p:nvPr>
-            <p:ph type="body" idx="1"/>
-          </p:nvPr>
-        </p:nvSpPr>
-        <p:spPr>
-          <a:xfrm>
-            <a:off x="685800" y="4343400"/>
-            <a:ext cx="5486400" cy="4114800"/>
-          </a:xfrm>
-          <a:prstGeom prst="rect">
-            <a:avLst/>
-          </a:prstGeom>
-        </p:spPr>
-        <p:txBody>
-          <a:bodyPr spcFirstLastPara="1" wrap="square" lIns="91425" tIns="91425" rIns="91425" bIns="91425" anchor="t" anchorCtr="0">
-            <a:noAutofit/>
-          </a:bodyPr>
-          <a:lstStyle/>
-          <a:p>
-            <a:pPr marL="0" lvl="0" indent="0" algn="l" rtl="0">
-              <a:spcBef>
-                <a:spcPts val="0"/>
-              </a:spcBef>
-              <a:spcAft>
-                <a:spcPts val="0"/>
-              </a:spcAft>
-              <a:buNone/>
-            </a:pPr>
-            <a:endParaRPr/>
-          </a:p>
-        </p:txBody>
-      </p:sp>
-    </p:spTree>
-    <p:extLst>
-      <p:ext uri="{BB962C8B-B14F-4D97-AF65-F5344CB8AC3E}">
-        <p14:creationId xmlns:p14="http://schemas.microsoft.com/office/powerpoint/2010/main" val="2214019374"/>
-      </p:ext>
-    </p:extLst>
-  </p:cSld>
-  <p:clrMapOvr>
-    <a:masterClrMapping/>
-  </p:clrMapOvr>
-</p:notes>
-</file>
-
-<file path=ppt/notesSlides/notesSlide17.xml><?xml version="1.0" encoding="utf-8"?>
 <p:notes xmlns:a="http://schemas.openxmlformats.org/drawingml/2006/main" xmlns:r="http://schemas.openxmlformats.org/officeDocument/2006/relationships" xmlns:p="http://schemas.openxmlformats.org/presentationml/2006/main" showMasterSp="0" showMasterPhAnim="0">
   <p:cSld>
     <p:spTree>
@@ -8091,10 +7876,10 @@
               <a:buNone/>
             </a:pPr>
             <a:r>
-              <a:rPr lang="en-GB"/>
+              <a:rPr lang="en-GB" dirty="0"/>
               <a:t>Similar to part 1 and 2, using regex we can say:</a:t>
             </a:r>
-            <a:endParaRPr/>
+            <a:endParaRPr dirty="0"/>
           </a:p>
           <a:p>
             <a:pPr marL="0" lvl="0" indent="0" algn="l" rtl="0">
@@ -8106,7 +7891,7 @@
               </a:spcAft>
               <a:buNone/>
             </a:pPr>
-            <a:endParaRPr/>
+            <a:endParaRPr dirty="0"/>
           </a:p>
           <a:p>
             <a:pPr marL="0" lvl="0" indent="0" algn="l" rtl="0">
@@ -8119,14 +7904,14 @@
               <a:buNone/>
             </a:pPr>
             <a:r>
-              <a:rPr lang="en-GB">
+              <a:rPr lang="en-GB" dirty="0">
                 <a:highlight>
                   <a:srgbClr val="FFFF00"/>
                 </a:highlight>
               </a:rPr>
               <a:t>(0|1)* 010 (0|1)*</a:t>
             </a:r>
-            <a:endParaRPr>
+            <a:endParaRPr dirty="0">
               <a:highlight>
                 <a:srgbClr val="FFFF00"/>
               </a:highlight>
@@ -8142,7 +7927,7 @@
               </a:spcAft>
               <a:buNone/>
             </a:pPr>
-            <a:endParaRPr/>
+            <a:endParaRPr dirty="0"/>
           </a:p>
           <a:p>
             <a:pPr marL="0" lvl="0" indent="0" algn="l" rtl="0">
@@ -8154,7 +7939,7 @@
               </a:spcAft>
               <a:buNone/>
             </a:pPr>
-            <a:endParaRPr/>
+            <a:endParaRPr dirty="0"/>
           </a:p>
         </p:txBody>
       </p:sp>
@@ -8345,149 +8130,6 @@
 </file>
 
 <file path=ppt/slides/slide15.xml><?xml version="1.0" encoding="utf-8"?>
-<p:sld xmlns:a="http://schemas.openxmlformats.org/drawingml/2006/main" xmlns:r="http://schemas.openxmlformats.org/officeDocument/2006/relationships" xmlns:p="http://schemas.openxmlformats.org/presentationml/2006/main">
-  <p:cSld>
-    <p:spTree>
-      <p:nvGrpSpPr>
-        <p:cNvPr id="1" name="Shape 153"/>
-        <p:cNvGrpSpPr/>
-        <p:nvPr/>
-      </p:nvGrpSpPr>
-      <p:grpSpPr>
-        <a:xfrm>
-          <a:off x="0" y="0"/>
-          <a:ext cx="0" cy="0"/>
-          <a:chOff x="0" y="0"/>
-          <a:chExt cx="0" cy="0"/>
-        </a:xfrm>
-      </p:grpSpPr>
-      <p:sp>
-        <p:nvSpPr>
-          <p:cNvPr id="154" name="Google Shape;154;p27"/>
-          <p:cNvSpPr txBox="1">
-            <a:spLocks noGrp="1"/>
-          </p:cNvSpPr>
-          <p:nvPr>
-            <p:ph type="title"/>
-          </p:nvPr>
-        </p:nvSpPr>
-        <p:spPr>
-          <a:xfrm>
-            <a:off x="311700" y="2150850"/>
-            <a:ext cx="8520600" cy="841800"/>
-          </a:xfrm>
-          <a:prstGeom prst="rect">
-            <a:avLst/>
-          </a:prstGeom>
-        </p:spPr>
-        <p:txBody>
-          <a:bodyPr spcFirstLastPara="1" wrap="square" lIns="91425" tIns="91425" rIns="91425" bIns="91425" anchor="ctr" anchorCtr="0">
-            <a:noAutofit/>
-          </a:bodyPr>
-          <a:lstStyle/>
-          <a:p>
-            <a:pPr marL="0" lvl="0" indent="0" algn="ctr" rtl="0">
-              <a:spcBef>
-                <a:spcPts val="0"/>
-              </a:spcBef>
-              <a:spcAft>
-                <a:spcPts val="0"/>
-              </a:spcAft>
-              <a:buNone/>
-            </a:pPr>
-            <a:r>
-              <a:rPr lang="en-GB"/>
-              <a:t>Let’s Go Over the Midterm Solutions</a:t>
-            </a:r>
-            <a:endParaRPr/>
-          </a:p>
-        </p:txBody>
-      </p:sp>
-    </p:spTree>
-  </p:cSld>
-  <p:clrMapOvr>
-    <a:masterClrMapping/>
-  </p:clrMapOvr>
-</p:sld>
-</file>
-
-<file path=ppt/slides/slide16.xml><?xml version="1.0" encoding="utf-8"?>
-<p:sld xmlns:a="http://schemas.openxmlformats.org/drawingml/2006/main" xmlns:r="http://schemas.openxmlformats.org/officeDocument/2006/relationships" xmlns:p="http://schemas.openxmlformats.org/presentationml/2006/main">
-  <p:cSld>
-    <p:spTree>
-      <p:nvGrpSpPr>
-        <p:cNvPr id="1" name="Shape 153"/>
-        <p:cNvGrpSpPr/>
-        <p:nvPr/>
-      </p:nvGrpSpPr>
-      <p:grpSpPr>
-        <a:xfrm>
-          <a:off x="0" y="0"/>
-          <a:ext cx="0" cy="0"/>
-          <a:chOff x="0" y="0"/>
-          <a:chExt cx="0" cy="0"/>
-        </a:xfrm>
-      </p:grpSpPr>
-      <p:sp>
-        <p:nvSpPr>
-          <p:cNvPr id="154" name="Google Shape;154;p27"/>
-          <p:cNvSpPr txBox="1">
-            <a:spLocks noGrp="1"/>
-          </p:cNvSpPr>
-          <p:nvPr>
-            <p:ph type="title"/>
-          </p:nvPr>
-        </p:nvSpPr>
-        <p:spPr>
-          <a:xfrm>
-            <a:off x="311700" y="2150850"/>
-            <a:ext cx="8520600" cy="841800"/>
-          </a:xfrm>
-          <a:prstGeom prst="rect">
-            <a:avLst/>
-          </a:prstGeom>
-        </p:spPr>
-        <p:txBody>
-          <a:bodyPr spcFirstLastPara="1" wrap="square" lIns="91425" tIns="91425" rIns="91425" bIns="91425" anchor="ctr" anchorCtr="0">
-            <a:noAutofit/>
-          </a:bodyPr>
-          <a:lstStyle/>
-          <a:p>
-            <a:pPr marL="0" lvl="0" indent="0" algn="ctr" rtl="0">
-              <a:spcBef>
-                <a:spcPts val="0"/>
-              </a:spcBef>
-              <a:spcAft>
-                <a:spcPts val="0"/>
-              </a:spcAft>
-              <a:buNone/>
-            </a:pPr>
-            <a:r>
-              <a:rPr lang="en-GB" dirty="0"/>
-              <a:t>I HAVE CURRENTLY TAKEN DOWN THE TEST SINCE APPERENTLY I HAD THE WRONG MARKING SCHEME. </a:t>
-            </a:r>
-            <a:r>
-              <a:rPr lang="en-GB"/>
-              <a:t>I WILL PUT UP THE CORRECT ONE ASAP.</a:t>
-            </a:r>
-            <a:endParaRPr dirty="0"/>
-          </a:p>
-        </p:txBody>
-      </p:sp>
-    </p:spTree>
-    <p:extLst>
-      <p:ext uri="{BB962C8B-B14F-4D97-AF65-F5344CB8AC3E}">
-        <p14:creationId xmlns:p14="http://schemas.microsoft.com/office/powerpoint/2010/main" val="2297976598"/>
-      </p:ext>
-    </p:extLst>
-  </p:cSld>
-  <p:clrMapOvr>
-    <a:masterClrMapping/>
-  </p:clrMapOvr>
-</p:sld>
-</file>
-
-<file path=ppt/slides/slide17.xml><?xml version="1.0" encoding="utf-8"?>
 <p:sld xmlns:a="http://schemas.openxmlformats.org/drawingml/2006/main" xmlns:r="http://schemas.openxmlformats.org/officeDocument/2006/relationships" xmlns:p="http://schemas.openxmlformats.org/presentationml/2006/main">
   <p:cSld>
     <p:spTree>
